--- a/日語發音矯正系統.pptx
+++ b/日語發音矯正系統.pptx
@@ -15,6 +15,20 @@
     <p:sldId id="270" r:id="rId9"/>
     <p:sldId id="271" r:id="rId10"/>
     <p:sldId id="272" r:id="rId11"/>
+    <p:sldId id="273" r:id="rId12"/>
+    <p:sldId id="275" r:id="rId13"/>
+    <p:sldId id="284" r:id="rId14"/>
+    <p:sldId id="283" r:id="rId15"/>
+    <p:sldId id="286" r:id="rId16"/>
+    <p:sldId id="280" r:id="rId17"/>
+    <p:sldId id="278" r:id="rId18"/>
+    <p:sldId id="276" r:id="rId19"/>
+    <p:sldId id="281" r:id="rId20"/>
+    <p:sldId id="285" r:id="rId21"/>
+    <p:sldId id="288" r:id="rId22"/>
+    <p:sldId id="289" r:id="rId23"/>
+    <p:sldId id="287" r:id="rId24"/>
+    <p:sldId id="290" r:id="rId25"/>
   </p:sldIdLst>
   <p:sldSz cx="12192000" cy="6858000"/>
   <p:notesSz cx="6858000" cy="9144000"/>
@@ -124,18 +138,7 @@
 <file path=ppt/revisionInfo.xml><?xml version="1.0" encoding="utf-8"?>
 <p1510:revInfo xmlns:a="http://schemas.openxmlformats.org/drawingml/2006/main" xmlns:r="http://schemas.openxmlformats.org/officeDocument/2006/relationships" xmlns:p1510="http://schemas.microsoft.com/office/powerpoint/2015/10/main">
   <p1510:revLst>
-    <p1510:client id="{0D32483E-CD94-CCAA-5A3B-6B5EA8CEBE3B}" v="137" dt="2023-10-21T10:10:09.282"/>
-    <p1510:client id="{2DF8AB50-B1F3-7ADB-46F3-A03340BFB267}" v="94" dt="2023-11-18T15:46:00.911"/>
-    <p1510:client id="{3209738D-2249-4264-A470-894517FEDFF6}" v="21" dt="2023-09-25T02:57:25.765"/>
-    <p1510:client id="{794091D6-0606-4FFC-8BE2-BFCE27F6B01A}" v="171" dt="2023-11-15T12:07:42.180"/>
-    <p1510:client id="{85DC8297-5063-33AC-B68E-15B8992EF33C}" v="7" dt="2023-11-11T07:41:05.933"/>
-    <p1510:client id="{A70650B0-970C-C941-0EC8-9F62F7B558D5}" v="2" dt="2023-09-24T08:42:37.273"/>
-    <p1510:client id="{BDE4B618-485E-44A8-B037-A25A2FB8BB53}" v="242" dt="2023-09-25T03:42:42.403"/>
-    <p1510:client id="{CD904D9C-566E-5779-A568-E9FC01073E7D}" v="3" dt="2023-10-28T05:42:38.862"/>
-    <p1510:client id="{D31BE7AC-7A05-434C-992F-F993F831BCD3}" v="1" dt="2023-09-25T02:25:30.530"/>
-    <p1510:client id="{D7E12B06-CF53-540A-08BA-5AA05A209DF9}" v="23" dt="2023-11-17T09:27:08.438"/>
-    <p1510:client id="{DD0C4F4C-27D3-48FB-8E4A-43ADE2D3A4D1}" v="20" dt="2023-09-25T03:34:03.028"/>
-    <p1510:client id="{FEB92222-638F-4058-20D6-4BF0BC542F4F}" v="38" dt="2023-09-25T01:51:48.874"/>
+    <p1510:client id="{5259A6D0-A003-0ABE-6D0D-00C56181AAEA}" v="427" dt="2024-03-02T14:49:58.827"/>
   </p1510:revLst>
 </p1510:revInfo>
 </file>
@@ -287,7 +290,7 @@
           <a:p>
             <a:fld id="{B365537B-4D46-468A-BDD0-9D1637D05E2E}" type="datetimeFigureOut">
               <a:rPr lang="zh-TW" altLang="en-US" smtClean="0"/>
-              <a:t>2023/11/19</a:t>
+              <a:t>2024/3/2</a:t>
             </a:fld>
             <a:endParaRPr lang="zh-TW" altLang="en-US"/>
           </a:p>
@@ -485,7 +488,7 @@
           <a:p>
             <a:fld id="{B365537B-4D46-468A-BDD0-9D1637D05E2E}" type="datetimeFigureOut">
               <a:rPr lang="zh-TW" altLang="en-US" smtClean="0"/>
-              <a:t>2023/11/19</a:t>
+              <a:t>2024/3/2</a:t>
             </a:fld>
             <a:endParaRPr lang="zh-TW" altLang="en-US"/>
           </a:p>
@@ -693,7 +696,7 @@
           <a:p>
             <a:fld id="{B365537B-4D46-468A-BDD0-9D1637D05E2E}" type="datetimeFigureOut">
               <a:rPr lang="zh-TW" altLang="en-US" smtClean="0"/>
-              <a:t>2023/11/19</a:t>
+              <a:t>2024/3/2</a:t>
             </a:fld>
             <a:endParaRPr lang="zh-TW" altLang="en-US"/>
           </a:p>
@@ -891,7 +894,7 @@
           <a:p>
             <a:fld id="{B365537B-4D46-468A-BDD0-9D1637D05E2E}" type="datetimeFigureOut">
               <a:rPr lang="zh-TW" altLang="en-US" smtClean="0"/>
-              <a:t>2023/11/19</a:t>
+              <a:t>2024/3/2</a:t>
             </a:fld>
             <a:endParaRPr lang="zh-TW" altLang="en-US"/>
           </a:p>
@@ -1166,7 +1169,7 @@
           <a:p>
             <a:fld id="{B365537B-4D46-468A-BDD0-9D1637D05E2E}" type="datetimeFigureOut">
               <a:rPr lang="zh-TW" altLang="en-US" smtClean="0"/>
-              <a:t>2023/11/19</a:t>
+              <a:t>2024/3/2</a:t>
             </a:fld>
             <a:endParaRPr lang="zh-TW" altLang="en-US"/>
           </a:p>
@@ -1431,7 +1434,7 @@
           <a:p>
             <a:fld id="{B365537B-4D46-468A-BDD0-9D1637D05E2E}" type="datetimeFigureOut">
               <a:rPr lang="zh-TW" altLang="en-US" smtClean="0"/>
-              <a:t>2023/11/19</a:t>
+              <a:t>2024/3/2</a:t>
             </a:fld>
             <a:endParaRPr lang="zh-TW" altLang="en-US"/>
           </a:p>
@@ -1843,7 +1846,7 @@
           <a:p>
             <a:fld id="{B365537B-4D46-468A-BDD0-9D1637D05E2E}" type="datetimeFigureOut">
               <a:rPr lang="zh-TW" altLang="en-US" smtClean="0"/>
-              <a:t>2023/11/19</a:t>
+              <a:t>2024/3/2</a:t>
             </a:fld>
             <a:endParaRPr lang="zh-TW" altLang="en-US"/>
           </a:p>
@@ -1984,7 +1987,7 @@
           <a:p>
             <a:fld id="{B365537B-4D46-468A-BDD0-9D1637D05E2E}" type="datetimeFigureOut">
               <a:rPr lang="zh-TW" altLang="en-US" smtClean="0"/>
-              <a:t>2023/11/19</a:t>
+              <a:t>2024/3/2</a:t>
             </a:fld>
             <a:endParaRPr lang="zh-TW" altLang="en-US"/>
           </a:p>
@@ -2097,7 +2100,7 @@
           <a:p>
             <a:fld id="{B365537B-4D46-468A-BDD0-9D1637D05E2E}" type="datetimeFigureOut">
               <a:rPr lang="zh-TW" altLang="en-US" smtClean="0"/>
-              <a:t>2023/11/19</a:t>
+              <a:t>2024/3/2</a:t>
             </a:fld>
             <a:endParaRPr lang="zh-TW" altLang="en-US"/>
           </a:p>
@@ -2408,7 +2411,7 @@
           <a:p>
             <a:fld id="{B365537B-4D46-468A-BDD0-9D1637D05E2E}" type="datetimeFigureOut">
               <a:rPr lang="zh-TW" altLang="en-US" smtClean="0"/>
-              <a:t>2023/11/19</a:t>
+              <a:t>2024/3/2</a:t>
             </a:fld>
             <a:endParaRPr lang="zh-TW" altLang="en-US"/>
           </a:p>
@@ -2696,7 +2699,7 @@
           <a:p>
             <a:fld id="{B365537B-4D46-468A-BDD0-9D1637D05E2E}" type="datetimeFigureOut">
               <a:rPr lang="zh-TW" altLang="en-US" smtClean="0"/>
-              <a:t>2023/11/19</a:t>
+              <a:t>2024/3/2</a:t>
             </a:fld>
             <a:endParaRPr lang="zh-TW" altLang="en-US"/>
           </a:p>
@@ -2937,7 +2940,7 @@
           <a:p>
             <a:fld id="{B365537B-4D46-468A-BDD0-9D1637D05E2E}" type="datetimeFigureOut">
               <a:rPr lang="zh-TW" altLang="en-US" smtClean="0"/>
-              <a:t>2023/11/19</a:t>
+              <a:t>2024/3/2</a:t>
             </a:fld>
             <a:endParaRPr lang="zh-TW" altLang="en-US"/>
           </a:p>
@@ -3979,7 +3982,7 @@
                   <a:schemeClr val="bg1"/>
                 </a:solidFill>
               </a:rPr>
-              <a:t>AI組-進度</a:t>
+              <a:t>11/19-AI組-進度</a:t>
             </a:r>
             <a:endParaRPr lang="zh-TW" sz="2400">
               <a:solidFill>
@@ -4112,11 +4115,6 @@
               </a:rPr>
               <a:t>語音辨識</a:t>
             </a:r>
-            <a:endParaRPr lang="zh-TW" altLang="en-US" sz="2000" dirty="0">
-              <a:solidFill>
-                <a:schemeClr val="bg1"/>
-              </a:solidFill>
-            </a:endParaRPr>
           </a:p>
           <a:p>
             <a:pPr marL="0" indent="0">
@@ -4130,11 +4128,6 @@
               </a:rPr>
               <a:t>音檔降噪</a:t>
             </a:r>
-            <a:endParaRPr lang="zh-TW" altLang="en-US" sz="2000" dirty="0">
-              <a:solidFill>
-                <a:schemeClr val="bg1"/>
-              </a:solidFill>
-            </a:endParaRPr>
           </a:p>
           <a:p>
             <a:pPr marL="0" indent="0">
@@ -4148,18 +4141,13 @@
               </a:rPr>
               <a:t>正在研究:</a:t>
             </a:r>
-            <a:endParaRPr lang="zh-TW" altLang="en-US" sz="2000" dirty="0">
-              <a:solidFill>
-                <a:schemeClr val="bg1"/>
-              </a:solidFill>
-            </a:endParaRPr>
           </a:p>
           <a:p>
             <a:pPr marL="0" indent="0">
               <a:buNone/>
             </a:pPr>
             <a:r>
-              <a:rPr lang="en-US" sz="2000" dirty="0">
+              <a:rPr lang="en-US" sz="2000">
                 <a:solidFill>
                   <a:schemeClr val="bg1"/>
                 </a:solidFill>
@@ -4174,7 +4162,7 @@
               <a:t>Automatic Pronunciation Assessment using Self-Supervised</a:t>
             </a:r>
             <a:r>
-              <a:rPr lang="en-US" altLang="zh-TW" sz="2000" dirty="0">
+              <a:rPr lang="en-US" altLang="zh-TW" sz="2000">
                 <a:solidFill>
                   <a:schemeClr val="bg1"/>
                 </a:solidFill>
@@ -4189,7 +4177,7 @@
               <a:t> </a:t>
             </a:r>
             <a:r>
-              <a:rPr lang="en-US" sz="2000" dirty="0">
+              <a:rPr lang="en-US" sz="2000">
                 <a:solidFill>
                   <a:schemeClr val="bg1"/>
                 </a:solidFill>
@@ -4204,7 +4192,7 @@
               <a:t>Speech</a:t>
             </a:r>
             <a:r>
-              <a:rPr lang="en-US" altLang="zh-TW" sz="2000" dirty="0">
+              <a:rPr lang="en-US" altLang="zh-TW" sz="2000">
                 <a:solidFill>
                   <a:schemeClr val="bg1"/>
                 </a:solidFill>
@@ -4219,7 +4207,7 @@
               <a:t> </a:t>
             </a:r>
             <a:r>
-              <a:rPr lang="en-US" sz="2000" dirty="0">
+              <a:rPr lang="en-US" sz="2000">
                 <a:solidFill>
                   <a:schemeClr val="bg1"/>
                 </a:solidFill>
@@ -4234,7 +4222,7 @@
               <a:t>Representation</a:t>
             </a:r>
             <a:r>
-              <a:rPr lang="en-US" altLang="zh-TW" sz="2000" dirty="0">
+              <a:rPr lang="en-US" altLang="zh-TW" sz="2000">
                 <a:solidFill>
                   <a:schemeClr val="bg1"/>
                 </a:solidFill>
@@ -4249,7 +4237,7 @@
               <a:t> </a:t>
             </a:r>
             <a:r>
-              <a:rPr lang="en-US" sz="2000" dirty="0">
+              <a:rPr lang="en-US" sz="2000">
                 <a:solidFill>
                   <a:schemeClr val="bg1"/>
                 </a:solidFill>
@@ -4264,7 +4252,7 @@
               <a:t>Learning</a:t>
             </a:r>
             <a:r>
-              <a:rPr lang="en-US" sz="2000" dirty="0">
+              <a:rPr lang="en-US" sz="2000">
                 <a:solidFill>
                   <a:schemeClr val="bg1"/>
                 </a:solidFill>
@@ -4272,7 +4260,7 @@
               <a:t>(</a:t>
             </a:r>
             <a:r>
-              <a:rPr lang="en-US" sz="2000" dirty="0">
+              <a:rPr lang="en-US" sz="2000">
                 <a:solidFill>
                   <a:schemeClr val="bg1"/>
                 </a:solidFill>
@@ -4282,7 +4270,7 @@
               <a:t>https://ar5iv.labs.arxiv.org/html/2204.03863</a:t>
             </a:r>
             <a:r>
-              <a:rPr lang="en-US" sz="2000" dirty="0">
+              <a:rPr lang="en-US" sz="2000">
                 <a:solidFill>
                   <a:schemeClr val="bg1"/>
                 </a:solidFill>
@@ -4295,7 +4283,7 @@
               <a:buNone/>
             </a:pPr>
             <a:r>
-              <a:rPr lang="en-US" altLang="zh-TW" sz="2000" dirty="0" err="1">
+              <a:rPr lang="en-US" altLang="zh-TW" sz="2000" err="1">
                 <a:solidFill>
                   <a:schemeClr val="bg1"/>
                 </a:solidFill>
@@ -4328,17 +4316,12 @@
               </a:rPr>
               <a:t>增加前處理的方法</a:t>
             </a:r>
-            <a:endParaRPr lang="zh-TW" altLang="en-US" sz="2000" dirty="0">
-              <a:solidFill>
-                <a:schemeClr val="bg1"/>
-              </a:solidFill>
-            </a:endParaRPr>
           </a:p>
           <a:p>
             <a:pPr marL="0" indent="0">
               <a:buNone/>
             </a:pPr>
-            <a:endParaRPr lang="zh-TW" altLang="en-US" sz="2000" dirty="0">
+            <a:endParaRPr lang="zh-TW" altLang="en-US" sz="2000">
               <a:solidFill>
                 <a:schemeClr val="bg1"/>
               </a:solidFill>
@@ -4442,6 +4425,5394 @@
     <p:extLst>
       <p:ext uri="{BB962C8B-B14F-4D97-AF65-F5344CB8AC3E}">
         <p14:creationId xmlns:p14="http://schemas.microsoft.com/office/powerpoint/2010/main" val="1060235231"/>
+      </p:ext>
+    </p:extLst>
+  </p:cSld>
+  <p:clrMapOvr>
+    <a:masterClrMapping/>
+  </p:clrMapOvr>
+  <mc:AlternateContent xmlns:mc="http://schemas.openxmlformats.org/markup-compatibility/2006" xmlns:p159="http://schemas.microsoft.com/office/powerpoint/2015/09/main">
+    <mc:Choice Requires="p159">
+      <p:transition xmlns:p14="http://schemas.microsoft.com/office/powerpoint/2010/main" spd="slow" p14:dur="2000">
+        <p159:morph option="byObject"/>
+      </p:transition>
+    </mc:Choice>
+    <mc:Fallback xmlns="">
+      <p:transition spd="slow">
+        <p:fade/>
+      </p:transition>
+    </mc:Fallback>
+  </mc:AlternateContent>
+</p:sld>
+</file>
+
+<file path=ppt/slides/slide11.xml><?xml version="1.0" encoding="utf-8"?>
+<p:sld xmlns:a="http://schemas.openxmlformats.org/drawingml/2006/main" xmlns:r="http://schemas.openxmlformats.org/officeDocument/2006/relationships" xmlns:p="http://schemas.openxmlformats.org/presentationml/2006/main">
+  <p:cSld>
+    <p:bg>
+      <p:bgPr>
+        <a:solidFill>
+          <a:schemeClr val="bg1"/>
+        </a:solidFill>
+        <a:effectLst/>
+      </p:bgPr>
+    </p:bg>
+    <p:spTree>
+      <p:nvGrpSpPr>
+        <p:cNvPr id="1" name=""/>
+        <p:cNvGrpSpPr/>
+        <p:nvPr/>
+      </p:nvGrpSpPr>
+      <p:grpSpPr>
+        <a:xfrm>
+          <a:off x="0" y="0"/>
+          <a:ext cx="0" cy="0"/>
+          <a:chOff x="0" y="0"/>
+          <a:chExt cx="0" cy="0"/>
+        </a:xfrm>
+      </p:grpSpPr>
+      <p:sp>
+        <p:nvSpPr>
+          <p:cNvPr id="38" name="Rectangle 37">
+            <a:extLst>
+              <a:ext uri="{FF2B5EF4-FFF2-40B4-BE49-F238E27FC236}">
+                <a16:creationId xmlns:a16="http://schemas.microsoft.com/office/drawing/2014/main" id="{A7AE9375-4664-4DB2-922D-2782A6E439AC}"/>
+              </a:ext>
+              <a:ext uri="{C183D7F6-B498-43B3-948B-1728B52AA6E4}">
+                <adec:decorative xmlns:adec="http://schemas.microsoft.com/office/drawing/2017/decorative" val="1"/>
+              </a:ext>
+            </a:extLst>
+          </p:cNvPr>
+          <p:cNvSpPr>
+            <a:spLocks noGrp="1" noRot="1" noChangeAspect="1" noMove="1" noResize="1" noEditPoints="1" noAdjustHandles="1" noChangeArrowheads="1" noChangeShapeType="1" noTextEdit="1"/>
+          </p:cNvSpPr>
+          <p:nvPr>
+            <p:extLst>
+              <p:ext uri="{386F3935-93C4-4BCD-93E2-E3B085C9AB24}">
+                <p16:designElem xmlns:p16="http://schemas.microsoft.com/office/powerpoint/2015/main" val="1"/>
+              </p:ext>
+            </p:extLst>
+          </p:nvPr>
+        </p:nvSpPr>
+        <p:spPr>
+          <a:xfrm>
+            <a:off x="0" y="0"/>
+            <a:ext cx="12192000" cy="6858000"/>
+          </a:xfrm>
+          <a:prstGeom prst="rect">
+            <a:avLst/>
+          </a:prstGeom>
+          <a:solidFill>
+            <a:schemeClr val="tx1">
+              <a:lumMod val="95000"/>
+              <a:lumOff val="5000"/>
+            </a:schemeClr>
+          </a:solidFill>
+          <a:ln>
+            <a:noFill/>
+          </a:ln>
+        </p:spPr>
+        <p:style>
+          <a:lnRef idx="2">
+            <a:schemeClr val="accent1">
+              <a:shade val="50000"/>
+            </a:schemeClr>
+          </a:lnRef>
+          <a:fillRef idx="1">
+            <a:schemeClr val="accent1"/>
+          </a:fillRef>
+          <a:effectRef idx="0">
+            <a:schemeClr val="accent1"/>
+          </a:effectRef>
+          <a:fontRef idx="minor">
+            <a:schemeClr val="lt1"/>
+          </a:fontRef>
+        </p:style>
+        <p:txBody>
+          <a:bodyPr rtlCol="0" anchor="ctr"/>
+          <a:lstStyle/>
+          <a:p>
+            <a:pPr marL="0" marR="0" lvl="0" indent="0" algn="ctr" defTabSz="914400" rtl="0" eaLnBrk="1" fontAlgn="auto" latinLnBrk="0" hangingPunct="1">
+              <a:lnSpc>
+                <a:spcPct val="100000"/>
+              </a:lnSpc>
+              <a:spcBef>
+                <a:spcPts val="0"/>
+              </a:spcBef>
+              <a:spcAft>
+                <a:spcPts val="0"/>
+              </a:spcAft>
+              <a:buClrTx/>
+              <a:buSzTx/>
+              <a:buFontTx/>
+              <a:buNone/>
+              <a:tabLst/>
+              <a:defRPr/>
+            </a:pPr>
+            <a:endParaRPr kumimoji="0" lang="en-US" sz="1800" b="0" i="0" u="none" strike="noStrike" kern="1200" cap="none" spc="0" normalizeH="0" baseline="0" noProof="0">
+              <a:ln>
+                <a:noFill/>
+              </a:ln>
+              <a:solidFill>
+                <a:prstClr val="black"/>
+              </a:solidFill>
+              <a:effectLst/>
+              <a:uLnTx/>
+              <a:uFillTx/>
+              <a:latin typeface="微軟正黑體"/>
+              <a:ea typeface="微軟正黑體"/>
+              <a:cs typeface="+mn-cs"/>
+            </a:endParaRPr>
+          </a:p>
+        </p:txBody>
+      </p:sp>
+      <p:sp>
+        <p:nvSpPr>
+          <p:cNvPr id="2" name="標題 1">
+            <a:extLst>
+              <a:ext uri="{FF2B5EF4-FFF2-40B4-BE49-F238E27FC236}">
+                <a16:creationId xmlns:a16="http://schemas.microsoft.com/office/drawing/2014/main" id="{4185B2FE-C0DB-3425-291A-B785A4DA51C5}"/>
+              </a:ext>
+            </a:extLst>
+          </p:cNvPr>
+          <p:cNvSpPr>
+            <a:spLocks noGrp="1"/>
+          </p:cNvSpPr>
+          <p:nvPr>
+            <p:ph type="title"/>
+          </p:nvPr>
+        </p:nvSpPr>
+        <p:spPr>
+          <a:xfrm>
+            <a:off x="1392667" y="594294"/>
+            <a:ext cx="4508946" cy="1325563"/>
+          </a:xfrm>
+        </p:spPr>
+        <p:txBody>
+          <a:bodyPr anchor="b">
+            <a:normAutofit/>
+          </a:bodyPr>
+          <a:lstStyle/>
+          <a:p>
+            <a:r>
+              <a:rPr lang="zh-TW" altLang="en-US" sz="4000">
+                <a:solidFill>
+                  <a:schemeClr val="bg1"/>
+                </a:solidFill>
+                <a:latin typeface="Microsoft JhengHei"/>
+                <a:ea typeface="Microsoft JhengHei"/>
+              </a:rPr>
+              <a:t>HuBERT</a:t>
+            </a:r>
+            <a:endParaRPr lang="zh-TW" sz="4000" err="1">
+              <a:solidFill>
+                <a:schemeClr val="bg1"/>
+              </a:solidFill>
+              <a:latin typeface="Microsoft JhengHei"/>
+              <a:ea typeface="Microsoft JhengHei"/>
+            </a:endParaRPr>
+          </a:p>
+        </p:txBody>
+      </p:sp>
+      <p:cxnSp>
+        <p:nvCxnSpPr>
+          <p:cNvPr id="40" name="Straight Connector 39">
+            <a:extLst>
+              <a:ext uri="{FF2B5EF4-FFF2-40B4-BE49-F238E27FC236}">
+                <a16:creationId xmlns:a16="http://schemas.microsoft.com/office/drawing/2014/main" id="{EE504C98-6397-41C1-A8D8-2D9C4ED307E0}"/>
+              </a:ext>
+              <a:ext uri="{C183D7F6-B498-43B3-948B-1728B52AA6E4}">
+                <adec:decorative xmlns:adec="http://schemas.microsoft.com/office/drawing/2017/decorative" val="1"/>
+              </a:ext>
+            </a:extLst>
+          </p:cNvPr>
+          <p:cNvCxnSpPr>
+            <a:cxnSpLocks noGrp="1" noRot="1" noChangeAspect="1" noMove="1" noResize="1" noEditPoints="1" noAdjustHandles="1" noChangeArrowheads="1" noChangeShapeType="1"/>
+          </p:cNvCxnSpPr>
+          <p:nvPr>
+            <p:extLst>
+              <p:ext uri="{386F3935-93C4-4BCD-93E2-E3B085C9AB24}">
+                <p16:designElem xmlns:p16="http://schemas.microsoft.com/office/powerpoint/2015/main" val="1"/>
+              </p:ext>
+            </p:extLst>
+          </p:nvPr>
+        </p:nvCxnSpPr>
+        <p:spPr>
+          <a:xfrm flipH="1">
+            <a:off x="126210" y="2026340"/>
+            <a:ext cx="5220936" cy="0"/>
+          </a:xfrm>
+          <a:prstGeom prst="line">
+            <a:avLst/>
+          </a:prstGeom>
+          <a:ln w="12700">
+            <a:solidFill>
+              <a:schemeClr val="accent2"/>
+            </a:solidFill>
+          </a:ln>
+        </p:spPr>
+        <p:style>
+          <a:lnRef idx="1">
+            <a:schemeClr val="accent1"/>
+          </a:lnRef>
+          <a:fillRef idx="0">
+            <a:schemeClr val="accent1"/>
+          </a:fillRef>
+          <a:effectRef idx="0">
+            <a:schemeClr val="accent1"/>
+          </a:effectRef>
+          <a:fontRef idx="minor">
+            <a:schemeClr val="tx1"/>
+          </a:fontRef>
+        </p:style>
+      </p:cxnSp>
+      <p:sp>
+        <p:nvSpPr>
+          <p:cNvPr id="3" name="內容版面配置區 2">
+            <a:extLst>
+              <a:ext uri="{FF2B5EF4-FFF2-40B4-BE49-F238E27FC236}">
+                <a16:creationId xmlns:a16="http://schemas.microsoft.com/office/drawing/2014/main" id="{E94730DB-35A7-9DE6-D4E2-BE946897AB02}"/>
+              </a:ext>
+            </a:extLst>
+          </p:cNvPr>
+          <p:cNvSpPr>
+            <a:spLocks noGrp="1"/>
+          </p:cNvSpPr>
+          <p:nvPr>
+            <p:ph idx="1"/>
+          </p:nvPr>
+        </p:nvSpPr>
+        <p:spPr>
+          <a:xfrm>
+            <a:off x="1392667" y="2131763"/>
+            <a:ext cx="9406666" cy="4505857"/>
+          </a:xfrm>
+        </p:spPr>
+        <p:txBody>
+          <a:bodyPr vert="horz" lIns="91440" tIns="45720" rIns="91440" bIns="45720" rtlCol="0" anchor="t">
+            <a:normAutofit lnSpcReduction="10000"/>
+          </a:bodyPr>
+          <a:lstStyle/>
+          <a:p>
+            <a:pPr>
+              <a:buNone/>
+            </a:pPr>
+            <a:r>
+              <a:rPr lang="zh-TW" altLang="en-US" sz="2000">
+                <a:solidFill>
+                  <a:schemeClr val="bg1"/>
+                </a:solidFill>
+                <a:latin typeface="Microsoft JhengHei"/>
+                <a:ea typeface="Microsoft JhengHei"/>
+              </a:rPr>
+              <a:t>目前</a:t>
+            </a:r>
+            <a:r>
+              <a:rPr lang="zh-TW" sz="2000">
+                <a:solidFill>
+                  <a:schemeClr val="bg1"/>
+                </a:solidFill>
+                <a:latin typeface="Microsoft JhengHei"/>
+                <a:ea typeface="Microsoft JhengHei"/>
+              </a:rPr>
+              <a:t>進度:</a:t>
+            </a:r>
+            <a:endParaRPr lang="zh-TW">
+              <a:solidFill>
+                <a:schemeClr val="bg1"/>
+              </a:solidFill>
+            </a:endParaRPr>
+          </a:p>
+          <a:p>
+            <a:pPr marL="342900" indent="-342900"/>
+            <a:r>
+              <a:rPr lang="zh-TW" altLang="en-US" sz="2000">
+                <a:solidFill>
+                  <a:schemeClr val="bg1"/>
+                </a:solidFill>
+                <a:latin typeface="Microsoft JhengHei"/>
+                <a:ea typeface="Microsoft JhengHei"/>
+              </a:rPr>
+              <a:t>決定使用pre-train model當作特徵提取的工具。</a:t>
+            </a:r>
+          </a:p>
+          <a:p>
+            <a:pPr marL="342900" indent="-342900"/>
+            <a:r>
+              <a:rPr lang="zh-TW" altLang="en-US" sz="2000">
+                <a:solidFill>
+                  <a:schemeClr val="bg1"/>
+                </a:solidFill>
+                <a:latin typeface="Microsoft JhengHei"/>
+                <a:ea typeface="Microsoft JhengHei"/>
+              </a:rPr>
+              <a:t>會使用Hubert做預測單字跟句子。</a:t>
+            </a:r>
+            <a:endParaRPr lang="zh-TW" sz="2000">
+              <a:solidFill>
+                <a:schemeClr val="bg1"/>
+              </a:solidFill>
+              <a:latin typeface="Microsoft JhengHei"/>
+              <a:ea typeface="Microsoft JhengHei"/>
+            </a:endParaRPr>
+          </a:p>
+          <a:p>
+            <a:pPr marL="342900" indent="-342900"/>
+            <a:r>
+              <a:rPr lang="zh-TW" altLang="en-US" sz="2000">
+                <a:solidFill>
+                  <a:schemeClr val="bg1"/>
+                </a:solidFill>
+                <a:latin typeface="Microsoft JhengHei"/>
+                <a:ea typeface="Microsoft JhengHei"/>
+              </a:rPr>
+              <a:t>確認要用單聲道，取樣率16000HZ。</a:t>
+            </a:r>
+          </a:p>
+          <a:p>
+            <a:pPr marL="0" indent="0">
+              <a:buNone/>
+            </a:pPr>
+            <a:r>
+              <a:rPr lang="zh-TW" altLang="en-US" sz="2000">
+                <a:solidFill>
+                  <a:schemeClr val="bg1"/>
+                </a:solidFill>
+              </a:rPr>
+              <a:t>目前問題:</a:t>
+            </a:r>
+          </a:p>
+          <a:p>
+            <a:pPr marL="457200" indent="-457200"/>
+            <a:r>
+              <a:rPr lang="zh-TW" altLang="en-US" sz="2000">
+                <a:solidFill>
+                  <a:schemeClr val="bg1"/>
+                </a:solidFill>
+              </a:rPr>
+              <a:t>音檔切割不完整，收錄的不完整。</a:t>
+            </a:r>
+          </a:p>
+          <a:p>
+            <a:pPr marL="457200" indent="-457200"/>
+            <a:r>
+              <a:rPr lang="zh-TW" altLang="en-US" sz="2000">
+                <a:solidFill>
+                  <a:schemeClr val="bg1"/>
+                </a:solidFill>
+              </a:rPr>
+              <a:t>語音轉為日文單字再轉羅馬拼音以做成input的label。</a:t>
+            </a:r>
+          </a:p>
+          <a:p>
+            <a:pPr marL="457200" indent="-457200"/>
+            <a:r>
+              <a:rPr lang="zh-TW" altLang="en-US" sz="2000">
+                <a:solidFill>
+                  <a:schemeClr val="bg1"/>
+                </a:solidFill>
+              </a:rPr>
+              <a:t>預訓練的資料集可能不足。</a:t>
+            </a:r>
+          </a:p>
+          <a:p>
+            <a:pPr marL="0" indent="0">
+              <a:buNone/>
+            </a:pPr>
+            <a:r>
+              <a:rPr lang="zh-TW" sz="2000">
+                <a:solidFill>
+                  <a:schemeClr val="bg1"/>
+                </a:solidFill>
+                <a:latin typeface="Microsoft JhengHei"/>
+                <a:ea typeface="Microsoft JhengHei"/>
+              </a:rPr>
+              <a:t>研究</a:t>
+            </a:r>
+            <a:r>
+              <a:rPr lang="zh-TW" altLang="en-US" sz="2000">
+                <a:solidFill>
+                  <a:schemeClr val="bg1"/>
+                </a:solidFill>
+                <a:latin typeface="Microsoft JhengHei"/>
+                <a:ea typeface="Microsoft JhengHei"/>
+              </a:rPr>
+              <a:t>參考</a:t>
+            </a:r>
+            <a:r>
+              <a:rPr lang="zh-TW" sz="2000">
+                <a:solidFill>
+                  <a:schemeClr val="bg1"/>
+                </a:solidFill>
+                <a:latin typeface="Microsoft JhengHei"/>
+                <a:ea typeface="Microsoft JhengHei"/>
+              </a:rPr>
+              <a:t>:</a:t>
+            </a:r>
+            <a:endParaRPr lang="en-US" altLang="zh-TW" sz="2000">
+              <a:solidFill>
+                <a:schemeClr val="bg1"/>
+              </a:solidFill>
+              <a:latin typeface="Microsoft JhengHei"/>
+            </a:endParaRPr>
+          </a:p>
+          <a:p>
+            <a:pPr marL="0" indent="0">
+              <a:buNone/>
+            </a:pPr>
+            <a:r>
+              <a:rPr lang="en-US" altLang="zh-TW" sz="2000">
+                <a:solidFill>
+                  <a:schemeClr val="bg1"/>
+                </a:solidFill>
+                <a:latin typeface="Microsoft JhengHei"/>
+                <a:hlinkClick r:id="rId2">
+                  <a:extLst>
+                    <a:ext uri="{A12FA001-AC4F-418D-AE19-62706E023703}">
+                      <ahyp:hlinkClr xmlns:ahyp="http://schemas.microsoft.com/office/drawing/2018/hyperlinkcolor" val="tx"/>
+                    </a:ext>
+                  </a:extLst>
+                </a:hlinkClick>
+              </a:rPr>
+              <a:t>Automatic Pronunciation Assessment using Self-Supervised Speech Representation Learning</a:t>
+            </a:r>
+            <a:r>
+              <a:rPr lang="en-US" altLang="zh-TW" sz="2000">
+                <a:solidFill>
+                  <a:schemeClr val="bg1"/>
+                </a:solidFill>
+                <a:latin typeface="Microsoft JhengHei"/>
+              </a:rPr>
+              <a:t>(https://ar5iv.labs.arxiv.org/html/2204.03863)</a:t>
+            </a:r>
+            <a:endParaRPr lang="zh-TW"/>
+          </a:p>
+        </p:txBody>
+      </p:sp>
+      <p:sp>
+        <p:nvSpPr>
+          <p:cNvPr id="42" name="Rectangle 41">
+            <a:extLst>
+              <a:ext uri="{FF2B5EF4-FFF2-40B4-BE49-F238E27FC236}">
+                <a16:creationId xmlns:a16="http://schemas.microsoft.com/office/drawing/2014/main" id="{9DD005C1-8C51-42D6-9BEE-B9B83849743D}"/>
+              </a:ext>
+              <a:ext uri="{C183D7F6-B498-43B3-948B-1728B52AA6E4}">
+                <adec:decorative xmlns:adec="http://schemas.microsoft.com/office/drawing/2017/decorative" val="1"/>
+              </a:ext>
+            </a:extLst>
+          </p:cNvPr>
+          <p:cNvSpPr>
+            <a:spLocks noGrp="1" noRot="1" noChangeAspect="1" noMove="1" noResize="1" noEditPoints="1" noAdjustHandles="1" noChangeArrowheads="1" noChangeShapeType="1" noTextEdit="1"/>
+          </p:cNvSpPr>
+          <p:nvPr>
+            <p:extLst>
+              <p:ext uri="{386F3935-93C4-4BCD-93E2-E3B085C9AB24}">
+                <p16:designElem xmlns:p16="http://schemas.microsoft.com/office/powerpoint/2015/main" val="1"/>
+              </p:ext>
+            </p:extLst>
+          </p:nvPr>
+        </p:nvSpPr>
+        <p:spPr>
+          <a:xfrm>
+            <a:off x="126206" y="115193"/>
+            <a:ext cx="11939588" cy="6627614"/>
+          </a:xfrm>
+          <a:prstGeom prst="rect">
+            <a:avLst/>
+          </a:prstGeom>
+          <a:noFill/>
+          <a:ln w="12700">
+            <a:solidFill>
+              <a:schemeClr val="accent2"/>
+            </a:solidFill>
+          </a:ln>
+        </p:spPr>
+        <p:style>
+          <a:lnRef idx="2">
+            <a:schemeClr val="accent1">
+              <a:shade val="50000"/>
+            </a:schemeClr>
+          </a:lnRef>
+          <a:fillRef idx="1">
+            <a:schemeClr val="accent1"/>
+          </a:fillRef>
+          <a:effectRef idx="0">
+            <a:schemeClr val="accent1"/>
+          </a:effectRef>
+          <a:fontRef idx="minor">
+            <a:schemeClr val="lt1"/>
+          </a:fontRef>
+        </p:style>
+        <p:txBody>
+          <a:bodyPr rtlCol="0" anchor="ctr"/>
+          <a:lstStyle/>
+          <a:p>
+            <a:pPr marL="0" marR="0" lvl="0" indent="0" algn="ctr" defTabSz="914400" rtl="0" eaLnBrk="1" fontAlgn="auto" latinLnBrk="0" hangingPunct="1">
+              <a:lnSpc>
+                <a:spcPct val="100000"/>
+              </a:lnSpc>
+              <a:spcBef>
+                <a:spcPts val="0"/>
+              </a:spcBef>
+              <a:spcAft>
+                <a:spcPts val="0"/>
+              </a:spcAft>
+              <a:buClrTx/>
+              <a:buSzTx/>
+              <a:buFontTx/>
+              <a:buNone/>
+              <a:tabLst/>
+              <a:defRPr/>
+            </a:pPr>
+            <a:endParaRPr kumimoji="0" lang="en-US" sz="1800" b="0" i="0" u="none" strike="noStrike" kern="1200" cap="none" spc="0" normalizeH="0" baseline="0" noProof="0">
+              <a:ln>
+                <a:noFill/>
+              </a:ln>
+              <a:solidFill>
+                <a:prstClr val="white"/>
+              </a:solidFill>
+              <a:effectLst/>
+              <a:uLnTx/>
+              <a:uFillTx/>
+              <a:latin typeface="微軟正黑體"/>
+              <a:ea typeface="微軟正黑體"/>
+              <a:cs typeface="+mn-cs"/>
+            </a:endParaRPr>
+          </a:p>
+        </p:txBody>
+      </p:sp>
+    </p:spTree>
+    <p:extLst>
+      <p:ext uri="{BB962C8B-B14F-4D97-AF65-F5344CB8AC3E}">
+        <p14:creationId xmlns:p14="http://schemas.microsoft.com/office/powerpoint/2010/main" val="3021805272"/>
+      </p:ext>
+    </p:extLst>
+  </p:cSld>
+  <p:clrMapOvr>
+    <a:masterClrMapping/>
+  </p:clrMapOvr>
+  <mc:AlternateContent xmlns:mc="http://schemas.openxmlformats.org/markup-compatibility/2006" xmlns:p159="http://schemas.microsoft.com/office/powerpoint/2015/09/main">
+    <mc:Choice Requires="p159">
+      <p:transition xmlns:p14="http://schemas.microsoft.com/office/powerpoint/2010/main" spd="slow" p14:dur="2000">
+        <p159:morph option="byObject"/>
+      </p:transition>
+    </mc:Choice>
+    <mc:Fallback xmlns="">
+      <p:transition spd="slow">
+        <p:fade/>
+      </p:transition>
+    </mc:Fallback>
+  </mc:AlternateContent>
+</p:sld>
+</file>
+
+<file path=ppt/slides/slide12.xml><?xml version="1.0" encoding="utf-8"?>
+<p:sld xmlns:a="http://schemas.openxmlformats.org/drawingml/2006/main" xmlns:r="http://schemas.openxmlformats.org/officeDocument/2006/relationships" xmlns:p="http://schemas.openxmlformats.org/presentationml/2006/main">
+  <p:cSld>
+    <p:bg>
+      <p:bgPr>
+        <a:solidFill>
+          <a:schemeClr val="bg1"/>
+        </a:solidFill>
+        <a:effectLst/>
+      </p:bgPr>
+    </p:bg>
+    <p:spTree>
+      <p:nvGrpSpPr>
+        <p:cNvPr id="1" name=""/>
+        <p:cNvGrpSpPr/>
+        <p:nvPr/>
+      </p:nvGrpSpPr>
+      <p:grpSpPr>
+        <a:xfrm>
+          <a:off x="0" y="0"/>
+          <a:ext cx="0" cy="0"/>
+          <a:chOff x="0" y="0"/>
+          <a:chExt cx="0" cy="0"/>
+        </a:xfrm>
+      </p:grpSpPr>
+      <p:sp>
+        <p:nvSpPr>
+          <p:cNvPr id="38" name="Rectangle 37">
+            <a:extLst>
+              <a:ext uri="{FF2B5EF4-FFF2-40B4-BE49-F238E27FC236}">
+                <a16:creationId xmlns:a16="http://schemas.microsoft.com/office/drawing/2014/main" id="{A7AE9375-4664-4DB2-922D-2782A6E439AC}"/>
+              </a:ext>
+              <a:ext uri="{C183D7F6-B498-43B3-948B-1728B52AA6E4}">
+                <adec:decorative xmlns:adec="http://schemas.microsoft.com/office/drawing/2017/decorative" val="1"/>
+              </a:ext>
+            </a:extLst>
+          </p:cNvPr>
+          <p:cNvSpPr>
+            <a:spLocks noGrp="1" noRot="1" noChangeAspect="1" noMove="1" noResize="1" noEditPoints="1" noAdjustHandles="1" noChangeArrowheads="1" noChangeShapeType="1" noTextEdit="1"/>
+          </p:cNvSpPr>
+          <p:nvPr>
+            <p:extLst>
+              <p:ext uri="{386F3935-93C4-4BCD-93E2-E3B085C9AB24}">
+                <p16:designElem xmlns:p16="http://schemas.microsoft.com/office/powerpoint/2015/main" val="1"/>
+              </p:ext>
+            </p:extLst>
+          </p:nvPr>
+        </p:nvSpPr>
+        <p:spPr>
+          <a:xfrm>
+            <a:off x="0" y="0"/>
+            <a:ext cx="12192000" cy="6858000"/>
+          </a:xfrm>
+          <a:prstGeom prst="rect">
+            <a:avLst/>
+          </a:prstGeom>
+          <a:solidFill>
+            <a:schemeClr val="tx1">
+              <a:lumMod val="95000"/>
+              <a:lumOff val="5000"/>
+            </a:schemeClr>
+          </a:solidFill>
+          <a:ln>
+            <a:noFill/>
+          </a:ln>
+        </p:spPr>
+        <p:style>
+          <a:lnRef idx="2">
+            <a:schemeClr val="accent1">
+              <a:shade val="50000"/>
+            </a:schemeClr>
+          </a:lnRef>
+          <a:fillRef idx="1">
+            <a:schemeClr val="accent1"/>
+          </a:fillRef>
+          <a:effectRef idx="0">
+            <a:schemeClr val="accent1"/>
+          </a:effectRef>
+          <a:fontRef idx="minor">
+            <a:schemeClr val="lt1"/>
+          </a:fontRef>
+        </p:style>
+        <p:txBody>
+          <a:bodyPr rtlCol="0" anchor="ctr"/>
+          <a:lstStyle/>
+          <a:p>
+            <a:pPr marL="0" marR="0" lvl="0" indent="0" algn="ctr" defTabSz="914400" rtl="0" eaLnBrk="1" fontAlgn="auto" latinLnBrk="0" hangingPunct="1">
+              <a:lnSpc>
+                <a:spcPct val="100000"/>
+              </a:lnSpc>
+              <a:spcBef>
+                <a:spcPts val="0"/>
+              </a:spcBef>
+              <a:spcAft>
+                <a:spcPts val="0"/>
+              </a:spcAft>
+              <a:buClrTx/>
+              <a:buSzTx/>
+              <a:buFontTx/>
+              <a:buNone/>
+              <a:tabLst/>
+              <a:defRPr/>
+            </a:pPr>
+            <a:endParaRPr kumimoji="0" lang="en-US" sz="1800" b="0" i="0" u="none" strike="noStrike" kern="1200" cap="none" spc="0" normalizeH="0" baseline="0" noProof="0">
+              <a:ln>
+                <a:noFill/>
+              </a:ln>
+              <a:solidFill>
+                <a:prstClr val="black"/>
+              </a:solidFill>
+              <a:effectLst/>
+              <a:uLnTx/>
+              <a:uFillTx/>
+              <a:latin typeface="微軟正黑體"/>
+              <a:ea typeface="微軟正黑體"/>
+              <a:cs typeface="+mn-cs"/>
+            </a:endParaRPr>
+          </a:p>
+        </p:txBody>
+      </p:sp>
+      <p:sp>
+        <p:nvSpPr>
+          <p:cNvPr id="2" name="標題 1">
+            <a:extLst>
+              <a:ext uri="{FF2B5EF4-FFF2-40B4-BE49-F238E27FC236}">
+                <a16:creationId xmlns:a16="http://schemas.microsoft.com/office/drawing/2014/main" id="{4185B2FE-C0DB-3425-291A-B785A4DA51C5}"/>
+              </a:ext>
+            </a:extLst>
+          </p:cNvPr>
+          <p:cNvSpPr>
+            <a:spLocks noGrp="1"/>
+          </p:cNvSpPr>
+          <p:nvPr>
+            <p:ph type="title"/>
+          </p:nvPr>
+        </p:nvSpPr>
+        <p:spPr>
+          <a:xfrm>
+            <a:off x="1392667" y="594294"/>
+            <a:ext cx="4508946" cy="1325563"/>
+          </a:xfrm>
+        </p:spPr>
+        <p:txBody>
+          <a:bodyPr anchor="b">
+            <a:normAutofit/>
+          </a:bodyPr>
+          <a:lstStyle/>
+          <a:p>
+            <a:r>
+              <a:rPr lang="zh-TW" altLang="en-US">
+                <a:solidFill>
+                  <a:schemeClr val="bg1"/>
+                </a:solidFill>
+                <a:ea typeface="+mj-lt"/>
+              </a:rPr>
+              <a:t>音檔切割程式</a:t>
+            </a:r>
+            <a:endParaRPr lang="zh-TW">
+              <a:solidFill>
+                <a:schemeClr val="bg1"/>
+              </a:solidFill>
+              <a:latin typeface="Microsoft JhengHei"/>
+              <a:ea typeface="Microsoft JhengHei"/>
+            </a:endParaRPr>
+          </a:p>
+        </p:txBody>
+      </p:sp>
+      <p:cxnSp>
+        <p:nvCxnSpPr>
+          <p:cNvPr id="40" name="Straight Connector 39">
+            <a:extLst>
+              <a:ext uri="{FF2B5EF4-FFF2-40B4-BE49-F238E27FC236}">
+                <a16:creationId xmlns:a16="http://schemas.microsoft.com/office/drawing/2014/main" id="{EE504C98-6397-41C1-A8D8-2D9C4ED307E0}"/>
+              </a:ext>
+              <a:ext uri="{C183D7F6-B498-43B3-948B-1728B52AA6E4}">
+                <adec:decorative xmlns:adec="http://schemas.microsoft.com/office/drawing/2017/decorative" val="1"/>
+              </a:ext>
+            </a:extLst>
+          </p:cNvPr>
+          <p:cNvCxnSpPr>
+            <a:cxnSpLocks noGrp="1" noRot="1" noChangeAspect="1" noMove="1" noResize="1" noEditPoints="1" noAdjustHandles="1" noChangeArrowheads="1" noChangeShapeType="1"/>
+          </p:cNvCxnSpPr>
+          <p:nvPr>
+            <p:extLst>
+              <p:ext uri="{386F3935-93C4-4BCD-93E2-E3B085C9AB24}">
+                <p16:designElem xmlns:p16="http://schemas.microsoft.com/office/powerpoint/2015/main" val="1"/>
+              </p:ext>
+            </p:extLst>
+          </p:nvPr>
+        </p:nvCxnSpPr>
+        <p:spPr>
+          <a:xfrm flipH="1">
+            <a:off x="126210" y="2026340"/>
+            <a:ext cx="5220936" cy="0"/>
+          </a:xfrm>
+          <a:prstGeom prst="line">
+            <a:avLst/>
+          </a:prstGeom>
+          <a:ln w="12700">
+            <a:solidFill>
+              <a:schemeClr val="accent2"/>
+            </a:solidFill>
+          </a:ln>
+        </p:spPr>
+        <p:style>
+          <a:lnRef idx="1">
+            <a:schemeClr val="accent1"/>
+          </a:lnRef>
+          <a:fillRef idx="0">
+            <a:schemeClr val="accent1"/>
+          </a:fillRef>
+          <a:effectRef idx="0">
+            <a:schemeClr val="accent1"/>
+          </a:effectRef>
+          <a:fontRef idx="minor">
+            <a:schemeClr val="tx1"/>
+          </a:fontRef>
+        </p:style>
+      </p:cxnSp>
+      <p:sp>
+        <p:nvSpPr>
+          <p:cNvPr id="3" name="內容版面配置區 2">
+            <a:extLst>
+              <a:ext uri="{FF2B5EF4-FFF2-40B4-BE49-F238E27FC236}">
+                <a16:creationId xmlns:a16="http://schemas.microsoft.com/office/drawing/2014/main" id="{E94730DB-35A7-9DE6-D4E2-BE946897AB02}"/>
+              </a:ext>
+            </a:extLst>
+          </p:cNvPr>
+          <p:cNvSpPr>
+            <a:spLocks noGrp="1"/>
+          </p:cNvSpPr>
+          <p:nvPr>
+            <p:ph idx="1"/>
+          </p:nvPr>
+        </p:nvSpPr>
+        <p:spPr>
+          <a:xfrm>
+            <a:off x="1392667" y="2131763"/>
+            <a:ext cx="9406666" cy="4505857"/>
+          </a:xfrm>
+        </p:spPr>
+        <p:txBody>
+          <a:bodyPr vert="horz" lIns="91440" tIns="45720" rIns="91440" bIns="45720" rtlCol="0" anchor="t">
+            <a:normAutofit/>
+          </a:bodyPr>
+          <a:lstStyle/>
+          <a:p>
+            <a:pPr>
+              <a:buNone/>
+            </a:pPr>
+            <a:r>
+              <a:rPr lang="zh-TW" altLang="en-US" sz="2000">
+                <a:solidFill>
+                  <a:schemeClr val="bg1"/>
+                </a:solidFill>
+                <a:latin typeface="Microsoft JhengHei"/>
+                <a:ea typeface="Microsoft JhengHei"/>
+              </a:rPr>
+              <a:t>目前</a:t>
+            </a:r>
+            <a:r>
+              <a:rPr lang="zh-TW" sz="2000">
+                <a:solidFill>
+                  <a:schemeClr val="bg1"/>
+                </a:solidFill>
+                <a:latin typeface="Microsoft JhengHei"/>
+                <a:ea typeface="Microsoft JhengHei"/>
+              </a:rPr>
+              <a:t>進度:</a:t>
+            </a:r>
+            <a:endParaRPr lang="zh-TW">
+              <a:solidFill>
+                <a:schemeClr val="bg1"/>
+              </a:solidFill>
+            </a:endParaRPr>
+          </a:p>
+          <a:p>
+            <a:pPr marL="342900" indent="-342900"/>
+            <a:r>
+              <a:rPr lang="zh-TW" altLang="en-US" sz="2000">
+                <a:solidFill>
+                  <a:schemeClr val="bg1"/>
+                </a:solidFill>
+                <a:latin typeface="Microsoft JhengHei"/>
+                <a:ea typeface="Microsoft JhengHei"/>
+              </a:rPr>
+              <a:t>會使用</a:t>
+            </a:r>
+          </a:p>
+          <a:p>
+            <a:pPr marL="0" indent="0">
+              <a:buNone/>
+            </a:pPr>
+            <a:r>
+              <a:rPr lang="zh-TW" altLang="en-US" sz="2000">
+                <a:solidFill>
+                  <a:schemeClr val="bg1"/>
+                </a:solidFill>
+              </a:rPr>
+              <a:t>目前問題:</a:t>
+            </a:r>
+          </a:p>
+          <a:p>
+            <a:pPr marL="457200" indent="-457200"/>
+            <a:r>
+              <a:rPr lang="zh-TW" altLang="en-US" sz="2000">
+                <a:solidFill>
+                  <a:schemeClr val="bg1"/>
+                </a:solidFill>
+              </a:rPr>
+              <a:t>有時判斷會有問題，需手動調整</a:t>
+            </a:r>
+          </a:p>
+          <a:p>
+            <a:pPr marL="0" indent="0">
+              <a:buNone/>
+            </a:pPr>
+            <a:endParaRPr lang="zh-TW" sz="2000">
+              <a:solidFill>
+                <a:schemeClr val="bg1"/>
+              </a:solidFill>
+              <a:latin typeface="Microsoft JhengHei"/>
+              <a:ea typeface="Microsoft JhengHei"/>
+            </a:endParaRPr>
+          </a:p>
+        </p:txBody>
+      </p:sp>
+      <p:sp>
+        <p:nvSpPr>
+          <p:cNvPr id="42" name="Rectangle 41">
+            <a:extLst>
+              <a:ext uri="{FF2B5EF4-FFF2-40B4-BE49-F238E27FC236}">
+                <a16:creationId xmlns:a16="http://schemas.microsoft.com/office/drawing/2014/main" id="{9DD005C1-8C51-42D6-9BEE-B9B83849743D}"/>
+              </a:ext>
+              <a:ext uri="{C183D7F6-B498-43B3-948B-1728B52AA6E4}">
+                <adec:decorative xmlns:adec="http://schemas.microsoft.com/office/drawing/2017/decorative" val="1"/>
+              </a:ext>
+            </a:extLst>
+          </p:cNvPr>
+          <p:cNvSpPr>
+            <a:spLocks noGrp="1" noRot="1" noChangeAspect="1" noMove="1" noResize="1" noEditPoints="1" noAdjustHandles="1" noChangeArrowheads="1" noChangeShapeType="1" noTextEdit="1"/>
+          </p:cNvSpPr>
+          <p:nvPr>
+            <p:extLst>
+              <p:ext uri="{386F3935-93C4-4BCD-93E2-E3B085C9AB24}">
+                <p16:designElem xmlns:p16="http://schemas.microsoft.com/office/powerpoint/2015/main" val="1"/>
+              </p:ext>
+            </p:extLst>
+          </p:nvPr>
+        </p:nvSpPr>
+        <p:spPr>
+          <a:xfrm>
+            <a:off x="126206" y="115193"/>
+            <a:ext cx="11939588" cy="6627614"/>
+          </a:xfrm>
+          <a:prstGeom prst="rect">
+            <a:avLst/>
+          </a:prstGeom>
+          <a:noFill/>
+          <a:ln w="12700">
+            <a:solidFill>
+              <a:schemeClr val="accent2"/>
+            </a:solidFill>
+          </a:ln>
+        </p:spPr>
+        <p:style>
+          <a:lnRef idx="2">
+            <a:schemeClr val="accent1">
+              <a:shade val="50000"/>
+            </a:schemeClr>
+          </a:lnRef>
+          <a:fillRef idx="1">
+            <a:schemeClr val="accent1"/>
+          </a:fillRef>
+          <a:effectRef idx="0">
+            <a:schemeClr val="accent1"/>
+          </a:effectRef>
+          <a:fontRef idx="minor">
+            <a:schemeClr val="lt1"/>
+          </a:fontRef>
+        </p:style>
+        <p:txBody>
+          <a:bodyPr rtlCol="0" anchor="ctr"/>
+          <a:lstStyle/>
+          <a:p>
+            <a:pPr marL="0" marR="0" lvl="0" indent="0" algn="ctr" defTabSz="914400" rtl="0" eaLnBrk="1" fontAlgn="auto" latinLnBrk="0" hangingPunct="1">
+              <a:lnSpc>
+                <a:spcPct val="100000"/>
+              </a:lnSpc>
+              <a:spcBef>
+                <a:spcPts val="0"/>
+              </a:spcBef>
+              <a:spcAft>
+                <a:spcPts val="0"/>
+              </a:spcAft>
+              <a:buClrTx/>
+              <a:buSzTx/>
+              <a:buFontTx/>
+              <a:buNone/>
+              <a:tabLst/>
+              <a:defRPr/>
+            </a:pPr>
+            <a:endParaRPr kumimoji="0" lang="en-US" sz="1800" b="0" i="0" u="none" strike="noStrike" kern="1200" cap="none" spc="0" normalizeH="0" baseline="0" noProof="0">
+              <a:ln>
+                <a:noFill/>
+              </a:ln>
+              <a:solidFill>
+                <a:prstClr val="white"/>
+              </a:solidFill>
+              <a:effectLst/>
+              <a:uLnTx/>
+              <a:uFillTx/>
+              <a:latin typeface="微軟正黑體"/>
+              <a:ea typeface="微軟正黑體"/>
+              <a:cs typeface="+mn-cs"/>
+            </a:endParaRPr>
+          </a:p>
+        </p:txBody>
+      </p:sp>
+      <p:pic>
+        <p:nvPicPr>
+          <p:cNvPr id="4" name="圖片 3">
+            <a:extLst>
+              <a:ext uri="{FF2B5EF4-FFF2-40B4-BE49-F238E27FC236}">
+                <a16:creationId xmlns:a16="http://schemas.microsoft.com/office/drawing/2014/main" id="{C93C1897-0DB5-FF5E-B9D0-54371C7DE3E9}"/>
+              </a:ext>
+            </a:extLst>
+          </p:cNvPr>
+          <p:cNvPicPr>
+            <a:picLocks noChangeAspect="1"/>
+          </p:cNvPicPr>
+          <p:nvPr/>
+        </p:nvPicPr>
+        <p:blipFill>
+          <a:blip r:embed="rId2"/>
+          <a:stretch>
+            <a:fillRect/>
+          </a:stretch>
+        </p:blipFill>
+        <p:spPr>
+          <a:xfrm>
+            <a:off x="1394054" y="3724650"/>
+            <a:ext cx="9742311" cy="268758"/>
+          </a:xfrm>
+          <a:prstGeom prst="rect">
+            <a:avLst/>
+          </a:prstGeom>
+        </p:spPr>
+      </p:pic>
+    </p:spTree>
+    <p:extLst>
+      <p:ext uri="{BB962C8B-B14F-4D97-AF65-F5344CB8AC3E}">
+        <p14:creationId xmlns:p14="http://schemas.microsoft.com/office/powerpoint/2010/main" val="3889912697"/>
+      </p:ext>
+    </p:extLst>
+  </p:cSld>
+  <p:clrMapOvr>
+    <a:masterClrMapping/>
+  </p:clrMapOvr>
+  <mc:AlternateContent xmlns:mc="http://schemas.openxmlformats.org/markup-compatibility/2006" xmlns:p159="http://schemas.microsoft.com/office/powerpoint/2015/09/main">
+    <mc:Choice Requires="p159">
+      <p:transition xmlns:p14="http://schemas.microsoft.com/office/powerpoint/2010/main" spd="slow" p14:dur="2000">
+        <p159:morph option="byObject"/>
+      </p:transition>
+    </mc:Choice>
+    <mc:Fallback xmlns="">
+      <p:transition spd="slow">
+        <p:fade/>
+      </p:transition>
+    </mc:Fallback>
+  </mc:AlternateContent>
+</p:sld>
+</file>
+
+<file path=ppt/slides/slide13.xml><?xml version="1.0" encoding="utf-8"?>
+<p:sld xmlns:a="http://schemas.openxmlformats.org/drawingml/2006/main" xmlns:r="http://schemas.openxmlformats.org/officeDocument/2006/relationships" xmlns:p="http://schemas.openxmlformats.org/presentationml/2006/main">
+  <p:cSld>
+    <p:bg>
+      <p:bgPr>
+        <a:solidFill>
+          <a:schemeClr val="bg1"/>
+        </a:solidFill>
+        <a:effectLst/>
+      </p:bgPr>
+    </p:bg>
+    <p:spTree>
+      <p:nvGrpSpPr>
+        <p:cNvPr id="1" name=""/>
+        <p:cNvGrpSpPr/>
+        <p:nvPr/>
+      </p:nvGrpSpPr>
+      <p:grpSpPr>
+        <a:xfrm>
+          <a:off x="0" y="0"/>
+          <a:ext cx="0" cy="0"/>
+          <a:chOff x="0" y="0"/>
+          <a:chExt cx="0" cy="0"/>
+        </a:xfrm>
+      </p:grpSpPr>
+      <p:sp>
+        <p:nvSpPr>
+          <p:cNvPr id="38" name="Rectangle 37">
+            <a:extLst>
+              <a:ext uri="{FF2B5EF4-FFF2-40B4-BE49-F238E27FC236}">
+                <a16:creationId xmlns:a16="http://schemas.microsoft.com/office/drawing/2014/main" id="{A7AE9375-4664-4DB2-922D-2782A6E439AC}"/>
+              </a:ext>
+              <a:ext uri="{C183D7F6-B498-43B3-948B-1728B52AA6E4}">
+                <adec:decorative xmlns:adec="http://schemas.microsoft.com/office/drawing/2017/decorative" val="1"/>
+              </a:ext>
+            </a:extLst>
+          </p:cNvPr>
+          <p:cNvSpPr>
+            <a:spLocks noGrp="1" noRot="1" noChangeAspect="1" noMove="1" noResize="1" noEditPoints="1" noAdjustHandles="1" noChangeArrowheads="1" noChangeShapeType="1" noTextEdit="1"/>
+          </p:cNvSpPr>
+          <p:nvPr>
+            <p:extLst>
+              <p:ext uri="{386F3935-93C4-4BCD-93E2-E3B085C9AB24}">
+                <p16:designElem xmlns:p16="http://schemas.microsoft.com/office/powerpoint/2015/main" val="1"/>
+              </p:ext>
+            </p:extLst>
+          </p:nvPr>
+        </p:nvSpPr>
+        <p:spPr>
+          <a:xfrm>
+            <a:off x="0" y="0"/>
+            <a:ext cx="12192000" cy="6858000"/>
+          </a:xfrm>
+          <a:prstGeom prst="rect">
+            <a:avLst/>
+          </a:prstGeom>
+          <a:solidFill>
+            <a:schemeClr val="tx1">
+              <a:lumMod val="95000"/>
+              <a:lumOff val="5000"/>
+            </a:schemeClr>
+          </a:solidFill>
+          <a:ln>
+            <a:noFill/>
+          </a:ln>
+        </p:spPr>
+        <p:style>
+          <a:lnRef idx="2">
+            <a:schemeClr val="accent1">
+              <a:shade val="50000"/>
+            </a:schemeClr>
+          </a:lnRef>
+          <a:fillRef idx="1">
+            <a:schemeClr val="accent1"/>
+          </a:fillRef>
+          <a:effectRef idx="0">
+            <a:schemeClr val="accent1"/>
+          </a:effectRef>
+          <a:fontRef idx="minor">
+            <a:schemeClr val="lt1"/>
+          </a:fontRef>
+        </p:style>
+        <p:txBody>
+          <a:bodyPr rtlCol="0" anchor="ctr"/>
+          <a:lstStyle/>
+          <a:p>
+            <a:pPr marL="0" marR="0" lvl="0" indent="0" algn="ctr" defTabSz="914400" rtl="0" eaLnBrk="1" fontAlgn="auto" latinLnBrk="0" hangingPunct="1">
+              <a:lnSpc>
+                <a:spcPct val="100000"/>
+              </a:lnSpc>
+              <a:spcBef>
+                <a:spcPts val="0"/>
+              </a:spcBef>
+              <a:spcAft>
+                <a:spcPts val="0"/>
+              </a:spcAft>
+              <a:buClrTx/>
+              <a:buSzTx/>
+              <a:buFontTx/>
+              <a:buNone/>
+              <a:tabLst/>
+              <a:defRPr/>
+            </a:pPr>
+            <a:endParaRPr kumimoji="0" lang="en-US" sz="1800" b="0" i="0" u="none" strike="noStrike" kern="1200" cap="none" spc="0" normalizeH="0" baseline="0" noProof="0">
+              <a:ln>
+                <a:noFill/>
+              </a:ln>
+              <a:solidFill>
+                <a:prstClr val="black"/>
+              </a:solidFill>
+              <a:effectLst/>
+              <a:uLnTx/>
+              <a:uFillTx/>
+              <a:latin typeface="微軟正黑體"/>
+              <a:ea typeface="微軟正黑體"/>
+              <a:cs typeface="+mn-cs"/>
+            </a:endParaRPr>
+          </a:p>
+        </p:txBody>
+      </p:sp>
+      <p:sp>
+        <p:nvSpPr>
+          <p:cNvPr id="2" name="標題 1">
+            <a:extLst>
+              <a:ext uri="{FF2B5EF4-FFF2-40B4-BE49-F238E27FC236}">
+                <a16:creationId xmlns:a16="http://schemas.microsoft.com/office/drawing/2014/main" id="{4185B2FE-C0DB-3425-291A-B785A4DA51C5}"/>
+              </a:ext>
+            </a:extLst>
+          </p:cNvPr>
+          <p:cNvSpPr>
+            <a:spLocks noGrp="1"/>
+          </p:cNvSpPr>
+          <p:nvPr>
+            <p:ph type="title"/>
+          </p:nvPr>
+        </p:nvSpPr>
+        <p:spPr>
+          <a:xfrm>
+            <a:off x="1392667" y="594294"/>
+            <a:ext cx="6561266" cy="1325563"/>
+          </a:xfrm>
+        </p:spPr>
+        <p:txBody>
+          <a:bodyPr anchor="b">
+            <a:normAutofit/>
+          </a:bodyPr>
+          <a:lstStyle/>
+          <a:p>
+            <a:r>
+              <a:rPr lang="zh-TW" altLang="en-US">
+                <a:solidFill>
+                  <a:schemeClr val="bg1"/>
+                </a:solidFill>
+              </a:rPr>
+              <a:t>12/3-系統系統組-進度</a:t>
+            </a:r>
+            <a:endParaRPr lang="zh-TW" sz="2400">
+              <a:solidFill>
+                <a:schemeClr val="bg1"/>
+              </a:solidFill>
+              <a:latin typeface="Microsoft JhengHei"/>
+              <a:ea typeface="Microsoft JhengHei"/>
+            </a:endParaRPr>
+          </a:p>
+        </p:txBody>
+      </p:sp>
+      <p:cxnSp>
+        <p:nvCxnSpPr>
+          <p:cNvPr id="40" name="Straight Connector 39">
+            <a:extLst>
+              <a:ext uri="{FF2B5EF4-FFF2-40B4-BE49-F238E27FC236}">
+                <a16:creationId xmlns:a16="http://schemas.microsoft.com/office/drawing/2014/main" id="{EE504C98-6397-41C1-A8D8-2D9C4ED307E0}"/>
+              </a:ext>
+              <a:ext uri="{C183D7F6-B498-43B3-948B-1728B52AA6E4}">
+                <adec:decorative xmlns:adec="http://schemas.microsoft.com/office/drawing/2017/decorative" val="1"/>
+              </a:ext>
+            </a:extLst>
+          </p:cNvPr>
+          <p:cNvCxnSpPr>
+            <a:cxnSpLocks noGrp="1" noRot="1" noChangeAspect="1" noMove="1" noResize="1" noEditPoints="1" noAdjustHandles="1" noChangeArrowheads="1" noChangeShapeType="1"/>
+          </p:cNvCxnSpPr>
+          <p:nvPr>
+            <p:extLst>
+              <p:ext uri="{386F3935-93C4-4BCD-93E2-E3B085C9AB24}">
+                <p16:designElem xmlns:p16="http://schemas.microsoft.com/office/powerpoint/2015/main" val="1"/>
+              </p:ext>
+            </p:extLst>
+          </p:nvPr>
+        </p:nvCxnSpPr>
+        <p:spPr>
+          <a:xfrm flipH="1">
+            <a:off x="126210" y="2026340"/>
+            <a:ext cx="5220936" cy="0"/>
+          </a:xfrm>
+          <a:prstGeom prst="line">
+            <a:avLst/>
+          </a:prstGeom>
+          <a:ln w="12700">
+            <a:solidFill>
+              <a:schemeClr val="accent2"/>
+            </a:solidFill>
+          </a:ln>
+        </p:spPr>
+        <p:style>
+          <a:lnRef idx="1">
+            <a:schemeClr val="accent1"/>
+          </a:lnRef>
+          <a:fillRef idx="0">
+            <a:schemeClr val="accent1"/>
+          </a:fillRef>
+          <a:effectRef idx="0">
+            <a:schemeClr val="accent1"/>
+          </a:effectRef>
+          <a:fontRef idx="minor">
+            <a:schemeClr val="tx1"/>
+          </a:fontRef>
+        </p:style>
+      </p:cxnSp>
+      <p:sp>
+        <p:nvSpPr>
+          <p:cNvPr id="3" name="內容版面配置區 2">
+            <a:extLst>
+              <a:ext uri="{FF2B5EF4-FFF2-40B4-BE49-F238E27FC236}">
+                <a16:creationId xmlns:a16="http://schemas.microsoft.com/office/drawing/2014/main" id="{E94730DB-35A7-9DE6-D4E2-BE946897AB02}"/>
+              </a:ext>
+            </a:extLst>
+          </p:cNvPr>
+          <p:cNvSpPr>
+            <a:spLocks noGrp="1"/>
+          </p:cNvSpPr>
+          <p:nvPr>
+            <p:ph idx="1"/>
+          </p:nvPr>
+        </p:nvSpPr>
+        <p:spPr>
+          <a:xfrm>
+            <a:off x="1392667" y="2398957"/>
+            <a:ext cx="9406666" cy="3526144"/>
+          </a:xfrm>
+        </p:spPr>
+        <p:txBody>
+          <a:bodyPr vert="horz" lIns="91440" tIns="45720" rIns="91440" bIns="45720" rtlCol="0" anchor="t">
+            <a:normAutofit/>
+          </a:bodyPr>
+          <a:lstStyle/>
+          <a:p>
+            <a:pPr>
+              <a:buNone/>
+            </a:pPr>
+            <a:r>
+              <a:rPr lang="zh-TW" altLang="en-US" sz="2000">
+                <a:solidFill>
+                  <a:schemeClr val="bg1"/>
+                </a:solidFill>
+                <a:latin typeface="Microsoft JhengHei"/>
+                <a:ea typeface="Microsoft JhengHei"/>
+              </a:rPr>
+              <a:t>目前</a:t>
+            </a:r>
+            <a:r>
+              <a:rPr lang="zh-TW" sz="2000">
+                <a:solidFill>
+                  <a:schemeClr val="bg1"/>
+                </a:solidFill>
+                <a:latin typeface="Microsoft JhengHei"/>
+                <a:ea typeface="Microsoft JhengHei"/>
+              </a:rPr>
+              <a:t>進度:</a:t>
+            </a:r>
+            <a:endParaRPr lang="zh-TW">
+              <a:solidFill>
+                <a:schemeClr val="bg1"/>
+              </a:solidFill>
+            </a:endParaRPr>
+          </a:p>
+          <a:p>
+            <a:pPr marL="0" indent="0">
+              <a:buNone/>
+            </a:pPr>
+            <a:r>
+              <a:rPr lang="zh-TW" altLang="en-US" sz="2000">
+                <a:solidFill>
+                  <a:schemeClr val="bg1"/>
+                </a:solidFill>
+              </a:rPr>
+              <a:t>製作app</a:t>
+            </a:r>
+          </a:p>
+          <a:p>
+            <a:pPr marL="0" indent="0">
+              <a:buNone/>
+            </a:pPr>
+            <a:r>
+              <a:rPr lang="zh-TW" altLang="en-US" sz="2000">
+                <a:solidFill>
+                  <a:schemeClr val="bg1"/>
+                </a:solidFill>
+              </a:rPr>
+              <a:t>製作app手機頁面</a:t>
+            </a:r>
+          </a:p>
+          <a:p>
+            <a:pPr marL="0" indent="0">
+              <a:buNone/>
+            </a:pPr>
+            <a:r>
+              <a:rPr lang="zh-TW" altLang="en-US" sz="2000">
+                <a:solidFill>
+                  <a:schemeClr val="bg1"/>
+                </a:solidFill>
+              </a:rPr>
+              <a:t>正在研究:</a:t>
+            </a:r>
+          </a:p>
+          <a:p>
+            <a:pPr marL="0" indent="0">
+              <a:buNone/>
+            </a:pPr>
+            <a:r>
+              <a:rPr lang="en-US" sz="2000">
+                <a:solidFill>
+                  <a:schemeClr val="bg1"/>
+                </a:solidFill>
+              </a:rPr>
+              <a:t>       Api</a:t>
+            </a:r>
+          </a:p>
+          <a:p>
+            <a:pPr marL="0" indent="0">
+              <a:buNone/>
+            </a:pPr>
+            <a:r>
+              <a:rPr lang="en-US" sz="2000">
+                <a:solidFill>
+                  <a:schemeClr val="bg1"/>
+                </a:solidFill>
+              </a:rPr>
+              <a:t>       </a:t>
+            </a:r>
+            <a:r>
+              <a:rPr lang="zh-CN" altLang="en-US" sz="2000">
+                <a:solidFill>
+                  <a:schemeClr val="bg1"/>
+                </a:solidFill>
+              </a:rPr>
+              <a:t>前端處理(</a:t>
+            </a:r>
+            <a:r>
+              <a:rPr lang="zh-CN" sz="1200">
+                <a:solidFill>
+                  <a:srgbClr val="DBDEE1"/>
+                </a:solidFill>
+                <a:ea typeface="+mn-lt"/>
+                <a:cs typeface="+mn-lt"/>
+              </a:rPr>
+              <a:t>單聲道 採樣率16000hz</a:t>
+            </a:r>
+            <a:r>
+              <a:rPr lang="zh-CN" altLang="en-US" sz="2000">
+                <a:solidFill>
+                  <a:schemeClr val="bg1"/>
+                </a:solidFill>
+              </a:rPr>
+              <a:t>)</a:t>
+            </a:r>
+          </a:p>
+          <a:p>
+            <a:pPr marL="0" indent="0">
+              <a:buNone/>
+            </a:pPr>
+            <a:r>
+              <a:rPr lang="zh-TW" altLang="en-US" sz="2000">
+                <a:solidFill>
+                  <a:schemeClr val="bg1"/>
+                </a:solidFill>
+              </a:rPr>
+              <a:t>未來想法:</a:t>
+            </a:r>
+          </a:p>
+          <a:p>
+            <a:pPr marL="0" indent="0">
+              <a:buNone/>
+            </a:pPr>
+            <a:endParaRPr lang="zh-TW" altLang="en-US" sz="2000">
+              <a:solidFill>
+                <a:schemeClr val="bg1"/>
+              </a:solidFill>
+            </a:endParaRPr>
+          </a:p>
+          <a:p>
+            <a:pPr marL="0" indent="0">
+              <a:buNone/>
+            </a:pPr>
+            <a:endParaRPr lang="zh-TW" altLang="en-US" sz="2000">
+              <a:solidFill>
+                <a:schemeClr val="bg1"/>
+              </a:solidFill>
+            </a:endParaRPr>
+          </a:p>
+        </p:txBody>
+      </p:sp>
+      <p:sp>
+        <p:nvSpPr>
+          <p:cNvPr id="42" name="Rectangle 41">
+            <a:extLst>
+              <a:ext uri="{FF2B5EF4-FFF2-40B4-BE49-F238E27FC236}">
+                <a16:creationId xmlns:a16="http://schemas.microsoft.com/office/drawing/2014/main" id="{9DD005C1-8C51-42D6-9BEE-B9B83849743D}"/>
+              </a:ext>
+              <a:ext uri="{C183D7F6-B498-43B3-948B-1728B52AA6E4}">
+                <adec:decorative xmlns:adec="http://schemas.microsoft.com/office/drawing/2017/decorative" val="1"/>
+              </a:ext>
+            </a:extLst>
+          </p:cNvPr>
+          <p:cNvSpPr>
+            <a:spLocks noGrp="1" noRot="1" noChangeAspect="1" noMove="1" noResize="1" noEditPoints="1" noAdjustHandles="1" noChangeArrowheads="1" noChangeShapeType="1" noTextEdit="1"/>
+          </p:cNvSpPr>
+          <p:nvPr>
+            <p:extLst>
+              <p:ext uri="{386F3935-93C4-4BCD-93E2-E3B085C9AB24}">
+                <p16:designElem xmlns:p16="http://schemas.microsoft.com/office/powerpoint/2015/main" val="1"/>
+              </p:ext>
+            </p:extLst>
+          </p:nvPr>
+        </p:nvSpPr>
+        <p:spPr>
+          <a:xfrm>
+            <a:off x="126206" y="115193"/>
+            <a:ext cx="11939588" cy="6627614"/>
+          </a:xfrm>
+          <a:prstGeom prst="rect">
+            <a:avLst/>
+          </a:prstGeom>
+          <a:noFill/>
+          <a:ln w="12700">
+            <a:solidFill>
+              <a:schemeClr val="accent2"/>
+            </a:solidFill>
+          </a:ln>
+        </p:spPr>
+        <p:style>
+          <a:lnRef idx="2">
+            <a:schemeClr val="accent1">
+              <a:shade val="50000"/>
+            </a:schemeClr>
+          </a:lnRef>
+          <a:fillRef idx="1">
+            <a:schemeClr val="accent1"/>
+          </a:fillRef>
+          <a:effectRef idx="0">
+            <a:schemeClr val="accent1"/>
+          </a:effectRef>
+          <a:fontRef idx="minor">
+            <a:schemeClr val="lt1"/>
+          </a:fontRef>
+        </p:style>
+        <p:txBody>
+          <a:bodyPr rtlCol="0" anchor="ctr"/>
+          <a:lstStyle/>
+          <a:p>
+            <a:pPr marL="0" marR="0" lvl="0" indent="0" algn="ctr" defTabSz="914400" rtl="0" eaLnBrk="1" fontAlgn="auto" latinLnBrk="0" hangingPunct="1">
+              <a:lnSpc>
+                <a:spcPct val="100000"/>
+              </a:lnSpc>
+              <a:spcBef>
+                <a:spcPts val="0"/>
+              </a:spcBef>
+              <a:spcAft>
+                <a:spcPts val="0"/>
+              </a:spcAft>
+              <a:buClrTx/>
+              <a:buSzTx/>
+              <a:buFontTx/>
+              <a:buNone/>
+              <a:tabLst/>
+              <a:defRPr/>
+            </a:pPr>
+            <a:endParaRPr kumimoji="0" lang="en-US" sz="1800" b="0" i="0" u="none" strike="noStrike" kern="1200" cap="none" spc="0" normalizeH="0" baseline="0" noProof="0">
+              <a:ln>
+                <a:noFill/>
+              </a:ln>
+              <a:solidFill>
+                <a:prstClr val="white"/>
+              </a:solidFill>
+              <a:effectLst/>
+              <a:uLnTx/>
+              <a:uFillTx/>
+              <a:latin typeface="微軟正黑體"/>
+              <a:ea typeface="微軟正黑體"/>
+              <a:cs typeface="+mn-cs"/>
+            </a:endParaRPr>
+          </a:p>
+        </p:txBody>
+      </p:sp>
+    </p:spTree>
+    <p:extLst>
+      <p:ext uri="{BB962C8B-B14F-4D97-AF65-F5344CB8AC3E}">
+        <p14:creationId xmlns:p14="http://schemas.microsoft.com/office/powerpoint/2010/main" val="919119581"/>
+      </p:ext>
+    </p:extLst>
+  </p:cSld>
+  <p:clrMapOvr>
+    <a:masterClrMapping/>
+  </p:clrMapOvr>
+  <mc:AlternateContent xmlns:mc="http://schemas.openxmlformats.org/markup-compatibility/2006" xmlns:p159="http://schemas.microsoft.com/office/powerpoint/2015/09/main">
+    <mc:Choice Requires="p159">
+      <p:transition xmlns:p14="http://schemas.microsoft.com/office/powerpoint/2010/main" spd="slow" p14:dur="2000">
+        <p159:morph option="byObject"/>
+      </p:transition>
+    </mc:Choice>
+    <mc:Fallback xmlns="">
+      <p:transition spd="slow">
+        <p:fade/>
+      </p:transition>
+    </mc:Fallback>
+  </mc:AlternateContent>
+</p:sld>
+</file>
+
+<file path=ppt/slides/slide14.xml><?xml version="1.0" encoding="utf-8"?>
+<p:sld xmlns:a="http://schemas.openxmlformats.org/drawingml/2006/main" xmlns:r="http://schemas.openxmlformats.org/officeDocument/2006/relationships" xmlns:p="http://schemas.openxmlformats.org/presentationml/2006/main">
+  <p:cSld>
+    <p:bg>
+      <p:bgPr>
+        <a:solidFill>
+          <a:schemeClr val="bg1"/>
+        </a:solidFill>
+        <a:effectLst/>
+      </p:bgPr>
+    </p:bg>
+    <p:spTree>
+      <p:nvGrpSpPr>
+        <p:cNvPr id="1" name=""/>
+        <p:cNvGrpSpPr/>
+        <p:nvPr/>
+      </p:nvGrpSpPr>
+      <p:grpSpPr>
+        <a:xfrm>
+          <a:off x="0" y="0"/>
+          <a:ext cx="0" cy="0"/>
+          <a:chOff x="0" y="0"/>
+          <a:chExt cx="0" cy="0"/>
+        </a:xfrm>
+      </p:grpSpPr>
+      <p:sp>
+        <p:nvSpPr>
+          <p:cNvPr id="38" name="Rectangle 37">
+            <a:extLst>
+              <a:ext uri="{FF2B5EF4-FFF2-40B4-BE49-F238E27FC236}">
+                <a16:creationId xmlns:a16="http://schemas.microsoft.com/office/drawing/2014/main" id="{A7AE9375-4664-4DB2-922D-2782A6E439AC}"/>
+              </a:ext>
+              <a:ext uri="{C183D7F6-B498-43B3-948B-1728B52AA6E4}">
+                <adec:decorative xmlns:adec="http://schemas.microsoft.com/office/drawing/2017/decorative" val="1"/>
+              </a:ext>
+            </a:extLst>
+          </p:cNvPr>
+          <p:cNvSpPr>
+            <a:spLocks noGrp="1" noRot="1" noChangeAspect="1" noMove="1" noResize="1" noEditPoints="1" noAdjustHandles="1" noChangeArrowheads="1" noChangeShapeType="1" noTextEdit="1"/>
+          </p:cNvSpPr>
+          <p:nvPr>
+            <p:extLst>
+              <p:ext uri="{386F3935-93C4-4BCD-93E2-E3B085C9AB24}">
+                <p16:designElem xmlns:p16="http://schemas.microsoft.com/office/powerpoint/2015/main" val="1"/>
+              </p:ext>
+            </p:extLst>
+          </p:nvPr>
+        </p:nvSpPr>
+        <p:spPr>
+          <a:xfrm>
+            <a:off x="0" y="0"/>
+            <a:ext cx="12192000" cy="6858000"/>
+          </a:xfrm>
+          <a:prstGeom prst="rect">
+            <a:avLst/>
+          </a:prstGeom>
+          <a:solidFill>
+            <a:schemeClr val="tx1">
+              <a:lumMod val="95000"/>
+              <a:lumOff val="5000"/>
+            </a:schemeClr>
+          </a:solidFill>
+          <a:ln>
+            <a:noFill/>
+          </a:ln>
+        </p:spPr>
+        <p:style>
+          <a:lnRef idx="2">
+            <a:schemeClr val="accent1">
+              <a:shade val="50000"/>
+            </a:schemeClr>
+          </a:lnRef>
+          <a:fillRef idx="1">
+            <a:schemeClr val="accent1"/>
+          </a:fillRef>
+          <a:effectRef idx="0">
+            <a:schemeClr val="accent1"/>
+          </a:effectRef>
+          <a:fontRef idx="minor">
+            <a:schemeClr val="lt1"/>
+          </a:fontRef>
+        </p:style>
+        <p:txBody>
+          <a:bodyPr rtlCol="0" anchor="ctr"/>
+          <a:lstStyle/>
+          <a:p>
+            <a:pPr marL="0" marR="0" lvl="0" indent="0" algn="ctr" defTabSz="914400" rtl="0" eaLnBrk="1" fontAlgn="auto" latinLnBrk="0" hangingPunct="1">
+              <a:lnSpc>
+                <a:spcPct val="100000"/>
+              </a:lnSpc>
+              <a:spcBef>
+                <a:spcPts val="0"/>
+              </a:spcBef>
+              <a:spcAft>
+                <a:spcPts val="0"/>
+              </a:spcAft>
+              <a:buClrTx/>
+              <a:buSzTx/>
+              <a:buFontTx/>
+              <a:buNone/>
+              <a:tabLst/>
+              <a:defRPr/>
+            </a:pPr>
+            <a:endParaRPr kumimoji="0" lang="en-US" sz="1800" b="0" i="0" u="none" strike="noStrike" kern="1200" cap="none" spc="0" normalizeH="0" baseline="0" noProof="0">
+              <a:ln>
+                <a:noFill/>
+              </a:ln>
+              <a:solidFill>
+                <a:prstClr val="black"/>
+              </a:solidFill>
+              <a:effectLst/>
+              <a:uLnTx/>
+              <a:uFillTx/>
+              <a:latin typeface="微軟正黑體"/>
+              <a:ea typeface="微軟正黑體"/>
+              <a:cs typeface="+mn-cs"/>
+            </a:endParaRPr>
+          </a:p>
+        </p:txBody>
+      </p:sp>
+      <p:sp>
+        <p:nvSpPr>
+          <p:cNvPr id="2" name="標題 1">
+            <a:extLst>
+              <a:ext uri="{FF2B5EF4-FFF2-40B4-BE49-F238E27FC236}">
+                <a16:creationId xmlns:a16="http://schemas.microsoft.com/office/drawing/2014/main" id="{4185B2FE-C0DB-3425-291A-B785A4DA51C5}"/>
+              </a:ext>
+            </a:extLst>
+          </p:cNvPr>
+          <p:cNvSpPr>
+            <a:spLocks noGrp="1"/>
+          </p:cNvSpPr>
+          <p:nvPr>
+            <p:ph type="title"/>
+          </p:nvPr>
+        </p:nvSpPr>
+        <p:spPr>
+          <a:xfrm>
+            <a:off x="1392667" y="594294"/>
+            <a:ext cx="9621369" cy="1325563"/>
+          </a:xfrm>
+        </p:spPr>
+        <p:txBody>
+          <a:bodyPr anchor="b">
+            <a:normAutofit/>
+          </a:bodyPr>
+          <a:lstStyle/>
+          <a:p>
+            <a:r>
+              <a:rPr lang="en-US" altLang="zh-TW" err="1">
+                <a:solidFill>
+                  <a:schemeClr val="bg1"/>
+                </a:solidFill>
+                <a:latin typeface="微軟正黑體"/>
+                <a:ea typeface="微軟正黑體"/>
+              </a:rPr>
+              <a:t>系統組</a:t>
+            </a:r>
+            <a:r>
+              <a:rPr lang="en-US" altLang="zh-TW">
+                <a:solidFill>
+                  <a:schemeClr val="bg1"/>
+                </a:solidFill>
+                <a:latin typeface="微軟正黑體"/>
+                <a:ea typeface="微軟正黑體"/>
+              </a:rPr>
+              <a:t>-app</a:t>
+            </a:r>
+            <a:br>
+              <a:rPr lang="en-US" altLang="zh-TW">
+                <a:solidFill>
+                  <a:schemeClr val="bg1"/>
+                </a:solidFill>
+                <a:latin typeface="微軟正黑體"/>
+                <a:ea typeface="微軟正黑體"/>
+              </a:rPr>
+            </a:br>
+            <a:endParaRPr lang="en-US" altLang="zh-TW">
+              <a:solidFill>
+                <a:schemeClr val="bg1"/>
+              </a:solidFill>
+              <a:latin typeface="微軟正黑體"/>
+              <a:ea typeface="微軟正黑體"/>
+            </a:endParaRPr>
+          </a:p>
+        </p:txBody>
+      </p:sp>
+      <p:cxnSp>
+        <p:nvCxnSpPr>
+          <p:cNvPr id="40" name="Straight Connector 39">
+            <a:extLst>
+              <a:ext uri="{FF2B5EF4-FFF2-40B4-BE49-F238E27FC236}">
+                <a16:creationId xmlns:a16="http://schemas.microsoft.com/office/drawing/2014/main" id="{EE504C98-6397-41C1-A8D8-2D9C4ED307E0}"/>
+              </a:ext>
+              <a:ext uri="{C183D7F6-B498-43B3-948B-1728B52AA6E4}">
+                <adec:decorative xmlns:adec="http://schemas.microsoft.com/office/drawing/2017/decorative" val="1"/>
+              </a:ext>
+            </a:extLst>
+          </p:cNvPr>
+          <p:cNvCxnSpPr>
+            <a:cxnSpLocks noGrp="1" noRot="1" noChangeAspect="1" noMove="1" noResize="1" noEditPoints="1" noAdjustHandles="1" noChangeArrowheads="1" noChangeShapeType="1"/>
+          </p:cNvCxnSpPr>
+          <p:nvPr>
+            <p:extLst>
+              <p:ext uri="{386F3935-93C4-4BCD-93E2-E3B085C9AB24}">
+                <p16:designElem xmlns:p16="http://schemas.microsoft.com/office/powerpoint/2015/main" val="1"/>
+              </p:ext>
+            </p:extLst>
+          </p:nvPr>
+        </p:nvCxnSpPr>
+        <p:spPr>
+          <a:xfrm flipH="1">
+            <a:off x="126210" y="2026340"/>
+            <a:ext cx="5220936" cy="0"/>
+          </a:xfrm>
+          <a:prstGeom prst="line">
+            <a:avLst/>
+          </a:prstGeom>
+          <a:ln w="12700">
+            <a:solidFill>
+              <a:schemeClr val="accent2"/>
+            </a:solidFill>
+          </a:ln>
+        </p:spPr>
+        <p:style>
+          <a:lnRef idx="1">
+            <a:schemeClr val="accent1"/>
+          </a:lnRef>
+          <a:fillRef idx="0">
+            <a:schemeClr val="accent1"/>
+          </a:fillRef>
+          <a:effectRef idx="0">
+            <a:schemeClr val="accent1"/>
+          </a:effectRef>
+          <a:fontRef idx="minor">
+            <a:schemeClr val="tx1"/>
+          </a:fontRef>
+        </p:style>
+      </p:cxnSp>
+      <p:sp>
+        <p:nvSpPr>
+          <p:cNvPr id="42" name="Rectangle 41">
+            <a:extLst>
+              <a:ext uri="{FF2B5EF4-FFF2-40B4-BE49-F238E27FC236}">
+                <a16:creationId xmlns:a16="http://schemas.microsoft.com/office/drawing/2014/main" id="{9DD005C1-8C51-42D6-9BEE-B9B83849743D}"/>
+              </a:ext>
+              <a:ext uri="{C183D7F6-B498-43B3-948B-1728B52AA6E4}">
+                <adec:decorative xmlns:adec="http://schemas.microsoft.com/office/drawing/2017/decorative" val="1"/>
+              </a:ext>
+            </a:extLst>
+          </p:cNvPr>
+          <p:cNvSpPr>
+            <a:spLocks noGrp="1" noRot="1" noChangeAspect="1" noMove="1" noResize="1" noEditPoints="1" noAdjustHandles="1" noChangeArrowheads="1" noChangeShapeType="1" noTextEdit="1"/>
+          </p:cNvSpPr>
+          <p:nvPr>
+            <p:extLst>
+              <p:ext uri="{386F3935-93C4-4BCD-93E2-E3B085C9AB24}">
+                <p16:designElem xmlns:p16="http://schemas.microsoft.com/office/powerpoint/2015/main" val="1"/>
+              </p:ext>
+            </p:extLst>
+          </p:nvPr>
+        </p:nvSpPr>
+        <p:spPr>
+          <a:xfrm>
+            <a:off x="126206" y="115193"/>
+            <a:ext cx="11939588" cy="6627614"/>
+          </a:xfrm>
+          <a:prstGeom prst="rect">
+            <a:avLst/>
+          </a:prstGeom>
+          <a:noFill/>
+          <a:ln w="12700">
+            <a:solidFill>
+              <a:schemeClr val="accent2"/>
+            </a:solidFill>
+          </a:ln>
+        </p:spPr>
+        <p:style>
+          <a:lnRef idx="2">
+            <a:schemeClr val="accent1">
+              <a:shade val="50000"/>
+            </a:schemeClr>
+          </a:lnRef>
+          <a:fillRef idx="1">
+            <a:schemeClr val="accent1"/>
+          </a:fillRef>
+          <a:effectRef idx="0">
+            <a:schemeClr val="accent1"/>
+          </a:effectRef>
+          <a:fontRef idx="minor">
+            <a:schemeClr val="lt1"/>
+          </a:fontRef>
+        </p:style>
+        <p:txBody>
+          <a:bodyPr rtlCol="0" anchor="ctr"/>
+          <a:lstStyle/>
+          <a:p>
+            <a:pPr marL="0" marR="0" lvl="0" indent="0" algn="ctr" defTabSz="914400" rtl="0" eaLnBrk="1" fontAlgn="auto" latinLnBrk="0" hangingPunct="1">
+              <a:lnSpc>
+                <a:spcPct val="100000"/>
+              </a:lnSpc>
+              <a:spcBef>
+                <a:spcPts val="0"/>
+              </a:spcBef>
+              <a:spcAft>
+                <a:spcPts val="0"/>
+              </a:spcAft>
+              <a:buClrTx/>
+              <a:buSzTx/>
+              <a:buFontTx/>
+              <a:buNone/>
+              <a:tabLst/>
+              <a:defRPr/>
+            </a:pPr>
+            <a:endParaRPr kumimoji="0" lang="en-US" sz="1800" b="0" i="0" u="none" strike="noStrike" kern="1200" cap="none" spc="0" normalizeH="0" baseline="0" noProof="0">
+              <a:ln>
+                <a:noFill/>
+              </a:ln>
+              <a:solidFill>
+                <a:prstClr val="white"/>
+              </a:solidFill>
+              <a:effectLst/>
+              <a:uLnTx/>
+              <a:uFillTx/>
+              <a:latin typeface="微軟正黑體"/>
+              <a:ea typeface="微軟正黑體"/>
+              <a:cs typeface="+mn-cs"/>
+            </a:endParaRPr>
+          </a:p>
+        </p:txBody>
+      </p:sp>
+      <p:pic>
+        <p:nvPicPr>
+          <p:cNvPr id="4" name="圖片 3" descr="一張含有 文字, 螢幕擷取畫面, 平面設計, 圖形 的圖片&#10;&#10;自動產生的描述">
+            <a:extLst>
+              <a:ext uri="{FF2B5EF4-FFF2-40B4-BE49-F238E27FC236}">
+                <a16:creationId xmlns:a16="http://schemas.microsoft.com/office/drawing/2014/main" id="{9EC4A138-BCC9-983A-FE08-D34A9A486B0D}"/>
+              </a:ext>
+            </a:extLst>
+          </p:cNvPr>
+          <p:cNvPicPr>
+            <a:picLocks noChangeAspect="1"/>
+          </p:cNvPicPr>
+          <p:nvPr/>
+        </p:nvPicPr>
+        <p:blipFill>
+          <a:blip r:embed="rId2"/>
+          <a:stretch>
+            <a:fillRect/>
+          </a:stretch>
+        </p:blipFill>
+        <p:spPr>
+          <a:xfrm>
+            <a:off x="884555" y="2483485"/>
+            <a:ext cx="4316730" cy="2134870"/>
+          </a:xfrm>
+          <a:prstGeom prst="rect">
+            <a:avLst/>
+          </a:prstGeom>
+        </p:spPr>
+      </p:pic>
+      <p:pic>
+        <p:nvPicPr>
+          <p:cNvPr id="5" name="圖片 4" descr="一張含有 文字, 螢幕擷取畫面, 字型, 數字 的圖片&#10;&#10;自動產生的描述">
+            <a:extLst>
+              <a:ext uri="{FF2B5EF4-FFF2-40B4-BE49-F238E27FC236}">
+                <a16:creationId xmlns:a16="http://schemas.microsoft.com/office/drawing/2014/main" id="{3399C43A-FD3D-0673-5433-FFE9E93F07DF}"/>
+              </a:ext>
+            </a:extLst>
+          </p:cNvPr>
+          <p:cNvPicPr>
+            <a:picLocks noChangeAspect="1"/>
+          </p:cNvPicPr>
+          <p:nvPr/>
+        </p:nvPicPr>
+        <p:blipFill>
+          <a:blip r:embed="rId3"/>
+          <a:stretch>
+            <a:fillRect/>
+          </a:stretch>
+        </p:blipFill>
+        <p:spPr>
+          <a:xfrm>
+            <a:off x="5445760" y="2078355"/>
+            <a:ext cx="6096000" cy="3270250"/>
+          </a:xfrm>
+          <a:prstGeom prst="rect">
+            <a:avLst/>
+          </a:prstGeom>
+        </p:spPr>
+      </p:pic>
+    </p:spTree>
+    <p:extLst>
+      <p:ext uri="{BB962C8B-B14F-4D97-AF65-F5344CB8AC3E}">
+        <p14:creationId xmlns:p14="http://schemas.microsoft.com/office/powerpoint/2010/main" val="4240076248"/>
+      </p:ext>
+    </p:extLst>
+  </p:cSld>
+  <p:clrMapOvr>
+    <a:masterClrMapping/>
+  </p:clrMapOvr>
+  <mc:AlternateContent xmlns:mc="http://schemas.openxmlformats.org/markup-compatibility/2006" xmlns:p159="http://schemas.microsoft.com/office/powerpoint/2015/09/main">
+    <mc:Choice Requires="p159">
+      <p:transition xmlns:p14="http://schemas.microsoft.com/office/powerpoint/2010/main" spd="slow" p14:dur="2000">
+        <p159:morph option="byObject"/>
+      </p:transition>
+    </mc:Choice>
+    <mc:Fallback xmlns="">
+      <p:transition spd="slow">
+        <p:fade/>
+      </p:transition>
+    </mc:Fallback>
+  </mc:AlternateContent>
+</p:sld>
+</file>
+
+<file path=ppt/slides/slide15.xml><?xml version="1.0" encoding="utf-8"?>
+<p:sld xmlns:a="http://schemas.openxmlformats.org/drawingml/2006/main" xmlns:r="http://schemas.openxmlformats.org/officeDocument/2006/relationships" xmlns:p="http://schemas.openxmlformats.org/presentationml/2006/main">
+  <p:cSld>
+    <p:bg>
+      <p:bgPr>
+        <a:solidFill>
+          <a:schemeClr val="bg1"/>
+        </a:solidFill>
+        <a:effectLst/>
+      </p:bgPr>
+    </p:bg>
+    <p:spTree>
+      <p:nvGrpSpPr>
+        <p:cNvPr id="1" name=""/>
+        <p:cNvGrpSpPr/>
+        <p:nvPr/>
+      </p:nvGrpSpPr>
+      <p:grpSpPr>
+        <a:xfrm>
+          <a:off x="0" y="0"/>
+          <a:ext cx="0" cy="0"/>
+          <a:chOff x="0" y="0"/>
+          <a:chExt cx="0" cy="0"/>
+        </a:xfrm>
+      </p:grpSpPr>
+      <p:sp>
+        <p:nvSpPr>
+          <p:cNvPr id="38" name="Rectangle 37">
+            <a:extLst>
+              <a:ext uri="{FF2B5EF4-FFF2-40B4-BE49-F238E27FC236}">
+                <a16:creationId xmlns:a16="http://schemas.microsoft.com/office/drawing/2014/main" id="{A7AE9375-4664-4DB2-922D-2782A6E439AC}"/>
+              </a:ext>
+              <a:ext uri="{C183D7F6-B498-43B3-948B-1728B52AA6E4}">
+                <adec:decorative xmlns:adec="http://schemas.microsoft.com/office/drawing/2017/decorative" val="1"/>
+              </a:ext>
+            </a:extLst>
+          </p:cNvPr>
+          <p:cNvSpPr>
+            <a:spLocks noGrp="1" noRot="1" noChangeAspect="1" noMove="1" noResize="1" noEditPoints="1" noAdjustHandles="1" noChangeArrowheads="1" noChangeShapeType="1" noTextEdit="1"/>
+          </p:cNvSpPr>
+          <p:nvPr>
+            <p:extLst>
+              <p:ext uri="{386F3935-93C4-4BCD-93E2-E3B085C9AB24}">
+                <p16:designElem xmlns:p16="http://schemas.microsoft.com/office/powerpoint/2015/main" val="1"/>
+              </p:ext>
+            </p:extLst>
+          </p:nvPr>
+        </p:nvSpPr>
+        <p:spPr>
+          <a:xfrm>
+            <a:off x="0" y="0"/>
+            <a:ext cx="12192000" cy="6858000"/>
+          </a:xfrm>
+          <a:prstGeom prst="rect">
+            <a:avLst/>
+          </a:prstGeom>
+          <a:solidFill>
+            <a:schemeClr val="tx1">
+              <a:lumMod val="95000"/>
+              <a:lumOff val="5000"/>
+            </a:schemeClr>
+          </a:solidFill>
+          <a:ln>
+            <a:noFill/>
+          </a:ln>
+        </p:spPr>
+        <p:style>
+          <a:lnRef idx="2">
+            <a:schemeClr val="accent1">
+              <a:shade val="50000"/>
+            </a:schemeClr>
+          </a:lnRef>
+          <a:fillRef idx="1">
+            <a:schemeClr val="accent1"/>
+          </a:fillRef>
+          <a:effectRef idx="0">
+            <a:schemeClr val="accent1"/>
+          </a:effectRef>
+          <a:fontRef idx="minor">
+            <a:schemeClr val="lt1"/>
+          </a:fontRef>
+        </p:style>
+        <p:txBody>
+          <a:bodyPr rtlCol="0" anchor="ctr"/>
+          <a:lstStyle/>
+          <a:p>
+            <a:pPr marL="0" marR="0" lvl="0" indent="0" algn="ctr" defTabSz="914400" rtl="0" eaLnBrk="1" fontAlgn="auto" latinLnBrk="0" hangingPunct="1">
+              <a:lnSpc>
+                <a:spcPct val="100000"/>
+              </a:lnSpc>
+              <a:spcBef>
+                <a:spcPts val="0"/>
+              </a:spcBef>
+              <a:spcAft>
+                <a:spcPts val="0"/>
+              </a:spcAft>
+              <a:buClrTx/>
+              <a:buSzTx/>
+              <a:buFontTx/>
+              <a:buNone/>
+              <a:tabLst/>
+              <a:defRPr/>
+            </a:pPr>
+            <a:endParaRPr kumimoji="0" lang="en-US" sz="1800" b="0" i="0" u="none" strike="noStrike" kern="1200" cap="none" spc="0" normalizeH="0" baseline="0" noProof="0">
+              <a:ln>
+                <a:noFill/>
+              </a:ln>
+              <a:solidFill>
+                <a:prstClr val="black"/>
+              </a:solidFill>
+              <a:effectLst/>
+              <a:uLnTx/>
+              <a:uFillTx/>
+              <a:latin typeface="微軟正黑體"/>
+              <a:ea typeface="微軟正黑體"/>
+              <a:cs typeface="+mn-cs"/>
+            </a:endParaRPr>
+          </a:p>
+        </p:txBody>
+      </p:sp>
+      <p:sp>
+        <p:nvSpPr>
+          <p:cNvPr id="2" name="標題 1">
+            <a:extLst>
+              <a:ext uri="{FF2B5EF4-FFF2-40B4-BE49-F238E27FC236}">
+                <a16:creationId xmlns:a16="http://schemas.microsoft.com/office/drawing/2014/main" id="{4185B2FE-C0DB-3425-291A-B785A4DA51C5}"/>
+              </a:ext>
+            </a:extLst>
+          </p:cNvPr>
+          <p:cNvSpPr>
+            <a:spLocks noGrp="1"/>
+          </p:cNvSpPr>
+          <p:nvPr>
+            <p:ph type="title"/>
+          </p:nvPr>
+        </p:nvSpPr>
+        <p:spPr>
+          <a:xfrm>
+            <a:off x="1392667" y="594294"/>
+            <a:ext cx="9621369" cy="1325563"/>
+          </a:xfrm>
+        </p:spPr>
+        <p:txBody>
+          <a:bodyPr anchor="b">
+            <a:normAutofit/>
+          </a:bodyPr>
+          <a:lstStyle/>
+          <a:p>
+            <a:r>
+              <a:rPr lang="en-US" altLang="zh-TW" dirty="0" err="1">
+                <a:solidFill>
+                  <a:schemeClr val="bg1"/>
+                </a:solidFill>
+                <a:latin typeface="微軟正黑體"/>
+                <a:ea typeface="微軟正黑體"/>
+              </a:rPr>
+              <a:t>系統組-app頁面</a:t>
+            </a:r>
+            <a:br>
+              <a:rPr lang="en-US" altLang="zh-TW" dirty="0">
+                <a:latin typeface="微軟正黑體"/>
+                <a:ea typeface="微軟正黑體"/>
+              </a:rPr>
+            </a:br>
+            <a:endParaRPr lang="en-US" altLang="zh-TW">
+              <a:solidFill>
+                <a:schemeClr val="bg1"/>
+              </a:solidFill>
+              <a:latin typeface="微軟正黑體"/>
+              <a:ea typeface="微軟正黑體"/>
+            </a:endParaRPr>
+          </a:p>
+        </p:txBody>
+      </p:sp>
+      <p:cxnSp>
+        <p:nvCxnSpPr>
+          <p:cNvPr id="40" name="Straight Connector 39">
+            <a:extLst>
+              <a:ext uri="{FF2B5EF4-FFF2-40B4-BE49-F238E27FC236}">
+                <a16:creationId xmlns:a16="http://schemas.microsoft.com/office/drawing/2014/main" id="{EE504C98-6397-41C1-A8D8-2D9C4ED307E0}"/>
+              </a:ext>
+              <a:ext uri="{C183D7F6-B498-43B3-948B-1728B52AA6E4}">
+                <adec:decorative xmlns:adec="http://schemas.microsoft.com/office/drawing/2017/decorative" val="1"/>
+              </a:ext>
+            </a:extLst>
+          </p:cNvPr>
+          <p:cNvCxnSpPr>
+            <a:cxnSpLocks noGrp="1" noRot="1" noChangeAspect="1" noMove="1" noResize="1" noEditPoints="1" noAdjustHandles="1" noChangeArrowheads="1" noChangeShapeType="1"/>
+          </p:cNvCxnSpPr>
+          <p:nvPr>
+            <p:extLst>
+              <p:ext uri="{386F3935-93C4-4BCD-93E2-E3B085C9AB24}">
+                <p16:designElem xmlns:p16="http://schemas.microsoft.com/office/powerpoint/2015/main" val="1"/>
+              </p:ext>
+            </p:extLst>
+          </p:nvPr>
+        </p:nvCxnSpPr>
+        <p:spPr>
+          <a:xfrm flipH="1">
+            <a:off x="126210" y="2026340"/>
+            <a:ext cx="5220936" cy="0"/>
+          </a:xfrm>
+          <a:prstGeom prst="line">
+            <a:avLst/>
+          </a:prstGeom>
+          <a:ln w="12700">
+            <a:solidFill>
+              <a:schemeClr val="accent2"/>
+            </a:solidFill>
+          </a:ln>
+        </p:spPr>
+        <p:style>
+          <a:lnRef idx="1">
+            <a:schemeClr val="accent1"/>
+          </a:lnRef>
+          <a:fillRef idx="0">
+            <a:schemeClr val="accent1"/>
+          </a:fillRef>
+          <a:effectRef idx="0">
+            <a:schemeClr val="accent1"/>
+          </a:effectRef>
+          <a:fontRef idx="minor">
+            <a:schemeClr val="tx1"/>
+          </a:fontRef>
+        </p:style>
+      </p:cxnSp>
+      <p:sp>
+        <p:nvSpPr>
+          <p:cNvPr id="42" name="Rectangle 41">
+            <a:extLst>
+              <a:ext uri="{FF2B5EF4-FFF2-40B4-BE49-F238E27FC236}">
+                <a16:creationId xmlns:a16="http://schemas.microsoft.com/office/drawing/2014/main" id="{9DD005C1-8C51-42D6-9BEE-B9B83849743D}"/>
+              </a:ext>
+              <a:ext uri="{C183D7F6-B498-43B3-948B-1728B52AA6E4}">
+                <adec:decorative xmlns:adec="http://schemas.microsoft.com/office/drawing/2017/decorative" val="1"/>
+              </a:ext>
+            </a:extLst>
+          </p:cNvPr>
+          <p:cNvSpPr>
+            <a:spLocks noGrp="1" noRot="1" noChangeAspect="1" noMove="1" noResize="1" noEditPoints="1" noAdjustHandles="1" noChangeArrowheads="1" noChangeShapeType="1" noTextEdit="1"/>
+          </p:cNvSpPr>
+          <p:nvPr>
+            <p:extLst>
+              <p:ext uri="{386F3935-93C4-4BCD-93E2-E3B085C9AB24}">
+                <p16:designElem xmlns:p16="http://schemas.microsoft.com/office/powerpoint/2015/main" val="1"/>
+              </p:ext>
+            </p:extLst>
+          </p:nvPr>
+        </p:nvSpPr>
+        <p:spPr>
+          <a:xfrm>
+            <a:off x="126206" y="115193"/>
+            <a:ext cx="11939588" cy="6627614"/>
+          </a:xfrm>
+          <a:prstGeom prst="rect">
+            <a:avLst/>
+          </a:prstGeom>
+          <a:noFill/>
+          <a:ln w="12700">
+            <a:solidFill>
+              <a:schemeClr val="accent2"/>
+            </a:solidFill>
+          </a:ln>
+        </p:spPr>
+        <p:style>
+          <a:lnRef idx="2">
+            <a:schemeClr val="accent1">
+              <a:shade val="50000"/>
+            </a:schemeClr>
+          </a:lnRef>
+          <a:fillRef idx="1">
+            <a:schemeClr val="accent1"/>
+          </a:fillRef>
+          <a:effectRef idx="0">
+            <a:schemeClr val="accent1"/>
+          </a:effectRef>
+          <a:fontRef idx="minor">
+            <a:schemeClr val="lt1"/>
+          </a:fontRef>
+        </p:style>
+        <p:txBody>
+          <a:bodyPr rtlCol="0" anchor="ctr"/>
+          <a:lstStyle/>
+          <a:p>
+            <a:pPr marL="0" marR="0" lvl="0" indent="0" algn="ctr" defTabSz="914400" rtl="0" eaLnBrk="1" fontAlgn="auto" latinLnBrk="0" hangingPunct="1">
+              <a:lnSpc>
+                <a:spcPct val="100000"/>
+              </a:lnSpc>
+              <a:spcBef>
+                <a:spcPts val="0"/>
+              </a:spcBef>
+              <a:spcAft>
+                <a:spcPts val="0"/>
+              </a:spcAft>
+              <a:buClrTx/>
+              <a:buSzTx/>
+              <a:buFontTx/>
+              <a:buNone/>
+              <a:tabLst/>
+              <a:defRPr/>
+            </a:pPr>
+            <a:endParaRPr kumimoji="0" lang="en-US" sz="1800" b="0" i="0" u="none" strike="noStrike" kern="1200" cap="none" spc="0" normalizeH="0" baseline="0" noProof="0">
+              <a:ln>
+                <a:noFill/>
+              </a:ln>
+              <a:solidFill>
+                <a:prstClr val="white"/>
+              </a:solidFill>
+              <a:effectLst/>
+              <a:uLnTx/>
+              <a:uFillTx/>
+              <a:latin typeface="微軟正黑體"/>
+              <a:ea typeface="微軟正黑體"/>
+              <a:cs typeface="+mn-cs"/>
+            </a:endParaRPr>
+          </a:p>
+        </p:txBody>
+      </p:sp>
+      <p:pic>
+        <p:nvPicPr>
+          <p:cNvPr id="3" name="圖片 2" descr="一張含有 文字, 螢幕擷取畫面, 數字, 陳列 的圖片&#10;&#10;自動產生的描述">
+            <a:extLst>
+              <a:ext uri="{FF2B5EF4-FFF2-40B4-BE49-F238E27FC236}">
+                <a16:creationId xmlns:a16="http://schemas.microsoft.com/office/drawing/2014/main" id="{5935EECF-9961-C886-96BC-1D8A75FCB017}"/>
+              </a:ext>
+            </a:extLst>
+          </p:cNvPr>
+          <p:cNvPicPr>
+            <a:picLocks noChangeAspect="1"/>
+          </p:cNvPicPr>
+          <p:nvPr/>
+        </p:nvPicPr>
+        <p:blipFill>
+          <a:blip r:embed="rId2"/>
+          <a:stretch>
+            <a:fillRect/>
+          </a:stretch>
+        </p:blipFill>
+        <p:spPr>
+          <a:xfrm>
+            <a:off x="5917363" y="2275840"/>
+            <a:ext cx="5335675" cy="4114800"/>
+          </a:xfrm>
+          <a:prstGeom prst="rect">
+            <a:avLst/>
+          </a:prstGeom>
+        </p:spPr>
+      </p:pic>
+      <p:pic>
+        <p:nvPicPr>
+          <p:cNvPr id="6" name="圖片 5" descr="一張含有 文字, 螢幕擷取畫面, 字型, 設計 的圖片&#10;&#10;自動產生的描述">
+            <a:extLst>
+              <a:ext uri="{FF2B5EF4-FFF2-40B4-BE49-F238E27FC236}">
+                <a16:creationId xmlns:a16="http://schemas.microsoft.com/office/drawing/2014/main" id="{125B4ADC-60C1-4A8B-4CE7-7853664B9EC8}"/>
+              </a:ext>
+            </a:extLst>
+          </p:cNvPr>
+          <p:cNvPicPr>
+            <a:picLocks noChangeAspect="1"/>
+          </p:cNvPicPr>
+          <p:nvPr/>
+        </p:nvPicPr>
+        <p:blipFill>
+          <a:blip r:embed="rId3"/>
+          <a:stretch>
+            <a:fillRect/>
+          </a:stretch>
+        </p:blipFill>
+        <p:spPr>
+          <a:xfrm>
+            <a:off x="741264" y="2275840"/>
+            <a:ext cx="4735393" cy="4114800"/>
+          </a:xfrm>
+          <a:prstGeom prst="rect">
+            <a:avLst/>
+          </a:prstGeom>
+        </p:spPr>
+      </p:pic>
+    </p:spTree>
+    <p:extLst>
+      <p:ext uri="{BB962C8B-B14F-4D97-AF65-F5344CB8AC3E}">
+        <p14:creationId xmlns:p14="http://schemas.microsoft.com/office/powerpoint/2010/main" val="871283"/>
+      </p:ext>
+    </p:extLst>
+  </p:cSld>
+  <p:clrMapOvr>
+    <a:masterClrMapping/>
+  </p:clrMapOvr>
+  <mc:AlternateContent xmlns:mc="http://schemas.openxmlformats.org/markup-compatibility/2006" xmlns:p159="http://schemas.microsoft.com/office/powerpoint/2015/09/main">
+    <mc:Choice Requires="p159">
+      <p:transition xmlns:p14="http://schemas.microsoft.com/office/powerpoint/2010/main" spd="slow" p14:dur="2000">
+        <p159:morph option="byObject"/>
+      </p:transition>
+    </mc:Choice>
+    <mc:Fallback xmlns="">
+      <p:transition spd="slow">
+        <p:fade/>
+      </p:transition>
+    </mc:Fallback>
+  </mc:AlternateContent>
+</p:sld>
+</file>
+
+<file path=ppt/slides/slide16.xml><?xml version="1.0" encoding="utf-8"?>
+<p:sld xmlns:a="http://schemas.openxmlformats.org/drawingml/2006/main" xmlns:r="http://schemas.openxmlformats.org/officeDocument/2006/relationships" xmlns:p="http://schemas.openxmlformats.org/presentationml/2006/main">
+  <p:cSld>
+    <p:bg>
+      <p:bgPr>
+        <a:solidFill>
+          <a:schemeClr val="bg1"/>
+        </a:solidFill>
+        <a:effectLst/>
+      </p:bgPr>
+    </p:bg>
+    <p:spTree>
+      <p:nvGrpSpPr>
+        <p:cNvPr id="1" name=""/>
+        <p:cNvGrpSpPr/>
+        <p:nvPr/>
+      </p:nvGrpSpPr>
+      <p:grpSpPr>
+        <a:xfrm>
+          <a:off x="0" y="0"/>
+          <a:ext cx="0" cy="0"/>
+          <a:chOff x="0" y="0"/>
+          <a:chExt cx="0" cy="0"/>
+        </a:xfrm>
+      </p:grpSpPr>
+      <p:sp>
+        <p:nvSpPr>
+          <p:cNvPr id="38" name="Rectangle 37">
+            <a:extLst>
+              <a:ext uri="{FF2B5EF4-FFF2-40B4-BE49-F238E27FC236}">
+                <a16:creationId xmlns:a16="http://schemas.microsoft.com/office/drawing/2014/main" id="{A7AE9375-4664-4DB2-922D-2782A6E439AC}"/>
+              </a:ext>
+              <a:ext uri="{C183D7F6-B498-43B3-948B-1728B52AA6E4}">
+                <adec:decorative xmlns:adec="http://schemas.microsoft.com/office/drawing/2017/decorative" val="1"/>
+              </a:ext>
+            </a:extLst>
+          </p:cNvPr>
+          <p:cNvSpPr>
+            <a:spLocks noGrp="1" noRot="1" noChangeAspect="1" noMove="1" noResize="1" noEditPoints="1" noAdjustHandles="1" noChangeArrowheads="1" noChangeShapeType="1" noTextEdit="1"/>
+          </p:cNvSpPr>
+          <p:nvPr>
+            <p:extLst>
+              <p:ext uri="{386F3935-93C4-4BCD-93E2-E3B085C9AB24}">
+                <p16:designElem xmlns:p16="http://schemas.microsoft.com/office/powerpoint/2015/main" val="1"/>
+              </p:ext>
+            </p:extLst>
+          </p:nvPr>
+        </p:nvSpPr>
+        <p:spPr>
+          <a:xfrm>
+            <a:off x="0" y="0"/>
+            <a:ext cx="12192000" cy="6858000"/>
+          </a:xfrm>
+          <a:prstGeom prst="rect">
+            <a:avLst/>
+          </a:prstGeom>
+          <a:solidFill>
+            <a:schemeClr val="tx1">
+              <a:lumMod val="95000"/>
+              <a:lumOff val="5000"/>
+            </a:schemeClr>
+          </a:solidFill>
+          <a:ln>
+            <a:noFill/>
+          </a:ln>
+        </p:spPr>
+        <p:style>
+          <a:lnRef idx="2">
+            <a:schemeClr val="accent1">
+              <a:shade val="50000"/>
+            </a:schemeClr>
+          </a:lnRef>
+          <a:fillRef idx="1">
+            <a:schemeClr val="accent1"/>
+          </a:fillRef>
+          <a:effectRef idx="0">
+            <a:schemeClr val="accent1"/>
+          </a:effectRef>
+          <a:fontRef idx="minor">
+            <a:schemeClr val="lt1"/>
+          </a:fontRef>
+        </p:style>
+        <p:txBody>
+          <a:bodyPr rtlCol="0" anchor="ctr"/>
+          <a:lstStyle/>
+          <a:p>
+            <a:pPr marL="0" marR="0" lvl="0" indent="0" algn="ctr" defTabSz="914400" rtl="0" eaLnBrk="1" fontAlgn="auto" latinLnBrk="0" hangingPunct="1">
+              <a:lnSpc>
+                <a:spcPct val="100000"/>
+              </a:lnSpc>
+              <a:spcBef>
+                <a:spcPts val="0"/>
+              </a:spcBef>
+              <a:spcAft>
+                <a:spcPts val="0"/>
+              </a:spcAft>
+              <a:buClrTx/>
+              <a:buSzTx/>
+              <a:buFontTx/>
+              <a:buNone/>
+              <a:tabLst/>
+              <a:defRPr/>
+            </a:pPr>
+            <a:endParaRPr kumimoji="0" lang="en-US" sz="1800" b="0" i="0" u="none" strike="noStrike" kern="1200" cap="none" spc="0" normalizeH="0" baseline="0" noProof="0">
+              <a:ln>
+                <a:noFill/>
+              </a:ln>
+              <a:solidFill>
+                <a:prstClr val="black"/>
+              </a:solidFill>
+              <a:effectLst/>
+              <a:uLnTx/>
+              <a:uFillTx/>
+              <a:latin typeface="微軟正黑體"/>
+              <a:ea typeface="微軟正黑體"/>
+              <a:cs typeface="+mn-cs"/>
+            </a:endParaRPr>
+          </a:p>
+        </p:txBody>
+      </p:sp>
+      <p:sp>
+        <p:nvSpPr>
+          <p:cNvPr id="2" name="標題 1">
+            <a:extLst>
+              <a:ext uri="{FF2B5EF4-FFF2-40B4-BE49-F238E27FC236}">
+                <a16:creationId xmlns:a16="http://schemas.microsoft.com/office/drawing/2014/main" id="{4185B2FE-C0DB-3425-291A-B785A4DA51C5}"/>
+              </a:ext>
+            </a:extLst>
+          </p:cNvPr>
+          <p:cNvSpPr>
+            <a:spLocks noGrp="1"/>
+          </p:cNvSpPr>
+          <p:nvPr>
+            <p:ph type="title"/>
+          </p:nvPr>
+        </p:nvSpPr>
+        <p:spPr>
+          <a:xfrm>
+            <a:off x="1392667" y="594294"/>
+            <a:ext cx="4508946" cy="1325563"/>
+          </a:xfrm>
+        </p:spPr>
+        <p:txBody>
+          <a:bodyPr anchor="b">
+            <a:normAutofit/>
+          </a:bodyPr>
+          <a:lstStyle/>
+          <a:p>
+            <a:r>
+              <a:rPr lang="zh-TW" altLang="en-US">
+                <a:solidFill>
+                  <a:schemeClr val="bg1"/>
+                </a:solidFill>
+              </a:rPr>
+              <a:t>12/3-AI組-進度</a:t>
+            </a:r>
+            <a:endParaRPr lang="zh-TW" sz="2400">
+              <a:solidFill>
+                <a:schemeClr val="bg1"/>
+              </a:solidFill>
+              <a:latin typeface="Microsoft JhengHei"/>
+              <a:ea typeface="Microsoft JhengHei"/>
+            </a:endParaRPr>
+          </a:p>
+        </p:txBody>
+      </p:sp>
+      <p:cxnSp>
+        <p:nvCxnSpPr>
+          <p:cNvPr id="40" name="Straight Connector 39">
+            <a:extLst>
+              <a:ext uri="{FF2B5EF4-FFF2-40B4-BE49-F238E27FC236}">
+                <a16:creationId xmlns:a16="http://schemas.microsoft.com/office/drawing/2014/main" id="{EE504C98-6397-41C1-A8D8-2D9C4ED307E0}"/>
+              </a:ext>
+              <a:ext uri="{C183D7F6-B498-43B3-948B-1728B52AA6E4}">
+                <adec:decorative xmlns:adec="http://schemas.microsoft.com/office/drawing/2017/decorative" val="1"/>
+              </a:ext>
+            </a:extLst>
+          </p:cNvPr>
+          <p:cNvCxnSpPr>
+            <a:cxnSpLocks noGrp="1" noRot="1" noChangeAspect="1" noMove="1" noResize="1" noEditPoints="1" noAdjustHandles="1" noChangeArrowheads="1" noChangeShapeType="1"/>
+          </p:cNvCxnSpPr>
+          <p:nvPr>
+            <p:extLst>
+              <p:ext uri="{386F3935-93C4-4BCD-93E2-E3B085C9AB24}">
+                <p16:designElem xmlns:p16="http://schemas.microsoft.com/office/powerpoint/2015/main" val="1"/>
+              </p:ext>
+            </p:extLst>
+          </p:nvPr>
+        </p:nvCxnSpPr>
+        <p:spPr>
+          <a:xfrm flipH="1">
+            <a:off x="126210" y="2026340"/>
+            <a:ext cx="5220936" cy="0"/>
+          </a:xfrm>
+          <a:prstGeom prst="line">
+            <a:avLst/>
+          </a:prstGeom>
+          <a:ln w="12700">
+            <a:solidFill>
+              <a:schemeClr val="accent2"/>
+            </a:solidFill>
+          </a:ln>
+        </p:spPr>
+        <p:style>
+          <a:lnRef idx="1">
+            <a:schemeClr val="accent1"/>
+          </a:lnRef>
+          <a:fillRef idx="0">
+            <a:schemeClr val="accent1"/>
+          </a:fillRef>
+          <a:effectRef idx="0">
+            <a:schemeClr val="accent1"/>
+          </a:effectRef>
+          <a:fontRef idx="minor">
+            <a:schemeClr val="tx1"/>
+          </a:fontRef>
+        </p:style>
+      </p:cxnSp>
+      <p:sp>
+        <p:nvSpPr>
+          <p:cNvPr id="3" name="內容版面配置區 2">
+            <a:extLst>
+              <a:ext uri="{FF2B5EF4-FFF2-40B4-BE49-F238E27FC236}">
+                <a16:creationId xmlns:a16="http://schemas.microsoft.com/office/drawing/2014/main" id="{E94730DB-35A7-9DE6-D4E2-BE946897AB02}"/>
+              </a:ext>
+            </a:extLst>
+          </p:cNvPr>
+          <p:cNvSpPr>
+            <a:spLocks noGrp="1"/>
+          </p:cNvSpPr>
+          <p:nvPr>
+            <p:ph idx="1"/>
+          </p:nvPr>
+        </p:nvSpPr>
+        <p:spPr>
+          <a:xfrm>
+            <a:off x="1392667" y="2398957"/>
+            <a:ext cx="9406666" cy="3526144"/>
+          </a:xfrm>
+        </p:spPr>
+        <p:txBody>
+          <a:bodyPr vert="horz" lIns="91440" tIns="45720" rIns="91440" bIns="45720" rtlCol="0" anchor="t">
+            <a:normAutofit/>
+          </a:bodyPr>
+          <a:lstStyle/>
+          <a:p>
+            <a:pPr>
+              <a:buNone/>
+            </a:pPr>
+            <a:r>
+              <a:rPr lang="zh-TW" altLang="en-US" sz="2000">
+                <a:solidFill>
+                  <a:schemeClr val="bg1"/>
+                </a:solidFill>
+                <a:latin typeface="Microsoft JhengHei"/>
+                <a:ea typeface="Microsoft JhengHei"/>
+              </a:rPr>
+              <a:t>目前</a:t>
+            </a:r>
+            <a:r>
+              <a:rPr lang="zh-TW" sz="2000">
+                <a:solidFill>
+                  <a:schemeClr val="bg1"/>
+                </a:solidFill>
+                <a:latin typeface="Microsoft JhengHei"/>
+                <a:ea typeface="Microsoft JhengHei"/>
+              </a:rPr>
+              <a:t>進度:</a:t>
+            </a:r>
+            <a:endParaRPr lang="zh-TW">
+              <a:solidFill>
+                <a:schemeClr val="bg1"/>
+              </a:solidFill>
+            </a:endParaRPr>
+          </a:p>
+          <a:p>
+            <a:pPr marL="0" indent="0">
+              <a:buNone/>
+            </a:pPr>
+            <a:r>
+              <a:rPr lang="zh-TW" altLang="en-US" sz="2000">
+                <a:solidFill>
+                  <a:schemeClr val="bg1"/>
+                </a:solidFill>
+              </a:rPr>
+              <a:t>尋找更貼近日文的模型，改用日文的 tokenizer</a:t>
+            </a:r>
+          </a:p>
+          <a:p>
+            <a:pPr marL="0" indent="0">
+              <a:buNone/>
+            </a:pPr>
+            <a:r>
+              <a:rPr lang="zh-TW" altLang="en-US" sz="2000">
+                <a:solidFill>
+                  <a:schemeClr val="bg1"/>
+                </a:solidFill>
+              </a:rPr>
+              <a:t>研究vosk</a:t>
+            </a:r>
+          </a:p>
+          <a:p>
+            <a:pPr marL="0" indent="0">
+              <a:buNone/>
+            </a:pPr>
+            <a:r>
+              <a:rPr lang="zh-TW" altLang="en-US" sz="2000">
+                <a:solidFill>
+                  <a:schemeClr val="bg1"/>
+                </a:solidFill>
+              </a:rPr>
+              <a:t>正在研究:</a:t>
+            </a:r>
+          </a:p>
+          <a:p>
+            <a:pPr marL="0" indent="0">
+              <a:buNone/>
+            </a:pPr>
+            <a:r>
+              <a:rPr lang="en-US" sz="2000">
+                <a:solidFill>
+                  <a:schemeClr val="bg1"/>
+                </a:solidFill>
+                <a:hlinkClick r:id="rId2">
+                  <a:extLst>
+                    <a:ext uri="{A12FA001-AC4F-418D-AE19-62706E023703}">
+                      <ahyp:hlinkClr xmlns:ahyp="http://schemas.microsoft.com/office/drawing/2018/hyperlinkcolor" val="tx"/>
+                    </a:ext>
+                  </a:extLst>
+                </a:hlinkClick>
+              </a:rPr>
+              <a:t>Automatic Pronunciation Assessment using Self-Supervised</a:t>
+            </a:r>
+            <a:r>
+              <a:rPr lang="en-US" altLang="zh-TW" sz="2000">
+                <a:solidFill>
+                  <a:schemeClr val="bg1"/>
+                </a:solidFill>
+                <a:hlinkClick r:id="rId2">
+                  <a:extLst>
+                    <a:ext uri="{A12FA001-AC4F-418D-AE19-62706E023703}">
+                      <ahyp:hlinkClr xmlns:ahyp="http://schemas.microsoft.com/office/drawing/2018/hyperlinkcolor" val="tx"/>
+                    </a:ext>
+                  </a:extLst>
+                </a:hlinkClick>
+              </a:rPr>
+              <a:t> </a:t>
+            </a:r>
+            <a:r>
+              <a:rPr lang="en-US" sz="2000">
+                <a:solidFill>
+                  <a:schemeClr val="bg1"/>
+                </a:solidFill>
+                <a:hlinkClick r:id="rId2">
+                  <a:extLst>
+                    <a:ext uri="{A12FA001-AC4F-418D-AE19-62706E023703}">
+                      <ahyp:hlinkClr xmlns:ahyp="http://schemas.microsoft.com/office/drawing/2018/hyperlinkcolor" val="tx"/>
+                    </a:ext>
+                  </a:extLst>
+                </a:hlinkClick>
+              </a:rPr>
+              <a:t>Speech</a:t>
+            </a:r>
+            <a:r>
+              <a:rPr lang="en-US" altLang="zh-TW" sz="2000">
+                <a:solidFill>
+                  <a:schemeClr val="bg1"/>
+                </a:solidFill>
+                <a:hlinkClick r:id="rId2">
+                  <a:extLst>
+                    <a:ext uri="{A12FA001-AC4F-418D-AE19-62706E023703}">
+                      <ahyp:hlinkClr xmlns:ahyp="http://schemas.microsoft.com/office/drawing/2018/hyperlinkcolor" val="tx"/>
+                    </a:ext>
+                  </a:extLst>
+                </a:hlinkClick>
+              </a:rPr>
+              <a:t> </a:t>
+            </a:r>
+            <a:r>
+              <a:rPr lang="en-US" sz="2000">
+                <a:solidFill>
+                  <a:schemeClr val="bg1"/>
+                </a:solidFill>
+                <a:hlinkClick r:id="rId2">
+                  <a:extLst>
+                    <a:ext uri="{A12FA001-AC4F-418D-AE19-62706E023703}">
+                      <ahyp:hlinkClr xmlns:ahyp="http://schemas.microsoft.com/office/drawing/2018/hyperlinkcolor" val="tx"/>
+                    </a:ext>
+                  </a:extLst>
+                </a:hlinkClick>
+              </a:rPr>
+              <a:t>Representation</a:t>
+            </a:r>
+            <a:r>
+              <a:rPr lang="en-US" altLang="zh-TW" sz="2000">
+                <a:solidFill>
+                  <a:schemeClr val="bg1"/>
+                </a:solidFill>
+                <a:hlinkClick r:id="rId2">
+                  <a:extLst>
+                    <a:ext uri="{A12FA001-AC4F-418D-AE19-62706E023703}">
+                      <ahyp:hlinkClr xmlns:ahyp="http://schemas.microsoft.com/office/drawing/2018/hyperlinkcolor" val="tx"/>
+                    </a:ext>
+                  </a:extLst>
+                </a:hlinkClick>
+              </a:rPr>
+              <a:t> </a:t>
+            </a:r>
+            <a:r>
+              <a:rPr lang="en-US" sz="2000">
+                <a:solidFill>
+                  <a:schemeClr val="bg1"/>
+                </a:solidFill>
+                <a:hlinkClick r:id="rId2">
+                  <a:extLst>
+                    <a:ext uri="{A12FA001-AC4F-418D-AE19-62706E023703}">
+                      <ahyp:hlinkClr xmlns:ahyp="http://schemas.microsoft.com/office/drawing/2018/hyperlinkcolor" val="tx"/>
+                    </a:ext>
+                  </a:extLst>
+                </a:hlinkClick>
+              </a:rPr>
+              <a:t>Learning</a:t>
+            </a:r>
+            <a:r>
+              <a:rPr lang="en-US" sz="2000">
+                <a:solidFill>
+                  <a:schemeClr val="bg1"/>
+                </a:solidFill>
+              </a:rPr>
+              <a:t>(</a:t>
+            </a:r>
+            <a:r>
+              <a:rPr lang="en-US" sz="2000">
+                <a:solidFill>
+                  <a:schemeClr val="bg1"/>
+                </a:solidFill>
+                <a:ea typeface="+mn-lt"/>
+                <a:cs typeface="+mn-lt"/>
+              </a:rPr>
+              <a:t>https://ar5iv.labs.arxiv.org/html/2204.03863</a:t>
+            </a:r>
+            <a:r>
+              <a:rPr lang="en-US" sz="2000">
+                <a:solidFill>
+                  <a:schemeClr val="bg1"/>
+                </a:solidFill>
+              </a:rPr>
+              <a:t>)</a:t>
+            </a:r>
+          </a:p>
+          <a:p>
+            <a:pPr marL="0" indent="0">
+              <a:buNone/>
+            </a:pPr>
+            <a:r>
+              <a:rPr lang="en-US" altLang="zh-TW" sz="2000" err="1">
+                <a:solidFill>
+                  <a:schemeClr val="bg1"/>
+                </a:solidFill>
+              </a:rPr>
+              <a:t>學長姐當時留下來的音檔切割程式</a:t>
+            </a:r>
+            <a:endParaRPr lang="en-US" altLang="zh-TW" sz="2000">
+              <a:solidFill>
+                <a:schemeClr val="bg1"/>
+              </a:solidFill>
+            </a:endParaRPr>
+          </a:p>
+          <a:p>
+            <a:pPr marL="0" indent="0">
+              <a:buNone/>
+            </a:pPr>
+            <a:r>
+              <a:rPr lang="zh-TW" altLang="en-US" sz="2000">
+                <a:solidFill>
+                  <a:schemeClr val="bg1"/>
+                </a:solidFill>
+              </a:rPr>
+              <a:t>未來想法:</a:t>
+            </a:r>
+          </a:p>
+          <a:p>
+            <a:pPr marL="0" indent="0">
+              <a:buNone/>
+            </a:pPr>
+            <a:endParaRPr lang="zh-TW" altLang="en-US" sz="2000">
+              <a:solidFill>
+                <a:schemeClr val="bg1"/>
+              </a:solidFill>
+            </a:endParaRPr>
+          </a:p>
+          <a:p>
+            <a:pPr marL="0" indent="0">
+              <a:buNone/>
+            </a:pPr>
+            <a:endParaRPr lang="zh-TW" altLang="en-US" sz="2000">
+              <a:solidFill>
+                <a:schemeClr val="bg1"/>
+              </a:solidFill>
+            </a:endParaRPr>
+          </a:p>
+        </p:txBody>
+      </p:sp>
+      <p:sp>
+        <p:nvSpPr>
+          <p:cNvPr id="42" name="Rectangle 41">
+            <a:extLst>
+              <a:ext uri="{FF2B5EF4-FFF2-40B4-BE49-F238E27FC236}">
+                <a16:creationId xmlns:a16="http://schemas.microsoft.com/office/drawing/2014/main" id="{9DD005C1-8C51-42D6-9BEE-B9B83849743D}"/>
+              </a:ext>
+              <a:ext uri="{C183D7F6-B498-43B3-948B-1728B52AA6E4}">
+                <adec:decorative xmlns:adec="http://schemas.microsoft.com/office/drawing/2017/decorative" val="1"/>
+              </a:ext>
+            </a:extLst>
+          </p:cNvPr>
+          <p:cNvSpPr>
+            <a:spLocks noGrp="1" noRot="1" noChangeAspect="1" noMove="1" noResize="1" noEditPoints="1" noAdjustHandles="1" noChangeArrowheads="1" noChangeShapeType="1" noTextEdit="1"/>
+          </p:cNvSpPr>
+          <p:nvPr>
+            <p:extLst>
+              <p:ext uri="{386F3935-93C4-4BCD-93E2-E3B085C9AB24}">
+                <p16:designElem xmlns:p16="http://schemas.microsoft.com/office/powerpoint/2015/main" val="1"/>
+              </p:ext>
+            </p:extLst>
+          </p:nvPr>
+        </p:nvSpPr>
+        <p:spPr>
+          <a:xfrm>
+            <a:off x="126206" y="115193"/>
+            <a:ext cx="11939588" cy="6627614"/>
+          </a:xfrm>
+          <a:prstGeom prst="rect">
+            <a:avLst/>
+          </a:prstGeom>
+          <a:noFill/>
+          <a:ln w="12700">
+            <a:solidFill>
+              <a:schemeClr val="accent2"/>
+            </a:solidFill>
+          </a:ln>
+        </p:spPr>
+        <p:style>
+          <a:lnRef idx="2">
+            <a:schemeClr val="accent1">
+              <a:shade val="50000"/>
+            </a:schemeClr>
+          </a:lnRef>
+          <a:fillRef idx="1">
+            <a:schemeClr val="accent1"/>
+          </a:fillRef>
+          <a:effectRef idx="0">
+            <a:schemeClr val="accent1"/>
+          </a:effectRef>
+          <a:fontRef idx="minor">
+            <a:schemeClr val="lt1"/>
+          </a:fontRef>
+        </p:style>
+        <p:txBody>
+          <a:bodyPr rtlCol="0" anchor="ctr"/>
+          <a:lstStyle/>
+          <a:p>
+            <a:pPr marL="0" marR="0" lvl="0" indent="0" algn="ctr" defTabSz="914400" rtl="0" eaLnBrk="1" fontAlgn="auto" latinLnBrk="0" hangingPunct="1">
+              <a:lnSpc>
+                <a:spcPct val="100000"/>
+              </a:lnSpc>
+              <a:spcBef>
+                <a:spcPts val="0"/>
+              </a:spcBef>
+              <a:spcAft>
+                <a:spcPts val="0"/>
+              </a:spcAft>
+              <a:buClrTx/>
+              <a:buSzTx/>
+              <a:buFontTx/>
+              <a:buNone/>
+              <a:tabLst/>
+              <a:defRPr/>
+            </a:pPr>
+            <a:endParaRPr kumimoji="0" lang="en-US" sz="1800" b="0" i="0" u="none" strike="noStrike" kern="1200" cap="none" spc="0" normalizeH="0" baseline="0" noProof="0">
+              <a:ln>
+                <a:noFill/>
+              </a:ln>
+              <a:solidFill>
+                <a:prstClr val="white"/>
+              </a:solidFill>
+              <a:effectLst/>
+              <a:uLnTx/>
+              <a:uFillTx/>
+              <a:latin typeface="微軟正黑體"/>
+              <a:ea typeface="微軟正黑體"/>
+              <a:cs typeface="+mn-cs"/>
+            </a:endParaRPr>
+          </a:p>
+        </p:txBody>
+      </p:sp>
+    </p:spTree>
+    <p:extLst>
+      <p:ext uri="{BB962C8B-B14F-4D97-AF65-F5344CB8AC3E}">
+        <p14:creationId xmlns:p14="http://schemas.microsoft.com/office/powerpoint/2010/main" val="4044884559"/>
+      </p:ext>
+    </p:extLst>
+  </p:cSld>
+  <p:clrMapOvr>
+    <a:masterClrMapping/>
+  </p:clrMapOvr>
+  <mc:AlternateContent xmlns:mc="http://schemas.openxmlformats.org/markup-compatibility/2006" xmlns:p159="http://schemas.microsoft.com/office/powerpoint/2015/09/main">
+    <mc:Choice Requires="p159">
+      <p:transition xmlns:p14="http://schemas.microsoft.com/office/powerpoint/2010/main" spd="slow" p14:dur="2000">
+        <p159:morph option="byObject"/>
+      </p:transition>
+    </mc:Choice>
+    <mc:Fallback xmlns="">
+      <p:transition spd="slow">
+        <p:fade/>
+      </p:transition>
+    </mc:Fallback>
+  </mc:AlternateContent>
+</p:sld>
+</file>
+
+<file path=ppt/slides/slide17.xml><?xml version="1.0" encoding="utf-8"?>
+<p:sld xmlns:a="http://schemas.openxmlformats.org/drawingml/2006/main" xmlns:r="http://schemas.openxmlformats.org/officeDocument/2006/relationships" xmlns:p="http://schemas.openxmlformats.org/presentationml/2006/main">
+  <p:cSld>
+    <p:bg>
+      <p:bgPr>
+        <a:solidFill>
+          <a:schemeClr val="bg1"/>
+        </a:solidFill>
+        <a:effectLst/>
+      </p:bgPr>
+    </p:bg>
+    <p:spTree>
+      <p:nvGrpSpPr>
+        <p:cNvPr id="1" name=""/>
+        <p:cNvGrpSpPr/>
+        <p:nvPr/>
+      </p:nvGrpSpPr>
+      <p:grpSpPr>
+        <a:xfrm>
+          <a:off x="0" y="0"/>
+          <a:ext cx="0" cy="0"/>
+          <a:chOff x="0" y="0"/>
+          <a:chExt cx="0" cy="0"/>
+        </a:xfrm>
+      </p:grpSpPr>
+      <p:sp>
+        <p:nvSpPr>
+          <p:cNvPr id="38" name="Rectangle 37">
+            <a:extLst>
+              <a:ext uri="{FF2B5EF4-FFF2-40B4-BE49-F238E27FC236}">
+                <a16:creationId xmlns:a16="http://schemas.microsoft.com/office/drawing/2014/main" id="{A7AE9375-4664-4DB2-922D-2782A6E439AC}"/>
+              </a:ext>
+              <a:ext uri="{C183D7F6-B498-43B3-948B-1728B52AA6E4}">
+                <adec:decorative xmlns:adec="http://schemas.microsoft.com/office/drawing/2017/decorative" val="1"/>
+              </a:ext>
+            </a:extLst>
+          </p:cNvPr>
+          <p:cNvSpPr>
+            <a:spLocks noGrp="1" noRot="1" noChangeAspect="1" noMove="1" noResize="1" noEditPoints="1" noAdjustHandles="1" noChangeArrowheads="1" noChangeShapeType="1" noTextEdit="1"/>
+          </p:cNvSpPr>
+          <p:nvPr>
+            <p:extLst>
+              <p:ext uri="{386F3935-93C4-4BCD-93E2-E3B085C9AB24}">
+                <p16:designElem xmlns:p16="http://schemas.microsoft.com/office/powerpoint/2015/main" val="1"/>
+              </p:ext>
+            </p:extLst>
+          </p:nvPr>
+        </p:nvSpPr>
+        <p:spPr>
+          <a:xfrm>
+            <a:off x="0" y="0"/>
+            <a:ext cx="12192000" cy="6858000"/>
+          </a:xfrm>
+          <a:prstGeom prst="rect">
+            <a:avLst/>
+          </a:prstGeom>
+          <a:solidFill>
+            <a:schemeClr val="tx1">
+              <a:lumMod val="95000"/>
+              <a:lumOff val="5000"/>
+            </a:schemeClr>
+          </a:solidFill>
+          <a:ln>
+            <a:noFill/>
+          </a:ln>
+        </p:spPr>
+        <p:style>
+          <a:lnRef idx="2">
+            <a:schemeClr val="accent1">
+              <a:shade val="50000"/>
+            </a:schemeClr>
+          </a:lnRef>
+          <a:fillRef idx="1">
+            <a:schemeClr val="accent1"/>
+          </a:fillRef>
+          <a:effectRef idx="0">
+            <a:schemeClr val="accent1"/>
+          </a:effectRef>
+          <a:fontRef idx="minor">
+            <a:schemeClr val="lt1"/>
+          </a:fontRef>
+        </p:style>
+        <p:txBody>
+          <a:bodyPr rtlCol="0" anchor="ctr"/>
+          <a:lstStyle/>
+          <a:p>
+            <a:pPr marL="0" marR="0" lvl="0" indent="0" algn="ctr" defTabSz="914400" rtl="0" eaLnBrk="1" fontAlgn="auto" latinLnBrk="0" hangingPunct="1">
+              <a:lnSpc>
+                <a:spcPct val="100000"/>
+              </a:lnSpc>
+              <a:spcBef>
+                <a:spcPts val="0"/>
+              </a:spcBef>
+              <a:spcAft>
+                <a:spcPts val="0"/>
+              </a:spcAft>
+              <a:buClrTx/>
+              <a:buSzTx/>
+              <a:buFontTx/>
+              <a:buNone/>
+              <a:tabLst/>
+              <a:defRPr/>
+            </a:pPr>
+            <a:endParaRPr kumimoji="0" lang="en-US" sz="1800" b="0" i="0" u="none" strike="noStrike" kern="1200" cap="none" spc="0" normalizeH="0" baseline="0" noProof="0">
+              <a:ln>
+                <a:noFill/>
+              </a:ln>
+              <a:solidFill>
+                <a:prstClr val="black"/>
+              </a:solidFill>
+              <a:effectLst/>
+              <a:uLnTx/>
+              <a:uFillTx/>
+              <a:latin typeface="微軟正黑體"/>
+              <a:ea typeface="微軟正黑體"/>
+              <a:cs typeface="+mn-cs"/>
+            </a:endParaRPr>
+          </a:p>
+        </p:txBody>
+      </p:sp>
+      <p:sp>
+        <p:nvSpPr>
+          <p:cNvPr id="2" name="標題 1">
+            <a:extLst>
+              <a:ext uri="{FF2B5EF4-FFF2-40B4-BE49-F238E27FC236}">
+                <a16:creationId xmlns:a16="http://schemas.microsoft.com/office/drawing/2014/main" id="{4185B2FE-C0DB-3425-291A-B785A4DA51C5}"/>
+              </a:ext>
+            </a:extLst>
+          </p:cNvPr>
+          <p:cNvSpPr>
+            <a:spLocks noGrp="1"/>
+          </p:cNvSpPr>
+          <p:nvPr>
+            <p:ph type="title"/>
+          </p:nvPr>
+        </p:nvSpPr>
+        <p:spPr>
+          <a:xfrm>
+            <a:off x="1392667" y="594294"/>
+            <a:ext cx="9621369" cy="1325563"/>
+          </a:xfrm>
+        </p:spPr>
+        <p:txBody>
+          <a:bodyPr anchor="b">
+            <a:normAutofit/>
+          </a:bodyPr>
+          <a:lstStyle/>
+          <a:p>
+            <a:r>
+              <a:rPr lang="en-US" altLang="zh-TW">
+                <a:solidFill>
+                  <a:schemeClr val="bg1"/>
+                </a:solidFill>
+                <a:latin typeface="Microsoft JhengHei"/>
+                <a:ea typeface="Microsoft JhengHei"/>
+              </a:rPr>
+              <a:t>Speech </a:t>
+            </a:r>
+            <a:r>
+              <a:rPr lang="en-US" altLang="zh-TW" err="1">
+                <a:solidFill>
+                  <a:schemeClr val="bg1"/>
+                </a:solidFill>
+                <a:latin typeface="Microsoft JhengHei"/>
+                <a:ea typeface="Microsoft JhengHei"/>
+                <a:cs typeface="+mj-lt"/>
+              </a:rPr>
+              <a:t>R</a:t>
+            </a:r>
+            <a:r>
+              <a:rPr lang="en-US" err="1">
+                <a:solidFill>
+                  <a:schemeClr val="bg1"/>
+                </a:solidFill>
+                <a:ea typeface="+mj-lt"/>
+                <a:cs typeface="+mj-lt"/>
+              </a:rPr>
+              <a:t>ecognition&amp;split</a:t>
+            </a:r>
+            <a:endParaRPr lang="zh-TW" err="1">
+              <a:solidFill>
+                <a:schemeClr val="bg1"/>
+              </a:solidFill>
+              <a:latin typeface="Microsoft JhengHei"/>
+              <a:ea typeface="Microsoft JhengHei"/>
+            </a:endParaRPr>
+          </a:p>
+        </p:txBody>
+      </p:sp>
+      <p:cxnSp>
+        <p:nvCxnSpPr>
+          <p:cNvPr id="40" name="Straight Connector 39">
+            <a:extLst>
+              <a:ext uri="{FF2B5EF4-FFF2-40B4-BE49-F238E27FC236}">
+                <a16:creationId xmlns:a16="http://schemas.microsoft.com/office/drawing/2014/main" id="{EE504C98-6397-41C1-A8D8-2D9C4ED307E0}"/>
+              </a:ext>
+              <a:ext uri="{C183D7F6-B498-43B3-948B-1728B52AA6E4}">
+                <adec:decorative xmlns:adec="http://schemas.microsoft.com/office/drawing/2017/decorative" val="1"/>
+              </a:ext>
+            </a:extLst>
+          </p:cNvPr>
+          <p:cNvCxnSpPr>
+            <a:cxnSpLocks noGrp="1" noRot="1" noChangeAspect="1" noMove="1" noResize="1" noEditPoints="1" noAdjustHandles="1" noChangeArrowheads="1" noChangeShapeType="1"/>
+          </p:cNvCxnSpPr>
+          <p:nvPr>
+            <p:extLst>
+              <p:ext uri="{386F3935-93C4-4BCD-93E2-E3B085C9AB24}">
+                <p16:designElem xmlns:p16="http://schemas.microsoft.com/office/powerpoint/2015/main" val="1"/>
+              </p:ext>
+            </p:extLst>
+          </p:nvPr>
+        </p:nvCxnSpPr>
+        <p:spPr>
+          <a:xfrm flipH="1">
+            <a:off x="126210" y="2026340"/>
+            <a:ext cx="5220936" cy="0"/>
+          </a:xfrm>
+          <a:prstGeom prst="line">
+            <a:avLst/>
+          </a:prstGeom>
+          <a:ln w="12700">
+            <a:solidFill>
+              <a:schemeClr val="accent2"/>
+            </a:solidFill>
+          </a:ln>
+        </p:spPr>
+        <p:style>
+          <a:lnRef idx="1">
+            <a:schemeClr val="accent1"/>
+          </a:lnRef>
+          <a:fillRef idx="0">
+            <a:schemeClr val="accent1"/>
+          </a:fillRef>
+          <a:effectRef idx="0">
+            <a:schemeClr val="accent1"/>
+          </a:effectRef>
+          <a:fontRef idx="minor">
+            <a:schemeClr val="tx1"/>
+          </a:fontRef>
+        </p:style>
+      </p:cxnSp>
+      <p:sp>
+        <p:nvSpPr>
+          <p:cNvPr id="42" name="Rectangle 41">
+            <a:extLst>
+              <a:ext uri="{FF2B5EF4-FFF2-40B4-BE49-F238E27FC236}">
+                <a16:creationId xmlns:a16="http://schemas.microsoft.com/office/drawing/2014/main" id="{9DD005C1-8C51-42D6-9BEE-B9B83849743D}"/>
+              </a:ext>
+              <a:ext uri="{C183D7F6-B498-43B3-948B-1728B52AA6E4}">
+                <adec:decorative xmlns:adec="http://schemas.microsoft.com/office/drawing/2017/decorative" val="1"/>
+              </a:ext>
+            </a:extLst>
+          </p:cNvPr>
+          <p:cNvSpPr>
+            <a:spLocks noGrp="1" noRot="1" noChangeAspect="1" noMove="1" noResize="1" noEditPoints="1" noAdjustHandles="1" noChangeArrowheads="1" noChangeShapeType="1" noTextEdit="1"/>
+          </p:cNvSpPr>
+          <p:nvPr>
+            <p:extLst>
+              <p:ext uri="{386F3935-93C4-4BCD-93E2-E3B085C9AB24}">
+                <p16:designElem xmlns:p16="http://schemas.microsoft.com/office/powerpoint/2015/main" val="1"/>
+              </p:ext>
+            </p:extLst>
+          </p:nvPr>
+        </p:nvSpPr>
+        <p:spPr>
+          <a:xfrm>
+            <a:off x="126206" y="115193"/>
+            <a:ext cx="11939588" cy="6627614"/>
+          </a:xfrm>
+          <a:prstGeom prst="rect">
+            <a:avLst/>
+          </a:prstGeom>
+          <a:noFill/>
+          <a:ln w="12700">
+            <a:solidFill>
+              <a:schemeClr val="accent2"/>
+            </a:solidFill>
+          </a:ln>
+        </p:spPr>
+        <p:style>
+          <a:lnRef idx="2">
+            <a:schemeClr val="accent1">
+              <a:shade val="50000"/>
+            </a:schemeClr>
+          </a:lnRef>
+          <a:fillRef idx="1">
+            <a:schemeClr val="accent1"/>
+          </a:fillRef>
+          <a:effectRef idx="0">
+            <a:schemeClr val="accent1"/>
+          </a:effectRef>
+          <a:fontRef idx="minor">
+            <a:schemeClr val="lt1"/>
+          </a:fontRef>
+        </p:style>
+        <p:txBody>
+          <a:bodyPr rtlCol="0" anchor="ctr"/>
+          <a:lstStyle/>
+          <a:p>
+            <a:pPr marL="0" marR="0" lvl="0" indent="0" algn="ctr" defTabSz="914400" rtl="0" eaLnBrk="1" fontAlgn="auto" latinLnBrk="0" hangingPunct="1">
+              <a:lnSpc>
+                <a:spcPct val="100000"/>
+              </a:lnSpc>
+              <a:spcBef>
+                <a:spcPts val="0"/>
+              </a:spcBef>
+              <a:spcAft>
+                <a:spcPts val="0"/>
+              </a:spcAft>
+              <a:buClrTx/>
+              <a:buSzTx/>
+              <a:buFontTx/>
+              <a:buNone/>
+              <a:tabLst/>
+              <a:defRPr/>
+            </a:pPr>
+            <a:endParaRPr kumimoji="0" lang="en-US" sz="1800" b="0" i="0" u="none" strike="noStrike" kern="1200" cap="none" spc="0" normalizeH="0" baseline="0" noProof="0">
+              <a:ln>
+                <a:noFill/>
+              </a:ln>
+              <a:solidFill>
+                <a:prstClr val="white"/>
+              </a:solidFill>
+              <a:effectLst/>
+              <a:uLnTx/>
+              <a:uFillTx/>
+              <a:latin typeface="微軟正黑體"/>
+              <a:ea typeface="微軟正黑體"/>
+              <a:cs typeface="+mn-cs"/>
+            </a:endParaRPr>
+          </a:p>
+        </p:txBody>
+      </p:sp>
+      <p:sp>
+        <p:nvSpPr>
+          <p:cNvPr id="3" name="文字方塊 2">
+            <a:extLst>
+              <a:ext uri="{FF2B5EF4-FFF2-40B4-BE49-F238E27FC236}">
+                <a16:creationId xmlns:a16="http://schemas.microsoft.com/office/drawing/2014/main" id="{B826C841-B0A6-EDD2-F0B8-751BE2CFB2D8}"/>
+              </a:ext>
+            </a:extLst>
+          </p:cNvPr>
+          <p:cNvSpPr txBox="1"/>
+          <p:nvPr/>
+        </p:nvSpPr>
+        <p:spPr>
+          <a:xfrm>
+            <a:off x="1393902" y="2704170"/>
+            <a:ext cx="8567853" cy="3139321"/>
+          </a:xfrm>
+          <a:prstGeom prst="rect">
+            <a:avLst/>
+          </a:prstGeom>
+          <a:noFill/>
+        </p:spPr>
+        <p:txBody>
+          <a:bodyPr rot="0" spcFirstLastPara="0" vertOverflow="overflow" horzOverflow="overflow" vert="horz" wrap="square" lIns="91440" tIns="45720" rIns="91440" bIns="45720" numCol="1" spcCol="0" rtlCol="0" fromWordArt="0" anchor="t" anchorCtr="0" forceAA="0" compatLnSpc="1">
+            <a:prstTxWarp prst="textNoShape">
+              <a:avLst/>
+            </a:prstTxWarp>
+            <a:spAutoFit/>
+          </a:bodyPr>
+          <a:lstStyle/>
+          <a:p>
+            <a:r>
+              <a:rPr lang="zh-TW" altLang="af-ZA" sz="3600">
+                <a:solidFill>
+                  <a:schemeClr val="bg1"/>
+                </a:solidFill>
+                <a:ea typeface="+mn-lt"/>
+                <a:cs typeface="+mn-lt"/>
+              </a:rPr>
+              <a:t>問題:</a:t>
+            </a:r>
+            <a:r>
+              <a:rPr lang="af-ZA" sz="3600">
+                <a:solidFill>
+                  <a:schemeClr val="bg1"/>
+                </a:solidFill>
+                <a:ea typeface="+mn-lt"/>
+                <a:cs typeface="+mn-lt"/>
+              </a:rPr>
+              <a:t>用 </a:t>
+            </a:r>
+            <a:r>
+              <a:rPr lang="af-ZA" sz="3600" err="1">
+                <a:solidFill>
+                  <a:schemeClr val="bg1"/>
+                </a:solidFill>
+                <a:ea typeface="+mn-lt"/>
+                <a:cs typeface="+mn-lt"/>
+              </a:rPr>
+              <a:t>vosk</a:t>
+            </a:r>
+            <a:r>
+              <a:rPr lang="zh-TW" altLang="af-ZA" sz="3600">
+                <a:solidFill>
+                  <a:schemeClr val="bg1"/>
+                </a:solidFill>
+                <a:ea typeface="+mn-lt"/>
+                <a:cs typeface="+mn-lt"/>
+              </a:rPr>
+              <a:t>進行 </a:t>
+            </a:r>
+            <a:r>
+              <a:rPr lang="af-ZA" sz="3600" err="1">
+                <a:solidFill>
+                  <a:schemeClr val="bg1"/>
+                </a:solidFill>
+                <a:ea typeface="+mn-lt"/>
+                <a:cs typeface="+mn-lt"/>
+              </a:rPr>
+              <a:t>speech_recogntion</a:t>
+            </a:r>
+            <a:r>
+              <a:rPr lang="zh-TW" altLang="af-ZA" sz="3600">
+                <a:solidFill>
+                  <a:schemeClr val="bg1"/>
+                </a:solidFill>
+                <a:ea typeface="+mn-lt"/>
+                <a:cs typeface="+mn-lt"/>
+              </a:rPr>
+              <a:t>時，辨識學生音檔時辨識不准確，導致音檔切割不準確</a:t>
+            </a:r>
+            <a:endParaRPr lang="zh-TW" altLang="en-US" sz="3600">
+              <a:solidFill>
+                <a:schemeClr val="bg1"/>
+              </a:solidFill>
+            </a:endParaRPr>
+          </a:p>
+          <a:p>
+            <a:r>
+              <a:rPr lang="zh-TW" altLang="af-ZA" sz="3600">
+                <a:solidFill>
+                  <a:schemeClr val="bg1"/>
+                </a:solidFill>
+              </a:rPr>
+              <a:t>可能原因: 音檔有雜音</a:t>
+            </a:r>
+          </a:p>
+          <a:p>
+            <a:endParaRPr lang="af-ZA" altLang="zh-TW">
+              <a:solidFill>
+                <a:srgbClr val="000000"/>
+              </a:solidFill>
+            </a:endParaRPr>
+          </a:p>
+          <a:p>
+            <a:r>
+              <a:rPr lang="af-ZA" altLang="zh-TW" err="1">
+                <a:solidFill>
+                  <a:srgbClr val="000000"/>
+                </a:solidFill>
+              </a:rPr>
+              <a:t>用元</a:t>
+            </a:r>
+            <a:endParaRPr lang="af-ZA" altLang="zh-TW">
+              <a:solidFill>
+                <a:srgbClr val="000000"/>
+              </a:solidFill>
+            </a:endParaRPr>
+          </a:p>
+          <a:p>
+            <a:endParaRPr lang="af-ZA" altLang="zh-TW">
+              <a:solidFill>
+                <a:srgbClr val="000000"/>
+              </a:solidFill>
+            </a:endParaRPr>
+          </a:p>
+        </p:txBody>
+      </p:sp>
+    </p:spTree>
+    <p:extLst>
+      <p:ext uri="{BB962C8B-B14F-4D97-AF65-F5344CB8AC3E}">
+        <p14:creationId xmlns:p14="http://schemas.microsoft.com/office/powerpoint/2010/main" val="247938795"/>
+      </p:ext>
+    </p:extLst>
+  </p:cSld>
+  <p:clrMapOvr>
+    <a:masterClrMapping/>
+  </p:clrMapOvr>
+  <mc:AlternateContent xmlns:mc="http://schemas.openxmlformats.org/markup-compatibility/2006" xmlns:p159="http://schemas.microsoft.com/office/powerpoint/2015/09/main">
+    <mc:Choice Requires="p159">
+      <p:transition xmlns:p14="http://schemas.microsoft.com/office/powerpoint/2010/main" spd="slow" p14:dur="2000">
+        <p159:morph option="byObject"/>
+      </p:transition>
+    </mc:Choice>
+    <mc:Fallback xmlns="">
+      <p:transition spd="slow">
+        <p:fade/>
+      </p:transition>
+    </mc:Fallback>
+  </mc:AlternateContent>
+</p:sld>
+</file>
+
+<file path=ppt/slides/slide18.xml><?xml version="1.0" encoding="utf-8"?>
+<p:sld xmlns:a="http://schemas.openxmlformats.org/drawingml/2006/main" xmlns:r="http://schemas.openxmlformats.org/officeDocument/2006/relationships" xmlns:p="http://schemas.openxmlformats.org/presentationml/2006/main">
+  <p:cSld>
+    <p:bg>
+      <p:bgPr>
+        <a:solidFill>
+          <a:schemeClr val="bg1"/>
+        </a:solidFill>
+        <a:effectLst/>
+      </p:bgPr>
+    </p:bg>
+    <p:spTree>
+      <p:nvGrpSpPr>
+        <p:cNvPr id="1" name=""/>
+        <p:cNvGrpSpPr/>
+        <p:nvPr/>
+      </p:nvGrpSpPr>
+      <p:grpSpPr>
+        <a:xfrm>
+          <a:off x="0" y="0"/>
+          <a:ext cx="0" cy="0"/>
+          <a:chOff x="0" y="0"/>
+          <a:chExt cx="0" cy="0"/>
+        </a:xfrm>
+      </p:grpSpPr>
+      <p:sp>
+        <p:nvSpPr>
+          <p:cNvPr id="38" name="Rectangle 37">
+            <a:extLst>
+              <a:ext uri="{FF2B5EF4-FFF2-40B4-BE49-F238E27FC236}">
+                <a16:creationId xmlns:a16="http://schemas.microsoft.com/office/drawing/2014/main" id="{A7AE9375-4664-4DB2-922D-2782A6E439AC}"/>
+              </a:ext>
+              <a:ext uri="{C183D7F6-B498-43B3-948B-1728B52AA6E4}">
+                <adec:decorative xmlns:adec="http://schemas.microsoft.com/office/drawing/2017/decorative" val="1"/>
+              </a:ext>
+            </a:extLst>
+          </p:cNvPr>
+          <p:cNvSpPr>
+            <a:spLocks noGrp="1" noRot="1" noChangeAspect="1" noMove="1" noResize="1" noEditPoints="1" noAdjustHandles="1" noChangeArrowheads="1" noChangeShapeType="1" noTextEdit="1"/>
+          </p:cNvSpPr>
+          <p:nvPr>
+            <p:extLst>
+              <p:ext uri="{386F3935-93C4-4BCD-93E2-E3B085C9AB24}">
+                <p16:designElem xmlns:p16="http://schemas.microsoft.com/office/powerpoint/2015/main" val="1"/>
+              </p:ext>
+            </p:extLst>
+          </p:nvPr>
+        </p:nvSpPr>
+        <p:spPr>
+          <a:xfrm>
+            <a:off x="0" y="0"/>
+            <a:ext cx="12192000" cy="6858000"/>
+          </a:xfrm>
+          <a:prstGeom prst="rect">
+            <a:avLst/>
+          </a:prstGeom>
+          <a:solidFill>
+            <a:schemeClr val="tx1">
+              <a:lumMod val="95000"/>
+              <a:lumOff val="5000"/>
+            </a:schemeClr>
+          </a:solidFill>
+          <a:ln>
+            <a:noFill/>
+          </a:ln>
+        </p:spPr>
+        <p:style>
+          <a:lnRef idx="2">
+            <a:schemeClr val="accent1">
+              <a:shade val="50000"/>
+            </a:schemeClr>
+          </a:lnRef>
+          <a:fillRef idx="1">
+            <a:schemeClr val="accent1"/>
+          </a:fillRef>
+          <a:effectRef idx="0">
+            <a:schemeClr val="accent1"/>
+          </a:effectRef>
+          <a:fontRef idx="minor">
+            <a:schemeClr val="lt1"/>
+          </a:fontRef>
+        </p:style>
+        <p:txBody>
+          <a:bodyPr rtlCol="0" anchor="ctr"/>
+          <a:lstStyle/>
+          <a:p>
+            <a:pPr marL="0" marR="0" lvl="0" indent="0" algn="ctr" defTabSz="914400" rtl="0" eaLnBrk="1" fontAlgn="auto" latinLnBrk="0" hangingPunct="1">
+              <a:lnSpc>
+                <a:spcPct val="100000"/>
+              </a:lnSpc>
+              <a:spcBef>
+                <a:spcPts val="0"/>
+              </a:spcBef>
+              <a:spcAft>
+                <a:spcPts val="0"/>
+              </a:spcAft>
+              <a:buClrTx/>
+              <a:buSzTx/>
+              <a:buFontTx/>
+              <a:buNone/>
+              <a:tabLst/>
+              <a:defRPr/>
+            </a:pPr>
+            <a:endParaRPr kumimoji="0" lang="en-US" sz="1800" b="0" i="0" u="none" strike="noStrike" kern="1200" cap="none" spc="0" normalizeH="0" baseline="0" noProof="0">
+              <a:ln>
+                <a:noFill/>
+              </a:ln>
+              <a:solidFill>
+                <a:prstClr val="black"/>
+              </a:solidFill>
+              <a:effectLst/>
+              <a:uLnTx/>
+              <a:uFillTx/>
+              <a:latin typeface="微軟正黑體"/>
+              <a:ea typeface="微軟正黑體"/>
+              <a:cs typeface="+mn-cs"/>
+            </a:endParaRPr>
+          </a:p>
+        </p:txBody>
+      </p:sp>
+      <p:sp>
+        <p:nvSpPr>
+          <p:cNvPr id="2" name="標題 1">
+            <a:extLst>
+              <a:ext uri="{FF2B5EF4-FFF2-40B4-BE49-F238E27FC236}">
+                <a16:creationId xmlns:a16="http://schemas.microsoft.com/office/drawing/2014/main" id="{4185B2FE-C0DB-3425-291A-B785A4DA51C5}"/>
+              </a:ext>
+            </a:extLst>
+          </p:cNvPr>
+          <p:cNvSpPr>
+            <a:spLocks noGrp="1"/>
+          </p:cNvSpPr>
+          <p:nvPr>
+            <p:ph type="title"/>
+          </p:nvPr>
+        </p:nvSpPr>
+        <p:spPr>
+          <a:xfrm>
+            <a:off x="1392667" y="594294"/>
+            <a:ext cx="6112114" cy="1325563"/>
+          </a:xfrm>
+        </p:spPr>
+        <p:txBody>
+          <a:bodyPr anchor="b">
+            <a:normAutofit/>
+          </a:bodyPr>
+          <a:lstStyle/>
+          <a:p>
+            <a:r>
+              <a:rPr lang="zh-TW" altLang="en-US">
+                <a:solidFill>
+                  <a:schemeClr val="bg1"/>
+                </a:solidFill>
+                <a:latin typeface="微軟正黑體"/>
+                <a:ea typeface="微軟正黑體"/>
+              </a:rPr>
+              <a:t>HuBERT</a:t>
+            </a:r>
+            <a:endParaRPr lang="zh-TW" altLang="en-US" sz="3000">
+              <a:solidFill>
+                <a:schemeClr val="bg1"/>
+              </a:solidFill>
+              <a:latin typeface="微軟正黑體"/>
+              <a:ea typeface="微軟正黑體"/>
+            </a:endParaRPr>
+          </a:p>
+        </p:txBody>
+      </p:sp>
+      <p:cxnSp>
+        <p:nvCxnSpPr>
+          <p:cNvPr id="40" name="Straight Connector 39">
+            <a:extLst>
+              <a:ext uri="{FF2B5EF4-FFF2-40B4-BE49-F238E27FC236}">
+                <a16:creationId xmlns:a16="http://schemas.microsoft.com/office/drawing/2014/main" id="{EE504C98-6397-41C1-A8D8-2D9C4ED307E0}"/>
+              </a:ext>
+              <a:ext uri="{C183D7F6-B498-43B3-948B-1728B52AA6E4}">
+                <adec:decorative xmlns:adec="http://schemas.microsoft.com/office/drawing/2017/decorative" val="1"/>
+              </a:ext>
+            </a:extLst>
+          </p:cNvPr>
+          <p:cNvCxnSpPr>
+            <a:cxnSpLocks noGrp="1" noRot="1" noChangeAspect="1" noMove="1" noResize="1" noEditPoints="1" noAdjustHandles="1" noChangeArrowheads="1" noChangeShapeType="1"/>
+          </p:cNvCxnSpPr>
+          <p:nvPr>
+            <p:extLst>
+              <p:ext uri="{386F3935-93C4-4BCD-93E2-E3B085C9AB24}">
+                <p16:designElem xmlns:p16="http://schemas.microsoft.com/office/powerpoint/2015/main" val="1"/>
+              </p:ext>
+            </p:extLst>
+          </p:nvPr>
+        </p:nvCxnSpPr>
+        <p:spPr>
+          <a:xfrm flipH="1">
+            <a:off x="126210" y="2026340"/>
+            <a:ext cx="5220936" cy="0"/>
+          </a:xfrm>
+          <a:prstGeom prst="line">
+            <a:avLst/>
+          </a:prstGeom>
+          <a:ln w="12700">
+            <a:solidFill>
+              <a:schemeClr val="accent2"/>
+            </a:solidFill>
+          </a:ln>
+        </p:spPr>
+        <p:style>
+          <a:lnRef idx="1">
+            <a:schemeClr val="accent1"/>
+          </a:lnRef>
+          <a:fillRef idx="0">
+            <a:schemeClr val="accent1"/>
+          </a:fillRef>
+          <a:effectRef idx="0">
+            <a:schemeClr val="accent1"/>
+          </a:effectRef>
+          <a:fontRef idx="minor">
+            <a:schemeClr val="tx1"/>
+          </a:fontRef>
+        </p:style>
+      </p:cxnSp>
+      <p:sp>
+        <p:nvSpPr>
+          <p:cNvPr id="42" name="Rectangle 41">
+            <a:extLst>
+              <a:ext uri="{FF2B5EF4-FFF2-40B4-BE49-F238E27FC236}">
+                <a16:creationId xmlns:a16="http://schemas.microsoft.com/office/drawing/2014/main" id="{9DD005C1-8C51-42D6-9BEE-B9B83849743D}"/>
+              </a:ext>
+              <a:ext uri="{C183D7F6-B498-43B3-948B-1728B52AA6E4}">
+                <adec:decorative xmlns:adec="http://schemas.microsoft.com/office/drawing/2017/decorative" val="1"/>
+              </a:ext>
+            </a:extLst>
+          </p:cNvPr>
+          <p:cNvSpPr>
+            <a:spLocks noGrp="1" noRot="1" noChangeAspect="1" noMove="1" noResize="1" noEditPoints="1" noAdjustHandles="1" noChangeArrowheads="1" noChangeShapeType="1" noTextEdit="1"/>
+          </p:cNvSpPr>
+          <p:nvPr>
+            <p:extLst>
+              <p:ext uri="{386F3935-93C4-4BCD-93E2-E3B085C9AB24}">
+                <p16:designElem xmlns:p16="http://schemas.microsoft.com/office/powerpoint/2015/main" val="1"/>
+              </p:ext>
+            </p:extLst>
+          </p:nvPr>
+        </p:nvSpPr>
+        <p:spPr>
+          <a:xfrm>
+            <a:off x="126206" y="115193"/>
+            <a:ext cx="11939588" cy="6627614"/>
+          </a:xfrm>
+          <a:prstGeom prst="rect">
+            <a:avLst/>
+          </a:prstGeom>
+          <a:noFill/>
+          <a:ln w="12700">
+            <a:solidFill>
+              <a:schemeClr val="accent2"/>
+            </a:solidFill>
+          </a:ln>
+        </p:spPr>
+        <p:style>
+          <a:lnRef idx="2">
+            <a:schemeClr val="accent1">
+              <a:shade val="50000"/>
+            </a:schemeClr>
+          </a:lnRef>
+          <a:fillRef idx="1">
+            <a:schemeClr val="accent1"/>
+          </a:fillRef>
+          <a:effectRef idx="0">
+            <a:schemeClr val="accent1"/>
+          </a:effectRef>
+          <a:fontRef idx="minor">
+            <a:schemeClr val="lt1"/>
+          </a:fontRef>
+        </p:style>
+        <p:txBody>
+          <a:bodyPr rtlCol="0" anchor="ctr"/>
+          <a:lstStyle/>
+          <a:p>
+            <a:pPr marL="0" marR="0" lvl="0" indent="0" algn="ctr" defTabSz="914400" rtl="0" eaLnBrk="1" fontAlgn="auto" latinLnBrk="0" hangingPunct="1">
+              <a:lnSpc>
+                <a:spcPct val="100000"/>
+              </a:lnSpc>
+              <a:spcBef>
+                <a:spcPts val="0"/>
+              </a:spcBef>
+              <a:spcAft>
+                <a:spcPts val="0"/>
+              </a:spcAft>
+              <a:buClrTx/>
+              <a:buSzTx/>
+              <a:buFontTx/>
+              <a:buNone/>
+              <a:tabLst/>
+              <a:defRPr/>
+            </a:pPr>
+            <a:endParaRPr kumimoji="0" lang="en-US" sz="1800" b="0" i="0" u="none" strike="noStrike" kern="1200" cap="none" spc="0" normalizeH="0" baseline="0" noProof="0">
+              <a:ln>
+                <a:noFill/>
+              </a:ln>
+              <a:solidFill>
+                <a:prstClr val="white"/>
+              </a:solidFill>
+              <a:effectLst/>
+              <a:uLnTx/>
+              <a:uFillTx/>
+              <a:latin typeface="微軟正黑體"/>
+              <a:ea typeface="微軟正黑體"/>
+              <a:cs typeface="+mn-cs"/>
+            </a:endParaRPr>
+          </a:p>
+        </p:txBody>
+      </p:sp>
+      <p:sp>
+        <p:nvSpPr>
+          <p:cNvPr id="6" name="內容版面配置區 5">
+            <a:extLst>
+              <a:ext uri="{FF2B5EF4-FFF2-40B4-BE49-F238E27FC236}">
+                <a16:creationId xmlns:a16="http://schemas.microsoft.com/office/drawing/2014/main" id="{AD94F256-4FB2-8F40-242A-DDE997FFA21C}"/>
+              </a:ext>
+            </a:extLst>
+          </p:cNvPr>
+          <p:cNvSpPr>
+            <a:spLocks noGrp="1"/>
+          </p:cNvSpPr>
+          <p:nvPr>
+            <p:ph idx="1"/>
+          </p:nvPr>
+        </p:nvSpPr>
+        <p:spPr>
+          <a:xfrm>
+            <a:off x="590798" y="2261054"/>
+            <a:ext cx="10515600" cy="4351338"/>
+          </a:xfrm>
+        </p:spPr>
+        <p:txBody>
+          <a:bodyPr vert="horz" lIns="91440" tIns="45720" rIns="91440" bIns="45720" rtlCol="0" anchor="t">
+            <a:normAutofit fontScale="85000" lnSpcReduction="20000"/>
+          </a:bodyPr>
+          <a:lstStyle/>
+          <a:p>
+            <a:pPr marL="0" indent="0">
+              <a:buNone/>
+            </a:pPr>
+            <a:r>
+              <a:rPr lang="zh-TW" altLang="en-US">
+                <a:solidFill>
+                  <a:schemeClr val="bg1"/>
+                </a:solidFill>
+              </a:rPr>
+              <a:t>目前進度: </a:t>
+            </a:r>
+          </a:p>
+          <a:p>
+            <a:r>
+              <a:rPr lang="zh-TW" altLang="en-US">
+                <a:solidFill>
+                  <a:schemeClr val="bg1"/>
+                </a:solidFill>
+              </a:rPr>
+              <a:t>能使用 ASR微調 HuBERT到日文語音。</a:t>
+            </a:r>
+          </a:p>
+          <a:p>
+            <a:r>
+              <a:rPr lang="zh-TW" altLang="en-US">
+                <a:solidFill>
+                  <a:schemeClr val="bg1"/>
+                </a:solidFill>
+              </a:rPr>
+              <a:t>想改用 HuBERT base on Japanese，搭配日文的 tokenizer。</a:t>
+            </a:r>
+          </a:p>
+          <a:p>
+            <a:pPr marL="0" indent="0">
+              <a:buNone/>
+            </a:pPr>
+            <a:r>
+              <a:rPr lang="zh-TW" altLang="en-US">
+                <a:solidFill>
+                  <a:schemeClr val="bg1"/>
+                </a:solidFill>
+              </a:rPr>
+              <a:t>目前問題: </a:t>
+            </a:r>
+          </a:p>
+          <a:p>
+            <a:r>
+              <a:rPr lang="zh-TW" altLang="en-US">
+                <a:solidFill>
+                  <a:schemeClr val="bg1"/>
+                </a:solidFill>
+              </a:rPr>
+              <a:t>Colab上的 RAM不夠。</a:t>
+            </a:r>
+          </a:p>
+          <a:p>
+            <a:r>
+              <a:rPr lang="zh-TW">
+                <a:solidFill>
+                  <a:schemeClr val="bg1"/>
+                </a:solidFill>
+                <a:ea typeface="+mn-lt"/>
+                <a:cs typeface="+mn-lt"/>
+              </a:rPr>
+              <a:t>羅馬拼音貌似沒辦法很好的表達日文句子的發音(</a:t>
+            </a:r>
+            <a:r>
+              <a:rPr lang="zh-TW" altLang="en-US">
+                <a:solidFill>
+                  <a:schemeClr val="bg1"/>
+                </a:solidFill>
+                <a:ea typeface="+mn-lt"/>
+                <a:cs typeface="+mn-lt"/>
+              </a:rPr>
+              <a:t>連音</a:t>
+            </a:r>
+            <a:r>
+              <a:rPr lang="zh-TW">
+                <a:solidFill>
+                  <a:schemeClr val="bg1"/>
+                </a:solidFill>
+                <a:ea typeface="+mn-lt"/>
+                <a:cs typeface="+mn-lt"/>
+              </a:rPr>
+              <a:t>)</a:t>
+            </a:r>
+            <a:r>
+              <a:rPr lang="zh-TW" altLang="en-US">
+                <a:solidFill>
+                  <a:schemeClr val="bg1"/>
+                </a:solidFill>
+                <a:ea typeface="+mn-lt"/>
+                <a:cs typeface="+mn-lt"/>
+              </a:rPr>
+              <a:t>。</a:t>
+            </a:r>
+            <a:endParaRPr lang="zh-TW">
+              <a:solidFill>
+                <a:schemeClr val="bg1"/>
+              </a:solidFill>
+            </a:endParaRPr>
+          </a:p>
+          <a:p>
+            <a:r>
+              <a:rPr lang="zh-TW" altLang="en-US">
+                <a:solidFill>
+                  <a:schemeClr val="bg1"/>
+                </a:solidFill>
+              </a:rPr>
+              <a:t>Model的 output架構，目前是只加 conv1D和 FC各一層，還未測試。</a:t>
+            </a:r>
+          </a:p>
+          <a:p>
+            <a:r>
+              <a:rPr lang="zh-TW" altLang="en-US">
+                <a:solidFill>
+                  <a:schemeClr val="bg1"/>
+                </a:solidFill>
+              </a:rPr>
+              <a:t>日文 tokenizer有4000個 token，怕有運算上的問題。</a:t>
+            </a:r>
+          </a:p>
+          <a:p>
+            <a:pPr marL="0" indent="0">
+              <a:buNone/>
+            </a:pPr>
+            <a:r>
+              <a:rPr lang="zh-TW" altLang="en-US">
+                <a:solidFill>
+                  <a:schemeClr val="bg1"/>
+                </a:solidFill>
+              </a:rPr>
+              <a:t>研究參考: </a:t>
+            </a:r>
+          </a:p>
+          <a:p>
+            <a:r>
+              <a:rPr lang="zh-TW">
+                <a:solidFill>
+                  <a:schemeClr val="bg1"/>
+                </a:solidFill>
+                <a:ea typeface="+mn-lt"/>
+                <a:cs typeface="+mn-lt"/>
+                <a:hlinkClick r:id="rId2">
+                  <a:extLst>
+                    <a:ext uri="{A12FA001-AC4F-418D-AE19-62706E023703}">
+                      <ahyp:hlinkClr xmlns:ahyp="http://schemas.microsoft.com/office/drawing/2018/hyperlinkcolor" val="tx"/>
+                    </a:ext>
+                  </a:extLst>
+                </a:hlinkClick>
+              </a:rPr>
+              <a:t>japanese-hubert-base</a:t>
+            </a:r>
+          </a:p>
+          <a:p>
+            <a:r>
+              <a:rPr lang="en-US" altLang="zh-TW">
+                <a:solidFill>
+                  <a:schemeClr val="bg1"/>
+                </a:solidFill>
+                <a:ea typeface="+mn-lt"/>
+                <a:cs typeface="+mn-lt"/>
+                <a:hlinkClick r:id="rId3">
+                  <a:extLst>
+                    <a:ext uri="{A12FA001-AC4F-418D-AE19-62706E023703}">
+                      <ahyp:hlinkClr xmlns:ahyp="http://schemas.microsoft.com/office/drawing/2018/hyperlinkcolor" val="tx"/>
+                    </a:ext>
+                  </a:extLst>
+                </a:hlinkClick>
+              </a:rPr>
+              <a:t>tokenizer</a:t>
+            </a:r>
+            <a:endParaRPr lang="zh-TW">
+              <a:solidFill>
+                <a:schemeClr val="bg1"/>
+              </a:solidFill>
+              <a:ea typeface="+mn-lt"/>
+              <a:cs typeface="+mn-lt"/>
+            </a:endParaRPr>
+          </a:p>
+          <a:p>
+            <a:pPr marL="0" indent="0">
+              <a:buNone/>
+            </a:pPr>
+            <a:endParaRPr lang="zh-TW">
+              <a:solidFill>
+                <a:schemeClr val="bg1"/>
+              </a:solidFill>
+            </a:endParaRPr>
+          </a:p>
+        </p:txBody>
+      </p:sp>
+    </p:spTree>
+    <p:extLst>
+      <p:ext uri="{BB962C8B-B14F-4D97-AF65-F5344CB8AC3E}">
+        <p14:creationId xmlns:p14="http://schemas.microsoft.com/office/powerpoint/2010/main" val="159969569"/>
+      </p:ext>
+    </p:extLst>
+  </p:cSld>
+  <p:clrMapOvr>
+    <a:masterClrMapping/>
+  </p:clrMapOvr>
+  <mc:AlternateContent xmlns:mc="http://schemas.openxmlformats.org/markup-compatibility/2006" xmlns:p159="http://schemas.microsoft.com/office/powerpoint/2015/09/main">
+    <mc:Choice Requires="p159">
+      <p:transition xmlns:p14="http://schemas.microsoft.com/office/powerpoint/2010/main" spd="slow" p14:dur="2000">
+        <p159:morph option="byObject"/>
+      </p:transition>
+    </mc:Choice>
+    <mc:Fallback xmlns="">
+      <p:transition spd="slow">
+        <p:fade/>
+      </p:transition>
+    </mc:Fallback>
+  </mc:AlternateContent>
+</p:sld>
+</file>
+
+<file path=ppt/slides/slide19.xml><?xml version="1.0" encoding="utf-8"?>
+<p:sld xmlns:a="http://schemas.openxmlformats.org/drawingml/2006/main" xmlns:r="http://schemas.openxmlformats.org/officeDocument/2006/relationships" xmlns:p="http://schemas.openxmlformats.org/presentationml/2006/main">
+  <p:cSld>
+    <p:bg>
+      <p:bgPr>
+        <a:solidFill>
+          <a:schemeClr val="bg1"/>
+        </a:solidFill>
+        <a:effectLst/>
+      </p:bgPr>
+    </p:bg>
+    <p:spTree>
+      <p:nvGrpSpPr>
+        <p:cNvPr id="1" name=""/>
+        <p:cNvGrpSpPr/>
+        <p:nvPr/>
+      </p:nvGrpSpPr>
+      <p:grpSpPr>
+        <a:xfrm>
+          <a:off x="0" y="0"/>
+          <a:ext cx="0" cy="0"/>
+          <a:chOff x="0" y="0"/>
+          <a:chExt cx="0" cy="0"/>
+        </a:xfrm>
+      </p:grpSpPr>
+      <p:sp>
+        <p:nvSpPr>
+          <p:cNvPr id="38" name="Rectangle 37">
+            <a:extLst>
+              <a:ext uri="{FF2B5EF4-FFF2-40B4-BE49-F238E27FC236}">
+                <a16:creationId xmlns:a16="http://schemas.microsoft.com/office/drawing/2014/main" id="{A7AE9375-4664-4DB2-922D-2782A6E439AC}"/>
+              </a:ext>
+              <a:ext uri="{C183D7F6-B498-43B3-948B-1728B52AA6E4}">
+                <adec:decorative xmlns:adec="http://schemas.microsoft.com/office/drawing/2017/decorative" val="1"/>
+              </a:ext>
+            </a:extLst>
+          </p:cNvPr>
+          <p:cNvSpPr>
+            <a:spLocks noGrp="1" noRot="1" noChangeAspect="1" noMove="1" noResize="1" noEditPoints="1" noAdjustHandles="1" noChangeArrowheads="1" noChangeShapeType="1" noTextEdit="1"/>
+          </p:cNvSpPr>
+          <p:nvPr>
+            <p:extLst>
+              <p:ext uri="{386F3935-93C4-4BCD-93E2-E3B085C9AB24}">
+                <p16:designElem xmlns:p16="http://schemas.microsoft.com/office/powerpoint/2015/main" val="1"/>
+              </p:ext>
+            </p:extLst>
+          </p:nvPr>
+        </p:nvSpPr>
+        <p:spPr>
+          <a:xfrm>
+            <a:off x="0" y="0"/>
+            <a:ext cx="12192000" cy="6858000"/>
+          </a:xfrm>
+          <a:prstGeom prst="rect">
+            <a:avLst/>
+          </a:prstGeom>
+          <a:solidFill>
+            <a:schemeClr val="tx1">
+              <a:lumMod val="95000"/>
+              <a:lumOff val="5000"/>
+            </a:schemeClr>
+          </a:solidFill>
+          <a:ln>
+            <a:noFill/>
+          </a:ln>
+        </p:spPr>
+        <p:style>
+          <a:lnRef idx="2">
+            <a:schemeClr val="accent1">
+              <a:shade val="50000"/>
+            </a:schemeClr>
+          </a:lnRef>
+          <a:fillRef idx="1">
+            <a:schemeClr val="accent1"/>
+          </a:fillRef>
+          <a:effectRef idx="0">
+            <a:schemeClr val="accent1"/>
+          </a:effectRef>
+          <a:fontRef idx="minor">
+            <a:schemeClr val="lt1"/>
+          </a:fontRef>
+        </p:style>
+        <p:txBody>
+          <a:bodyPr rtlCol="0" anchor="ctr"/>
+          <a:lstStyle/>
+          <a:p>
+            <a:pPr marL="0" marR="0" lvl="0" indent="0" algn="ctr" defTabSz="914400" rtl="0" eaLnBrk="1" fontAlgn="auto" latinLnBrk="0" hangingPunct="1">
+              <a:lnSpc>
+                <a:spcPct val="100000"/>
+              </a:lnSpc>
+              <a:spcBef>
+                <a:spcPts val="0"/>
+              </a:spcBef>
+              <a:spcAft>
+                <a:spcPts val="0"/>
+              </a:spcAft>
+              <a:buClrTx/>
+              <a:buSzTx/>
+              <a:buFontTx/>
+              <a:buNone/>
+              <a:tabLst/>
+              <a:defRPr/>
+            </a:pPr>
+            <a:endParaRPr kumimoji="0" lang="en-US" sz="1800" b="0" i="0" u="none" strike="noStrike" kern="1200" cap="none" spc="0" normalizeH="0" baseline="0" noProof="0">
+              <a:ln>
+                <a:noFill/>
+              </a:ln>
+              <a:solidFill>
+                <a:prstClr val="black"/>
+              </a:solidFill>
+              <a:effectLst/>
+              <a:uLnTx/>
+              <a:uFillTx/>
+              <a:latin typeface="微軟正黑體"/>
+              <a:ea typeface="微軟正黑體"/>
+              <a:cs typeface="+mn-cs"/>
+            </a:endParaRPr>
+          </a:p>
+        </p:txBody>
+      </p:sp>
+      <p:sp>
+        <p:nvSpPr>
+          <p:cNvPr id="2" name="標題 1">
+            <a:extLst>
+              <a:ext uri="{FF2B5EF4-FFF2-40B4-BE49-F238E27FC236}">
+                <a16:creationId xmlns:a16="http://schemas.microsoft.com/office/drawing/2014/main" id="{4185B2FE-C0DB-3425-291A-B785A4DA51C5}"/>
+              </a:ext>
+            </a:extLst>
+          </p:cNvPr>
+          <p:cNvSpPr>
+            <a:spLocks noGrp="1"/>
+          </p:cNvSpPr>
+          <p:nvPr>
+            <p:ph type="title"/>
+          </p:nvPr>
+        </p:nvSpPr>
+        <p:spPr>
+          <a:xfrm>
+            <a:off x="1392667" y="594294"/>
+            <a:ext cx="9621369" cy="1325563"/>
+          </a:xfrm>
+        </p:spPr>
+        <p:txBody>
+          <a:bodyPr anchor="b">
+            <a:normAutofit/>
+          </a:bodyPr>
+          <a:lstStyle/>
+          <a:p>
+            <a:r>
+              <a:rPr lang="en-US" altLang="zh-TW">
+                <a:solidFill>
+                  <a:schemeClr val="bg1"/>
+                </a:solidFill>
+                <a:latin typeface="微軟正黑體"/>
+                <a:ea typeface="微軟正黑體"/>
+              </a:rPr>
+              <a:t>AI流程圖</a:t>
+            </a:r>
+          </a:p>
+        </p:txBody>
+      </p:sp>
+      <p:cxnSp>
+        <p:nvCxnSpPr>
+          <p:cNvPr id="40" name="Straight Connector 39">
+            <a:extLst>
+              <a:ext uri="{FF2B5EF4-FFF2-40B4-BE49-F238E27FC236}">
+                <a16:creationId xmlns:a16="http://schemas.microsoft.com/office/drawing/2014/main" id="{EE504C98-6397-41C1-A8D8-2D9C4ED307E0}"/>
+              </a:ext>
+              <a:ext uri="{C183D7F6-B498-43B3-948B-1728B52AA6E4}">
+                <adec:decorative xmlns:adec="http://schemas.microsoft.com/office/drawing/2017/decorative" val="1"/>
+              </a:ext>
+            </a:extLst>
+          </p:cNvPr>
+          <p:cNvCxnSpPr>
+            <a:cxnSpLocks noGrp="1" noRot="1" noChangeAspect="1" noMove="1" noResize="1" noEditPoints="1" noAdjustHandles="1" noChangeArrowheads="1" noChangeShapeType="1"/>
+          </p:cNvCxnSpPr>
+          <p:nvPr>
+            <p:extLst>
+              <p:ext uri="{386F3935-93C4-4BCD-93E2-E3B085C9AB24}">
+                <p16:designElem xmlns:p16="http://schemas.microsoft.com/office/powerpoint/2015/main" val="1"/>
+              </p:ext>
+            </p:extLst>
+          </p:nvPr>
+        </p:nvCxnSpPr>
+        <p:spPr>
+          <a:xfrm flipH="1">
+            <a:off x="126210" y="2026340"/>
+            <a:ext cx="5220936" cy="0"/>
+          </a:xfrm>
+          <a:prstGeom prst="line">
+            <a:avLst/>
+          </a:prstGeom>
+          <a:ln w="12700">
+            <a:solidFill>
+              <a:schemeClr val="accent2"/>
+            </a:solidFill>
+          </a:ln>
+        </p:spPr>
+        <p:style>
+          <a:lnRef idx="1">
+            <a:schemeClr val="accent1"/>
+          </a:lnRef>
+          <a:fillRef idx="0">
+            <a:schemeClr val="accent1"/>
+          </a:fillRef>
+          <a:effectRef idx="0">
+            <a:schemeClr val="accent1"/>
+          </a:effectRef>
+          <a:fontRef idx="minor">
+            <a:schemeClr val="tx1"/>
+          </a:fontRef>
+        </p:style>
+      </p:cxnSp>
+      <p:sp>
+        <p:nvSpPr>
+          <p:cNvPr id="42" name="Rectangle 41">
+            <a:extLst>
+              <a:ext uri="{FF2B5EF4-FFF2-40B4-BE49-F238E27FC236}">
+                <a16:creationId xmlns:a16="http://schemas.microsoft.com/office/drawing/2014/main" id="{9DD005C1-8C51-42D6-9BEE-B9B83849743D}"/>
+              </a:ext>
+              <a:ext uri="{C183D7F6-B498-43B3-948B-1728B52AA6E4}">
+                <adec:decorative xmlns:adec="http://schemas.microsoft.com/office/drawing/2017/decorative" val="1"/>
+              </a:ext>
+            </a:extLst>
+          </p:cNvPr>
+          <p:cNvSpPr>
+            <a:spLocks noGrp="1" noRot="1" noChangeAspect="1" noMove="1" noResize="1" noEditPoints="1" noAdjustHandles="1" noChangeArrowheads="1" noChangeShapeType="1" noTextEdit="1"/>
+          </p:cNvSpPr>
+          <p:nvPr>
+            <p:extLst>
+              <p:ext uri="{386F3935-93C4-4BCD-93E2-E3B085C9AB24}">
+                <p16:designElem xmlns:p16="http://schemas.microsoft.com/office/powerpoint/2015/main" val="1"/>
+              </p:ext>
+            </p:extLst>
+          </p:nvPr>
+        </p:nvSpPr>
+        <p:spPr>
+          <a:xfrm>
+            <a:off x="126206" y="115193"/>
+            <a:ext cx="11939588" cy="6627614"/>
+          </a:xfrm>
+          <a:prstGeom prst="rect">
+            <a:avLst/>
+          </a:prstGeom>
+          <a:noFill/>
+          <a:ln w="12700">
+            <a:solidFill>
+              <a:schemeClr val="accent2"/>
+            </a:solidFill>
+          </a:ln>
+        </p:spPr>
+        <p:style>
+          <a:lnRef idx="2">
+            <a:schemeClr val="accent1">
+              <a:shade val="50000"/>
+            </a:schemeClr>
+          </a:lnRef>
+          <a:fillRef idx="1">
+            <a:schemeClr val="accent1"/>
+          </a:fillRef>
+          <a:effectRef idx="0">
+            <a:schemeClr val="accent1"/>
+          </a:effectRef>
+          <a:fontRef idx="minor">
+            <a:schemeClr val="lt1"/>
+          </a:fontRef>
+        </p:style>
+        <p:txBody>
+          <a:bodyPr rtlCol="0" anchor="ctr"/>
+          <a:lstStyle/>
+          <a:p>
+            <a:pPr marL="0" marR="0" lvl="0" indent="0" algn="ctr" defTabSz="914400" rtl="0" eaLnBrk="1" fontAlgn="auto" latinLnBrk="0" hangingPunct="1">
+              <a:lnSpc>
+                <a:spcPct val="100000"/>
+              </a:lnSpc>
+              <a:spcBef>
+                <a:spcPts val="0"/>
+              </a:spcBef>
+              <a:spcAft>
+                <a:spcPts val="0"/>
+              </a:spcAft>
+              <a:buClrTx/>
+              <a:buSzTx/>
+              <a:buFontTx/>
+              <a:buNone/>
+              <a:tabLst/>
+              <a:defRPr/>
+            </a:pPr>
+            <a:endParaRPr kumimoji="0" lang="en-US" sz="1800" b="0" i="0" u="none" strike="noStrike" kern="1200" cap="none" spc="0" normalizeH="0" baseline="0" noProof="0">
+              <a:ln>
+                <a:noFill/>
+              </a:ln>
+              <a:solidFill>
+                <a:prstClr val="white"/>
+              </a:solidFill>
+              <a:effectLst/>
+              <a:uLnTx/>
+              <a:uFillTx/>
+              <a:latin typeface="微軟正黑體"/>
+              <a:ea typeface="微軟正黑體"/>
+              <a:cs typeface="+mn-cs"/>
+            </a:endParaRPr>
+          </a:p>
+        </p:txBody>
+      </p:sp>
+      <p:sp>
+        <p:nvSpPr>
+          <p:cNvPr id="3" name="文字方塊 2">
+            <a:extLst>
+              <a:ext uri="{FF2B5EF4-FFF2-40B4-BE49-F238E27FC236}">
+                <a16:creationId xmlns:a16="http://schemas.microsoft.com/office/drawing/2014/main" id="{B826C841-B0A6-EDD2-F0B8-751BE2CFB2D8}"/>
+              </a:ext>
+            </a:extLst>
+          </p:cNvPr>
+          <p:cNvSpPr txBox="1"/>
+          <p:nvPr/>
+        </p:nvSpPr>
+        <p:spPr>
+          <a:xfrm>
+            <a:off x="1068659" y="2620535"/>
+            <a:ext cx="1209377" cy="933226"/>
+          </a:xfrm>
+          <a:prstGeom prst="rect">
+            <a:avLst/>
+          </a:prstGeom>
+          <a:noFill/>
+          <a:ln w="57150">
+            <a:solidFill>
+              <a:schemeClr val="accent4"/>
+            </a:solidFill>
+          </a:ln>
+        </p:spPr>
+        <p:txBody>
+          <a:bodyPr rot="0" spcFirstLastPara="0" vertOverflow="overflow" horzOverflow="overflow" vert="horz" wrap="square" lIns="91440" tIns="45720" rIns="91440" bIns="45720" numCol="1" spcCol="0" rtlCol="0" fromWordArt="0" anchor="t" anchorCtr="0" forceAA="0" compatLnSpc="1">
+            <a:prstTxWarp prst="textNoShape">
+              <a:avLst/>
+            </a:prstTxWarp>
+            <a:spAutoFit/>
+          </a:bodyPr>
+          <a:lstStyle/>
+          <a:p>
+            <a:r>
+              <a:rPr lang="zh-TW" altLang="af-ZA" sz="3600">
+                <a:solidFill>
+                  <a:schemeClr val="bg1"/>
+                </a:solidFill>
+              </a:rPr>
+              <a:t>音檔</a:t>
+            </a:r>
+          </a:p>
+          <a:p>
+            <a:endParaRPr lang="af-ZA" altLang="zh-TW">
+              <a:solidFill>
+                <a:srgbClr val="000000"/>
+              </a:solidFill>
+            </a:endParaRPr>
+          </a:p>
+        </p:txBody>
+      </p:sp>
+      <p:sp>
+        <p:nvSpPr>
+          <p:cNvPr id="4" name="文字方塊 3">
+            <a:extLst>
+              <a:ext uri="{FF2B5EF4-FFF2-40B4-BE49-F238E27FC236}">
+                <a16:creationId xmlns:a16="http://schemas.microsoft.com/office/drawing/2014/main" id="{51957DB6-3380-0A73-5807-D0EF4EBD5E0E}"/>
+              </a:ext>
+            </a:extLst>
+          </p:cNvPr>
+          <p:cNvSpPr txBox="1"/>
+          <p:nvPr/>
+        </p:nvSpPr>
+        <p:spPr>
+          <a:xfrm>
+            <a:off x="3330521" y="2627657"/>
+            <a:ext cx="1774903" cy="923330"/>
+          </a:xfrm>
+          <a:prstGeom prst="rect">
+            <a:avLst/>
+          </a:prstGeom>
+          <a:noFill/>
+          <a:ln w="57150">
+            <a:solidFill>
+              <a:srgbClr val="FFC000"/>
+            </a:solidFill>
+          </a:ln>
+        </p:spPr>
+        <p:txBody>
+          <a:bodyPr rot="0" spcFirstLastPara="0" vertOverflow="overflow" horzOverflow="overflow" vert="horz" wrap="square" lIns="91440" tIns="45720" rIns="91440" bIns="45720" numCol="1" spcCol="0" rtlCol="0" fromWordArt="0" anchor="t" anchorCtr="0" forceAA="0" compatLnSpc="1">
+            <a:prstTxWarp prst="textNoShape">
+              <a:avLst/>
+            </a:prstTxWarp>
+            <a:spAutoFit/>
+          </a:bodyPr>
+          <a:lstStyle/>
+          <a:p>
+            <a:r>
+              <a:rPr lang="zh-TW" altLang="af-ZA" sz="3600">
+                <a:solidFill>
+                  <a:schemeClr val="bg1"/>
+                </a:solidFill>
+              </a:rPr>
+              <a:t>前處理</a:t>
+            </a:r>
+          </a:p>
+          <a:p>
+            <a:endParaRPr lang="af-ZA" altLang="zh-TW">
+              <a:solidFill>
+                <a:srgbClr val="000000"/>
+              </a:solidFill>
+            </a:endParaRPr>
+          </a:p>
+        </p:txBody>
+      </p:sp>
+      <p:sp>
+        <p:nvSpPr>
+          <p:cNvPr id="5" name="文字方塊 4">
+            <a:extLst>
+              <a:ext uri="{FF2B5EF4-FFF2-40B4-BE49-F238E27FC236}">
+                <a16:creationId xmlns:a16="http://schemas.microsoft.com/office/drawing/2014/main" id="{D782C341-B08A-B5B4-AC8E-9F07941B8B38}"/>
+              </a:ext>
+            </a:extLst>
+          </p:cNvPr>
+          <p:cNvSpPr txBox="1"/>
+          <p:nvPr/>
+        </p:nvSpPr>
+        <p:spPr>
+          <a:xfrm>
+            <a:off x="6336282" y="2623553"/>
+            <a:ext cx="4586118" cy="923330"/>
+          </a:xfrm>
+          <a:prstGeom prst="rect">
+            <a:avLst/>
+          </a:prstGeom>
+          <a:noFill/>
+          <a:ln w="57150">
+            <a:solidFill>
+              <a:srgbClr val="FFC000"/>
+            </a:solidFill>
+          </a:ln>
+        </p:spPr>
+        <p:txBody>
+          <a:bodyPr rot="0" spcFirstLastPara="0" vertOverflow="overflow" horzOverflow="overflow" vert="horz" wrap="square" lIns="91440" tIns="45720" rIns="91440" bIns="45720" numCol="1" spcCol="0" rtlCol="0" fromWordArt="0" anchor="t" anchorCtr="0" forceAA="0" compatLnSpc="1">
+            <a:prstTxWarp prst="textNoShape">
+              <a:avLst/>
+            </a:prstTxWarp>
+            <a:spAutoFit/>
+          </a:bodyPr>
+          <a:lstStyle/>
+          <a:p>
+            <a:r>
+              <a:rPr lang="zh-TW" altLang="af-ZA" sz="3600">
+                <a:solidFill>
+                  <a:schemeClr val="bg1"/>
+                </a:solidFill>
+              </a:rPr>
+              <a:t>Speech_Recognition</a:t>
+            </a:r>
+          </a:p>
+          <a:p>
+            <a:endParaRPr lang="af-ZA" altLang="zh-TW">
+              <a:solidFill>
+                <a:srgbClr val="000000"/>
+              </a:solidFill>
+            </a:endParaRPr>
+          </a:p>
+        </p:txBody>
+      </p:sp>
+      <p:sp>
+        <p:nvSpPr>
+          <p:cNvPr id="7" name="文字方塊 6">
+            <a:extLst>
+              <a:ext uri="{FF2B5EF4-FFF2-40B4-BE49-F238E27FC236}">
+                <a16:creationId xmlns:a16="http://schemas.microsoft.com/office/drawing/2014/main" id="{6504BBC3-8D87-80D7-C1F2-A2391D8D4CFB}"/>
+              </a:ext>
+            </a:extLst>
+          </p:cNvPr>
+          <p:cNvSpPr txBox="1"/>
+          <p:nvPr/>
+        </p:nvSpPr>
+        <p:spPr>
+          <a:xfrm>
+            <a:off x="2109438" y="4479072"/>
+            <a:ext cx="1793487" cy="923330"/>
+          </a:xfrm>
+          <a:prstGeom prst="rect">
+            <a:avLst/>
+          </a:prstGeom>
+          <a:noFill/>
+          <a:ln w="57150">
+            <a:solidFill>
+              <a:srgbClr val="FFC000"/>
+            </a:solidFill>
+          </a:ln>
+        </p:spPr>
+        <p:txBody>
+          <a:bodyPr rot="0" spcFirstLastPara="0" vertOverflow="overflow" horzOverflow="overflow" vert="horz" wrap="square" lIns="91440" tIns="45720" rIns="91440" bIns="45720" numCol="1" spcCol="0" rtlCol="0" fromWordArt="0" anchor="t" anchorCtr="0" forceAA="0" compatLnSpc="1">
+            <a:prstTxWarp prst="textNoShape">
+              <a:avLst/>
+            </a:prstTxWarp>
+            <a:spAutoFit/>
+          </a:bodyPr>
+          <a:lstStyle/>
+          <a:p>
+            <a:r>
+              <a:rPr lang="zh-TW" altLang="af-ZA" sz="3600">
+                <a:solidFill>
+                  <a:schemeClr val="bg1"/>
+                </a:solidFill>
+              </a:rPr>
+              <a:t>Hubert</a:t>
+            </a:r>
+          </a:p>
+          <a:p>
+            <a:endParaRPr lang="af-ZA" altLang="zh-TW">
+              <a:solidFill>
+                <a:srgbClr val="000000"/>
+              </a:solidFill>
+            </a:endParaRPr>
+          </a:p>
+        </p:txBody>
+      </p:sp>
+      <p:sp>
+        <p:nvSpPr>
+          <p:cNvPr id="8" name="文字方塊 7">
+            <a:extLst>
+              <a:ext uri="{FF2B5EF4-FFF2-40B4-BE49-F238E27FC236}">
+                <a16:creationId xmlns:a16="http://schemas.microsoft.com/office/drawing/2014/main" id="{31AEA45B-6396-9B4F-7189-12C3EE75684A}"/>
+              </a:ext>
+            </a:extLst>
+          </p:cNvPr>
+          <p:cNvSpPr txBox="1"/>
+          <p:nvPr/>
+        </p:nvSpPr>
+        <p:spPr>
+          <a:xfrm>
+            <a:off x="5342930" y="4482090"/>
+            <a:ext cx="3642731" cy="923330"/>
+          </a:xfrm>
+          <a:prstGeom prst="rect">
+            <a:avLst/>
+          </a:prstGeom>
+          <a:noFill/>
+          <a:ln w="57150">
+            <a:solidFill>
+              <a:srgbClr val="FFC000"/>
+            </a:solidFill>
+          </a:ln>
+        </p:spPr>
+        <p:txBody>
+          <a:bodyPr rot="0" spcFirstLastPara="0" vertOverflow="overflow" horzOverflow="overflow" vert="horz" wrap="square" lIns="91440" tIns="45720" rIns="91440" bIns="45720" numCol="1" spcCol="0" rtlCol="0" fromWordArt="0" anchor="t" anchorCtr="0" forceAA="0" compatLnSpc="1">
+            <a:prstTxWarp prst="textNoShape">
+              <a:avLst/>
+            </a:prstTxWarp>
+            <a:spAutoFit/>
+          </a:bodyPr>
+          <a:lstStyle/>
+          <a:p>
+            <a:r>
+              <a:rPr lang="zh-TW" altLang="af-ZA" sz="3600">
+                <a:solidFill>
+                  <a:schemeClr val="bg1"/>
+                </a:solidFill>
+              </a:rPr>
+              <a:t>Scoring Module</a:t>
+            </a:r>
+          </a:p>
+          <a:p>
+            <a:endParaRPr lang="af-ZA" altLang="zh-TW">
+              <a:solidFill>
+                <a:srgbClr val="000000"/>
+              </a:solidFill>
+            </a:endParaRPr>
+          </a:p>
+        </p:txBody>
+      </p:sp>
+      <p:sp>
+        <p:nvSpPr>
+          <p:cNvPr id="9" name="文字方塊 8">
+            <a:extLst>
+              <a:ext uri="{FF2B5EF4-FFF2-40B4-BE49-F238E27FC236}">
+                <a16:creationId xmlns:a16="http://schemas.microsoft.com/office/drawing/2014/main" id="{5F7C11C0-3B76-C0D6-68F8-D41C5361A693}"/>
+              </a:ext>
+            </a:extLst>
+          </p:cNvPr>
+          <p:cNvSpPr txBox="1"/>
+          <p:nvPr/>
+        </p:nvSpPr>
+        <p:spPr>
+          <a:xfrm>
+            <a:off x="9211703" y="4573568"/>
+            <a:ext cx="2032081" cy="646331"/>
+          </a:xfrm>
+          <a:prstGeom prst="rect">
+            <a:avLst/>
+          </a:prstGeom>
+          <a:noFill/>
+          <a:ln w="57150">
+            <a:noFill/>
+          </a:ln>
+        </p:spPr>
+        <p:txBody>
+          <a:bodyPr rot="0" spcFirstLastPara="0" vertOverflow="overflow" horzOverflow="overflow" vert="horz" wrap="square" lIns="91440" tIns="45720" rIns="91440" bIns="45720" numCol="1" spcCol="0" rtlCol="0" fromWordArt="0" anchor="t" anchorCtr="0" forceAA="0" compatLnSpc="1">
+            <a:prstTxWarp prst="textNoShape">
+              <a:avLst/>
+            </a:prstTxWarp>
+            <a:spAutoFit/>
+          </a:bodyPr>
+          <a:lstStyle/>
+          <a:p>
+            <a:r>
+              <a:rPr lang="zh-TW" altLang="af-ZA">
+                <a:solidFill>
+                  <a:schemeClr val="bg1"/>
+                </a:solidFill>
+              </a:rPr>
+              <a:t>Output: 評分結果</a:t>
+            </a:r>
+          </a:p>
+          <a:p>
+            <a:endParaRPr lang="af-ZA" altLang="zh-TW">
+              <a:solidFill>
+                <a:srgbClr val="000000"/>
+              </a:solidFill>
+            </a:endParaRPr>
+          </a:p>
+        </p:txBody>
+      </p:sp>
+      <p:cxnSp>
+        <p:nvCxnSpPr>
+          <p:cNvPr id="10" name="直線單箭頭接點 9">
+            <a:extLst>
+              <a:ext uri="{FF2B5EF4-FFF2-40B4-BE49-F238E27FC236}">
+                <a16:creationId xmlns:a16="http://schemas.microsoft.com/office/drawing/2014/main" id="{8501FEF4-E92B-1947-22BE-F95D945C4D17}"/>
+              </a:ext>
+            </a:extLst>
+          </p:cNvPr>
+          <p:cNvCxnSpPr/>
+          <p:nvPr/>
+        </p:nvCxnSpPr>
+        <p:spPr>
+          <a:xfrm>
+            <a:off x="2323122" y="3036848"/>
+            <a:ext cx="945537" cy="4322"/>
+          </a:xfrm>
+          <a:prstGeom prst="straightConnector1">
+            <a:avLst/>
+          </a:prstGeom>
+          <a:ln w="57150">
+            <a:solidFill>
+              <a:schemeClr val="accent2"/>
+            </a:solidFill>
+            <a:tailEnd type="triangle"/>
+          </a:ln>
+        </p:spPr>
+        <p:style>
+          <a:lnRef idx="3">
+            <a:schemeClr val="accent1"/>
+          </a:lnRef>
+          <a:fillRef idx="0">
+            <a:schemeClr val="accent1"/>
+          </a:fillRef>
+          <a:effectRef idx="2">
+            <a:schemeClr val="accent1"/>
+          </a:effectRef>
+          <a:fontRef idx="minor">
+            <a:schemeClr val="tx1"/>
+          </a:fontRef>
+        </p:style>
+      </p:cxnSp>
+      <p:cxnSp>
+        <p:nvCxnSpPr>
+          <p:cNvPr id="11" name="直線單箭頭接點 10">
+            <a:extLst>
+              <a:ext uri="{FF2B5EF4-FFF2-40B4-BE49-F238E27FC236}">
+                <a16:creationId xmlns:a16="http://schemas.microsoft.com/office/drawing/2014/main" id="{1ED003E6-5B2A-8657-C8AD-1D365AA5A0BD}"/>
+              </a:ext>
+            </a:extLst>
+          </p:cNvPr>
+          <p:cNvCxnSpPr>
+            <a:cxnSpLocks/>
+          </p:cNvCxnSpPr>
+          <p:nvPr/>
+        </p:nvCxnSpPr>
+        <p:spPr>
+          <a:xfrm>
+            <a:off x="5192510" y="3026951"/>
+            <a:ext cx="1057773" cy="4322"/>
+          </a:xfrm>
+          <a:prstGeom prst="straightConnector1">
+            <a:avLst/>
+          </a:prstGeom>
+          <a:ln w="57150">
+            <a:solidFill>
+              <a:schemeClr val="accent2"/>
+            </a:solidFill>
+            <a:tailEnd type="triangle"/>
+          </a:ln>
+        </p:spPr>
+        <p:style>
+          <a:lnRef idx="3">
+            <a:schemeClr val="accent1"/>
+          </a:lnRef>
+          <a:fillRef idx="0">
+            <a:schemeClr val="accent1"/>
+          </a:fillRef>
+          <a:effectRef idx="2">
+            <a:schemeClr val="accent1"/>
+          </a:effectRef>
+          <a:fontRef idx="minor">
+            <a:schemeClr val="tx1"/>
+          </a:fontRef>
+        </p:style>
+      </p:cxnSp>
+      <p:cxnSp>
+        <p:nvCxnSpPr>
+          <p:cNvPr id="12" name="直線單箭頭接點 11">
+            <a:extLst>
+              <a:ext uri="{FF2B5EF4-FFF2-40B4-BE49-F238E27FC236}">
+                <a16:creationId xmlns:a16="http://schemas.microsoft.com/office/drawing/2014/main" id="{3F1590A9-0FAB-0F61-BDEC-8897E8308615}"/>
+              </a:ext>
+            </a:extLst>
+          </p:cNvPr>
+          <p:cNvCxnSpPr>
+            <a:cxnSpLocks/>
+          </p:cNvCxnSpPr>
+          <p:nvPr/>
+        </p:nvCxnSpPr>
+        <p:spPr>
+          <a:xfrm flipV="1">
+            <a:off x="3980599" y="4944117"/>
+            <a:ext cx="1286349" cy="5574"/>
+          </a:xfrm>
+          <a:prstGeom prst="straightConnector1">
+            <a:avLst/>
+          </a:prstGeom>
+          <a:ln w="57150">
+            <a:solidFill>
+              <a:schemeClr val="accent2"/>
+            </a:solidFill>
+            <a:tailEnd type="triangle"/>
+          </a:ln>
+        </p:spPr>
+        <p:style>
+          <a:lnRef idx="3">
+            <a:schemeClr val="accent1"/>
+          </a:lnRef>
+          <a:fillRef idx="0">
+            <a:schemeClr val="accent1"/>
+          </a:fillRef>
+          <a:effectRef idx="2">
+            <a:schemeClr val="accent1"/>
+          </a:effectRef>
+          <a:fontRef idx="minor">
+            <a:schemeClr val="tx1"/>
+          </a:fontRef>
+        </p:style>
+      </p:cxnSp>
+      <p:sp>
+        <p:nvSpPr>
+          <p:cNvPr id="6" name="文字方塊 5">
+            <a:extLst>
+              <a:ext uri="{FF2B5EF4-FFF2-40B4-BE49-F238E27FC236}">
+                <a16:creationId xmlns:a16="http://schemas.microsoft.com/office/drawing/2014/main" id="{62FE753A-7B1D-D2F0-8920-73DB91D4D699}"/>
+              </a:ext>
+            </a:extLst>
+          </p:cNvPr>
+          <p:cNvSpPr txBox="1"/>
+          <p:nvPr/>
+        </p:nvSpPr>
+        <p:spPr>
+          <a:xfrm>
+            <a:off x="123701" y="2561219"/>
+            <a:ext cx="997032" cy="430887"/>
+          </a:xfrm>
+          <a:prstGeom prst="rect">
+            <a:avLst/>
+          </a:prstGeom>
+          <a:noFill/>
+        </p:spPr>
+        <p:txBody>
+          <a:bodyPr rot="0" spcFirstLastPara="0" vertOverflow="overflow" horzOverflow="overflow" vert="horz" wrap="square" lIns="91440" tIns="45720" rIns="91440" bIns="45720" numCol="1" spcCol="0" rtlCol="0" fromWordArt="0" anchor="t" anchorCtr="0" forceAA="0" compatLnSpc="1">
+            <a:prstTxWarp prst="textNoShape">
+              <a:avLst/>
+            </a:prstTxWarp>
+            <a:spAutoFit/>
+          </a:bodyPr>
+          <a:lstStyle/>
+          <a:p>
+            <a:pPr algn="l"/>
+            <a:r>
+              <a:rPr lang="zh-TW" altLang="en-US" sz="2200">
+                <a:solidFill>
+                  <a:schemeClr val="bg1"/>
+                </a:solidFill>
+              </a:rPr>
+              <a:t>input</a:t>
+            </a:r>
+          </a:p>
+        </p:txBody>
+      </p:sp>
+      <p:cxnSp>
+        <p:nvCxnSpPr>
+          <p:cNvPr id="16" name="直線單箭頭接點 15">
+            <a:extLst>
+              <a:ext uri="{FF2B5EF4-FFF2-40B4-BE49-F238E27FC236}">
+                <a16:creationId xmlns:a16="http://schemas.microsoft.com/office/drawing/2014/main" id="{DB45F590-7C65-E87E-B67A-289E36BB436D}"/>
+              </a:ext>
+            </a:extLst>
+          </p:cNvPr>
+          <p:cNvCxnSpPr>
+            <a:cxnSpLocks/>
+          </p:cNvCxnSpPr>
+          <p:nvPr/>
+        </p:nvCxnSpPr>
+        <p:spPr>
+          <a:xfrm>
+            <a:off x="9112814" y="4940399"/>
+            <a:ext cx="2745059" cy="13010"/>
+          </a:xfrm>
+          <a:prstGeom prst="straightConnector1">
+            <a:avLst/>
+          </a:prstGeom>
+          <a:ln w="57150">
+            <a:solidFill>
+              <a:schemeClr val="accent2"/>
+            </a:solidFill>
+            <a:tailEnd type="triangle"/>
+          </a:ln>
+        </p:spPr>
+        <p:style>
+          <a:lnRef idx="3">
+            <a:schemeClr val="accent1"/>
+          </a:lnRef>
+          <a:fillRef idx="0">
+            <a:schemeClr val="accent1"/>
+          </a:fillRef>
+          <a:effectRef idx="2">
+            <a:schemeClr val="accent1"/>
+          </a:effectRef>
+          <a:fontRef idx="minor">
+            <a:schemeClr val="tx1"/>
+          </a:fontRef>
+        </p:style>
+      </p:cxnSp>
+      <p:cxnSp>
+        <p:nvCxnSpPr>
+          <p:cNvPr id="13" name="直線單箭頭接點 12">
+            <a:extLst>
+              <a:ext uri="{FF2B5EF4-FFF2-40B4-BE49-F238E27FC236}">
+                <a16:creationId xmlns:a16="http://schemas.microsoft.com/office/drawing/2014/main" id="{6B20DE57-F6D8-69E0-9A6D-7BCD9D671B96}"/>
+              </a:ext>
+            </a:extLst>
+          </p:cNvPr>
+          <p:cNvCxnSpPr>
+            <a:cxnSpLocks/>
+          </p:cNvCxnSpPr>
+          <p:nvPr/>
+        </p:nvCxnSpPr>
+        <p:spPr>
+          <a:xfrm flipV="1">
+            <a:off x="858982" y="5351789"/>
+            <a:ext cx="1212731" cy="5574"/>
+          </a:xfrm>
+          <a:prstGeom prst="straightConnector1">
+            <a:avLst/>
+          </a:prstGeom>
+          <a:ln w="57150">
+            <a:solidFill>
+              <a:schemeClr val="accent2"/>
+            </a:solidFill>
+            <a:tailEnd type="triangle"/>
+          </a:ln>
+        </p:spPr>
+        <p:style>
+          <a:lnRef idx="3">
+            <a:schemeClr val="accent1"/>
+          </a:lnRef>
+          <a:fillRef idx="0">
+            <a:schemeClr val="accent1"/>
+          </a:fillRef>
+          <a:effectRef idx="2">
+            <a:schemeClr val="accent1"/>
+          </a:effectRef>
+          <a:fontRef idx="minor">
+            <a:schemeClr val="tx1"/>
+          </a:fontRef>
+        </p:style>
+      </p:cxnSp>
+      <p:cxnSp>
+        <p:nvCxnSpPr>
+          <p:cNvPr id="14" name="直線單箭頭接點 13">
+            <a:extLst>
+              <a:ext uri="{FF2B5EF4-FFF2-40B4-BE49-F238E27FC236}">
+                <a16:creationId xmlns:a16="http://schemas.microsoft.com/office/drawing/2014/main" id="{34E391EE-516D-23BD-2619-936BEDDB4C97}"/>
+              </a:ext>
+            </a:extLst>
+          </p:cNvPr>
+          <p:cNvCxnSpPr>
+            <a:cxnSpLocks/>
+          </p:cNvCxnSpPr>
+          <p:nvPr/>
+        </p:nvCxnSpPr>
+        <p:spPr>
+          <a:xfrm flipV="1">
+            <a:off x="860068" y="4525102"/>
+            <a:ext cx="1212731" cy="5574"/>
+          </a:xfrm>
+          <a:prstGeom prst="straightConnector1">
+            <a:avLst/>
+          </a:prstGeom>
+          <a:ln w="57150">
+            <a:solidFill>
+              <a:schemeClr val="accent2"/>
+            </a:solidFill>
+            <a:tailEnd type="triangle"/>
+          </a:ln>
+        </p:spPr>
+        <p:style>
+          <a:lnRef idx="3">
+            <a:schemeClr val="accent1"/>
+          </a:lnRef>
+          <a:fillRef idx="0">
+            <a:schemeClr val="accent1"/>
+          </a:fillRef>
+          <a:effectRef idx="2">
+            <a:schemeClr val="accent1"/>
+          </a:effectRef>
+          <a:fontRef idx="minor">
+            <a:schemeClr val="tx1"/>
+          </a:fontRef>
+        </p:style>
+      </p:cxnSp>
+      <p:cxnSp>
+        <p:nvCxnSpPr>
+          <p:cNvPr id="18" name="直線單箭頭接點 17">
+            <a:extLst>
+              <a:ext uri="{FF2B5EF4-FFF2-40B4-BE49-F238E27FC236}">
+                <a16:creationId xmlns:a16="http://schemas.microsoft.com/office/drawing/2014/main" id="{E95256FA-3726-63FE-E029-EDAE94050455}"/>
+              </a:ext>
+            </a:extLst>
+          </p:cNvPr>
+          <p:cNvCxnSpPr>
+            <a:cxnSpLocks/>
+          </p:cNvCxnSpPr>
+          <p:nvPr/>
+        </p:nvCxnSpPr>
+        <p:spPr>
+          <a:xfrm>
+            <a:off x="10892665" y="3086327"/>
+            <a:ext cx="1166630" cy="4322"/>
+          </a:xfrm>
+          <a:prstGeom prst="straightConnector1">
+            <a:avLst/>
+          </a:prstGeom>
+          <a:ln w="57150">
+            <a:solidFill>
+              <a:schemeClr val="accent2"/>
+            </a:solidFill>
+            <a:tailEnd type="triangle"/>
+          </a:ln>
+        </p:spPr>
+        <p:style>
+          <a:lnRef idx="3">
+            <a:schemeClr val="accent1"/>
+          </a:lnRef>
+          <a:fillRef idx="0">
+            <a:schemeClr val="accent1"/>
+          </a:fillRef>
+          <a:effectRef idx="2">
+            <a:schemeClr val="accent1"/>
+          </a:effectRef>
+          <a:fontRef idx="minor">
+            <a:schemeClr val="tx1"/>
+          </a:fontRef>
+        </p:style>
+      </p:cxnSp>
+      <p:cxnSp>
+        <p:nvCxnSpPr>
+          <p:cNvPr id="19" name="直線單箭頭接點 18">
+            <a:extLst>
+              <a:ext uri="{FF2B5EF4-FFF2-40B4-BE49-F238E27FC236}">
+                <a16:creationId xmlns:a16="http://schemas.microsoft.com/office/drawing/2014/main" id="{618D5A79-47A1-0134-14AE-53D8A0EC2877}"/>
+              </a:ext>
+            </a:extLst>
+          </p:cNvPr>
+          <p:cNvCxnSpPr>
+            <a:cxnSpLocks/>
+          </p:cNvCxnSpPr>
+          <p:nvPr/>
+        </p:nvCxnSpPr>
+        <p:spPr>
+          <a:xfrm flipV="1">
+            <a:off x="167460" y="3029583"/>
+            <a:ext cx="840059" cy="5574"/>
+          </a:xfrm>
+          <a:prstGeom prst="straightConnector1">
+            <a:avLst/>
+          </a:prstGeom>
+          <a:ln w="57150">
+            <a:solidFill>
+              <a:schemeClr val="accent2"/>
+            </a:solidFill>
+            <a:tailEnd type="triangle"/>
+          </a:ln>
+        </p:spPr>
+        <p:style>
+          <a:lnRef idx="3">
+            <a:schemeClr val="accent1"/>
+          </a:lnRef>
+          <a:fillRef idx="0">
+            <a:schemeClr val="accent1"/>
+          </a:fillRef>
+          <a:effectRef idx="2">
+            <a:schemeClr val="accent1"/>
+          </a:effectRef>
+          <a:fontRef idx="minor">
+            <a:schemeClr val="tx1"/>
+          </a:fontRef>
+        </p:style>
+      </p:cxnSp>
+      <p:sp>
+        <p:nvSpPr>
+          <p:cNvPr id="20" name="文字方塊 19">
+            <a:extLst>
+              <a:ext uri="{FF2B5EF4-FFF2-40B4-BE49-F238E27FC236}">
+                <a16:creationId xmlns:a16="http://schemas.microsoft.com/office/drawing/2014/main" id="{E05DB244-57ED-B815-8556-31763CA8902F}"/>
+              </a:ext>
+            </a:extLst>
+          </p:cNvPr>
+          <p:cNvSpPr txBox="1"/>
+          <p:nvPr/>
+        </p:nvSpPr>
+        <p:spPr>
+          <a:xfrm>
+            <a:off x="858487" y="4166259"/>
+            <a:ext cx="1885207" cy="369332"/>
+          </a:xfrm>
+          <a:prstGeom prst="rect">
+            <a:avLst/>
+          </a:prstGeom>
+          <a:noFill/>
+        </p:spPr>
+        <p:txBody>
+          <a:bodyPr rot="0" spcFirstLastPara="0" vertOverflow="overflow" horzOverflow="overflow" vert="horz" wrap="square" lIns="91440" tIns="45720" rIns="91440" bIns="45720" numCol="1" spcCol="0" rtlCol="0" fromWordArt="0" anchor="t" anchorCtr="0" forceAA="0" compatLnSpc="1">
+            <a:prstTxWarp prst="textNoShape">
+              <a:avLst/>
+            </a:prstTxWarp>
+            <a:spAutoFit/>
+          </a:bodyPr>
+          <a:lstStyle/>
+          <a:p>
+            <a:r>
+              <a:rPr lang="zh-TW" altLang="en-US">
+                <a:solidFill>
+                  <a:schemeClr val="bg1"/>
+                </a:solidFill>
+              </a:rPr>
+              <a:t>乾淨音檔</a:t>
+            </a:r>
+          </a:p>
+        </p:txBody>
+      </p:sp>
+      <p:sp>
+        <p:nvSpPr>
+          <p:cNvPr id="21" name="文字方塊 20">
+            <a:extLst>
+              <a:ext uri="{FF2B5EF4-FFF2-40B4-BE49-F238E27FC236}">
+                <a16:creationId xmlns:a16="http://schemas.microsoft.com/office/drawing/2014/main" id="{0CEB30F2-9BBD-CDA0-64EB-0209887D148B}"/>
+              </a:ext>
+            </a:extLst>
+          </p:cNvPr>
+          <p:cNvSpPr txBox="1"/>
+          <p:nvPr/>
+        </p:nvSpPr>
+        <p:spPr>
+          <a:xfrm>
+            <a:off x="856012" y="4950525"/>
+            <a:ext cx="1212272" cy="369332"/>
+          </a:xfrm>
+          <a:prstGeom prst="rect">
+            <a:avLst/>
+          </a:prstGeom>
+          <a:noFill/>
+        </p:spPr>
+        <p:txBody>
+          <a:bodyPr rot="0" spcFirstLastPara="0" vertOverflow="overflow" horzOverflow="overflow" vert="horz" wrap="square" lIns="91440" tIns="45720" rIns="91440" bIns="45720" numCol="1" spcCol="0" rtlCol="0" fromWordArt="0" anchor="t" anchorCtr="0" forceAA="0" compatLnSpc="1">
+            <a:prstTxWarp prst="textNoShape">
+              <a:avLst/>
+            </a:prstTxWarp>
+            <a:spAutoFit/>
+          </a:bodyPr>
+          <a:lstStyle/>
+          <a:p>
+            <a:pPr algn="l"/>
+            <a:r>
+              <a:rPr lang="zh-TW" altLang="en-US">
+                <a:solidFill>
+                  <a:schemeClr val="bg1"/>
+                </a:solidFill>
+              </a:rPr>
+              <a:t>文字</a:t>
+            </a:r>
+          </a:p>
+        </p:txBody>
+      </p:sp>
+      <p:sp>
+        <p:nvSpPr>
+          <p:cNvPr id="22" name="文字方塊 21">
+            <a:extLst>
+              <a:ext uri="{FF2B5EF4-FFF2-40B4-BE49-F238E27FC236}">
+                <a16:creationId xmlns:a16="http://schemas.microsoft.com/office/drawing/2014/main" id="{4BAA8220-F869-1677-F61B-8CF01B54F380}"/>
+              </a:ext>
+            </a:extLst>
+          </p:cNvPr>
+          <p:cNvSpPr txBox="1"/>
+          <p:nvPr/>
+        </p:nvSpPr>
+        <p:spPr>
+          <a:xfrm>
+            <a:off x="11197441" y="2721428"/>
+            <a:ext cx="712519" cy="369332"/>
+          </a:xfrm>
+          <a:prstGeom prst="rect">
+            <a:avLst/>
+          </a:prstGeom>
+          <a:noFill/>
+        </p:spPr>
+        <p:txBody>
+          <a:bodyPr rot="0" spcFirstLastPara="0" vertOverflow="overflow" horzOverflow="overflow" vert="horz" wrap="square" lIns="91440" tIns="45720" rIns="91440" bIns="45720" numCol="1" spcCol="0" rtlCol="0" fromWordArt="0" anchor="t" anchorCtr="0" forceAA="0" compatLnSpc="1">
+            <a:prstTxWarp prst="textNoShape">
+              <a:avLst/>
+            </a:prstTxWarp>
+            <a:spAutoFit/>
+          </a:bodyPr>
+          <a:lstStyle/>
+          <a:p>
+            <a:pPr algn="l"/>
+            <a:r>
+              <a:rPr lang="zh-TW" altLang="en-US">
+                <a:solidFill>
+                  <a:srgbClr val="FFFFFF"/>
+                </a:solidFill>
+              </a:rPr>
+              <a:t>文字</a:t>
+            </a:r>
+          </a:p>
+        </p:txBody>
+      </p:sp>
+      <p:sp>
+        <p:nvSpPr>
+          <p:cNvPr id="25" name="文字方塊 24">
+            <a:extLst>
+              <a:ext uri="{FF2B5EF4-FFF2-40B4-BE49-F238E27FC236}">
+                <a16:creationId xmlns:a16="http://schemas.microsoft.com/office/drawing/2014/main" id="{9E3D7017-E192-4772-7687-E7F115BCF5EA}"/>
+              </a:ext>
+            </a:extLst>
+          </p:cNvPr>
+          <p:cNvSpPr txBox="1"/>
+          <p:nvPr/>
+        </p:nvSpPr>
+        <p:spPr>
+          <a:xfrm>
+            <a:off x="3975759" y="4529940"/>
+            <a:ext cx="1140526" cy="369332"/>
+          </a:xfrm>
+          <a:prstGeom prst="rect">
+            <a:avLst/>
+          </a:prstGeom>
+          <a:noFill/>
+        </p:spPr>
+        <p:txBody>
+          <a:bodyPr rot="0" spcFirstLastPara="0" vertOverflow="overflow" horzOverflow="overflow" vert="horz" wrap="square" lIns="91440" tIns="45720" rIns="91440" bIns="45720" numCol="1" spcCol="0" rtlCol="0" fromWordArt="0" anchor="t" anchorCtr="0" forceAA="0" compatLnSpc="1">
+            <a:prstTxWarp prst="textNoShape">
+              <a:avLst/>
+            </a:prstTxWarp>
+            <a:spAutoFit/>
+          </a:bodyPr>
+          <a:lstStyle/>
+          <a:p>
+            <a:r>
+              <a:rPr lang="zh-TW" altLang="en-US">
+                <a:solidFill>
+                  <a:schemeClr val="bg1"/>
+                </a:solidFill>
+              </a:rPr>
+              <a:t>語音特徵</a:t>
+            </a:r>
+          </a:p>
+        </p:txBody>
+      </p:sp>
+      <p:sp>
+        <p:nvSpPr>
+          <p:cNvPr id="26" name="文字方塊 25">
+            <a:extLst>
+              <a:ext uri="{FF2B5EF4-FFF2-40B4-BE49-F238E27FC236}">
+                <a16:creationId xmlns:a16="http://schemas.microsoft.com/office/drawing/2014/main" id="{528E8303-CB80-DFBA-9653-205AD98358D5}"/>
+              </a:ext>
+            </a:extLst>
+          </p:cNvPr>
+          <p:cNvSpPr txBox="1"/>
+          <p:nvPr/>
+        </p:nvSpPr>
+        <p:spPr>
+          <a:xfrm>
+            <a:off x="5153396" y="2632363"/>
+            <a:ext cx="1145474" cy="369332"/>
+          </a:xfrm>
+          <a:prstGeom prst="rect">
+            <a:avLst/>
+          </a:prstGeom>
+          <a:noFill/>
+        </p:spPr>
+        <p:txBody>
+          <a:bodyPr rot="0" spcFirstLastPara="0" vertOverflow="overflow" horzOverflow="overflow" vert="horz" wrap="square" lIns="91440" tIns="45720" rIns="91440" bIns="45720" numCol="1" spcCol="0" rtlCol="0" fromWordArt="0" anchor="t" anchorCtr="0" forceAA="0" compatLnSpc="1">
+            <a:prstTxWarp prst="textNoShape">
+              <a:avLst/>
+            </a:prstTxWarp>
+            <a:spAutoFit/>
+          </a:bodyPr>
+          <a:lstStyle/>
+          <a:p>
+            <a:r>
+              <a:rPr lang="zh-TW" altLang="en-US">
+                <a:solidFill>
+                  <a:schemeClr val="bg1"/>
+                </a:solidFill>
+              </a:rPr>
+              <a:t>乾淨聲音</a:t>
+            </a:r>
+          </a:p>
+        </p:txBody>
+      </p:sp>
+      <p:sp>
+        <p:nvSpPr>
+          <p:cNvPr id="15" name="文字方塊 14">
+            <a:extLst>
+              <a:ext uri="{FF2B5EF4-FFF2-40B4-BE49-F238E27FC236}">
+                <a16:creationId xmlns:a16="http://schemas.microsoft.com/office/drawing/2014/main" id="{89F47D15-215F-12E1-0A2C-1CAB38B10474}"/>
+              </a:ext>
+            </a:extLst>
+          </p:cNvPr>
+          <p:cNvSpPr txBox="1"/>
+          <p:nvPr/>
+        </p:nvSpPr>
+        <p:spPr>
+          <a:xfrm>
+            <a:off x="6464630" y="6095998"/>
+            <a:ext cx="5593771" cy="646331"/>
+          </a:xfrm>
+          <a:prstGeom prst="rect">
+            <a:avLst/>
+          </a:prstGeom>
+          <a:noFill/>
+        </p:spPr>
+        <p:txBody>
+          <a:bodyPr rot="0" spcFirstLastPara="0" vertOverflow="overflow" horzOverflow="overflow" vert="horz" wrap="square" lIns="91440" tIns="45720" rIns="91440" bIns="45720" numCol="1" spcCol="0" rtlCol="0" fromWordArt="0" anchor="t" anchorCtr="0" forceAA="0" compatLnSpc="1">
+            <a:prstTxWarp prst="textNoShape">
+              <a:avLst/>
+            </a:prstTxWarp>
+            <a:spAutoFit/>
+          </a:bodyPr>
+          <a:lstStyle/>
+          <a:p>
+            <a:pPr marL="285750" indent="-285750">
+              <a:buFont typeface="Arial"/>
+              <a:buChar char="•"/>
+            </a:pPr>
+            <a:r>
+              <a:rPr lang="zh-TW" altLang="en-US">
+                <a:solidFill>
+                  <a:schemeClr val="bg1"/>
+                </a:solidFill>
+              </a:rPr>
+              <a:t>HuBERT 訓練時，需要文字轉換的 id當作 label</a:t>
+            </a:r>
+          </a:p>
+          <a:p>
+            <a:pPr marL="285750" indent="-285750">
+              <a:buFont typeface="Arial"/>
+              <a:buChar char="•"/>
+            </a:pPr>
+            <a:r>
+              <a:rPr lang="zh-TW">
+                <a:solidFill>
+                  <a:schemeClr val="bg1"/>
+                </a:solidFill>
+                <a:latin typeface="Microsoft JhengHei"/>
+                <a:ea typeface="Microsoft JhengHei"/>
+              </a:rPr>
+              <a:t>Scoring </a:t>
+            </a:r>
+            <a:r>
+              <a:rPr lang="en-US" altLang="zh-TW">
+                <a:solidFill>
+                  <a:schemeClr val="bg1"/>
+                </a:solidFill>
+                <a:latin typeface="Microsoft JhengHei"/>
+                <a:ea typeface="Microsoft JhengHei"/>
+              </a:rPr>
+              <a:t>M</a:t>
+            </a:r>
+            <a:r>
+              <a:rPr lang="zh-TW">
+                <a:solidFill>
+                  <a:schemeClr val="bg1"/>
+                </a:solidFill>
+                <a:latin typeface="Microsoft JhengHei"/>
+                <a:ea typeface="Microsoft JhengHei"/>
+              </a:rPr>
+              <a:t>odule訓練時，需要人為給分的 label</a:t>
+            </a:r>
+            <a:endParaRPr lang="zh-TW" altLang="en-US">
+              <a:solidFill>
+                <a:schemeClr val="bg1"/>
+              </a:solidFill>
+            </a:endParaRPr>
+          </a:p>
+        </p:txBody>
+      </p:sp>
+    </p:spTree>
+    <p:extLst>
+      <p:ext uri="{BB962C8B-B14F-4D97-AF65-F5344CB8AC3E}">
+        <p14:creationId xmlns:p14="http://schemas.microsoft.com/office/powerpoint/2010/main" val="2196033760"/>
       </p:ext>
     </p:extLst>
   </p:cSld>
@@ -5002,6 +10373,2367 @@
     <p:extLst>
       <p:ext uri="{BB962C8B-B14F-4D97-AF65-F5344CB8AC3E}">
         <p14:creationId xmlns:p14="http://schemas.microsoft.com/office/powerpoint/2010/main" val="2514095952"/>
+      </p:ext>
+    </p:extLst>
+  </p:cSld>
+  <p:clrMapOvr>
+    <a:masterClrMapping/>
+  </p:clrMapOvr>
+  <mc:AlternateContent xmlns:mc="http://schemas.openxmlformats.org/markup-compatibility/2006" xmlns:p159="http://schemas.microsoft.com/office/powerpoint/2015/09/main">
+    <mc:Choice Requires="p159">
+      <p:transition xmlns:p14="http://schemas.microsoft.com/office/powerpoint/2010/main" spd="slow" p14:dur="2000">
+        <p159:morph option="byObject"/>
+      </p:transition>
+    </mc:Choice>
+    <mc:Fallback xmlns="">
+      <p:transition spd="slow">
+        <p:fade/>
+      </p:transition>
+    </mc:Fallback>
+  </mc:AlternateContent>
+</p:sld>
+</file>
+
+<file path=ppt/slides/slide20.xml><?xml version="1.0" encoding="utf-8"?>
+<p:sld xmlns:a="http://schemas.openxmlformats.org/drawingml/2006/main" xmlns:r="http://schemas.openxmlformats.org/officeDocument/2006/relationships" xmlns:p="http://schemas.openxmlformats.org/presentationml/2006/main">
+  <p:cSld>
+    <p:bg>
+      <p:bgPr>
+        <a:solidFill>
+          <a:schemeClr val="bg1"/>
+        </a:solidFill>
+        <a:effectLst/>
+      </p:bgPr>
+    </p:bg>
+    <p:spTree>
+      <p:nvGrpSpPr>
+        <p:cNvPr id="1" name=""/>
+        <p:cNvGrpSpPr/>
+        <p:nvPr/>
+      </p:nvGrpSpPr>
+      <p:grpSpPr>
+        <a:xfrm>
+          <a:off x="0" y="0"/>
+          <a:ext cx="0" cy="0"/>
+          <a:chOff x="0" y="0"/>
+          <a:chExt cx="0" cy="0"/>
+        </a:xfrm>
+      </p:grpSpPr>
+      <p:sp>
+        <p:nvSpPr>
+          <p:cNvPr id="38" name="Rectangle 37">
+            <a:extLst>
+              <a:ext uri="{FF2B5EF4-FFF2-40B4-BE49-F238E27FC236}">
+                <a16:creationId xmlns:a16="http://schemas.microsoft.com/office/drawing/2014/main" id="{A7AE9375-4664-4DB2-922D-2782A6E439AC}"/>
+              </a:ext>
+              <a:ext uri="{C183D7F6-B498-43B3-948B-1728B52AA6E4}">
+                <adec:decorative xmlns:adec="http://schemas.microsoft.com/office/drawing/2017/decorative" val="1"/>
+              </a:ext>
+            </a:extLst>
+          </p:cNvPr>
+          <p:cNvSpPr>
+            <a:spLocks noGrp="1" noRot="1" noChangeAspect="1" noMove="1" noResize="1" noEditPoints="1" noAdjustHandles="1" noChangeArrowheads="1" noChangeShapeType="1" noTextEdit="1"/>
+          </p:cNvSpPr>
+          <p:nvPr>
+            <p:extLst>
+              <p:ext uri="{386F3935-93C4-4BCD-93E2-E3B085C9AB24}">
+                <p16:designElem xmlns:p16="http://schemas.microsoft.com/office/powerpoint/2015/main" val="1"/>
+              </p:ext>
+            </p:extLst>
+          </p:nvPr>
+        </p:nvSpPr>
+        <p:spPr>
+          <a:xfrm>
+            <a:off x="0" y="0"/>
+            <a:ext cx="12192000" cy="6858000"/>
+          </a:xfrm>
+          <a:prstGeom prst="rect">
+            <a:avLst/>
+          </a:prstGeom>
+          <a:solidFill>
+            <a:schemeClr val="tx1">
+              <a:lumMod val="95000"/>
+              <a:lumOff val="5000"/>
+            </a:schemeClr>
+          </a:solidFill>
+          <a:ln>
+            <a:noFill/>
+          </a:ln>
+        </p:spPr>
+        <p:style>
+          <a:lnRef idx="2">
+            <a:schemeClr val="accent1">
+              <a:shade val="50000"/>
+            </a:schemeClr>
+          </a:lnRef>
+          <a:fillRef idx="1">
+            <a:schemeClr val="accent1"/>
+          </a:fillRef>
+          <a:effectRef idx="0">
+            <a:schemeClr val="accent1"/>
+          </a:effectRef>
+          <a:fontRef idx="minor">
+            <a:schemeClr val="lt1"/>
+          </a:fontRef>
+        </p:style>
+        <p:txBody>
+          <a:bodyPr rtlCol="0" anchor="ctr"/>
+          <a:lstStyle/>
+          <a:p>
+            <a:pPr marL="0" marR="0" lvl="0" indent="0" algn="ctr" defTabSz="914400" rtl="0" eaLnBrk="1" fontAlgn="auto" latinLnBrk="0" hangingPunct="1">
+              <a:lnSpc>
+                <a:spcPct val="100000"/>
+              </a:lnSpc>
+              <a:spcBef>
+                <a:spcPts val="0"/>
+              </a:spcBef>
+              <a:spcAft>
+                <a:spcPts val="0"/>
+              </a:spcAft>
+              <a:buClrTx/>
+              <a:buSzTx/>
+              <a:buFontTx/>
+              <a:buNone/>
+              <a:tabLst/>
+              <a:defRPr/>
+            </a:pPr>
+            <a:endParaRPr kumimoji="0" lang="en-US" sz="1800" b="0" i="0" u="none" strike="noStrike" kern="1200" cap="none" spc="0" normalizeH="0" baseline="0" noProof="0">
+              <a:ln>
+                <a:noFill/>
+              </a:ln>
+              <a:solidFill>
+                <a:prstClr val="black"/>
+              </a:solidFill>
+              <a:effectLst/>
+              <a:uLnTx/>
+              <a:uFillTx/>
+              <a:latin typeface="微軟正黑體"/>
+              <a:ea typeface="微軟正黑體"/>
+              <a:cs typeface="+mn-cs"/>
+            </a:endParaRPr>
+          </a:p>
+        </p:txBody>
+      </p:sp>
+      <p:sp>
+        <p:nvSpPr>
+          <p:cNvPr id="2" name="標題 1">
+            <a:extLst>
+              <a:ext uri="{FF2B5EF4-FFF2-40B4-BE49-F238E27FC236}">
+                <a16:creationId xmlns:a16="http://schemas.microsoft.com/office/drawing/2014/main" id="{4185B2FE-C0DB-3425-291A-B785A4DA51C5}"/>
+              </a:ext>
+            </a:extLst>
+          </p:cNvPr>
+          <p:cNvSpPr>
+            <a:spLocks noGrp="1"/>
+          </p:cNvSpPr>
+          <p:nvPr>
+            <p:ph type="title"/>
+          </p:nvPr>
+        </p:nvSpPr>
+        <p:spPr>
+          <a:xfrm>
+            <a:off x="1392667" y="594294"/>
+            <a:ext cx="4508946" cy="1325563"/>
+          </a:xfrm>
+        </p:spPr>
+        <p:txBody>
+          <a:bodyPr anchor="b">
+            <a:normAutofit/>
+          </a:bodyPr>
+          <a:lstStyle/>
+          <a:p>
+            <a:r>
+              <a:rPr lang="zh-TW" altLang="en-US">
+                <a:solidFill>
+                  <a:schemeClr val="bg1"/>
+                </a:solidFill>
+              </a:rPr>
+              <a:t>甘特圖</a:t>
+            </a:r>
+          </a:p>
+        </p:txBody>
+      </p:sp>
+      <p:cxnSp>
+        <p:nvCxnSpPr>
+          <p:cNvPr id="40" name="Straight Connector 39">
+            <a:extLst>
+              <a:ext uri="{FF2B5EF4-FFF2-40B4-BE49-F238E27FC236}">
+                <a16:creationId xmlns:a16="http://schemas.microsoft.com/office/drawing/2014/main" id="{EE504C98-6397-41C1-A8D8-2D9C4ED307E0}"/>
+              </a:ext>
+              <a:ext uri="{C183D7F6-B498-43B3-948B-1728B52AA6E4}">
+                <adec:decorative xmlns:adec="http://schemas.microsoft.com/office/drawing/2017/decorative" val="1"/>
+              </a:ext>
+            </a:extLst>
+          </p:cNvPr>
+          <p:cNvCxnSpPr>
+            <a:cxnSpLocks noGrp="1" noRot="1" noChangeAspect="1" noMove="1" noResize="1" noEditPoints="1" noAdjustHandles="1" noChangeArrowheads="1" noChangeShapeType="1"/>
+          </p:cNvCxnSpPr>
+          <p:nvPr>
+            <p:extLst>
+              <p:ext uri="{386F3935-93C4-4BCD-93E2-E3B085C9AB24}">
+                <p16:designElem xmlns:p16="http://schemas.microsoft.com/office/powerpoint/2015/main" val="1"/>
+              </p:ext>
+            </p:extLst>
+          </p:nvPr>
+        </p:nvCxnSpPr>
+        <p:spPr>
+          <a:xfrm flipH="1">
+            <a:off x="126210" y="2026340"/>
+            <a:ext cx="5220936" cy="0"/>
+          </a:xfrm>
+          <a:prstGeom prst="line">
+            <a:avLst/>
+          </a:prstGeom>
+          <a:ln w="12700">
+            <a:solidFill>
+              <a:schemeClr val="accent2"/>
+            </a:solidFill>
+          </a:ln>
+        </p:spPr>
+        <p:style>
+          <a:lnRef idx="1">
+            <a:schemeClr val="accent1"/>
+          </a:lnRef>
+          <a:fillRef idx="0">
+            <a:schemeClr val="accent1"/>
+          </a:fillRef>
+          <a:effectRef idx="0">
+            <a:schemeClr val="accent1"/>
+          </a:effectRef>
+          <a:fontRef idx="minor">
+            <a:schemeClr val="tx1"/>
+          </a:fontRef>
+        </p:style>
+      </p:cxnSp>
+      <p:sp>
+        <p:nvSpPr>
+          <p:cNvPr id="42" name="Rectangle 41">
+            <a:extLst>
+              <a:ext uri="{FF2B5EF4-FFF2-40B4-BE49-F238E27FC236}">
+                <a16:creationId xmlns:a16="http://schemas.microsoft.com/office/drawing/2014/main" id="{9DD005C1-8C51-42D6-9BEE-B9B83849743D}"/>
+              </a:ext>
+              <a:ext uri="{C183D7F6-B498-43B3-948B-1728B52AA6E4}">
+                <adec:decorative xmlns:adec="http://schemas.microsoft.com/office/drawing/2017/decorative" val="1"/>
+              </a:ext>
+            </a:extLst>
+          </p:cNvPr>
+          <p:cNvSpPr>
+            <a:spLocks noGrp="1" noRot="1" noChangeAspect="1" noMove="1" noResize="1" noEditPoints="1" noAdjustHandles="1" noChangeArrowheads="1" noChangeShapeType="1" noTextEdit="1"/>
+          </p:cNvSpPr>
+          <p:nvPr>
+            <p:extLst>
+              <p:ext uri="{386F3935-93C4-4BCD-93E2-E3B085C9AB24}">
+                <p16:designElem xmlns:p16="http://schemas.microsoft.com/office/powerpoint/2015/main" val="1"/>
+              </p:ext>
+            </p:extLst>
+          </p:nvPr>
+        </p:nvSpPr>
+        <p:spPr>
+          <a:xfrm>
+            <a:off x="126206" y="115193"/>
+            <a:ext cx="11939588" cy="6627614"/>
+          </a:xfrm>
+          <a:prstGeom prst="rect">
+            <a:avLst/>
+          </a:prstGeom>
+          <a:noFill/>
+          <a:ln w="12700">
+            <a:solidFill>
+              <a:schemeClr val="accent2"/>
+            </a:solidFill>
+          </a:ln>
+        </p:spPr>
+        <p:style>
+          <a:lnRef idx="2">
+            <a:schemeClr val="accent1">
+              <a:shade val="50000"/>
+            </a:schemeClr>
+          </a:lnRef>
+          <a:fillRef idx="1">
+            <a:schemeClr val="accent1"/>
+          </a:fillRef>
+          <a:effectRef idx="0">
+            <a:schemeClr val="accent1"/>
+          </a:effectRef>
+          <a:fontRef idx="minor">
+            <a:schemeClr val="lt1"/>
+          </a:fontRef>
+        </p:style>
+        <p:txBody>
+          <a:bodyPr rtlCol="0" anchor="ctr"/>
+          <a:lstStyle/>
+          <a:p>
+            <a:pPr marL="0" marR="0" lvl="0" indent="0" algn="ctr" defTabSz="914400" rtl="0" eaLnBrk="1" fontAlgn="auto" latinLnBrk="0" hangingPunct="1">
+              <a:lnSpc>
+                <a:spcPct val="100000"/>
+              </a:lnSpc>
+              <a:spcBef>
+                <a:spcPts val="0"/>
+              </a:spcBef>
+              <a:spcAft>
+                <a:spcPts val="0"/>
+              </a:spcAft>
+              <a:buClrTx/>
+              <a:buSzTx/>
+              <a:buFontTx/>
+              <a:buNone/>
+              <a:tabLst/>
+              <a:defRPr/>
+            </a:pPr>
+            <a:endParaRPr kumimoji="0" lang="en-US" sz="1800" b="0" i="0" u="none" strike="noStrike" kern="1200" cap="none" spc="0" normalizeH="0" baseline="0" noProof="0">
+              <a:ln>
+                <a:noFill/>
+              </a:ln>
+              <a:solidFill>
+                <a:prstClr val="white"/>
+              </a:solidFill>
+              <a:effectLst/>
+              <a:uLnTx/>
+              <a:uFillTx/>
+              <a:latin typeface="微軟正黑體"/>
+              <a:ea typeface="微軟正黑體"/>
+              <a:cs typeface="+mn-cs"/>
+            </a:endParaRPr>
+          </a:p>
+        </p:txBody>
+      </p:sp>
+      <p:pic>
+        <p:nvPicPr>
+          <p:cNvPr id="6" name="內容版面配置區 5" descr="一張含有 文字, 螢幕擷取畫面, 字型, 數字 的圖片&#10;&#10;自動產生的描述">
+            <a:extLst>
+              <a:ext uri="{FF2B5EF4-FFF2-40B4-BE49-F238E27FC236}">
+                <a16:creationId xmlns:a16="http://schemas.microsoft.com/office/drawing/2014/main" id="{1125F1B5-9C9A-7776-B8DF-12AF481E9BC6}"/>
+              </a:ext>
+            </a:extLst>
+          </p:cNvPr>
+          <p:cNvPicPr>
+            <a:picLocks noGrp="1" noChangeAspect="1"/>
+          </p:cNvPicPr>
+          <p:nvPr>
+            <p:ph idx="1"/>
+          </p:nvPr>
+        </p:nvPicPr>
+        <p:blipFill>
+          <a:blip r:embed="rId2"/>
+          <a:stretch>
+            <a:fillRect/>
+          </a:stretch>
+        </p:blipFill>
+        <p:spPr>
+          <a:xfrm>
+            <a:off x="1391920" y="2029173"/>
+            <a:ext cx="10678160" cy="4716402"/>
+          </a:xfrm>
+        </p:spPr>
+      </p:pic>
+    </p:spTree>
+    <p:extLst>
+      <p:ext uri="{BB962C8B-B14F-4D97-AF65-F5344CB8AC3E}">
+        <p14:creationId xmlns:p14="http://schemas.microsoft.com/office/powerpoint/2010/main" val="4239750632"/>
+      </p:ext>
+    </p:extLst>
+  </p:cSld>
+  <p:clrMapOvr>
+    <a:masterClrMapping/>
+  </p:clrMapOvr>
+  <mc:AlternateContent xmlns:mc="http://schemas.openxmlformats.org/markup-compatibility/2006" xmlns:p159="http://schemas.microsoft.com/office/powerpoint/2015/09/main">
+    <mc:Choice Requires="p159">
+      <p:transition xmlns:p14="http://schemas.microsoft.com/office/powerpoint/2010/main" spd="slow" p14:dur="2000">
+        <p159:morph option="byObject"/>
+      </p:transition>
+    </mc:Choice>
+    <mc:Fallback xmlns="">
+      <p:transition spd="slow">
+        <p:fade/>
+      </p:transition>
+    </mc:Fallback>
+  </mc:AlternateContent>
+</p:sld>
+</file>
+
+<file path=ppt/slides/slide21.xml><?xml version="1.0" encoding="utf-8"?>
+<p:sld xmlns:a="http://schemas.openxmlformats.org/drawingml/2006/main" xmlns:r="http://schemas.openxmlformats.org/officeDocument/2006/relationships" xmlns:p="http://schemas.openxmlformats.org/presentationml/2006/main">
+  <p:cSld>
+    <p:bg>
+      <p:bgPr>
+        <a:solidFill>
+          <a:schemeClr val="bg1"/>
+        </a:solidFill>
+        <a:effectLst/>
+      </p:bgPr>
+    </p:bg>
+    <p:spTree>
+      <p:nvGrpSpPr>
+        <p:cNvPr id="1" name=""/>
+        <p:cNvGrpSpPr/>
+        <p:nvPr/>
+      </p:nvGrpSpPr>
+      <p:grpSpPr>
+        <a:xfrm>
+          <a:off x="0" y="0"/>
+          <a:ext cx="0" cy="0"/>
+          <a:chOff x="0" y="0"/>
+          <a:chExt cx="0" cy="0"/>
+        </a:xfrm>
+      </p:grpSpPr>
+      <p:sp>
+        <p:nvSpPr>
+          <p:cNvPr id="38" name="Rectangle 37">
+            <a:extLst>
+              <a:ext uri="{FF2B5EF4-FFF2-40B4-BE49-F238E27FC236}">
+                <a16:creationId xmlns:a16="http://schemas.microsoft.com/office/drawing/2014/main" id="{A7AE9375-4664-4DB2-922D-2782A6E439AC}"/>
+              </a:ext>
+              <a:ext uri="{C183D7F6-B498-43B3-948B-1728B52AA6E4}">
+                <adec:decorative xmlns:adec="http://schemas.microsoft.com/office/drawing/2017/decorative" val="1"/>
+              </a:ext>
+            </a:extLst>
+          </p:cNvPr>
+          <p:cNvSpPr>
+            <a:spLocks noGrp="1" noRot="1" noChangeAspect="1" noMove="1" noResize="1" noEditPoints="1" noAdjustHandles="1" noChangeArrowheads="1" noChangeShapeType="1" noTextEdit="1"/>
+          </p:cNvSpPr>
+          <p:nvPr>
+            <p:extLst>
+              <p:ext uri="{386F3935-93C4-4BCD-93E2-E3B085C9AB24}">
+                <p16:designElem xmlns:p16="http://schemas.microsoft.com/office/powerpoint/2015/main" val="1"/>
+              </p:ext>
+            </p:extLst>
+          </p:nvPr>
+        </p:nvSpPr>
+        <p:spPr>
+          <a:xfrm>
+            <a:off x="0" y="0"/>
+            <a:ext cx="12192000" cy="6858000"/>
+          </a:xfrm>
+          <a:prstGeom prst="rect">
+            <a:avLst/>
+          </a:prstGeom>
+          <a:solidFill>
+            <a:schemeClr val="tx1">
+              <a:lumMod val="95000"/>
+              <a:lumOff val="5000"/>
+            </a:schemeClr>
+          </a:solidFill>
+          <a:ln>
+            <a:noFill/>
+          </a:ln>
+        </p:spPr>
+        <p:style>
+          <a:lnRef idx="2">
+            <a:schemeClr val="accent1">
+              <a:shade val="50000"/>
+            </a:schemeClr>
+          </a:lnRef>
+          <a:fillRef idx="1">
+            <a:schemeClr val="accent1"/>
+          </a:fillRef>
+          <a:effectRef idx="0">
+            <a:schemeClr val="accent1"/>
+          </a:effectRef>
+          <a:fontRef idx="minor">
+            <a:schemeClr val="lt1"/>
+          </a:fontRef>
+        </p:style>
+        <p:txBody>
+          <a:bodyPr rtlCol="0" anchor="ctr"/>
+          <a:lstStyle/>
+          <a:p>
+            <a:pPr marL="0" marR="0" lvl="0" indent="0" algn="ctr" defTabSz="914400" rtl="0" eaLnBrk="1" fontAlgn="auto" latinLnBrk="0" hangingPunct="1">
+              <a:lnSpc>
+                <a:spcPct val="100000"/>
+              </a:lnSpc>
+              <a:spcBef>
+                <a:spcPts val="0"/>
+              </a:spcBef>
+              <a:spcAft>
+                <a:spcPts val="0"/>
+              </a:spcAft>
+              <a:buClrTx/>
+              <a:buSzTx/>
+              <a:buFontTx/>
+              <a:buNone/>
+              <a:tabLst/>
+              <a:defRPr/>
+            </a:pPr>
+            <a:endParaRPr kumimoji="0" lang="en-US" sz="1800" b="0" i="0" u="none" strike="noStrike" kern="1200" cap="none" spc="0" normalizeH="0" baseline="0" noProof="0">
+              <a:ln>
+                <a:noFill/>
+              </a:ln>
+              <a:solidFill>
+                <a:prstClr val="black"/>
+              </a:solidFill>
+              <a:effectLst/>
+              <a:uLnTx/>
+              <a:uFillTx/>
+              <a:latin typeface="微軟正黑體"/>
+              <a:ea typeface="微軟正黑體"/>
+              <a:cs typeface="+mn-cs"/>
+            </a:endParaRPr>
+          </a:p>
+        </p:txBody>
+      </p:sp>
+      <p:sp>
+        <p:nvSpPr>
+          <p:cNvPr id="2" name="標題 1">
+            <a:extLst>
+              <a:ext uri="{FF2B5EF4-FFF2-40B4-BE49-F238E27FC236}">
+                <a16:creationId xmlns:a16="http://schemas.microsoft.com/office/drawing/2014/main" id="{4185B2FE-C0DB-3425-291A-B785A4DA51C5}"/>
+              </a:ext>
+            </a:extLst>
+          </p:cNvPr>
+          <p:cNvSpPr>
+            <a:spLocks noGrp="1"/>
+          </p:cNvSpPr>
+          <p:nvPr>
+            <p:ph type="title"/>
+          </p:nvPr>
+        </p:nvSpPr>
+        <p:spPr>
+          <a:xfrm>
+            <a:off x="1392667" y="594294"/>
+            <a:ext cx="4508946" cy="1325563"/>
+          </a:xfrm>
+        </p:spPr>
+        <p:txBody>
+          <a:bodyPr anchor="b">
+            <a:normAutofit/>
+          </a:bodyPr>
+          <a:lstStyle/>
+          <a:p>
+            <a:r>
+              <a:rPr lang="zh-TW" altLang="en-US">
+                <a:solidFill>
+                  <a:schemeClr val="bg1"/>
+                </a:solidFill>
+              </a:rPr>
+              <a:t>2/24-AI組-進度</a:t>
+            </a:r>
+            <a:endParaRPr lang="zh-TW" sz="2400">
+              <a:solidFill>
+                <a:schemeClr val="bg1"/>
+              </a:solidFill>
+              <a:latin typeface="Microsoft JhengHei"/>
+              <a:ea typeface="Microsoft JhengHei"/>
+            </a:endParaRPr>
+          </a:p>
+        </p:txBody>
+      </p:sp>
+      <p:cxnSp>
+        <p:nvCxnSpPr>
+          <p:cNvPr id="40" name="Straight Connector 39">
+            <a:extLst>
+              <a:ext uri="{FF2B5EF4-FFF2-40B4-BE49-F238E27FC236}">
+                <a16:creationId xmlns:a16="http://schemas.microsoft.com/office/drawing/2014/main" id="{EE504C98-6397-41C1-A8D8-2D9C4ED307E0}"/>
+              </a:ext>
+              <a:ext uri="{C183D7F6-B498-43B3-948B-1728B52AA6E4}">
+                <adec:decorative xmlns:adec="http://schemas.microsoft.com/office/drawing/2017/decorative" val="1"/>
+              </a:ext>
+            </a:extLst>
+          </p:cNvPr>
+          <p:cNvCxnSpPr>
+            <a:cxnSpLocks noGrp="1" noRot="1" noChangeAspect="1" noMove="1" noResize="1" noEditPoints="1" noAdjustHandles="1" noChangeArrowheads="1" noChangeShapeType="1"/>
+          </p:cNvCxnSpPr>
+          <p:nvPr>
+            <p:extLst>
+              <p:ext uri="{386F3935-93C4-4BCD-93E2-E3B085C9AB24}">
+                <p16:designElem xmlns:p16="http://schemas.microsoft.com/office/powerpoint/2015/main" val="1"/>
+              </p:ext>
+            </p:extLst>
+          </p:nvPr>
+        </p:nvCxnSpPr>
+        <p:spPr>
+          <a:xfrm flipH="1">
+            <a:off x="126210" y="2026340"/>
+            <a:ext cx="5220936" cy="0"/>
+          </a:xfrm>
+          <a:prstGeom prst="line">
+            <a:avLst/>
+          </a:prstGeom>
+          <a:ln w="12700">
+            <a:solidFill>
+              <a:schemeClr val="accent2"/>
+            </a:solidFill>
+          </a:ln>
+        </p:spPr>
+        <p:style>
+          <a:lnRef idx="1">
+            <a:schemeClr val="accent1"/>
+          </a:lnRef>
+          <a:fillRef idx="0">
+            <a:schemeClr val="accent1"/>
+          </a:fillRef>
+          <a:effectRef idx="0">
+            <a:schemeClr val="accent1"/>
+          </a:effectRef>
+          <a:fontRef idx="minor">
+            <a:schemeClr val="tx1"/>
+          </a:fontRef>
+        </p:style>
+      </p:cxnSp>
+      <p:sp>
+        <p:nvSpPr>
+          <p:cNvPr id="3" name="內容版面配置區 2">
+            <a:extLst>
+              <a:ext uri="{FF2B5EF4-FFF2-40B4-BE49-F238E27FC236}">
+                <a16:creationId xmlns:a16="http://schemas.microsoft.com/office/drawing/2014/main" id="{E94730DB-35A7-9DE6-D4E2-BE946897AB02}"/>
+              </a:ext>
+            </a:extLst>
+          </p:cNvPr>
+          <p:cNvSpPr>
+            <a:spLocks noGrp="1"/>
+          </p:cNvSpPr>
+          <p:nvPr>
+            <p:ph idx="1"/>
+          </p:nvPr>
+        </p:nvSpPr>
+        <p:spPr>
+          <a:xfrm>
+            <a:off x="1392667" y="2398957"/>
+            <a:ext cx="9722351" cy="3526144"/>
+          </a:xfrm>
+        </p:spPr>
+        <p:txBody>
+          <a:bodyPr vert="horz" lIns="91440" tIns="45720" rIns="91440" bIns="45720" rtlCol="0" anchor="t">
+            <a:normAutofit/>
+          </a:bodyPr>
+          <a:lstStyle/>
+          <a:p>
+            <a:pPr>
+              <a:buNone/>
+            </a:pPr>
+            <a:r>
+              <a:rPr lang="zh-TW" altLang="en-US" sz="2000">
+                <a:solidFill>
+                  <a:schemeClr val="bg1"/>
+                </a:solidFill>
+                <a:latin typeface="Microsoft JhengHei"/>
+                <a:ea typeface="Microsoft JhengHei"/>
+              </a:rPr>
+              <a:t>目前</a:t>
+            </a:r>
+            <a:r>
+              <a:rPr lang="zh-TW" sz="2000">
+                <a:solidFill>
+                  <a:schemeClr val="bg1"/>
+                </a:solidFill>
+                <a:latin typeface="Microsoft JhengHei"/>
+                <a:ea typeface="Microsoft JhengHei"/>
+              </a:rPr>
+              <a:t>進度:</a:t>
+            </a:r>
+            <a:endParaRPr lang="zh-TW">
+              <a:solidFill>
+                <a:schemeClr val="bg1"/>
+              </a:solidFill>
+            </a:endParaRPr>
+          </a:p>
+          <a:p>
+            <a:pPr marL="0" indent="0">
+              <a:buNone/>
+            </a:pPr>
+            <a:r>
+              <a:rPr lang="zh-TW" altLang="en-US" sz="2000">
+                <a:solidFill>
+                  <a:schemeClr val="bg1"/>
+                </a:solidFill>
+              </a:rPr>
+              <a:t>尋找額外的自監督模型(wav2vec 2)當作特徵提取的工具作為備案</a:t>
+            </a:r>
+            <a:endParaRPr lang="en-US" altLang="zh-TW">
+              <a:solidFill>
+                <a:schemeClr val="bg1"/>
+              </a:solidFill>
+            </a:endParaRPr>
+          </a:p>
+          <a:p>
+            <a:pPr marL="0" indent="0">
+              <a:buNone/>
+            </a:pPr>
+            <a:r>
+              <a:rPr lang="zh-TW" altLang="en-US" sz="2000">
+                <a:solidFill>
+                  <a:schemeClr val="bg1"/>
+                </a:solidFill>
+              </a:rPr>
+              <a:t>正在研究:</a:t>
+            </a:r>
+          </a:p>
+          <a:p>
+            <a:pPr marL="0" indent="0">
+              <a:buNone/>
+            </a:pPr>
+            <a:r>
+              <a:rPr lang="zh-TW" altLang="en-US" sz="2000">
+                <a:solidFill>
+                  <a:schemeClr val="bg1"/>
+                </a:solidFill>
+              </a:rPr>
+              <a:t>比vosk更好的語音辨識模型</a:t>
+            </a:r>
+            <a:endParaRPr lang="zh-TW" altLang="en-US" sz="2000" dirty="0">
+              <a:solidFill>
+                <a:schemeClr val="bg1"/>
+              </a:solidFill>
+            </a:endParaRPr>
+          </a:p>
+          <a:p>
+            <a:pPr marL="0" indent="0">
+              <a:buNone/>
+            </a:pPr>
+            <a:r>
+              <a:rPr lang="zh-CN" altLang="en-US" sz="2000">
+                <a:solidFill>
+                  <a:schemeClr val="bg1"/>
+                </a:solidFill>
+              </a:rPr>
+              <a:t>研究評分模型建立的方法</a:t>
+            </a:r>
+          </a:p>
+          <a:p>
+            <a:pPr marL="0" indent="0">
+              <a:buNone/>
+            </a:pPr>
+            <a:r>
+              <a:rPr lang="zh-TW" altLang="en-US" sz="2000">
+                <a:solidFill>
+                  <a:schemeClr val="bg1"/>
+                </a:solidFill>
+              </a:rPr>
+              <a:t>未來想法:</a:t>
+            </a:r>
+          </a:p>
+          <a:p>
+            <a:pPr marL="0" indent="0">
+              <a:buNone/>
+            </a:pPr>
+            <a:r>
+              <a:rPr lang="en-US" altLang="zh-TW" sz="2000" dirty="0">
+                <a:solidFill>
+                  <a:schemeClr val="bg1"/>
+                </a:solidFill>
+                <a:latin typeface="Microsoft JhengHei"/>
+                <a:ea typeface="Microsoft JhengHei"/>
+              </a:rPr>
+              <a:t>會藉由評分模型的準確度來比較wav2vec</a:t>
+            </a:r>
+            <a:r>
+              <a:rPr lang="zh-TW" altLang="en-US" sz="2000" dirty="0">
+                <a:solidFill>
+                  <a:schemeClr val="bg1"/>
+                </a:solidFill>
+                <a:latin typeface="Microsoft JhengHei"/>
+                <a:ea typeface="Microsoft JhengHei"/>
+              </a:rPr>
+              <a:t> </a:t>
+            </a:r>
+            <a:r>
+              <a:rPr lang="en-US" altLang="zh-TW" sz="2000" dirty="0">
+                <a:solidFill>
+                  <a:schemeClr val="bg1"/>
+                </a:solidFill>
+                <a:latin typeface="Microsoft JhengHei"/>
+                <a:ea typeface="Microsoft JhengHei"/>
+              </a:rPr>
+              <a:t>2</a:t>
+            </a:r>
+            <a:r>
+              <a:rPr lang="zh-TW" sz="2000">
+                <a:solidFill>
+                  <a:schemeClr val="bg1"/>
+                </a:solidFill>
+                <a:latin typeface="Microsoft JhengHei"/>
+                <a:ea typeface="Microsoft JhengHei"/>
+              </a:rPr>
+              <a:t>與hubert哪個模型提取特徵的表現比較好</a:t>
+            </a:r>
+            <a:endParaRPr lang="zh-TW">
+              <a:solidFill>
+                <a:schemeClr val="bg1"/>
+              </a:solidFill>
+            </a:endParaRPr>
+          </a:p>
+          <a:p>
+            <a:pPr marL="0" indent="0">
+              <a:buNone/>
+            </a:pPr>
+            <a:endParaRPr lang="zh-TW" altLang="en-US" sz="2000">
+              <a:solidFill>
+                <a:schemeClr val="bg1"/>
+              </a:solidFill>
+            </a:endParaRPr>
+          </a:p>
+        </p:txBody>
+      </p:sp>
+      <p:sp>
+        <p:nvSpPr>
+          <p:cNvPr id="42" name="Rectangle 41">
+            <a:extLst>
+              <a:ext uri="{FF2B5EF4-FFF2-40B4-BE49-F238E27FC236}">
+                <a16:creationId xmlns:a16="http://schemas.microsoft.com/office/drawing/2014/main" id="{9DD005C1-8C51-42D6-9BEE-B9B83849743D}"/>
+              </a:ext>
+              <a:ext uri="{C183D7F6-B498-43B3-948B-1728B52AA6E4}">
+                <adec:decorative xmlns:adec="http://schemas.microsoft.com/office/drawing/2017/decorative" val="1"/>
+              </a:ext>
+            </a:extLst>
+          </p:cNvPr>
+          <p:cNvSpPr>
+            <a:spLocks noGrp="1" noRot="1" noChangeAspect="1" noMove="1" noResize="1" noEditPoints="1" noAdjustHandles="1" noChangeArrowheads="1" noChangeShapeType="1" noTextEdit="1"/>
+          </p:cNvSpPr>
+          <p:nvPr>
+            <p:extLst>
+              <p:ext uri="{386F3935-93C4-4BCD-93E2-E3B085C9AB24}">
+                <p16:designElem xmlns:p16="http://schemas.microsoft.com/office/powerpoint/2015/main" val="1"/>
+              </p:ext>
+            </p:extLst>
+          </p:nvPr>
+        </p:nvSpPr>
+        <p:spPr>
+          <a:xfrm>
+            <a:off x="126206" y="115193"/>
+            <a:ext cx="11939588" cy="6627614"/>
+          </a:xfrm>
+          <a:prstGeom prst="rect">
+            <a:avLst/>
+          </a:prstGeom>
+          <a:noFill/>
+          <a:ln w="12700">
+            <a:solidFill>
+              <a:schemeClr val="accent2"/>
+            </a:solidFill>
+          </a:ln>
+        </p:spPr>
+        <p:style>
+          <a:lnRef idx="2">
+            <a:schemeClr val="accent1">
+              <a:shade val="50000"/>
+            </a:schemeClr>
+          </a:lnRef>
+          <a:fillRef idx="1">
+            <a:schemeClr val="accent1"/>
+          </a:fillRef>
+          <a:effectRef idx="0">
+            <a:schemeClr val="accent1"/>
+          </a:effectRef>
+          <a:fontRef idx="minor">
+            <a:schemeClr val="lt1"/>
+          </a:fontRef>
+        </p:style>
+        <p:txBody>
+          <a:bodyPr rtlCol="0" anchor="ctr"/>
+          <a:lstStyle/>
+          <a:p>
+            <a:pPr marL="0" marR="0" lvl="0" indent="0" algn="ctr" defTabSz="914400" rtl="0" eaLnBrk="1" fontAlgn="auto" latinLnBrk="0" hangingPunct="1">
+              <a:lnSpc>
+                <a:spcPct val="100000"/>
+              </a:lnSpc>
+              <a:spcBef>
+                <a:spcPts val="0"/>
+              </a:spcBef>
+              <a:spcAft>
+                <a:spcPts val="0"/>
+              </a:spcAft>
+              <a:buClrTx/>
+              <a:buSzTx/>
+              <a:buFontTx/>
+              <a:buNone/>
+              <a:tabLst/>
+              <a:defRPr/>
+            </a:pPr>
+            <a:endParaRPr kumimoji="0" lang="en-US" sz="1800" b="0" i="0" u="none" strike="noStrike" kern="1200" cap="none" spc="0" normalizeH="0" baseline="0" noProof="0">
+              <a:ln>
+                <a:noFill/>
+              </a:ln>
+              <a:solidFill>
+                <a:prstClr val="white"/>
+              </a:solidFill>
+              <a:effectLst/>
+              <a:uLnTx/>
+              <a:uFillTx/>
+              <a:latin typeface="微軟正黑體"/>
+              <a:ea typeface="微軟正黑體"/>
+              <a:cs typeface="+mn-cs"/>
+            </a:endParaRPr>
+          </a:p>
+        </p:txBody>
+      </p:sp>
+    </p:spTree>
+    <p:extLst>
+      <p:ext uri="{BB962C8B-B14F-4D97-AF65-F5344CB8AC3E}">
+        <p14:creationId xmlns:p14="http://schemas.microsoft.com/office/powerpoint/2010/main" val="1156540272"/>
+      </p:ext>
+    </p:extLst>
+  </p:cSld>
+  <p:clrMapOvr>
+    <a:masterClrMapping/>
+  </p:clrMapOvr>
+  <mc:AlternateContent xmlns:mc="http://schemas.openxmlformats.org/markup-compatibility/2006" xmlns:p159="http://schemas.microsoft.com/office/powerpoint/2015/09/main">
+    <mc:Choice Requires="p159">
+      <p:transition xmlns:p14="http://schemas.microsoft.com/office/powerpoint/2010/main" spd="slow" p14:dur="2000">
+        <p159:morph option="byObject"/>
+      </p:transition>
+    </mc:Choice>
+    <mc:Fallback xmlns="">
+      <p:transition spd="slow">
+        <p:fade/>
+      </p:transition>
+    </mc:Fallback>
+  </mc:AlternateContent>
+</p:sld>
+</file>
+
+<file path=ppt/slides/slide22.xml><?xml version="1.0" encoding="utf-8"?>
+<p:sld xmlns:a="http://schemas.openxmlformats.org/drawingml/2006/main" xmlns:r="http://schemas.openxmlformats.org/officeDocument/2006/relationships" xmlns:p="http://schemas.openxmlformats.org/presentationml/2006/main">
+  <p:cSld>
+    <p:bg>
+      <p:bgPr>
+        <a:solidFill>
+          <a:schemeClr val="bg1"/>
+        </a:solidFill>
+        <a:effectLst/>
+      </p:bgPr>
+    </p:bg>
+    <p:spTree>
+      <p:nvGrpSpPr>
+        <p:cNvPr id="1" name=""/>
+        <p:cNvGrpSpPr/>
+        <p:nvPr/>
+      </p:nvGrpSpPr>
+      <p:grpSpPr>
+        <a:xfrm>
+          <a:off x="0" y="0"/>
+          <a:ext cx="0" cy="0"/>
+          <a:chOff x="0" y="0"/>
+          <a:chExt cx="0" cy="0"/>
+        </a:xfrm>
+      </p:grpSpPr>
+      <p:sp>
+        <p:nvSpPr>
+          <p:cNvPr id="38" name="Rectangle 37">
+            <a:extLst>
+              <a:ext uri="{FF2B5EF4-FFF2-40B4-BE49-F238E27FC236}">
+                <a16:creationId xmlns:a16="http://schemas.microsoft.com/office/drawing/2014/main" id="{A7AE9375-4664-4DB2-922D-2782A6E439AC}"/>
+              </a:ext>
+              <a:ext uri="{C183D7F6-B498-43B3-948B-1728B52AA6E4}">
+                <adec:decorative xmlns:adec="http://schemas.microsoft.com/office/drawing/2017/decorative" val="1"/>
+              </a:ext>
+            </a:extLst>
+          </p:cNvPr>
+          <p:cNvSpPr>
+            <a:spLocks noGrp="1" noRot="1" noChangeAspect="1" noMove="1" noResize="1" noEditPoints="1" noAdjustHandles="1" noChangeArrowheads="1" noChangeShapeType="1" noTextEdit="1"/>
+          </p:cNvSpPr>
+          <p:nvPr>
+            <p:extLst>
+              <p:ext uri="{386F3935-93C4-4BCD-93E2-E3B085C9AB24}">
+                <p16:designElem xmlns:p16="http://schemas.microsoft.com/office/powerpoint/2015/main" val="1"/>
+              </p:ext>
+            </p:extLst>
+          </p:nvPr>
+        </p:nvSpPr>
+        <p:spPr>
+          <a:xfrm>
+            <a:off x="0" y="0"/>
+            <a:ext cx="12192000" cy="6858000"/>
+          </a:xfrm>
+          <a:prstGeom prst="rect">
+            <a:avLst/>
+          </a:prstGeom>
+          <a:solidFill>
+            <a:schemeClr val="tx1">
+              <a:lumMod val="95000"/>
+              <a:lumOff val="5000"/>
+            </a:schemeClr>
+          </a:solidFill>
+          <a:ln>
+            <a:noFill/>
+          </a:ln>
+        </p:spPr>
+        <p:style>
+          <a:lnRef idx="2">
+            <a:schemeClr val="accent1">
+              <a:shade val="50000"/>
+            </a:schemeClr>
+          </a:lnRef>
+          <a:fillRef idx="1">
+            <a:schemeClr val="accent1"/>
+          </a:fillRef>
+          <a:effectRef idx="0">
+            <a:schemeClr val="accent1"/>
+          </a:effectRef>
+          <a:fontRef idx="minor">
+            <a:schemeClr val="lt1"/>
+          </a:fontRef>
+        </p:style>
+        <p:txBody>
+          <a:bodyPr rtlCol="0" anchor="ctr"/>
+          <a:lstStyle/>
+          <a:p>
+            <a:pPr marL="0" marR="0" lvl="0" indent="0" algn="ctr" defTabSz="914400" rtl="0" eaLnBrk="1" fontAlgn="auto" latinLnBrk="0" hangingPunct="1">
+              <a:lnSpc>
+                <a:spcPct val="100000"/>
+              </a:lnSpc>
+              <a:spcBef>
+                <a:spcPts val="0"/>
+              </a:spcBef>
+              <a:spcAft>
+                <a:spcPts val="0"/>
+              </a:spcAft>
+              <a:buClrTx/>
+              <a:buSzTx/>
+              <a:buFontTx/>
+              <a:buNone/>
+              <a:tabLst/>
+              <a:defRPr/>
+            </a:pPr>
+            <a:endParaRPr kumimoji="0" lang="en-US" sz="1800" b="0" i="0" u="none" strike="noStrike" kern="1200" cap="none" spc="0" normalizeH="0" baseline="0" noProof="0">
+              <a:ln>
+                <a:noFill/>
+              </a:ln>
+              <a:solidFill>
+                <a:prstClr val="black"/>
+              </a:solidFill>
+              <a:effectLst/>
+              <a:uLnTx/>
+              <a:uFillTx/>
+              <a:latin typeface="微軟正黑體"/>
+              <a:ea typeface="微軟正黑體"/>
+              <a:cs typeface="+mn-cs"/>
+            </a:endParaRPr>
+          </a:p>
+        </p:txBody>
+      </p:sp>
+      <p:sp>
+        <p:nvSpPr>
+          <p:cNvPr id="2" name="標題 1">
+            <a:extLst>
+              <a:ext uri="{FF2B5EF4-FFF2-40B4-BE49-F238E27FC236}">
+                <a16:creationId xmlns:a16="http://schemas.microsoft.com/office/drawing/2014/main" id="{4185B2FE-C0DB-3425-291A-B785A4DA51C5}"/>
+              </a:ext>
+            </a:extLst>
+          </p:cNvPr>
+          <p:cNvSpPr>
+            <a:spLocks noGrp="1"/>
+          </p:cNvSpPr>
+          <p:nvPr>
+            <p:ph type="title"/>
+          </p:nvPr>
+        </p:nvSpPr>
+        <p:spPr>
+          <a:xfrm>
+            <a:off x="1392667" y="594294"/>
+            <a:ext cx="6112114" cy="1325563"/>
+          </a:xfrm>
+        </p:spPr>
+        <p:txBody>
+          <a:bodyPr anchor="b">
+            <a:normAutofit/>
+          </a:bodyPr>
+          <a:lstStyle/>
+          <a:p>
+            <a:r>
+              <a:rPr lang="zh-TW" altLang="en-US">
+                <a:solidFill>
+                  <a:schemeClr val="bg1"/>
+                </a:solidFill>
+                <a:latin typeface="微軟正黑體"/>
+                <a:ea typeface="微軟正黑體"/>
+              </a:rPr>
+              <a:t>Wav2vec 2</a:t>
+            </a:r>
+            <a:endParaRPr lang="zh-TW" altLang="en-US" sz="3000">
+              <a:solidFill>
+                <a:schemeClr val="bg1"/>
+              </a:solidFill>
+              <a:latin typeface="微軟正黑體"/>
+              <a:ea typeface="微軟正黑體"/>
+            </a:endParaRPr>
+          </a:p>
+        </p:txBody>
+      </p:sp>
+      <p:cxnSp>
+        <p:nvCxnSpPr>
+          <p:cNvPr id="40" name="Straight Connector 39">
+            <a:extLst>
+              <a:ext uri="{FF2B5EF4-FFF2-40B4-BE49-F238E27FC236}">
+                <a16:creationId xmlns:a16="http://schemas.microsoft.com/office/drawing/2014/main" id="{EE504C98-6397-41C1-A8D8-2D9C4ED307E0}"/>
+              </a:ext>
+              <a:ext uri="{C183D7F6-B498-43B3-948B-1728B52AA6E4}">
+                <adec:decorative xmlns:adec="http://schemas.microsoft.com/office/drawing/2017/decorative" val="1"/>
+              </a:ext>
+            </a:extLst>
+          </p:cNvPr>
+          <p:cNvCxnSpPr>
+            <a:cxnSpLocks noGrp="1" noRot="1" noChangeAspect="1" noMove="1" noResize="1" noEditPoints="1" noAdjustHandles="1" noChangeArrowheads="1" noChangeShapeType="1"/>
+          </p:cNvCxnSpPr>
+          <p:nvPr>
+            <p:extLst>
+              <p:ext uri="{386F3935-93C4-4BCD-93E2-E3B085C9AB24}">
+                <p16:designElem xmlns:p16="http://schemas.microsoft.com/office/powerpoint/2015/main" val="1"/>
+              </p:ext>
+            </p:extLst>
+          </p:nvPr>
+        </p:nvCxnSpPr>
+        <p:spPr>
+          <a:xfrm flipH="1">
+            <a:off x="126210" y="2026340"/>
+            <a:ext cx="5220936" cy="0"/>
+          </a:xfrm>
+          <a:prstGeom prst="line">
+            <a:avLst/>
+          </a:prstGeom>
+          <a:ln w="12700">
+            <a:solidFill>
+              <a:schemeClr val="accent2"/>
+            </a:solidFill>
+          </a:ln>
+        </p:spPr>
+        <p:style>
+          <a:lnRef idx="1">
+            <a:schemeClr val="accent1"/>
+          </a:lnRef>
+          <a:fillRef idx="0">
+            <a:schemeClr val="accent1"/>
+          </a:fillRef>
+          <a:effectRef idx="0">
+            <a:schemeClr val="accent1"/>
+          </a:effectRef>
+          <a:fontRef idx="minor">
+            <a:schemeClr val="tx1"/>
+          </a:fontRef>
+        </p:style>
+      </p:cxnSp>
+      <p:sp>
+        <p:nvSpPr>
+          <p:cNvPr id="42" name="Rectangle 41">
+            <a:extLst>
+              <a:ext uri="{FF2B5EF4-FFF2-40B4-BE49-F238E27FC236}">
+                <a16:creationId xmlns:a16="http://schemas.microsoft.com/office/drawing/2014/main" id="{9DD005C1-8C51-42D6-9BEE-B9B83849743D}"/>
+              </a:ext>
+              <a:ext uri="{C183D7F6-B498-43B3-948B-1728B52AA6E4}">
+                <adec:decorative xmlns:adec="http://schemas.microsoft.com/office/drawing/2017/decorative" val="1"/>
+              </a:ext>
+            </a:extLst>
+          </p:cNvPr>
+          <p:cNvSpPr>
+            <a:spLocks noGrp="1" noRot="1" noChangeAspect="1" noMove="1" noResize="1" noEditPoints="1" noAdjustHandles="1" noChangeArrowheads="1" noChangeShapeType="1" noTextEdit="1"/>
+          </p:cNvSpPr>
+          <p:nvPr>
+            <p:extLst>
+              <p:ext uri="{386F3935-93C4-4BCD-93E2-E3B085C9AB24}">
+                <p16:designElem xmlns:p16="http://schemas.microsoft.com/office/powerpoint/2015/main" val="1"/>
+              </p:ext>
+            </p:extLst>
+          </p:nvPr>
+        </p:nvSpPr>
+        <p:spPr>
+          <a:xfrm>
+            <a:off x="126206" y="115193"/>
+            <a:ext cx="11939588" cy="6627614"/>
+          </a:xfrm>
+          <a:prstGeom prst="rect">
+            <a:avLst/>
+          </a:prstGeom>
+          <a:noFill/>
+          <a:ln w="12700">
+            <a:solidFill>
+              <a:schemeClr val="accent2"/>
+            </a:solidFill>
+          </a:ln>
+        </p:spPr>
+        <p:style>
+          <a:lnRef idx="2">
+            <a:schemeClr val="accent1">
+              <a:shade val="50000"/>
+            </a:schemeClr>
+          </a:lnRef>
+          <a:fillRef idx="1">
+            <a:schemeClr val="accent1"/>
+          </a:fillRef>
+          <a:effectRef idx="0">
+            <a:schemeClr val="accent1"/>
+          </a:effectRef>
+          <a:fontRef idx="minor">
+            <a:schemeClr val="lt1"/>
+          </a:fontRef>
+        </p:style>
+        <p:txBody>
+          <a:bodyPr rtlCol="0" anchor="ctr"/>
+          <a:lstStyle/>
+          <a:p>
+            <a:pPr marL="0" marR="0" lvl="0" indent="0" algn="ctr" defTabSz="914400" rtl="0" eaLnBrk="1" fontAlgn="auto" latinLnBrk="0" hangingPunct="1">
+              <a:lnSpc>
+                <a:spcPct val="100000"/>
+              </a:lnSpc>
+              <a:spcBef>
+                <a:spcPts val="0"/>
+              </a:spcBef>
+              <a:spcAft>
+                <a:spcPts val="0"/>
+              </a:spcAft>
+              <a:buClrTx/>
+              <a:buSzTx/>
+              <a:buFontTx/>
+              <a:buNone/>
+              <a:tabLst/>
+              <a:defRPr/>
+            </a:pPr>
+            <a:endParaRPr kumimoji="0" lang="en-US" sz="1800" b="0" i="0" u="none" strike="noStrike" kern="1200" cap="none" spc="0" normalizeH="0" baseline="0" noProof="0">
+              <a:ln>
+                <a:noFill/>
+              </a:ln>
+              <a:solidFill>
+                <a:prstClr val="white"/>
+              </a:solidFill>
+              <a:effectLst/>
+              <a:uLnTx/>
+              <a:uFillTx/>
+              <a:latin typeface="微軟正黑體"/>
+              <a:ea typeface="微軟正黑體"/>
+              <a:cs typeface="+mn-cs"/>
+            </a:endParaRPr>
+          </a:p>
+        </p:txBody>
+      </p:sp>
+      <p:sp>
+        <p:nvSpPr>
+          <p:cNvPr id="6" name="內容版面配置區 5">
+            <a:extLst>
+              <a:ext uri="{FF2B5EF4-FFF2-40B4-BE49-F238E27FC236}">
+                <a16:creationId xmlns:a16="http://schemas.microsoft.com/office/drawing/2014/main" id="{AD94F256-4FB2-8F40-242A-DDE997FFA21C}"/>
+              </a:ext>
+            </a:extLst>
+          </p:cNvPr>
+          <p:cNvSpPr>
+            <a:spLocks noGrp="1"/>
+          </p:cNvSpPr>
+          <p:nvPr>
+            <p:ph idx="1"/>
+          </p:nvPr>
+        </p:nvSpPr>
+        <p:spPr>
+          <a:xfrm>
+            <a:off x="590798" y="2261054"/>
+            <a:ext cx="10515600" cy="4351338"/>
+          </a:xfrm>
+        </p:spPr>
+        <p:txBody>
+          <a:bodyPr vert="horz" lIns="91440" tIns="45720" rIns="91440" bIns="45720" rtlCol="0" anchor="t">
+            <a:normAutofit/>
+          </a:bodyPr>
+          <a:lstStyle/>
+          <a:p>
+            <a:pPr marL="0" indent="0">
+              <a:buNone/>
+            </a:pPr>
+            <a:r>
+              <a:rPr lang="zh-TW" altLang="en-US">
+                <a:solidFill>
+                  <a:schemeClr val="bg1"/>
+                </a:solidFill>
+              </a:rPr>
+              <a:t>目前進度: </a:t>
+            </a:r>
+          </a:p>
+          <a:p>
+            <a:r>
+              <a:rPr lang="zh-TW" altLang="en-US">
+                <a:solidFill>
+                  <a:schemeClr val="bg1"/>
+                </a:solidFill>
+              </a:rPr>
+              <a:t>配合對應的process用學校語音進行微調。</a:t>
+            </a:r>
+            <a:endParaRPr lang="zh-TW" altLang="en-US" dirty="0">
+              <a:solidFill>
+                <a:schemeClr val="bg1"/>
+              </a:solidFill>
+            </a:endParaRPr>
+          </a:p>
+          <a:p>
+            <a:pPr marL="0" indent="0">
+              <a:buNone/>
+            </a:pPr>
+            <a:r>
+              <a:rPr lang="zh-TW" altLang="en-US">
+                <a:solidFill>
+                  <a:schemeClr val="bg1"/>
+                </a:solidFill>
+              </a:rPr>
+              <a:t>目前問題: </a:t>
+            </a:r>
+          </a:p>
+          <a:p>
+            <a:r>
+              <a:rPr lang="zh-TW" altLang="en-US">
+                <a:solidFill>
+                  <a:schemeClr val="bg1"/>
+                </a:solidFill>
+              </a:rPr>
+              <a:t>可能因為訓練資料不夠導致</a:t>
+            </a:r>
+            <a:r>
+              <a:rPr lang="zh-TW">
+                <a:solidFill>
+                  <a:schemeClr val="bg1"/>
+                </a:solidFill>
+                <a:latin typeface="Microsoft JhengHei"/>
+                <a:ea typeface="Microsoft JhengHei"/>
+              </a:rPr>
+              <a:t>評分準確性</a:t>
+            </a:r>
+            <a:r>
+              <a:rPr lang="zh-TW" altLang="en-US">
+                <a:solidFill>
+                  <a:schemeClr val="bg1"/>
+                </a:solidFill>
+                <a:latin typeface="Microsoft JhengHei"/>
+                <a:ea typeface="Microsoft JhengHei"/>
+              </a:rPr>
+              <a:t>降低</a:t>
+            </a:r>
+            <a:endParaRPr lang="zh-TW" altLang="en-US" dirty="0">
+              <a:solidFill>
+                <a:schemeClr val="bg1"/>
+              </a:solidFill>
+            </a:endParaRPr>
+          </a:p>
+          <a:p>
+            <a:pPr marL="0" indent="0">
+              <a:buNone/>
+            </a:pPr>
+            <a:r>
+              <a:rPr lang="zh-TW" altLang="en-US">
+                <a:solidFill>
+                  <a:schemeClr val="bg1"/>
+                </a:solidFill>
+              </a:rPr>
+              <a:t>研究參考: </a:t>
+            </a:r>
+          </a:p>
+          <a:p>
+            <a:r>
+              <a:rPr lang="en-US" altLang="zh-TW" dirty="0">
+                <a:solidFill>
+                  <a:schemeClr val="bg1"/>
+                </a:solidFill>
+                <a:ea typeface="+mn-lt"/>
+                <a:cs typeface="+mn-lt"/>
+                <a:hlinkClick r:id="rId2">
+                  <a:extLst>
+                    <a:ext uri="{A12FA001-AC4F-418D-AE19-62706E023703}">
+                      <ahyp:hlinkClr xmlns:ahyp="http://schemas.microsoft.com/office/drawing/2018/hyperlinkcolor" val="tx"/>
+                    </a:ext>
+                  </a:extLst>
+                </a:hlinkClick>
+              </a:rPr>
+              <a:t>wav2vec2</a:t>
+            </a:r>
+            <a:endParaRPr lang="zh-TW" dirty="0">
+              <a:solidFill>
+                <a:schemeClr val="bg1"/>
+              </a:solidFill>
+              <a:ea typeface="+mn-lt"/>
+              <a:cs typeface="+mn-lt"/>
+            </a:endParaRPr>
+          </a:p>
+          <a:p>
+            <a:pPr marL="0" indent="0">
+              <a:buNone/>
+            </a:pPr>
+            <a:endParaRPr lang="zh-TW">
+              <a:solidFill>
+                <a:schemeClr val="bg1"/>
+              </a:solidFill>
+            </a:endParaRPr>
+          </a:p>
+        </p:txBody>
+      </p:sp>
+    </p:spTree>
+    <p:extLst>
+      <p:ext uri="{BB962C8B-B14F-4D97-AF65-F5344CB8AC3E}">
+        <p14:creationId xmlns:p14="http://schemas.microsoft.com/office/powerpoint/2010/main" val="598292583"/>
+      </p:ext>
+    </p:extLst>
+  </p:cSld>
+  <p:clrMapOvr>
+    <a:masterClrMapping/>
+  </p:clrMapOvr>
+  <mc:AlternateContent xmlns:mc="http://schemas.openxmlformats.org/markup-compatibility/2006" xmlns:p159="http://schemas.microsoft.com/office/powerpoint/2015/09/main">
+    <mc:Choice Requires="p159">
+      <p:transition xmlns:p14="http://schemas.microsoft.com/office/powerpoint/2010/main" spd="slow" p14:dur="2000">
+        <p159:morph option="byObject"/>
+      </p:transition>
+    </mc:Choice>
+    <mc:Fallback xmlns="">
+      <p:transition spd="slow">
+        <p:fade/>
+      </p:transition>
+    </mc:Fallback>
+  </mc:AlternateContent>
+</p:sld>
+</file>
+
+<file path=ppt/slides/slide23.xml><?xml version="1.0" encoding="utf-8"?>
+<p:sld xmlns:a="http://schemas.openxmlformats.org/drawingml/2006/main" xmlns:r="http://schemas.openxmlformats.org/officeDocument/2006/relationships" xmlns:p="http://schemas.openxmlformats.org/presentationml/2006/main">
+  <p:cSld>
+    <p:bg>
+      <p:bgPr>
+        <a:solidFill>
+          <a:schemeClr val="bg1"/>
+        </a:solidFill>
+        <a:effectLst/>
+      </p:bgPr>
+    </p:bg>
+    <p:spTree>
+      <p:nvGrpSpPr>
+        <p:cNvPr id="1" name=""/>
+        <p:cNvGrpSpPr/>
+        <p:nvPr/>
+      </p:nvGrpSpPr>
+      <p:grpSpPr>
+        <a:xfrm>
+          <a:off x="0" y="0"/>
+          <a:ext cx="0" cy="0"/>
+          <a:chOff x="0" y="0"/>
+          <a:chExt cx="0" cy="0"/>
+        </a:xfrm>
+      </p:grpSpPr>
+      <p:sp>
+        <p:nvSpPr>
+          <p:cNvPr id="38" name="Rectangle 37">
+            <a:extLst>
+              <a:ext uri="{FF2B5EF4-FFF2-40B4-BE49-F238E27FC236}">
+                <a16:creationId xmlns:a16="http://schemas.microsoft.com/office/drawing/2014/main" id="{A7AE9375-4664-4DB2-922D-2782A6E439AC}"/>
+              </a:ext>
+              <a:ext uri="{C183D7F6-B498-43B3-948B-1728B52AA6E4}">
+                <adec:decorative xmlns:adec="http://schemas.microsoft.com/office/drawing/2017/decorative" val="1"/>
+              </a:ext>
+            </a:extLst>
+          </p:cNvPr>
+          <p:cNvSpPr>
+            <a:spLocks noGrp="1" noRot="1" noChangeAspect="1" noMove="1" noResize="1" noEditPoints="1" noAdjustHandles="1" noChangeArrowheads="1" noChangeShapeType="1" noTextEdit="1"/>
+          </p:cNvSpPr>
+          <p:nvPr>
+            <p:extLst>
+              <p:ext uri="{386F3935-93C4-4BCD-93E2-E3B085C9AB24}">
+                <p16:designElem xmlns:p16="http://schemas.microsoft.com/office/powerpoint/2015/main" val="1"/>
+              </p:ext>
+            </p:extLst>
+          </p:nvPr>
+        </p:nvSpPr>
+        <p:spPr>
+          <a:xfrm>
+            <a:off x="0" y="0"/>
+            <a:ext cx="12192000" cy="6858000"/>
+          </a:xfrm>
+          <a:prstGeom prst="rect">
+            <a:avLst/>
+          </a:prstGeom>
+          <a:solidFill>
+            <a:schemeClr val="tx1">
+              <a:lumMod val="95000"/>
+              <a:lumOff val="5000"/>
+            </a:schemeClr>
+          </a:solidFill>
+          <a:ln>
+            <a:noFill/>
+          </a:ln>
+        </p:spPr>
+        <p:style>
+          <a:lnRef idx="2">
+            <a:schemeClr val="accent1">
+              <a:shade val="50000"/>
+            </a:schemeClr>
+          </a:lnRef>
+          <a:fillRef idx="1">
+            <a:schemeClr val="accent1"/>
+          </a:fillRef>
+          <a:effectRef idx="0">
+            <a:schemeClr val="accent1"/>
+          </a:effectRef>
+          <a:fontRef idx="minor">
+            <a:schemeClr val="lt1"/>
+          </a:fontRef>
+        </p:style>
+        <p:txBody>
+          <a:bodyPr rtlCol="0" anchor="ctr"/>
+          <a:lstStyle/>
+          <a:p>
+            <a:pPr marL="0" marR="0" lvl="0" indent="0" algn="ctr" defTabSz="914400" rtl="0" eaLnBrk="1" fontAlgn="auto" latinLnBrk="0" hangingPunct="1">
+              <a:lnSpc>
+                <a:spcPct val="100000"/>
+              </a:lnSpc>
+              <a:spcBef>
+                <a:spcPts val="0"/>
+              </a:spcBef>
+              <a:spcAft>
+                <a:spcPts val="0"/>
+              </a:spcAft>
+              <a:buClrTx/>
+              <a:buSzTx/>
+              <a:buFontTx/>
+              <a:buNone/>
+              <a:tabLst/>
+              <a:defRPr/>
+            </a:pPr>
+            <a:endParaRPr kumimoji="0" lang="en-US" sz="1800" b="0" i="0" u="none" strike="noStrike" kern="1200" cap="none" spc="0" normalizeH="0" baseline="0" noProof="0">
+              <a:ln>
+                <a:noFill/>
+              </a:ln>
+              <a:solidFill>
+                <a:prstClr val="black"/>
+              </a:solidFill>
+              <a:effectLst/>
+              <a:uLnTx/>
+              <a:uFillTx/>
+              <a:latin typeface="微軟正黑體"/>
+              <a:ea typeface="微軟正黑體"/>
+              <a:cs typeface="+mn-cs"/>
+            </a:endParaRPr>
+          </a:p>
+        </p:txBody>
+      </p:sp>
+      <p:sp>
+        <p:nvSpPr>
+          <p:cNvPr id="2" name="標題 1">
+            <a:extLst>
+              <a:ext uri="{FF2B5EF4-FFF2-40B4-BE49-F238E27FC236}">
+                <a16:creationId xmlns:a16="http://schemas.microsoft.com/office/drawing/2014/main" id="{4185B2FE-C0DB-3425-291A-B785A4DA51C5}"/>
+              </a:ext>
+            </a:extLst>
+          </p:cNvPr>
+          <p:cNvSpPr>
+            <a:spLocks noGrp="1"/>
+          </p:cNvSpPr>
+          <p:nvPr>
+            <p:ph type="title"/>
+          </p:nvPr>
+        </p:nvSpPr>
+        <p:spPr>
+          <a:xfrm>
+            <a:off x="1392667" y="594294"/>
+            <a:ext cx="4508946" cy="1325563"/>
+          </a:xfrm>
+        </p:spPr>
+        <p:txBody>
+          <a:bodyPr anchor="b">
+            <a:normAutofit/>
+          </a:bodyPr>
+          <a:lstStyle/>
+          <a:p>
+            <a:r>
+              <a:rPr lang="zh-TW" altLang="en-US">
+                <a:solidFill>
+                  <a:schemeClr val="bg1"/>
+                </a:solidFill>
+              </a:rPr>
+              <a:t>3/2-AI組-進度</a:t>
+            </a:r>
+            <a:endParaRPr lang="zh-TW" sz="2400">
+              <a:solidFill>
+                <a:schemeClr val="bg1"/>
+              </a:solidFill>
+              <a:latin typeface="Microsoft JhengHei"/>
+              <a:ea typeface="Microsoft JhengHei"/>
+            </a:endParaRPr>
+          </a:p>
+        </p:txBody>
+      </p:sp>
+      <p:cxnSp>
+        <p:nvCxnSpPr>
+          <p:cNvPr id="40" name="Straight Connector 39">
+            <a:extLst>
+              <a:ext uri="{FF2B5EF4-FFF2-40B4-BE49-F238E27FC236}">
+                <a16:creationId xmlns:a16="http://schemas.microsoft.com/office/drawing/2014/main" id="{EE504C98-6397-41C1-A8D8-2D9C4ED307E0}"/>
+              </a:ext>
+              <a:ext uri="{C183D7F6-B498-43B3-948B-1728B52AA6E4}">
+                <adec:decorative xmlns:adec="http://schemas.microsoft.com/office/drawing/2017/decorative" val="1"/>
+              </a:ext>
+            </a:extLst>
+          </p:cNvPr>
+          <p:cNvCxnSpPr>
+            <a:cxnSpLocks noGrp="1" noRot="1" noChangeAspect="1" noMove="1" noResize="1" noEditPoints="1" noAdjustHandles="1" noChangeArrowheads="1" noChangeShapeType="1"/>
+          </p:cNvCxnSpPr>
+          <p:nvPr>
+            <p:extLst>
+              <p:ext uri="{386F3935-93C4-4BCD-93E2-E3B085C9AB24}">
+                <p16:designElem xmlns:p16="http://schemas.microsoft.com/office/powerpoint/2015/main" val="1"/>
+              </p:ext>
+            </p:extLst>
+          </p:nvPr>
+        </p:nvCxnSpPr>
+        <p:spPr>
+          <a:xfrm flipH="1">
+            <a:off x="126210" y="2026340"/>
+            <a:ext cx="5220936" cy="0"/>
+          </a:xfrm>
+          <a:prstGeom prst="line">
+            <a:avLst/>
+          </a:prstGeom>
+          <a:ln w="12700">
+            <a:solidFill>
+              <a:schemeClr val="accent2"/>
+            </a:solidFill>
+          </a:ln>
+        </p:spPr>
+        <p:style>
+          <a:lnRef idx="1">
+            <a:schemeClr val="accent1"/>
+          </a:lnRef>
+          <a:fillRef idx="0">
+            <a:schemeClr val="accent1"/>
+          </a:fillRef>
+          <a:effectRef idx="0">
+            <a:schemeClr val="accent1"/>
+          </a:effectRef>
+          <a:fontRef idx="minor">
+            <a:schemeClr val="tx1"/>
+          </a:fontRef>
+        </p:style>
+      </p:cxnSp>
+      <p:sp>
+        <p:nvSpPr>
+          <p:cNvPr id="3" name="內容版面配置區 2">
+            <a:extLst>
+              <a:ext uri="{FF2B5EF4-FFF2-40B4-BE49-F238E27FC236}">
+                <a16:creationId xmlns:a16="http://schemas.microsoft.com/office/drawing/2014/main" id="{E94730DB-35A7-9DE6-D4E2-BE946897AB02}"/>
+              </a:ext>
+            </a:extLst>
+          </p:cNvPr>
+          <p:cNvSpPr>
+            <a:spLocks noGrp="1"/>
+          </p:cNvSpPr>
+          <p:nvPr>
+            <p:ph idx="1"/>
+          </p:nvPr>
+        </p:nvSpPr>
+        <p:spPr>
+          <a:xfrm>
+            <a:off x="1392667" y="2398957"/>
+            <a:ext cx="9406666" cy="3526144"/>
+          </a:xfrm>
+        </p:spPr>
+        <p:txBody>
+          <a:bodyPr vert="horz" lIns="91440" tIns="45720" rIns="91440" bIns="45720" rtlCol="0" anchor="t">
+            <a:normAutofit/>
+          </a:bodyPr>
+          <a:lstStyle/>
+          <a:p>
+            <a:pPr>
+              <a:buNone/>
+            </a:pPr>
+            <a:r>
+              <a:rPr lang="zh-TW" altLang="en-US" sz="2000">
+                <a:solidFill>
+                  <a:schemeClr val="bg1"/>
+                </a:solidFill>
+                <a:latin typeface="Microsoft JhengHei"/>
+                <a:ea typeface="Microsoft JhengHei"/>
+              </a:rPr>
+              <a:t>目前</a:t>
+            </a:r>
+            <a:r>
+              <a:rPr lang="zh-TW" sz="2000">
+                <a:solidFill>
+                  <a:schemeClr val="bg1"/>
+                </a:solidFill>
+                <a:latin typeface="Microsoft JhengHei"/>
+                <a:ea typeface="Microsoft JhengHei"/>
+              </a:rPr>
+              <a:t>進度:</a:t>
+            </a:r>
+            <a:endParaRPr lang="zh-TW">
+              <a:solidFill>
+                <a:schemeClr val="bg1"/>
+              </a:solidFill>
+            </a:endParaRPr>
+          </a:p>
+          <a:p>
+            <a:pPr marL="0" indent="0">
+              <a:buNone/>
+            </a:pPr>
+            <a:r>
+              <a:rPr lang="zh-TW" altLang="en-US" sz="2000">
+                <a:solidFill>
+                  <a:schemeClr val="bg1"/>
+                </a:solidFill>
+              </a:rPr>
+              <a:t>架構評分模型(BLSTM)</a:t>
+            </a:r>
+          </a:p>
+          <a:p>
+            <a:pPr marL="0" indent="0">
+              <a:buNone/>
+            </a:pPr>
+            <a:r>
+              <a:rPr lang="zh-TW" altLang="en-US" sz="2000">
+                <a:solidFill>
+                  <a:schemeClr val="bg1"/>
+                </a:solidFill>
+              </a:rPr>
+              <a:t>研究whisper</a:t>
+            </a:r>
+          </a:p>
+          <a:p>
+            <a:pPr marL="0" indent="0">
+              <a:buNone/>
+            </a:pPr>
+            <a:r>
+              <a:rPr lang="zh-TW" altLang="en-US" sz="2000">
+                <a:solidFill>
+                  <a:schemeClr val="bg1"/>
+                </a:solidFill>
+              </a:rPr>
+              <a:t>正在研究:</a:t>
+            </a:r>
+          </a:p>
+          <a:p>
+            <a:pPr marL="0" indent="0">
+              <a:buNone/>
+            </a:pPr>
+            <a:r>
+              <a:rPr lang="zh-TW" altLang="en-US" sz="2000">
+                <a:solidFill>
+                  <a:schemeClr val="bg1"/>
+                </a:solidFill>
+              </a:rPr>
+              <a:t>讀取訓練音檔、文字和分數的方式</a:t>
+            </a:r>
+            <a:endParaRPr lang="zh-TW" altLang="en-US" sz="2000" dirty="0">
+              <a:solidFill>
+                <a:schemeClr val="bg1"/>
+              </a:solidFill>
+            </a:endParaRPr>
+          </a:p>
+          <a:p>
+            <a:pPr marL="0" indent="0">
+              <a:buNone/>
+            </a:pPr>
+            <a:r>
+              <a:rPr lang="zh-TW" altLang="en-US" sz="2000">
+                <a:solidFill>
+                  <a:schemeClr val="bg1"/>
+                </a:solidFill>
+              </a:rPr>
+              <a:t>未來想法:</a:t>
+            </a:r>
+          </a:p>
+          <a:p>
+            <a:pPr marL="0" indent="0">
+              <a:buNone/>
+            </a:pPr>
+            <a:r>
+              <a:rPr lang="zh-TW" altLang="en-US" sz="2000">
+                <a:solidFill>
+                  <a:schemeClr val="bg1"/>
+                </a:solidFill>
+              </a:rPr>
+              <a:t>與系統組討論連接API的方式</a:t>
+            </a:r>
+            <a:endParaRPr lang="zh-TW" altLang="en-US" sz="2000" dirty="0">
+              <a:solidFill>
+                <a:schemeClr val="bg1"/>
+              </a:solidFill>
+            </a:endParaRPr>
+          </a:p>
+          <a:p>
+            <a:pPr marL="0" indent="0">
+              <a:buNone/>
+            </a:pPr>
+            <a:endParaRPr lang="zh-TW" altLang="en-US" sz="2000">
+              <a:solidFill>
+                <a:schemeClr val="bg1"/>
+              </a:solidFill>
+            </a:endParaRPr>
+          </a:p>
+        </p:txBody>
+      </p:sp>
+      <p:sp>
+        <p:nvSpPr>
+          <p:cNvPr id="42" name="Rectangle 41">
+            <a:extLst>
+              <a:ext uri="{FF2B5EF4-FFF2-40B4-BE49-F238E27FC236}">
+                <a16:creationId xmlns:a16="http://schemas.microsoft.com/office/drawing/2014/main" id="{9DD005C1-8C51-42D6-9BEE-B9B83849743D}"/>
+              </a:ext>
+              <a:ext uri="{C183D7F6-B498-43B3-948B-1728B52AA6E4}">
+                <adec:decorative xmlns:adec="http://schemas.microsoft.com/office/drawing/2017/decorative" val="1"/>
+              </a:ext>
+            </a:extLst>
+          </p:cNvPr>
+          <p:cNvSpPr>
+            <a:spLocks noGrp="1" noRot="1" noChangeAspect="1" noMove="1" noResize="1" noEditPoints="1" noAdjustHandles="1" noChangeArrowheads="1" noChangeShapeType="1" noTextEdit="1"/>
+          </p:cNvSpPr>
+          <p:nvPr>
+            <p:extLst>
+              <p:ext uri="{386F3935-93C4-4BCD-93E2-E3B085C9AB24}">
+                <p16:designElem xmlns:p16="http://schemas.microsoft.com/office/powerpoint/2015/main" val="1"/>
+              </p:ext>
+            </p:extLst>
+          </p:nvPr>
+        </p:nvSpPr>
+        <p:spPr>
+          <a:xfrm>
+            <a:off x="126206" y="115193"/>
+            <a:ext cx="11939588" cy="6627614"/>
+          </a:xfrm>
+          <a:prstGeom prst="rect">
+            <a:avLst/>
+          </a:prstGeom>
+          <a:noFill/>
+          <a:ln w="12700">
+            <a:solidFill>
+              <a:schemeClr val="accent2"/>
+            </a:solidFill>
+          </a:ln>
+        </p:spPr>
+        <p:style>
+          <a:lnRef idx="2">
+            <a:schemeClr val="accent1">
+              <a:shade val="50000"/>
+            </a:schemeClr>
+          </a:lnRef>
+          <a:fillRef idx="1">
+            <a:schemeClr val="accent1"/>
+          </a:fillRef>
+          <a:effectRef idx="0">
+            <a:schemeClr val="accent1"/>
+          </a:effectRef>
+          <a:fontRef idx="minor">
+            <a:schemeClr val="lt1"/>
+          </a:fontRef>
+        </p:style>
+        <p:txBody>
+          <a:bodyPr rtlCol="0" anchor="ctr"/>
+          <a:lstStyle/>
+          <a:p>
+            <a:pPr marL="0" marR="0" lvl="0" indent="0" algn="ctr" defTabSz="914400" rtl="0" eaLnBrk="1" fontAlgn="auto" latinLnBrk="0" hangingPunct="1">
+              <a:lnSpc>
+                <a:spcPct val="100000"/>
+              </a:lnSpc>
+              <a:spcBef>
+                <a:spcPts val="0"/>
+              </a:spcBef>
+              <a:spcAft>
+                <a:spcPts val="0"/>
+              </a:spcAft>
+              <a:buClrTx/>
+              <a:buSzTx/>
+              <a:buFontTx/>
+              <a:buNone/>
+              <a:tabLst/>
+              <a:defRPr/>
+            </a:pPr>
+            <a:endParaRPr kumimoji="0" lang="en-US" sz="1800" b="0" i="0" u="none" strike="noStrike" kern="1200" cap="none" spc="0" normalizeH="0" baseline="0" noProof="0">
+              <a:ln>
+                <a:noFill/>
+              </a:ln>
+              <a:solidFill>
+                <a:prstClr val="white"/>
+              </a:solidFill>
+              <a:effectLst/>
+              <a:uLnTx/>
+              <a:uFillTx/>
+              <a:latin typeface="微軟正黑體"/>
+              <a:ea typeface="微軟正黑體"/>
+              <a:cs typeface="+mn-cs"/>
+            </a:endParaRPr>
+          </a:p>
+        </p:txBody>
+      </p:sp>
+    </p:spTree>
+    <p:extLst>
+      <p:ext uri="{BB962C8B-B14F-4D97-AF65-F5344CB8AC3E}">
+        <p14:creationId xmlns:p14="http://schemas.microsoft.com/office/powerpoint/2010/main" val="2309995265"/>
+      </p:ext>
+    </p:extLst>
+  </p:cSld>
+  <p:clrMapOvr>
+    <a:masterClrMapping/>
+  </p:clrMapOvr>
+  <mc:AlternateContent xmlns:mc="http://schemas.openxmlformats.org/markup-compatibility/2006" xmlns:p159="http://schemas.microsoft.com/office/powerpoint/2015/09/main">
+    <mc:Choice Requires="p159">
+      <p:transition xmlns:p14="http://schemas.microsoft.com/office/powerpoint/2010/main" spd="slow" p14:dur="2000">
+        <p159:morph option="byObject"/>
+      </p:transition>
+    </mc:Choice>
+    <mc:Fallback xmlns="">
+      <p:transition spd="slow">
+        <p:fade/>
+      </p:transition>
+    </mc:Fallback>
+  </mc:AlternateContent>
+</p:sld>
+</file>
+
+<file path=ppt/slides/slide24.xml><?xml version="1.0" encoding="utf-8"?>
+<p:sld xmlns:a="http://schemas.openxmlformats.org/drawingml/2006/main" xmlns:r="http://schemas.openxmlformats.org/officeDocument/2006/relationships" xmlns:p="http://schemas.openxmlformats.org/presentationml/2006/main">
+  <p:cSld>
+    <p:bg>
+      <p:bgPr>
+        <a:solidFill>
+          <a:schemeClr val="bg1"/>
+        </a:solidFill>
+        <a:effectLst/>
+      </p:bgPr>
+    </p:bg>
+    <p:spTree>
+      <p:nvGrpSpPr>
+        <p:cNvPr id="1" name=""/>
+        <p:cNvGrpSpPr/>
+        <p:nvPr/>
+      </p:nvGrpSpPr>
+      <p:grpSpPr>
+        <a:xfrm>
+          <a:off x="0" y="0"/>
+          <a:ext cx="0" cy="0"/>
+          <a:chOff x="0" y="0"/>
+          <a:chExt cx="0" cy="0"/>
+        </a:xfrm>
+      </p:grpSpPr>
+      <p:sp>
+        <p:nvSpPr>
+          <p:cNvPr id="38" name="Rectangle 37">
+            <a:extLst>
+              <a:ext uri="{FF2B5EF4-FFF2-40B4-BE49-F238E27FC236}">
+                <a16:creationId xmlns:a16="http://schemas.microsoft.com/office/drawing/2014/main" id="{A7AE9375-4664-4DB2-922D-2782A6E439AC}"/>
+              </a:ext>
+              <a:ext uri="{C183D7F6-B498-43B3-948B-1728B52AA6E4}">
+                <adec:decorative xmlns:adec="http://schemas.microsoft.com/office/drawing/2017/decorative" val="1"/>
+              </a:ext>
+            </a:extLst>
+          </p:cNvPr>
+          <p:cNvSpPr>
+            <a:spLocks noGrp="1" noRot="1" noChangeAspect="1" noMove="1" noResize="1" noEditPoints="1" noAdjustHandles="1" noChangeArrowheads="1" noChangeShapeType="1" noTextEdit="1"/>
+          </p:cNvSpPr>
+          <p:nvPr>
+            <p:extLst>
+              <p:ext uri="{386F3935-93C4-4BCD-93E2-E3B085C9AB24}">
+                <p16:designElem xmlns:p16="http://schemas.microsoft.com/office/powerpoint/2015/main" val="1"/>
+              </p:ext>
+            </p:extLst>
+          </p:nvPr>
+        </p:nvSpPr>
+        <p:spPr>
+          <a:xfrm>
+            <a:off x="0" y="0"/>
+            <a:ext cx="12192000" cy="6858000"/>
+          </a:xfrm>
+          <a:prstGeom prst="rect">
+            <a:avLst/>
+          </a:prstGeom>
+          <a:solidFill>
+            <a:schemeClr val="tx1">
+              <a:lumMod val="95000"/>
+              <a:lumOff val="5000"/>
+            </a:schemeClr>
+          </a:solidFill>
+          <a:ln>
+            <a:noFill/>
+          </a:ln>
+        </p:spPr>
+        <p:style>
+          <a:lnRef idx="2">
+            <a:schemeClr val="accent1">
+              <a:shade val="50000"/>
+            </a:schemeClr>
+          </a:lnRef>
+          <a:fillRef idx="1">
+            <a:schemeClr val="accent1"/>
+          </a:fillRef>
+          <a:effectRef idx="0">
+            <a:schemeClr val="accent1"/>
+          </a:effectRef>
+          <a:fontRef idx="minor">
+            <a:schemeClr val="lt1"/>
+          </a:fontRef>
+        </p:style>
+        <p:txBody>
+          <a:bodyPr rtlCol="0" anchor="ctr"/>
+          <a:lstStyle/>
+          <a:p>
+            <a:pPr marL="0" marR="0" lvl="0" indent="0" algn="ctr" defTabSz="914400" rtl="0" eaLnBrk="1" fontAlgn="auto" latinLnBrk="0" hangingPunct="1">
+              <a:lnSpc>
+                <a:spcPct val="100000"/>
+              </a:lnSpc>
+              <a:spcBef>
+                <a:spcPts val="0"/>
+              </a:spcBef>
+              <a:spcAft>
+                <a:spcPts val="0"/>
+              </a:spcAft>
+              <a:buClrTx/>
+              <a:buSzTx/>
+              <a:buFontTx/>
+              <a:buNone/>
+              <a:tabLst/>
+              <a:defRPr/>
+            </a:pPr>
+            <a:endParaRPr kumimoji="0" lang="en-US" sz="1800" b="0" i="0" u="none" strike="noStrike" kern="1200" cap="none" spc="0" normalizeH="0" baseline="0" noProof="0">
+              <a:ln>
+                <a:noFill/>
+              </a:ln>
+              <a:solidFill>
+                <a:prstClr val="black"/>
+              </a:solidFill>
+              <a:effectLst/>
+              <a:uLnTx/>
+              <a:uFillTx/>
+              <a:latin typeface="微軟正黑體"/>
+              <a:ea typeface="微軟正黑體"/>
+              <a:cs typeface="+mn-cs"/>
+            </a:endParaRPr>
+          </a:p>
+        </p:txBody>
+      </p:sp>
+      <p:sp>
+        <p:nvSpPr>
+          <p:cNvPr id="2" name="標題 1">
+            <a:extLst>
+              <a:ext uri="{FF2B5EF4-FFF2-40B4-BE49-F238E27FC236}">
+                <a16:creationId xmlns:a16="http://schemas.microsoft.com/office/drawing/2014/main" id="{4185B2FE-C0DB-3425-291A-B785A4DA51C5}"/>
+              </a:ext>
+            </a:extLst>
+          </p:cNvPr>
+          <p:cNvSpPr>
+            <a:spLocks noGrp="1"/>
+          </p:cNvSpPr>
+          <p:nvPr>
+            <p:ph type="title"/>
+          </p:nvPr>
+        </p:nvSpPr>
+        <p:spPr>
+          <a:xfrm>
+            <a:off x="1392667" y="594294"/>
+            <a:ext cx="6112114" cy="1325563"/>
+          </a:xfrm>
+        </p:spPr>
+        <p:txBody>
+          <a:bodyPr anchor="b">
+            <a:normAutofit/>
+          </a:bodyPr>
+          <a:lstStyle/>
+          <a:p>
+            <a:r>
+              <a:rPr lang="zh-TW" altLang="en-US">
+                <a:solidFill>
+                  <a:schemeClr val="bg1"/>
+                </a:solidFill>
+                <a:latin typeface="微軟正黑體"/>
+                <a:ea typeface="微軟正黑體"/>
+              </a:rPr>
+              <a:t>BLSTM</a:t>
+            </a:r>
+            <a:endParaRPr lang="zh-TW" altLang="en-US" sz="3000">
+              <a:solidFill>
+                <a:schemeClr val="bg1"/>
+              </a:solidFill>
+              <a:latin typeface="微軟正黑體"/>
+              <a:ea typeface="微軟正黑體"/>
+            </a:endParaRPr>
+          </a:p>
+        </p:txBody>
+      </p:sp>
+      <p:cxnSp>
+        <p:nvCxnSpPr>
+          <p:cNvPr id="40" name="Straight Connector 39">
+            <a:extLst>
+              <a:ext uri="{FF2B5EF4-FFF2-40B4-BE49-F238E27FC236}">
+                <a16:creationId xmlns:a16="http://schemas.microsoft.com/office/drawing/2014/main" id="{EE504C98-6397-41C1-A8D8-2D9C4ED307E0}"/>
+              </a:ext>
+              <a:ext uri="{C183D7F6-B498-43B3-948B-1728B52AA6E4}">
+                <adec:decorative xmlns:adec="http://schemas.microsoft.com/office/drawing/2017/decorative" val="1"/>
+              </a:ext>
+            </a:extLst>
+          </p:cNvPr>
+          <p:cNvCxnSpPr>
+            <a:cxnSpLocks noGrp="1" noRot="1" noChangeAspect="1" noMove="1" noResize="1" noEditPoints="1" noAdjustHandles="1" noChangeArrowheads="1" noChangeShapeType="1"/>
+          </p:cNvCxnSpPr>
+          <p:nvPr>
+            <p:extLst>
+              <p:ext uri="{386F3935-93C4-4BCD-93E2-E3B085C9AB24}">
+                <p16:designElem xmlns:p16="http://schemas.microsoft.com/office/powerpoint/2015/main" val="1"/>
+              </p:ext>
+            </p:extLst>
+          </p:nvPr>
+        </p:nvCxnSpPr>
+        <p:spPr>
+          <a:xfrm flipH="1">
+            <a:off x="126210" y="2026340"/>
+            <a:ext cx="5220936" cy="0"/>
+          </a:xfrm>
+          <a:prstGeom prst="line">
+            <a:avLst/>
+          </a:prstGeom>
+          <a:ln w="12700">
+            <a:solidFill>
+              <a:schemeClr val="accent2"/>
+            </a:solidFill>
+          </a:ln>
+        </p:spPr>
+        <p:style>
+          <a:lnRef idx="1">
+            <a:schemeClr val="accent1"/>
+          </a:lnRef>
+          <a:fillRef idx="0">
+            <a:schemeClr val="accent1"/>
+          </a:fillRef>
+          <a:effectRef idx="0">
+            <a:schemeClr val="accent1"/>
+          </a:effectRef>
+          <a:fontRef idx="minor">
+            <a:schemeClr val="tx1"/>
+          </a:fontRef>
+        </p:style>
+      </p:cxnSp>
+      <p:sp>
+        <p:nvSpPr>
+          <p:cNvPr id="42" name="Rectangle 41">
+            <a:extLst>
+              <a:ext uri="{FF2B5EF4-FFF2-40B4-BE49-F238E27FC236}">
+                <a16:creationId xmlns:a16="http://schemas.microsoft.com/office/drawing/2014/main" id="{9DD005C1-8C51-42D6-9BEE-B9B83849743D}"/>
+              </a:ext>
+              <a:ext uri="{C183D7F6-B498-43B3-948B-1728B52AA6E4}">
+                <adec:decorative xmlns:adec="http://schemas.microsoft.com/office/drawing/2017/decorative" val="1"/>
+              </a:ext>
+            </a:extLst>
+          </p:cNvPr>
+          <p:cNvSpPr>
+            <a:spLocks noGrp="1" noRot="1" noChangeAspect="1" noMove="1" noResize="1" noEditPoints="1" noAdjustHandles="1" noChangeArrowheads="1" noChangeShapeType="1" noTextEdit="1"/>
+          </p:cNvSpPr>
+          <p:nvPr>
+            <p:extLst>
+              <p:ext uri="{386F3935-93C4-4BCD-93E2-E3B085C9AB24}">
+                <p16:designElem xmlns:p16="http://schemas.microsoft.com/office/powerpoint/2015/main" val="1"/>
+              </p:ext>
+            </p:extLst>
+          </p:nvPr>
+        </p:nvSpPr>
+        <p:spPr>
+          <a:xfrm>
+            <a:off x="126206" y="115193"/>
+            <a:ext cx="11939588" cy="6627614"/>
+          </a:xfrm>
+          <a:prstGeom prst="rect">
+            <a:avLst/>
+          </a:prstGeom>
+          <a:noFill/>
+          <a:ln w="12700">
+            <a:solidFill>
+              <a:schemeClr val="accent2"/>
+            </a:solidFill>
+          </a:ln>
+        </p:spPr>
+        <p:style>
+          <a:lnRef idx="2">
+            <a:schemeClr val="accent1">
+              <a:shade val="50000"/>
+            </a:schemeClr>
+          </a:lnRef>
+          <a:fillRef idx="1">
+            <a:schemeClr val="accent1"/>
+          </a:fillRef>
+          <a:effectRef idx="0">
+            <a:schemeClr val="accent1"/>
+          </a:effectRef>
+          <a:fontRef idx="minor">
+            <a:schemeClr val="lt1"/>
+          </a:fontRef>
+        </p:style>
+        <p:txBody>
+          <a:bodyPr rtlCol="0" anchor="ctr"/>
+          <a:lstStyle/>
+          <a:p>
+            <a:pPr marL="0" marR="0" lvl="0" indent="0" algn="ctr" defTabSz="914400" rtl="0" eaLnBrk="1" fontAlgn="auto" latinLnBrk="0" hangingPunct="1">
+              <a:lnSpc>
+                <a:spcPct val="100000"/>
+              </a:lnSpc>
+              <a:spcBef>
+                <a:spcPts val="0"/>
+              </a:spcBef>
+              <a:spcAft>
+                <a:spcPts val="0"/>
+              </a:spcAft>
+              <a:buClrTx/>
+              <a:buSzTx/>
+              <a:buFontTx/>
+              <a:buNone/>
+              <a:tabLst/>
+              <a:defRPr/>
+            </a:pPr>
+            <a:endParaRPr kumimoji="0" lang="en-US" sz="1800" b="0" i="0" u="none" strike="noStrike" kern="1200" cap="none" spc="0" normalizeH="0" baseline="0" noProof="0">
+              <a:ln>
+                <a:noFill/>
+              </a:ln>
+              <a:solidFill>
+                <a:prstClr val="white"/>
+              </a:solidFill>
+              <a:effectLst/>
+              <a:uLnTx/>
+              <a:uFillTx/>
+              <a:latin typeface="微軟正黑體"/>
+              <a:ea typeface="微軟正黑體"/>
+              <a:cs typeface="+mn-cs"/>
+            </a:endParaRPr>
+          </a:p>
+        </p:txBody>
+      </p:sp>
+      <p:sp>
+        <p:nvSpPr>
+          <p:cNvPr id="6" name="內容版面配置區 5">
+            <a:extLst>
+              <a:ext uri="{FF2B5EF4-FFF2-40B4-BE49-F238E27FC236}">
+                <a16:creationId xmlns:a16="http://schemas.microsoft.com/office/drawing/2014/main" id="{AD94F256-4FB2-8F40-242A-DDE997FFA21C}"/>
+              </a:ext>
+            </a:extLst>
+          </p:cNvPr>
+          <p:cNvSpPr>
+            <a:spLocks noGrp="1"/>
+          </p:cNvSpPr>
+          <p:nvPr>
+            <p:ph idx="1"/>
+          </p:nvPr>
+        </p:nvSpPr>
+        <p:spPr>
+          <a:xfrm>
+            <a:off x="590798" y="2261054"/>
+            <a:ext cx="10515600" cy="4351338"/>
+          </a:xfrm>
+        </p:spPr>
+        <p:txBody>
+          <a:bodyPr vert="horz" lIns="91440" tIns="45720" rIns="91440" bIns="45720" rtlCol="0" anchor="t">
+            <a:normAutofit/>
+          </a:bodyPr>
+          <a:lstStyle/>
+          <a:p>
+            <a:pPr marL="0" indent="0">
+              <a:buNone/>
+            </a:pPr>
+            <a:r>
+              <a:rPr lang="zh-TW" altLang="en-US">
+                <a:solidFill>
+                  <a:schemeClr val="bg1"/>
+                </a:solidFill>
+              </a:rPr>
+              <a:t>目前進度: </a:t>
+            </a:r>
+          </a:p>
+          <a:p>
+            <a:r>
+              <a:rPr lang="zh-TW" altLang="en-US">
+                <a:solidFill>
+                  <a:schemeClr val="bg1"/>
+                </a:solidFill>
+              </a:rPr>
+              <a:t>能夠接收hubert的transformer layer的輸出作為語音特徵輸入，</a:t>
+            </a:r>
+            <a:endParaRPr lang="zh-TW" altLang="en-US" dirty="0">
+              <a:solidFill>
+                <a:schemeClr val="bg1"/>
+              </a:solidFill>
+            </a:endParaRPr>
+          </a:p>
+          <a:p>
+            <a:pPr marL="0" indent="0">
+              <a:buNone/>
+            </a:pPr>
+            <a:r>
+              <a:rPr lang="zh-TW" altLang="en-US">
+                <a:solidFill>
+                  <a:schemeClr val="bg1"/>
+                </a:solidFill>
+              </a:rPr>
+              <a:t>  並輸出評分</a:t>
+            </a:r>
+            <a:endParaRPr lang="zh-TW" altLang="en-US" dirty="0">
+              <a:solidFill>
+                <a:schemeClr val="bg1"/>
+              </a:solidFill>
+            </a:endParaRPr>
+          </a:p>
+          <a:p>
+            <a:pPr marL="0" indent="0">
+              <a:buNone/>
+            </a:pPr>
+            <a:r>
+              <a:rPr lang="zh-TW" altLang="en-US">
+                <a:solidFill>
+                  <a:schemeClr val="bg1"/>
+                </a:solidFill>
+              </a:rPr>
+              <a:t>目前問題: </a:t>
+            </a:r>
+          </a:p>
+          <a:p>
+            <a:r>
+              <a:rPr lang="zh-TW" altLang="en-US">
+                <a:solidFill>
+                  <a:schemeClr val="bg1"/>
+                </a:solidFill>
+              </a:rPr>
+              <a:t>Embedding的方面不是很清楚其運作方式</a:t>
+            </a:r>
+            <a:endParaRPr lang="zh-TW" altLang="en-US" dirty="0">
+              <a:solidFill>
+                <a:schemeClr val="bg1"/>
+              </a:solidFill>
+            </a:endParaRPr>
+          </a:p>
+          <a:p>
+            <a:r>
+              <a:rPr lang="zh-TW" altLang="en-US">
+                <a:solidFill>
+                  <a:schemeClr val="bg1"/>
+                </a:solidFill>
+              </a:rPr>
+              <a:t>評分模型對於音檔的輸入總是輸出一樣的分數，估計是訓練資料不足</a:t>
+            </a:r>
+            <a:endParaRPr lang="zh-TW" altLang="en-US" dirty="0">
+              <a:solidFill>
+                <a:schemeClr val="bg1"/>
+              </a:solidFill>
+            </a:endParaRPr>
+          </a:p>
+          <a:p>
+            <a:pPr marL="0" indent="0">
+              <a:buNone/>
+            </a:pPr>
+            <a:r>
+              <a:rPr lang="zh-TW" altLang="en-US">
+                <a:solidFill>
+                  <a:schemeClr val="bg1"/>
+                </a:solidFill>
+              </a:rPr>
+              <a:t>研究參考: </a:t>
+            </a:r>
+            <a:endParaRPr lang="zh-TW">
+              <a:solidFill>
+                <a:schemeClr val="bg1"/>
+              </a:solidFill>
+            </a:endParaRPr>
+          </a:p>
+          <a:p>
+            <a:endParaRPr lang="zh-TW" dirty="0">
+              <a:solidFill>
+                <a:schemeClr val="bg1"/>
+              </a:solidFill>
+              <a:ea typeface="+mn-lt"/>
+              <a:cs typeface="+mn-lt"/>
+            </a:endParaRPr>
+          </a:p>
+          <a:p>
+            <a:pPr marL="0" indent="0">
+              <a:buNone/>
+            </a:pPr>
+            <a:endParaRPr lang="zh-TW">
+              <a:solidFill>
+                <a:schemeClr val="bg1"/>
+              </a:solidFill>
+            </a:endParaRPr>
+          </a:p>
+        </p:txBody>
+      </p:sp>
+    </p:spTree>
+    <p:extLst>
+      <p:ext uri="{BB962C8B-B14F-4D97-AF65-F5344CB8AC3E}">
+        <p14:creationId xmlns:p14="http://schemas.microsoft.com/office/powerpoint/2010/main" val="3794416228"/>
       </p:ext>
     </p:extLst>
   </p:cSld>
@@ -7786,11 +15518,6 @@
               </a:rPr>
               <a:t>語音辨識</a:t>
             </a:r>
-            <a:endParaRPr lang="zh-TW" altLang="en-US" dirty="0">
-              <a:solidFill>
-                <a:schemeClr val="bg1"/>
-              </a:solidFill>
-            </a:endParaRPr>
           </a:p>
         </p:txBody>
       </p:sp>
@@ -8418,11 +16145,6 @@
               </a:rPr>
               <a:t>甘特圖</a:t>
             </a:r>
-            <a:endParaRPr lang="zh-TW" altLang="en-US" dirty="0">
-              <a:solidFill>
-                <a:schemeClr val="bg1"/>
-              </a:solidFill>
-            </a:endParaRPr>
           </a:p>
         </p:txBody>
       </p:sp>
@@ -8763,7 +16485,7 @@
         <p:spPr>
           <a:xfrm>
             <a:off x="1392667" y="594294"/>
-            <a:ext cx="4508946" cy="1325563"/>
+            <a:ext cx="5065326" cy="1325563"/>
           </a:xfrm>
         </p:spPr>
         <p:txBody>
@@ -8778,7 +16500,7 @@
                   <a:schemeClr val="bg1"/>
                 </a:solidFill>
               </a:rPr>
-              <a:t>系統組-進度</a:t>
+              <a:t>11/19-系統組-進度</a:t>
             </a:r>
             <a:endParaRPr lang="zh-TW" sz="2400">
               <a:solidFill>

--- a/日語發音矯正系統.pptx
+++ b/日語發音矯正系統.pptx
@@ -28,7 +28,9 @@
     <p:sldId id="288" r:id="rId22"/>
     <p:sldId id="289" r:id="rId23"/>
     <p:sldId id="287" r:id="rId24"/>
-    <p:sldId id="290" r:id="rId25"/>
+    <p:sldId id="291" r:id="rId25"/>
+    <p:sldId id="292" r:id="rId26"/>
+    <p:sldId id="290" r:id="rId27"/>
   </p:sldIdLst>
   <p:sldSz cx="12192000" cy="6858000"/>
   <p:notesSz cx="6858000" cy="9144000"/>
@@ -139,6 +141,10 @@
 <p1510:revInfo xmlns:a="http://schemas.openxmlformats.org/drawingml/2006/main" xmlns:r="http://schemas.openxmlformats.org/officeDocument/2006/relationships" xmlns:p1510="http://schemas.microsoft.com/office/powerpoint/2015/10/main">
   <p1510:revLst>
     <p1510:client id="{5259A6D0-A003-0ABE-6D0D-00C56181AAEA}" v="427" dt="2024-03-02T14:49:58.827"/>
+    <p1510:client id="{8888C25C-D6C7-9B4F-2634-5DBE330BBC25}" v="15" dt="2024-03-03T04:32:12.187"/>
+    <p1510:client id="{92519CB9-26A6-0462-D914-A4C02825287B}" v="71" dt="2024-03-03T04:40:31.232"/>
+    <p1510:client id="{A1523C0F-5A63-5870-4E56-B44A42A9CAC5}" v="1" dt="2024-03-02T17:31:25.526"/>
+    <p1510:client id="{FD205BB5-CDD6-4DDF-AE65-2083A048578B}" v="197" dt="2024-03-02T16:39:27.994"/>
   </p1510:revLst>
 </p1510:revInfo>
 </file>
@@ -3813,13 +3819,13 @@
   <p:clrMapOvr>
     <a:masterClrMapping/>
   </p:clrMapOvr>
-  <mc:AlternateContent xmlns:mc="http://schemas.openxmlformats.org/markup-compatibility/2006" xmlns:p159="http://schemas.microsoft.com/office/powerpoint/2015/09/main">
-    <mc:Choice Requires="p159">
+  <mc:AlternateContent xmlns:mc="http://schemas.openxmlformats.org/markup-compatibility/2006">
+    <mc:Choice xmlns:p159="http://schemas.microsoft.com/office/powerpoint/2015/09/main" Requires="p159">
       <p:transition xmlns:p14="http://schemas.microsoft.com/office/powerpoint/2010/main" spd="slow" p14:dur="2000">
         <p159:morph option="byObject"/>
       </p:transition>
     </mc:Choice>
-    <mc:Fallback xmlns="">
+    <mc:Fallback>
       <p:transition spd="slow">
         <p:fade/>
       </p:transition>
@@ -4431,13 +4437,13 @@
   <p:clrMapOvr>
     <a:masterClrMapping/>
   </p:clrMapOvr>
-  <mc:AlternateContent xmlns:mc="http://schemas.openxmlformats.org/markup-compatibility/2006" xmlns:p159="http://schemas.microsoft.com/office/powerpoint/2015/09/main">
-    <mc:Choice Requires="p159">
+  <mc:AlternateContent xmlns:mc="http://schemas.openxmlformats.org/markup-compatibility/2006">
+    <mc:Choice xmlns:p159="http://schemas.microsoft.com/office/powerpoint/2015/09/main" Requires="p159">
       <p:transition xmlns:p14="http://schemas.microsoft.com/office/powerpoint/2010/main" spd="slow" p14:dur="2000">
         <p159:morph option="byObject"/>
       </p:transition>
     </mc:Choice>
-    <mc:Fallback xmlns="">
+    <mc:Fallback>
       <p:transition spd="slow">
         <p:fade/>
       </p:transition>
@@ -4991,13 +4997,13 @@
   <p:clrMapOvr>
     <a:masterClrMapping/>
   </p:clrMapOvr>
-  <mc:AlternateContent xmlns:mc="http://schemas.openxmlformats.org/markup-compatibility/2006" xmlns:p159="http://schemas.microsoft.com/office/powerpoint/2015/09/main">
-    <mc:Choice Requires="p159">
+  <mc:AlternateContent xmlns:mc="http://schemas.openxmlformats.org/markup-compatibility/2006">
+    <mc:Choice xmlns:p159="http://schemas.microsoft.com/office/powerpoint/2015/09/main" Requires="p159">
       <p:transition xmlns:p14="http://schemas.microsoft.com/office/powerpoint/2010/main" spd="slow" p14:dur="2000">
         <p159:morph option="byObject"/>
       </p:transition>
     </mc:Choice>
-    <mc:Fallback xmlns="">
+    <mc:Fallback>
       <p:transition spd="slow">
         <p:fade/>
       </p:transition>
@@ -5465,13 +5471,13 @@
   <p:clrMapOvr>
     <a:masterClrMapping/>
   </p:clrMapOvr>
-  <mc:AlternateContent xmlns:mc="http://schemas.openxmlformats.org/markup-compatibility/2006" xmlns:p159="http://schemas.microsoft.com/office/powerpoint/2015/09/main">
-    <mc:Choice Requires="p159">
+  <mc:AlternateContent xmlns:mc="http://schemas.openxmlformats.org/markup-compatibility/2006">
+    <mc:Choice xmlns:p159="http://schemas.microsoft.com/office/powerpoint/2015/09/main" Requires="p159">
       <p:transition xmlns:p14="http://schemas.microsoft.com/office/powerpoint/2010/main" spd="slow" p14:dur="2000">
         <p159:morph option="byObject"/>
       </p:transition>
     </mc:Choice>
-    <mc:Fallback xmlns="">
+    <mc:Fallback>
       <p:transition spd="slow">
         <p:fade/>
       </p:transition>
@@ -5983,13 +5989,13 @@
   <p:clrMapOvr>
     <a:masterClrMapping/>
   </p:clrMapOvr>
-  <mc:AlternateContent xmlns:mc="http://schemas.openxmlformats.org/markup-compatibility/2006" xmlns:p159="http://schemas.microsoft.com/office/powerpoint/2015/09/main">
-    <mc:Choice Requires="p159">
+  <mc:AlternateContent xmlns:mc="http://schemas.openxmlformats.org/markup-compatibility/2006">
+    <mc:Choice xmlns:p159="http://schemas.microsoft.com/office/powerpoint/2015/09/main" Requires="p159">
       <p:transition xmlns:p14="http://schemas.microsoft.com/office/powerpoint/2010/main" spd="slow" p14:dur="2000">
         <p159:morph option="byObject"/>
       </p:transition>
     </mc:Choice>
-    <mc:Fallback xmlns="">
+    <mc:Fallback>
       <p:transition spd="slow">
         <p:fade/>
       </p:transition>
@@ -6399,13 +6405,13 @@
   <p:clrMapOvr>
     <a:masterClrMapping/>
   </p:clrMapOvr>
-  <mc:AlternateContent xmlns:mc="http://schemas.openxmlformats.org/markup-compatibility/2006" xmlns:p159="http://schemas.microsoft.com/office/powerpoint/2015/09/main">
-    <mc:Choice Requires="p159">
+  <mc:AlternateContent xmlns:mc="http://schemas.openxmlformats.org/markup-compatibility/2006">
+    <mc:Choice xmlns:p159="http://schemas.microsoft.com/office/powerpoint/2015/09/main" Requires="p159">
       <p:transition xmlns:p14="http://schemas.microsoft.com/office/powerpoint/2010/main" spd="slow" p14:dur="2000">
         <p159:morph option="byObject"/>
       </p:transition>
     </mc:Choice>
-    <mc:Fallback xmlns="">
+    <mc:Fallback>
       <p:transition spd="slow">
         <p:fade/>
       </p:transition>
@@ -6563,7 +6569,7 @@
           <a:lstStyle/>
           <a:p>
             <a:r>
-              <a:rPr lang="en-US" altLang="zh-TW" dirty="0" err="1">
+              <a:rPr lang="en-US" altLang="zh-TW" err="1">
                 <a:solidFill>
                   <a:schemeClr val="bg1"/>
                 </a:solidFill>
@@ -6573,7 +6579,7 @@
               <a:t>系統組-app頁面</a:t>
             </a:r>
             <a:br>
-              <a:rPr lang="en-US" altLang="zh-TW" dirty="0">
+              <a:rPr lang="en-US" altLang="zh-TW">
                 <a:latin typeface="微軟正黑體"/>
                 <a:ea typeface="微軟正黑體"/>
               </a:rPr>
@@ -6802,13 +6808,13 @@
   <p:clrMapOvr>
     <a:masterClrMapping/>
   </p:clrMapOvr>
-  <mc:AlternateContent xmlns:mc="http://schemas.openxmlformats.org/markup-compatibility/2006" xmlns:p159="http://schemas.microsoft.com/office/powerpoint/2015/09/main">
-    <mc:Choice Requires="p159">
+  <mc:AlternateContent xmlns:mc="http://schemas.openxmlformats.org/markup-compatibility/2006">
+    <mc:Choice xmlns:p159="http://schemas.microsoft.com/office/powerpoint/2015/09/main" Requires="p159">
       <p:transition xmlns:p14="http://schemas.microsoft.com/office/powerpoint/2010/main" spd="slow" p14:dur="2000">
         <p159:morph option="byObject"/>
       </p:transition>
     </mc:Choice>
-    <mc:Fallback xmlns="">
+    <mc:Fallback>
       <p:transition spd="slow">
         <p:fade/>
       </p:transition>
@@ -7422,13 +7428,13 @@
   <p:clrMapOvr>
     <a:masterClrMapping/>
   </p:clrMapOvr>
-  <mc:AlternateContent xmlns:mc="http://schemas.openxmlformats.org/markup-compatibility/2006" xmlns:p159="http://schemas.microsoft.com/office/powerpoint/2015/09/main">
-    <mc:Choice Requires="p159">
+  <mc:AlternateContent xmlns:mc="http://schemas.openxmlformats.org/markup-compatibility/2006">
+    <mc:Choice xmlns:p159="http://schemas.microsoft.com/office/powerpoint/2015/09/main" Requires="p159">
       <p:transition xmlns:p14="http://schemas.microsoft.com/office/powerpoint/2010/main" spd="slow" p14:dur="2000">
         <p159:morph option="byObject"/>
       </p:transition>
     </mc:Choice>
-    <mc:Fallback xmlns="">
+    <mc:Fallback>
       <p:transition spd="slow">
         <p:fade/>
       </p:transition>
@@ -7918,13 +7924,13 @@
   <p:clrMapOvr>
     <a:masterClrMapping/>
   </p:clrMapOvr>
-  <mc:AlternateContent xmlns:mc="http://schemas.openxmlformats.org/markup-compatibility/2006" xmlns:p159="http://schemas.microsoft.com/office/powerpoint/2015/09/main">
-    <mc:Choice Requires="p159">
+  <mc:AlternateContent xmlns:mc="http://schemas.openxmlformats.org/markup-compatibility/2006">
+    <mc:Choice xmlns:p159="http://schemas.microsoft.com/office/powerpoint/2015/09/main" Requires="p159">
       <p:transition xmlns:p14="http://schemas.microsoft.com/office/powerpoint/2010/main" spd="slow" p14:dur="2000">
         <p159:morph option="byObject"/>
       </p:transition>
     </mc:Choice>
-    <mc:Fallback xmlns="">
+    <mc:Fallback>
       <p:transition spd="slow">
         <p:fade/>
       </p:transition>
@@ -8475,13 +8481,13 @@
   <p:clrMapOvr>
     <a:masterClrMapping/>
   </p:clrMapOvr>
-  <mc:AlternateContent xmlns:mc="http://schemas.openxmlformats.org/markup-compatibility/2006" xmlns:p159="http://schemas.microsoft.com/office/powerpoint/2015/09/main">
-    <mc:Choice Requires="p159">
+  <mc:AlternateContent xmlns:mc="http://schemas.openxmlformats.org/markup-compatibility/2006">
+    <mc:Choice xmlns:p159="http://schemas.microsoft.com/office/powerpoint/2015/09/main" Requires="p159">
       <p:transition xmlns:p14="http://schemas.microsoft.com/office/powerpoint/2010/main" spd="slow" p14:dur="2000">
         <p159:morph option="byObject"/>
       </p:transition>
     </mc:Choice>
-    <mc:Fallback xmlns="">
+    <mc:Fallback>
       <p:transition spd="slow">
         <p:fade/>
       </p:transition>
@@ -9819,13 +9825,13 @@
   <p:clrMapOvr>
     <a:masterClrMapping/>
   </p:clrMapOvr>
-  <mc:AlternateContent xmlns:mc="http://schemas.openxmlformats.org/markup-compatibility/2006" xmlns:p159="http://schemas.microsoft.com/office/powerpoint/2015/09/main">
-    <mc:Choice Requires="p159">
+  <mc:AlternateContent xmlns:mc="http://schemas.openxmlformats.org/markup-compatibility/2006">
+    <mc:Choice xmlns:p159="http://schemas.microsoft.com/office/powerpoint/2015/09/main" Requires="p159">
       <p:transition xmlns:p14="http://schemas.microsoft.com/office/powerpoint/2010/main" spd="slow" p14:dur="2000">
         <p159:morph option="byObject"/>
       </p:transition>
     </mc:Choice>
-    <mc:Fallback xmlns="">
+    <mc:Fallback>
       <p:transition spd="slow">
         <p:fade/>
       </p:transition>
@@ -10379,13 +10385,13 @@
   <p:clrMapOvr>
     <a:masterClrMapping/>
   </p:clrMapOvr>
-  <mc:AlternateContent xmlns:mc="http://schemas.openxmlformats.org/markup-compatibility/2006" xmlns:p159="http://schemas.microsoft.com/office/powerpoint/2015/09/main">
-    <mc:Choice Requires="p159">
+  <mc:AlternateContent xmlns:mc="http://schemas.openxmlformats.org/markup-compatibility/2006">
+    <mc:Choice xmlns:p159="http://schemas.microsoft.com/office/powerpoint/2015/09/main" Requires="p159">
       <p:transition xmlns:p14="http://schemas.microsoft.com/office/powerpoint/2010/main" spd="slow" p14:dur="2000">
         <p159:morph option="byObject"/>
       </p:transition>
     </mc:Choice>
-    <mc:Fallback xmlns="">
+    <mc:Fallback>
       <p:transition spd="slow">
         <p:fade/>
       </p:transition>
@@ -10736,13 +10742,13 @@
   <p:clrMapOvr>
     <a:masterClrMapping/>
   </p:clrMapOvr>
-  <mc:AlternateContent xmlns:mc="http://schemas.openxmlformats.org/markup-compatibility/2006" xmlns:p159="http://schemas.microsoft.com/office/powerpoint/2015/09/main">
-    <mc:Choice Requires="p159">
+  <mc:AlternateContent xmlns:mc="http://schemas.openxmlformats.org/markup-compatibility/2006">
+    <mc:Choice xmlns:p159="http://schemas.microsoft.com/office/powerpoint/2015/09/main" Requires="p159">
       <p:transition xmlns:p14="http://schemas.microsoft.com/office/powerpoint/2010/main" spd="slow" p14:dur="2000">
         <p159:morph option="byObject"/>
       </p:transition>
     </mc:Choice>
-    <mc:Fallback xmlns="">
+    <mc:Fallback>
       <p:transition spd="slow">
         <p:fade/>
       </p:transition>
@@ -11069,11 +11075,6 @@
               </a:rPr>
               <a:t>比vosk更好的語音辨識模型</a:t>
             </a:r>
-            <a:endParaRPr lang="zh-TW" altLang="en-US" sz="2000" dirty="0">
-              <a:solidFill>
-                <a:schemeClr val="bg1"/>
-              </a:solidFill>
-            </a:endParaRPr>
           </a:p>
           <a:p>
             <a:pPr marL="0" indent="0">
@@ -11106,7 +11107,7 @@
               <a:buNone/>
             </a:pPr>
             <a:r>
-              <a:rPr lang="en-US" altLang="zh-TW" sz="2000" dirty="0">
+              <a:rPr lang="en-US" altLang="zh-TW" sz="2000">
                 <a:solidFill>
                   <a:schemeClr val="bg1"/>
                 </a:solidFill>
@@ -11116,7 +11117,7 @@
               <a:t>會藉由評分模型的準確度來比較wav2vec</a:t>
             </a:r>
             <a:r>
-              <a:rPr lang="zh-TW" altLang="en-US" sz="2000" dirty="0">
+              <a:rPr lang="zh-TW" altLang="en-US" sz="2000">
                 <a:solidFill>
                   <a:schemeClr val="bg1"/>
                 </a:solidFill>
@@ -11126,7 +11127,7 @@
               <a:t> </a:t>
             </a:r>
             <a:r>
-              <a:rPr lang="en-US" altLang="zh-TW" sz="2000" dirty="0">
+              <a:rPr lang="en-US" altLang="zh-TW" sz="2000">
                 <a:solidFill>
                   <a:schemeClr val="bg1"/>
                 </a:solidFill>
@@ -11265,13 +11266,13 @@
   <p:clrMapOvr>
     <a:masterClrMapping/>
   </p:clrMapOvr>
-  <mc:AlternateContent xmlns:mc="http://schemas.openxmlformats.org/markup-compatibility/2006" xmlns:p159="http://schemas.microsoft.com/office/powerpoint/2015/09/main">
-    <mc:Choice Requires="p159">
+  <mc:AlternateContent xmlns:mc="http://schemas.openxmlformats.org/markup-compatibility/2006">
+    <mc:Choice xmlns:p159="http://schemas.microsoft.com/office/powerpoint/2015/09/main" Requires="p159">
       <p:transition xmlns:p14="http://schemas.microsoft.com/office/powerpoint/2010/main" spd="slow" p14:dur="2000">
         <p159:morph option="byObject"/>
       </p:transition>
     </mc:Choice>
-    <mc:Fallback xmlns="">
+    <mc:Fallback>
       <p:transition spd="slow">
         <p:fade/>
       </p:transition>
@@ -11641,7 +11642,50 @@
               </a:rPr>
               <a:t>配合對應的process用學校語音進行微調。</a:t>
             </a:r>
-            <a:endParaRPr lang="zh-TW" altLang="en-US" dirty="0">
+          </a:p>
+          <a:p>
+            <a:pPr marL="0" indent="0">
+              <a:buNone/>
+            </a:pPr>
+            <a:r>
+              <a:rPr lang="zh-TW" altLang="en-US">
+                <a:solidFill>
+                  <a:schemeClr val="bg1"/>
+                </a:solidFill>
+              </a:rPr>
+              <a:t>目前問題: </a:t>
+            </a:r>
+          </a:p>
+          <a:p>
+            <a:r>
+              <a:rPr lang="zh-TW" altLang="en-US">
+                <a:solidFill>
+                  <a:schemeClr val="bg1"/>
+                </a:solidFill>
+              </a:rPr>
+              <a:t>可能因為訓練資料不夠導致</a:t>
+            </a:r>
+            <a:r>
+              <a:rPr lang="zh-TW">
+                <a:solidFill>
+                  <a:schemeClr val="bg1"/>
+                </a:solidFill>
+                <a:latin typeface="Microsoft JhengHei"/>
+                <a:ea typeface="Microsoft JhengHei"/>
+              </a:rPr>
+              <a:t>評分準確性</a:t>
+            </a:r>
+            <a:r>
+              <a:rPr lang="zh-TW" altLang="en-US">
+                <a:solidFill>
+                  <a:schemeClr val="bg1"/>
+                </a:solidFill>
+                <a:latin typeface="Microsoft JhengHei"/>
+                <a:ea typeface="Microsoft JhengHei"/>
+              </a:rPr>
+              <a:t>降低</a:t>
+            </a:r>
+            <a:endParaRPr lang="zh-TW" altLang="en-US">
               <a:solidFill>
                 <a:schemeClr val="bg1"/>
               </a:solidFill>
@@ -11657,60 +11701,12 @@
                   <a:schemeClr val="bg1"/>
                 </a:solidFill>
               </a:rPr>
-              <a:t>目前問題: </a:t>
-            </a:r>
-          </a:p>
-          <a:p>
-            <a:r>
-              <a:rPr lang="zh-TW" altLang="en-US">
-                <a:solidFill>
-                  <a:schemeClr val="bg1"/>
-                </a:solidFill>
-              </a:rPr>
-              <a:t>可能因為訓練資料不夠導致</a:t>
-            </a:r>
-            <a:r>
-              <a:rPr lang="zh-TW">
-                <a:solidFill>
-                  <a:schemeClr val="bg1"/>
-                </a:solidFill>
-                <a:latin typeface="Microsoft JhengHei"/>
-                <a:ea typeface="Microsoft JhengHei"/>
-              </a:rPr>
-              <a:t>評分準確性</a:t>
-            </a:r>
-            <a:r>
-              <a:rPr lang="zh-TW" altLang="en-US">
-                <a:solidFill>
-                  <a:schemeClr val="bg1"/>
-                </a:solidFill>
-                <a:latin typeface="Microsoft JhengHei"/>
-                <a:ea typeface="Microsoft JhengHei"/>
-              </a:rPr>
-              <a:t>降低</a:t>
-            </a:r>
-            <a:endParaRPr lang="zh-TW" altLang="en-US" dirty="0">
-              <a:solidFill>
-                <a:schemeClr val="bg1"/>
-              </a:solidFill>
-            </a:endParaRPr>
-          </a:p>
-          <a:p>
-            <a:pPr marL="0" indent="0">
-              <a:buNone/>
-            </a:pPr>
-            <a:r>
-              <a:rPr lang="zh-TW" altLang="en-US">
-                <a:solidFill>
-                  <a:schemeClr val="bg1"/>
-                </a:solidFill>
-              </a:rPr>
               <a:t>研究參考: </a:t>
             </a:r>
           </a:p>
           <a:p>
             <a:r>
-              <a:rPr lang="en-US" altLang="zh-TW" dirty="0">
+              <a:rPr lang="en-US" altLang="zh-TW">
                 <a:solidFill>
                   <a:schemeClr val="bg1"/>
                 </a:solidFill>
@@ -11726,7 +11722,7 @@
               </a:rPr>
               <a:t>wav2vec2</a:t>
             </a:r>
-            <a:endParaRPr lang="zh-TW" dirty="0">
+            <a:endParaRPr lang="zh-TW">
               <a:solidFill>
                 <a:schemeClr val="bg1"/>
               </a:solidFill>
@@ -11756,13 +11752,13 @@
   <p:clrMapOvr>
     <a:masterClrMapping/>
   </p:clrMapOvr>
-  <mc:AlternateContent xmlns:mc="http://schemas.openxmlformats.org/markup-compatibility/2006" xmlns:p159="http://schemas.microsoft.com/office/powerpoint/2015/09/main">
-    <mc:Choice Requires="p159">
+  <mc:AlternateContent xmlns:mc="http://schemas.openxmlformats.org/markup-compatibility/2006">
+    <mc:Choice xmlns:p159="http://schemas.microsoft.com/office/powerpoint/2015/09/main" Requires="p159">
       <p:transition xmlns:p14="http://schemas.microsoft.com/office/powerpoint/2010/main" spd="slow" p14:dur="2000">
         <p159:morph option="byObject"/>
       </p:transition>
     </mc:Choice>
-    <mc:Fallback xmlns="">
+    <mc:Fallback>
       <p:transition spd="slow">
         <p:fade/>
       </p:transition>
@@ -11925,14 +11921,14 @@
                   <a:schemeClr val="bg1"/>
                 </a:solidFill>
               </a:rPr>
-              <a:t>3/2-AI組-進度</a:t>
-            </a:r>
-            <a:endParaRPr lang="zh-TW" sz="2400">
+              <a:t>3/2-系統組-進度</a:t>
+            </a:r>
+            <a:endParaRPr lang="zh-TW" altLang="en-US">
               <a:solidFill>
                 <a:schemeClr val="bg1"/>
               </a:solidFill>
-              <a:latin typeface="Microsoft JhengHei"/>
-              <a:ea typeface="Microsoft JhengHei"/>
+              <a:latin typeface="微軟正黑體"/>
+              <a:ea typeface="微軟正黑體"/>
             </a:endParaRPr>
           </a:p>
         </p:txBody>
@@ -12007,7 +12003,7 @@
         </p:nvSpPr>
         <p:spPr>
           <a:xfrm>
-            <a:off x="1392667" y="2398957"/>
+            <a:off x="1227015" y="2277479"/>
             <a:ext cx="9406666" cy="3526144"/>
           </a:xfrm>
         </p:spPr>
@@ -12021,15 +12017,20 @@
               <a:buNone/>
             </a:pPr>
             <a:r>
-              <a:rPr lang="zh-TW" altLang="en-US" sz="2000">
+              <a:rPr lang="zh-TW" sz="2000">
                 <a:solidFill>
                   <a:schemeClr val="bg1"/>
                 </a:solidFill>
                 <a:latin typeface="Microsoft JhengHei"/>
                 <a:ea typeface="Microsoft JhengHei"/>
               </a:rPr>
-              <a:t>目前</a:t>
-            </a:r>
+              <a:t>目前進度:</a:t>
+            </a:r>
+          </a:p>
+          <a:p>
+            <a:pPr marL="0" indent="0">
+              <a:buNone/>
+            </a:pPr>
             <a:r>
               <a:rPr lang="zh-TW" sz="2000">
                 <a:solidFill>
@@ -12038,100 +12039,137 @@
                 <a:latin typeface="Microsoft JhengHei"/>
                 <a:ea typeface="Microsoft JhengHei"/>
               </a:rPr>
-              <a:t>進度:</a:t>
+              <a:t>架設好網站</a:t>
+            </a:r>
+            <a:r>
+              <a:rPr lang="zh-TW" altLang="en-US" sz="2000">
+                <a:solidFill>
+                  <a:schemeClr val="bg1"/>
+                </a:solidFill>
+                <a:latin typeface="Microsoft JhengHei"/>
+                <a:ea typeface="Microsoft JhengHei"/>
+              </a:rPr>
+              <a:t>                                        </a:t>
+            </a:r>
+            <a:endParaRPr lang="zh-TW" sz="2000">
+              <a:solidFill>
+                <a:schemeClr val="bg1"/>
+              </a:solidFill>
+              <a:latin typeface="Microsoft JhengHei"/>
+              <a:ea typeface="Microsoft JhengHei"/>
+            </a:endParaRPr>
+          </a:p>
+          <a:p>
+            <a:pPr marL="0" indent="0">
+              <a:buNone/>
+            </a:pPr>
+            <a:r>
+              <a:rPr lang="zh-TW" sz="2000">
+                <a:solidFill>
+                  <a:schemeClr val="bg1"/>
+                </a:solidFill>
+                <a:latin typeface="Microsoft JhengHei"/>
+                <a:ea typeface="Microsoft JhengHei"/>
+              </a:rPr>
+              <a:t>做出pc版的app</a:t>
+            </a:r>
+            <a:endParaRPr lang="en-US" sz="2000">
+              <a:solidFill>
+                <a:schemeClr val="bg1"/>
+              </a:solidFill>
+              <a:latin typeface="Microsoft JhengHei"/>
+              <a:ea typeface="Microsoft JhengHei"/>
+            </a:endParaRPr>
+          </a:p>
+          <a:p>
+            <a:pPr marL="0" indent="0">
+              <a:buNone/>
+            </a:pPr>
+            <a:r>
+              <a:rPr lang="zh-TW" sz="1200">
+                <a:solidFill>
+                  <a:schemeClr val="bg1"/>
+                </a:solidFill>
+                <a:ea typeface="+mn-lt"/>
+                <a:cs typeface="+mn-lt"/>
+                <a:hlinkClick r:id="rId2"/>
+              </a:rPr>
+              <a:t>https://drive.google.com/file/d/157po7bGLLeZNeMyYi0KOYIUcpGCoAJCv/view?usp=drive_link</a:t>
+            </a:r>
+            <a:endParaRPr lang="zh-TW"/>
+          </a:p>
+          <a:p>
+            <a:pPr marL="0" indent="0">
+              <a:buNone/>
+            </a:pPr>
+            <a:r>
+              <a:rPr lang="zh-TW" sz="2000">
+                <a:solidFill>
+                  <a:schemeClr val="bg1"/>
+                </a:solidFill>
+                <a:latin typeface="Microsoft JhengHei"/>
+                <a:ea typeface="Microsoft JhengHei"/>
+              </a:rPr>
+              <a:t>正在研究:</a:t>
+            </a:r>
+          </a:p>
+          <a:p>
+            <a:pPr marL="0" indent="0">
+              <a:buNone/>
+            </a:pPr>
+            <a:r>
+              <a:rPr lang="zh-TW" sz="2000">
+                <a:solidFill>
+                  <a:schemeClr val="bg1"/>
+                </a:solidFill>
+                <a:latin typeface="Microsoft JhengHei"/>
+                <a:ea typeface="Microsoft JhengHei"/>
+              </a:rPr>
+              <a:t>手機板的app</a:t>
+            </a:r>
+            <a:endParaRPr lang="zh-TW" sz="2000">
+              <a:solidFill>
+                <a:srgbClr val="000000"/>
+              </a:solidFill>
+              <a:latin typeface="Microsoft JhengHei"/>
+              <a:ea typeface="Microsoft JhengHei"/>
+            </a:endParaRPr>
+          </a:p>
+          <a:p>
+            <a:pPr marL="0" indent="0">
+              <a:buNone/>
+            </a:pPr>
+            <a:r>
+              <a:rPr lang="zh-TW" sz="2000">
+                <a:solidFill>
+                  <a:schemeClr val="bg1"/>
+                </a:solidFill>
+                <a:latin typeface="Microsoft JhengHei"/>
+                <a:ea typeface="Microsoft JhengHei"/>
+              </a:rPr>
+              <a:t>未來想法:</a:t>
+            </a:r>
+          </a:p>
+          <a:p>
+            <a:pPr marL="0" indent="0">
+              <a:buNone/>
+            </a:pPr>
+            <a:r>
+              <a:rPr lang="zh-TW" sz="2000">
+                <a:solidFill>
+                  <a:schemeClr val="bg1"/>
+                </a:solidFill>
+                <a:latin typeface="Microsoft JhengHei"/>
+                <a:ea typeface="Microsoft JhengHei"/>
+              </a:rPr>
+              <a:t>與ai組討論連接API的方式</a:t>
             </a:r>
             <a:endParaRPr lang="zh-TW">
               <a:solidFill>
                 <a:schemeClr val="bg1"/>
               </a:solidFill>
-            </a:endParaRPr>
-          </a:p>
-          <a:p>
-            <a:pPr marL="0" indent="0">
-              <a:buNone/>
-            </a:pPr>
-            <a:r>
-              <a:rPr lang="zh-TW" altLang="en-US" sz="2000">
-                <a:solidFill>
-                  <a:schemeClr val="bg1"/>
-                </a:solidFill>
-              </a:rPr>
-              <a:t>架構評分模型(BLSTM)</a:t>
-            </a:r>
-          </a:p>
-          <a:p>
-            <a:pPr marL="0" indent="0">
-              <a:buNone/>
-            </a:pPr>
-            <a:r>
-              <a:rPr lang="zh-TW" altLang="en-US" sz="2000">
-                <a:solidFill>
-                  <a:schemeClr val="bg1"/>
-                </a:solidFill>
-              </a:rPr>
-              <a:t>研究whisper</a:t>
-            </a:r>
-          </a:p>
-          <a:p>
-            <a:pPr marL="0" indent="0">
-              <a:buNone/>
-            </a:pPr>
-            <a:r>
-              <a:rPr lang="zh-TW" altLang="en-US" sz="2000">
-                <a:solidFill>
-                  <a:schemeClr val="bg1"/>
-                </a:solidFill>
-              </a:rPr>
-              <a:t>正在研究:</a:t>
-            </a:r>
-          </a:p>
-          <a:p>
-            <a:pPr marL="0" indent="0">
-              <a:buNone/>
-            </a:pPr>
-            <a:r>
-              <a:rPr lang="zh-TW" altLang="en-US" sz="2000">
-                <a:solidFill>
-                  <a:schemeClr val="bg1"/>
-                </a:solidFill>
-              </a:rPr>
-              <a:t>讀取訓練音檔、文字和分數的方式</a:t>
-            </a:r>
-            <a:endParaRPr lang="zh-TW" altLang="en-US" sz="2000" dirty="0">
-              <a:solidFill>
-                <a:schemeClr val="bg1"/>
-              </a:solidFill>
-            </a:endParaRPr>
-          </a:p>
-          <a:p>
-            <a:pPr marL="0" indent="0">
-              <a:buNone/>
-            </a:pPr>
-            <a:r>
-              <a:rPr lang="zh-TW" altLang="en-US" sz="2000">
-                <a:solidFill>
-                  <a:schemeClr val="bg1"/>
-                </a:solidFill>
-              </a:rPr>
-              <a:t>未來想法:</a:t>
-            </a:r>
-          </a:p>
-          <a:p>
-            <a:pPr marL="0" indent="0">
-              <a:buNone/>
-            </a:pPr>
-            <a:r>
-              <a:rPr lang="zh-TW" altLang="en-US" sz="2000">
-                <a:solidFill>
-                  <a:schemeClr val="bg1"/>
-                </a:solidFill>
-              </a:rPr>
-              <a:t>與系統組討論連接API的方式</a:t>
-            </a:r>
-            <a:endParaRPr lang="zh-TW" altLang="en-US" sz="2000" dirty="0">
-              <a:solidFill>
-                <a:schemeClr val="bg1"/>
-              </a:solidFill>
+              <a:latin typeface="Microsoft JhengHei"/>
+              <a:ea typeface="Microsoft JhengHei"/>
             </a:endParaRPr>
           </a:p>
           <a:p>
@@ -12238,6 +12276,79 @@
           </a:p>
         </p:txBody>
       </p:sp>
+      <p:pic>
+        <p:nvPicPr>
+          <p:cNvPr id="4" name="圖片 3" descr="一張含有 文字, 螢幕擷取畫面, 軟體, 數字 的圖片&#10;&#10;自動產生的描述">
+            <a:extLst>
+              <a:ext uri="{FF2B5EF4-FFF2-40B4-BE49-F238E27FC236}">
+                <a16:creationId xmlns:a16="http://schemas.microsoft.com/office/drawing/2014/main" id="{BF697C27-E672-B4CC-5171-99F589F09592}"/>
+              </a:ext>
+            </a:extLst>
+          </p:cNvPr>
+          <p:cNvPicPr>
+            <a:picLocks noChangeAspect="1"/>
+          </p:cNvPicPr>
+          <p:nvPr/>
+        </p:nvPicPr>
+        <p:blipFill>
+          <a:blip r:embed="rId3"/>
+          <a:stretch>
+            <a:fillRect/>
+          </a:stretch>
+        </p:blipFill>
+        <p:spPr>
+          <a:xfrm>
+            <a:off x="8266057" y="1691861"/>
+            <a:ext cx="1888409" cy="4114800"/>
+          </a:xfrm>
+          <a:prstGeom prst="rect">
+            <a:avLst/>
+          </a:prstGeom>
+        </p:spPr>
+      </p:pic>
+      <p:sp>
+        <p:nvSpPr>
+          <p:cNvPr id="7" name="文字方塊 6">
+            <a:extLst>
+              <a:ext uri="{FF2B5EF4-FFF2-40B4-BE49-F238E27FC236}">
+                <a16:creationId xmlns:a16="http://schemas.microsoft.com/office/drawing/2014/main" id="{E9980EC0-9251-3200-7700-612CE2156990}"/>
+              </a:ext>
+            </a:extLst>
+          </p:cNvPr>
+          <p:cNvSpPr txBox="1"/>
+          <p:nvPr/>
+        </p:nvSpPr>
+        <p:spPr>
+          <a:xfrm>
+            <a:off x="7765262" y="1259055"/>
+            <a:ext cx="2871953" cy="400110"/>
+          </a:xfrm>
+          <a:prstGeom prst="rect">
+            <a:avLst/>
+          </a:prstGeom>
+          <a:noFill/>
+        </p:spPr>
+        <p:txBody>
+          <a:bodyPr rot="0" spcFirstLastPara="0" vertOverflow="overflow" horzOverflow="overflow" vert="horz" wrap="square" lIns="91440" tIns="45720" rIns="91440" bIns="45720" numCol="1" spcCol="0" rtlCol="0" fromWordArt="0" anchor="t" anchorCtr="0" forceAA="0" compatLnSpc="1">
+            <a:prstTxWarp prst="textNoShape">
+              <a:avLst/>
+            </a:prstTxWarp>
+            <a:spAutoFit/>
+          </a:bodyPr>
+          <a:lstStyle/>
+          <a:p>
+            <a:pPr algn="l"/>
+            <a:r>
+              <a:rPr lang="zh-TW" altLang="en-US" sz="2000">
+                <a:solidFill>
+                  <a:schemeClr val="bg1"/>
+                </a:solidFill>
+              </a:rPr>
+              <a:t>未來手機app的樣式</a:t>
+            </a:r>
+          </a:p>
+        </p:txBody>
+      </p:sp>
     </p:spTree>
     <p:extLst>
       <p:ext uri="{BB962C8B-B14F-4D97-AF65-F5344CB8AC3E}">
@@ -12248,13 +12359,13 @@
   <p:clrMapOvr>
     <a:masterClrMapping/>
   </p:clrMapOvr>
-  <mc:AlternateContent xmlns:mc="http://schemas.openxmlformats.org/markup-compatibility/2006" xmlns:p159="http://schemas.microsoft.com/office/powerpoint/2015/09/main">
-    <mc:Choice Requires="p159">
+  <mc:AlternateContent xmlns:mc="http://schemas.openxmlformats.org/markup-compatibility/2006">
+    <mc:Choice xmlns:p159="http://schemas.microsoft.com/office/powerpoint/2015/09/main" Requires="p159">
       <p:transition xmlns:p14="http://schemas.microsoft.com/office/powerpoint/2010/main" spd="slow" p14:dur="2000">
         <p159:morph option="byObject"/>
       </p:transition>
     </mc:Choice>
-    <mc:Fallback xmlns="">
+    <mc:Fallback>
       <p:transition spd="slow">
         <p:fade/>
       </p:transition>
@@ -12402,7 +12513,7 @@
         <p:spPr>
           <a:xfrm>
             <a:off x="1392667" y="594294"/>
-            <a:ext cx="6112114" cy="1325563"/>
+            <a:ext cx="4508946" cy="1325563"/>
           </a:xfrm>
         </p:spPr>
         <p:txBody>
@@ -12416,17 +12527,15 @@
                 <a:solidFill>
                   <a:schemeClr val="bg1"/>
                 </a:solidFill>
-                <a:latin typeface="微軟正黑體"/>
-                <a:ea typeface="微軟正黑體"/>
-              </a:rPr>
-              <a:t>BLSTM</a:t>
-            </a:r>
-            <a:endParaRPr lang="zh-TW" altLang="en-US" sz="3000">
+              </a:rPr>
+              <a:t>3/2-AI組-進度</a:t>
+            </a:r>
+            <a:endParaRPr lang="zh-TW" sz="2400">
               <a:solidFill>
                 <a:schemeClr val="bg1"/>
               </a:solidFill>
-              <a:latin typeface="微軟正黑體"/>
-              <a:ea typeface="微軟正黑體"/>
+              <a:latin typeface="Microsoft JhengHei"/>
+              <a:ea typeface="Microsoft JhengHei"/>
             </a:endParaRPr>
           </a:p>
         </p:txBody>
@@ -12483,6 +12592,153 @@
           </a:fontRef>
         </p:style>
       </p:cxnSp>
+      <p:sp>
+        <p:nvSpPr>
+          <p:cNvPr id="3" name="內容版面配置區 2">
+            <a:extLst>
+              <a:ext uri="{FF2B5EF4-FFF2-40B4-BE49-F238E27FC236}">
+                <a16:creationId xmlns:a16="http://schemas.microsoft.com/office/drawing/2014/main" id="{E94730DB-35A7-9DE6-D4E2-BE946897AB02}"/>
+              </a:ext>
+            </a:extLst>
+          </p:cNvPr>
+          <p:cNvSpPr>
+            <a:spLocks noGrp="1"/>
+          </p:cNvSpPr>
+          <p:nvPr>
+            <p:ph idx="1"/>
+          </p:nvPr>
+        </p:nvSpPr>
+        <p:spPr>
+          <a:xfrm>
+            <a:off x="1392667" y="2398957"/>
+            <a:ext cx="9406666" cy="3526144"/>
+          </a:xfrm>
+        </p:spPr>
+        <p:txBody>
+          <a:bodyPr vert="horz" lIns="91440" tIns="45720" rIns="91440" bIns="45720" rtlCol="0" anchor="t">
+            <a:normAutofit/>
+          </a:bodyPr>
+          <a:lstStyle/>
+          <a:p>
+            <a:pPr>
+              <a:buNone/>
+            </a:pPr>
+            <a:r>
+              <a:rPr lang="zh-TW" altLang="en-US" sz="2000">
+                <a:solidFill>
+                  <a:schemeClr val="bg1"/>
+                </a:solidFill>
+                <a:latin typeface="Microsoft JhengHei"/>
+                <a:ea typeface="Microsoft JhengHei"/>
+              </a:rPr>
+              <a:t>目前</a:t>
+            </a:r>
+            <a:r>
+              <a:rPr lang="zh-TW" sz="2000">
+                <a:solidFill>
+                  <a:schemeClr val="bg1"/>
+                </a:solidFill>
+                <a:latin typeface="Microsoft JhengHei"/>
+                <a:ea typeface="Microsoft JhengHei"/>
+              </a:rPr>
+              <a:t>進度:</a:t>
+            </a:r>
+            <a:endParaRPr lang="zh-TW">
+              <a:solidFill>
+                <a:schemeClr val="bg1"/>
+              </a:solidFill>
+            </a:endParaRPr>
+          </a:p>
+          <a:p>
+            <a:pPr marL="0" indent="0">
+              <a:buNone/>
+            </a:pPr>
+            <a:r>
+              <a:rPr lang="zh-TW" altLang="en-US" sz="2000">
+                <a:solidFill>
+                  <a:schemeClr val="bg1"/>
+                </a:solidFill>
+              </a:rPr>
+              <a:t>架構完評分模型(BLSTM)</a:t>
+            </a:r>
+          </a:p>
+          <a:p>
+            <a:pPr marL="0" indent="0">
+              <a:buNone/>
+            </a:pPr>
+            <a:r>
+              <a:rPr lang="zh-TW" altLang="en-US" sz="2000">
+                <a:solidFill>
+                  <a:schemeClr val="bg1"/>
+                </a:solidFill>
+              </a:rPr>
+              <a:t>研究whisper</a:t>
+            </a:r>
+          </a:p>
+          <a:p>
+            <a:pPr marL="0" indent="0">
+              <a:buNone/>
+            </a:pPr>
+            <a:r>
+              <a:rPr lang="zh-TW" altLang="en-US" sz="2000">
+                <a:solidFill>
+                  <a:schemeClr val="bg1"/>
+                </a:solidFill>
+              </a:rPr>
+              <a:t>正在研究:</a:t>
+            </a:r>
+          </a:p>
+          <a:p>
+            <a:pPr marL="0" indent="0">
+              <a:buNone/>
+            </a:pPr>
+            <a:r>
+              <a:rPr lang="zh-TW" altLang="en-US" sz="2000">
+                <a:solidFill>
+                  <a:schemeClr val="bg1"/>
+                </a:solidFill>
+              </a:rPr>
+              <a:t>讀取訓練音檔、文字和分數的方式</a:t>
+            </a:r>
+          </a:p>
+          <a:p>
+            <a:pPr marL="0" indent="0">
+              <a:buNone/>
+            </a:pPr>
+            <a:r>
+              <a:rPr lang="zh-TW" altLang="en-US" sz="2000">
+                <a:solidFill>
+                  <a:schemeClr val="bg1"/>
+                </a:solidFill>
+              </a:rPr>
+              <a:t>未來想法:</a:t>
+            </a:r>
+          </a:p>
+          <a:p>
+            <a:pPr marL="0" indent="0">
+              <a:buNone/>
+            </a:pPr>
+            <a:r>
+              <a:rPr lang="zh-TW" altLang="en-US" sz="2000">
+                <a:solidFill>
+                  <a:schemeClr val="bg1"/>
+                </a:solidFill>
+              </a:rPr>
+              <a:t>與系統組討論連接API的方式</a:t>
+            </a:r>
+          </a:p>
+          <a:p>
+            <a:pPr marL="0" indent="0">
+              <a:buNone/>
+            </a:pPr>
+            <a:endParaRPr lang="zh-TW" altLang="en-US" sz="2000">
+              <a:solidFill>
+                <a:schemeClr val="bg1"/>
+              </a:solidFill>
+            </a:endParaRPr>
+          </a:p>
+        </p:txBody>
+      </p:sp>
       <p:sp>
         <p:nvSpPr>
           <p:cNvPr id="42" name="Rectangle 41">
@@ -12575,12 +12831,157 @@
           </a:p>
         </p:txBody>
       </p:sp>
+    </p:spTree>
+    <p:extLst>
+      <p:ext uri="{BB962C8B-B14F-4D97-AF65-F5344CB8AC3E}">
+        <p14:creationId xmlns:p14="http://schemas.microsoft.com/office/powerpoint/2010/main" val="668847273"/>
+      </p:ext>
+    </p:extLst>
+  </p:cSld>
+  <p:clrMapOvr>
+    <a:masterClrMapping/>
+  </p:clrMapOvr>
+  <mc:AlternateContent xmlns:mc="http://schemas.openxmlformats.org/markup-compatibility/2006">
+    <mc:Choice xmlns:p159="http://schemas.microsoft.com/office/powerpoint/2015/09/main" Requires="p159">
+      <p:transition xmlns:p14="http://schemas.microsoft.com/office/powerpoint/2010/main" spd="slow" p14:dur="2000">
+        <p159:morph option="byObject"/>
+      </p:transition>
+    </mc:Choice>
+    <mc:Fallback>
+      <p:transition spd="slow">
+        <p:fade/>
+      </p:transition>
+    </mc:Fallback>
+  </mc:AlternateContent>
+</p:sld>
+</file>
+
+<file path=ppt/slides/slide25.xml><?xml version="1.0" encoding="utf-8"?>
+<p:sld xmlns:a="http://schemas.openxmlformats.org/drawingml/2006/main" xmlns:r="http://schemas.openxmlformats.org/officeDocument/2006/relationships" xmlns:p="http://schemas.openxmlformats.org/presentationml/2006/main">
+  <p:cSld>
+    <p:bg>
+      <p:bgPr>
+        <a:solidFill>
+          <a:schemeClr val="bg1"/>
+        </a:solidFill>
+        <a:effectLst/>
+      </p:bgPr>
+    </p:bg>
+    <p:spTree>
+      <p:nvGrpSpPr>
+        <p:cNvPr id="1" name=""/>
+        <p:cNvGrpSpPr/>
+        <p:nvPr/>
+      </p:nvGrpSpPr>
+      <p:grpSpPr>
+        <a:xfrm>
+          <a:off x="0" y="0"/>
+          <a:ext cx="0" cy="0"/>
+          <a:chOff x="0" y="0"/>
+          <a:chExt cx="0" cy="0"/>
+        </a:xfrm>
+      </p:grpSpPr>
       <p:sp>
         <p:nvSpPr>
-          <p:cNvPr id="6" name="內容版面配置區 5">
-            <a:extLst>
-              <a:ext uri="{FF2B5EF4-FFF2-40B4-BE49-F238E27FC236}">
-                <a16:creationId xmlns:a16="http://schemas.microsoft.com/office/drawing/2014/main" id="{AD94F256-4FB2-8F40-242A-DDE997FFA21C}"/>
+          <p:cNvPr id="38" name="Rectangle 37">
+            <a:extLst>
+              <a:ext uri="{FF2B5EF4-FFF2-40B4-BE49-F238E27FC236}">
+                <a16:creationId xmlns:a16="http://schemas.microsoft.com/office/drawing/2014/main" id="{A7AE9375-4664-4DB2-922D-2782A6E439AC}"/>
+              </a:ext>
+              <a:ext uri="{C183D7F6-B498-43B3-948B-1728B52AA6E4}">
+                <adec:decorative xmlns:adec="http://schemas.microsoft.com/office/drawing/2017/decorative" val="1"/>
+              </a:ext>
+            </a:extLst>
+          </p:cNvPr>
+          <p:cNvSpPr>
+            <a:spLocks noGrp="1" noRot="1" noChangeAspect="1" noMove="1" noResize="1" noEditPoints="1" noAdjustHandles="1" noChangeArrowheads="1" noChangeShapeType="1" noTextEdit="1"/>
+          </p:cNvSpPr>
+          <p:nvPr>
+            <p:extLst>
+              <p:ext uri="{386F3935-93C4-4BCD-93E2-E3B085C9AB24}">
+                <p16:designElem xmlns:p16="http://schemas.microsoft.com/office/powerpoint/2015/main" val="1"/>
+              </p:ext>
+            </p:extLst>
+          </p:nvPr>
+        </p:nvSpPr>
+        <p:spPr>
+          <a:xfrm>
+            <a:off x="0" y="0"/>
+            <a:ext cx="12192000" cy="6858000"/>
+          </a:xfrm>
+          <a:prstGeom prst="rect">
+            <a:avLst/>
+          </a:prstGeom>
+          <a:solidFill>
+            <a:schemeClr val="tx1">
+              <a:lumMod val="95000"/>
+              <a:lumOff val="5000"/>
+            </a:schemeClr>
+          </a:solidFill>
+          <a:ln>
+            <a:noFill/>
+          </a:ln>
+        </p:spPr>
+        <p:style>
+          <a:lnRef idx="2">
+            <a:schemeClr val="accent1">
+              <a:shade val="50000"/>
+            </a:schemeClr>
+          </a:lnRef>
+          <a:fillRef idx="1">
+            <a:schemeClr val="accent1"/>
+          </a:fillRef>
+          <a:effectRef idx="0">
+            <a:schemeClr val="accent1"/>
+          </a:effectRef>
+          <a:fontRef idx="minor">
+            <a:schemeClr val="lt1"/>
+          </a:fontRef>
+        </p:style>
+        <p:txBody>
+          <a:bodyPr rtlCol="0" anchor="ctr"/>
+          <a:lstStyle/>
+          <a:p>
+            <a:pPr marL="0" marR="0" lvl="0" indent="0" algn="ctr" defTabSz="914400" rtl="0" eaLnBrk="1" fontAlgn="auto" latinLnBrk="0" hangingPunct="1">
+              <a:lnSpc>
+                <a:spcPct val="100000"/>
+              </a:lnSpc>
+              <a:spcBef>
+                <a:spcPts val="0"/>
+              </a:spcBef>
+              <a:spcAft>
+                <a:spcPts val="0"/>
+              </a:spcAft>
+              <a:buClrTx/>
+              <a:buSzTx/>
+              <a:buFontTx/>
+              <a:buNone/>
+              <a:tabLst/>
+              <a:defRPr/>
+            </a:pPr>
+            <a:endParaRPr kumimoji="0" lang="en-US" sz="1800" b="0" i="0" u="none" strike="noStrike" kern="1200" cap="none" spc="0" normalizeH="0" baseline="0" noProof="0">
+              <a:ln>
+                <a:noFill/>
+              </a:ln>
+              <a:solidFill>
+                <a:prstClr val="black"/>
+              </a:solidFill>
+              <a:effectLst/>
+              <a:uLnTx/>
+              <a:uFillTx/>
+              <a:latin typeface="微軟正黑體"/>
+              <a:ea typeface="微軟正黑體"/>
+              <a:cs typeface="+mn-cs"/>
+            </a:endParaRPr>
+          </a:p>
+        </p:txBody>
+      </p:sp>
+      <p:sp>
+        <p:nvSpPr>
+          <p:cNvPr id="2" name="標題 1">
+            <a:extLst>
+              <a:ext uri="{FF2B5EF4-FFF2-40B4-BE49-F238E27FC236}">
+                <a16:creationId xmlns:a16="http://schemas.microsoft.com/office/drawing/2014/main" id="{4185B2FE-C0DB-3425-291A-B785A4DA51C5}"/>
               </a:ext>
             </a:extLst>
           </p:cNvPr>
@@ -12588,13 +12989,106 @@
             <a:spLocks noGrp="1"/>
           </p:cNvSpPr>
           <p:nvPr>
+            <p:ph type="title"/>
+          </p:nvPr>
+        </p:nvSpPr>
+        <p:spPr>
+          <a:xfrm>
+            <a:off x="1392667" y="594294"/>
+            <a:ext cx="4508946" cy="1325563"/>
+          </a:xfrm>
+        </p:spPr>
+        <p:txBody>
+          <a:bodyPr anchor="b">
+            <a:normAutofit/>
+          </a:bodyPr>
+          <a:lstStyle/>
+          <a:p>
+            <a:r>
+              <a:rPr lang="zh-TW" altLang="en-US">
+                <a:solidFill>
+                  <a:schemeClr val="bg1"/>
+                </a:solidFill>
+                <a:latin typeface="微軟正黑體"/>
+                <a:ea typeface="微軟正黑體"/>
+              </a:rPr>
+              <a:t>Whisper</a:t>
+            </a:r>
+          </a:p>
+        </p:txBody>
+      </p:sp>
+      <p:cxnSp>
+        <p:nvCxnSpPr>
+          <p:cNvPr id="40" name="Straight Connector 39">
+            <a:extLst>
+              <a:ext uri="{FF2B5EF4-FFF2-40B4-BE49-F238E27FC236}">
+                <a16:creationId xmlns:a16="http://schemas.microsoft.com/office/drawing/2014/main" id="{EE504C98-6397-41C1-A8D8-2D9C4ED307E0}"/>
+              </a:ext>
+              <a:ext uri="{C183D7F6-B498-43B3-948B-1728B52AA6E4}">
+                <adec:decorative xmlns:adec="http://schemas.microsoft.com/office/drawing/2017/decorative" val="1"/>
+              </a:ext>
+            </a:extLst>
+          </p:cNvPr>
+          <p:cNvCxnSpPr>
+            <a:cxnSpLocks noGrp="1" noRot="1" noChangeAspect="1" noMove="1" noResize="1" noEditPoints="1" noAdjustHandles="1" noChangeArrowheads="1" noChangeShapeType="1"/>
+          </p:cNvCxnSpPr>
+          <p:nvPr>
+            <p:extLst>
+              <p:ext uri="{386F3935-93C4-4BCD-93E2-E3B085C9AB24}">
+                <p16:designElem xmlns:p16="http://schemas.microsoft.com/office/powerpoint/2015/main" val="1"/>
+              </p:ext>
+            </p:extLst>
+          </p:nvPr>
+        </p:nvCxnSpPr>
+        <p:spPr>
+          <a:xfrm flipH="1">
+            <a:off x="126210" y="2026340"/>
+            <a:ext cx="5220936" cy="0"/>
+          </a:xfrm>
+          <a:prstGeom prst="line">
+            <a:avLst/>
+          </a:prstGeom>
+          <a:ln w="12700">
+            <a:solidFill>
+              <a:schemeClr val="accent2"/>
+            </a:solidFill>
+          </a:ln>
+        </p:spPr>
+        <p:style>
+          <a:lnRef idx="1">
+            <a:schemeClr val="accent1"/>
+          </a:lnRef>
+          <a:fillRef idx="0">
+            <a:schemeClr val="accent1"/>
+          </a:fillRef>
+          <a:effectRef idx="0">
+            <a:schemeClr val="accent1"/>
+          </a:effectRef>
+          <a:fontRef idx="minor">
+            <a:schemeClr val="tx1"/>
+          </a:fontRef>
+        </p:style>
+      </p:cxnSp>
+      <p:sp>
+        <p:nvSpPr>
+          <p:cNvPr id="3" name="內容版面配置區 2">
+            <a:extLst>
+              <a:ext uri="{FF2B5EF4-FFF2-40B4-BE49-F238E27FC236}">
+                <a16:creationId xmlns:a16="http://schemas.microsoft.com/office/drawing/2014/main" id="{E94730DB-35A7-9DE6-D4E2-BE946897AB02}"/>
+              </a:ext>
+            </a:extLst>
+          </p:cNvPr>
+          <p:cNvSpPr>
+            <a:spLocks noGrp="1"/>
+          </p:cNvSpPr>
+          <p:nvPr>
             <p:ph idx="1"/>
           </p:nvPr>
         </p:nvSpPr>
         <p:spPr>
           <a:xfrm>
-            <a:off x="590798" y="2261054"/>
-            <a:ext cx="10515600" cy="4351338"/>
+            <a:off x="1392667" y="2398957"/>
+            <a:ext cx="9406666" cy="3526144"/>
           </a:xfrm>
         </p:spPr>
         <p:txBody>
@@ -12603,7 +13097,7 @@
           </a:bodyPr>
           <a:lstStyle/>
           <a:p>
-            <a:pPr marL="0" indent="0">
+            <a:pPr>
               <a:buNone/>
             </a:pPr>
             <a:r>
@@ -12611,97 +13105,20 @@
                 <a:solidFill>
                   <a:schemeClr val="bg1"/>
                 </a:solidFill>
-              </a:rPr>
-              <a:t>目前進度: </a:t>
-            </a:r>
-          </a:p>
-          <a:p>
-            <a:r>
-              <a:rPr lang="zh-TW" altLang="en-US">
-                <a:solidFill>
-                  <a:schemeClr val="bg1"/>
-                </a:solidFill>
-              </a:rPr>
-              <a:t>能夠接收hubert的transformer layer的輸出作為語音特徵輸入，</a:t>
-            </a:r>
-            <a:endParaRPr lang="zh-TW" altLang="en-US" dirty="0">
-              <a:solidFill>
-                <a:schemeClr val="bg1"/>
-              </a:solidFill>
-            </a:endParaRPr>
-          </a:p>
-          <a:p>
-            <a:pPr marL="0" indent="0">
-              <a:buNone/>
-            </a:pPr>
-            <a:r>
-              <a:rPr lang="zh-TW" altLang="en-US">
-                <a:solidFill>
-                  <a:schemeClr val="bg1"/>
-                </a:solidFill>
-              </a:rPr>
-              <a:t>  並輸出評分</a:t>
-            </a:r>
-            <a:endParaRPr lang="zh-TW" altLang="en-US" dirty="0">
-              <a:solidFill>
-                <a:schemeClr val="bg1"/>
-              </a:solidFill>
-            </a:endParaRPr>
-          </a:p>
-          <a:p>
-            <a:pPr marL="0" indent="0">
-              <a:buNone/>
-            </a:pPr>
-            <a:r>
-              <a:rPr lang="zh-TW" altLang="en-US">
-                <a:solidFill>
-                  <a:schemeClr val="bg1"/>
-                </a:solidFill>
-              </a:rPr>
-              <a:t>目前問題: </a:t>
-            </a:r>
-          </a:p>
-          <a:p>
-            <a:r>
-              <a:rPr lang="zh-TW" altLang="en-US">
-                <a:solidFill>
-                  <a:schemeClr val="bg1"/>
-                </a:solidFill>
-              </a:rPr>
-              <a:t>Embedding的方面不是很清楚其運作方式</a:t>
-            </a:r>
-            <a:endParaRPr lang="zh-TW" altLang="en-US" dirty="0">
-              <a:solidFill>
-                <a:schemeClr val="bg1"/>
-              </a:solidFill>
-            </a:endParaRPr>
-          </a:p>
-          <a:p>
-            <a:r>
-              <a:rPr lang="zh-TW" altLang="en-US">
-                <a:solidFill>
-                  <a:schemeClr val="bg1"/>
-                </a:solidFill>
-              </a:rPr>
-              <a:t>評分模型對於音檔的輸入總是輸出一樣的分數，估計是訓練資料不足</a:t>
-            </a:r>
-            <a:endParaRPr lang="zh-TW" altLang="en-US" dirty="0">
-              <a:solidFill>
-                <a:schemeClr val="bg1"/>
-              </a:solidFill>
-            </a:endParaRPr>
-          </a:p>
-          <a:p>
-            <a:pPr marL="0" indent="0">
-              <a:buNone/>
-            </a:pPr>
-            <a:r>
-              <a:rPr lang="zh-TW" altLang="en-US">
-                <a:solidFill>
-                  <a:schemeClr val="bg1"/>
-                </a:solidFill>
-              </a:rPr>
-              <a:t>研究參考: </a:t>
+                <a:latin typeface="Microsoft JhengHei"/>
+                <a:ea typeface="Microsoft JhengHei"/>
+              </a:rPr>
+              <a:t>目前</a:t>
+            </a:r>
+            <a:r>
+              <a:rPr lang="zh-TW">
+                <a:solidFill>
+                  <a:schemeClr val="bg1"/>
+                </a:solidFill>
+                <a:latin typeface="Microsoft JhengHei"/>
+                <a:ea typeface="Microsoft JhengHei"/>
+              </a:rPr>
+              <a:t>進度:</a:t>
             </a:r>
             <a:endParaRPr lang="zh-TW">
               <a:solidFill>
@@ -12710,7 +13127,611 @@
             </a:endParaRPr>
           </a:p>
           <a:p>
-            <a:endParaRPr lang="zh-TW" dirty="0">
+            <a:pPr marL="0" indent="0">
+              <a:buNone/>
+            </a:pPr>
+            <a:r>
+              <a:rPr lang="zh-TW" altLang="en-US">
+                <a:solidFill>
+                  <a:schemeClr val="bg1"/>
+                </a:solidFill>
+              </a:rPr>
+              <a:t>能利用Whisper，將音檔轉換成文字</a:t>
+            </a:r>
+          </a:p>
+          <a:p>
+            <a:pPr marL="0" indent="0">
+              <a:buNone/>
+            </a:pPr>
+            <a:r>
+              <a:rPr lang="zh-TW" altLang="en-US">
+                <a:solidFill>
+                  <a:schemeClr val="bg1"/>
+                </a:solidFill>
+              </a:rPr>
+              <a:t>正在研究:</a:t>
+            </a:r>
+          </a:p>
+          <a:p>
+            <a:pPr marL="0" indent="0">
+              <a:buNone/>
+            </a:pPr>
+            <a:r>
+              <a:rPr lang="zh-TW" altLang="en-US">
+                <a:solidFill>
+                  <a:schemeClr val="bg1"/>
+                </a:solidFill>
+              </a:rPr>
+              <a:t>評估Whisper的準確度</a:t>
+            </a:r>
+          </a:p>
+          <a:p>
+            <a:pPr marL="0" indent="0">
+              <a:buNone/>
+            </a:pPr>
+            <a:endParaRPr lang="zh-TW" altLang="en-US" sz="2000">
+              <a:solidFill>
+                <a:schemeClr val="bg1"/>
+              </a:solidFill>
+            </a:endParaRPr>
+          </a:p>
+          <a:p>
+            <a:pPr marL="0" indent="0">
+              <a:buNone/>
+            </a:pPr>
+            <a:endParaRPr lang="zh-TW" altLang="en-US" sz="2000">
+              <a:solidFill>
+                <a:schemeClr val="bg1"/>
+              </a:solidFill>
+            </a:endParaRPr>
+          </a:p>
+        </p:txBody>
+      </p:sp>
+      <p:sp>
+        <p:nvSpPr>
+          <p:cNvPr id="42" name="Rectangle 41">
+            <a:extLst>
+              <a:ext uri="{FF2B5EF4-FFF2-40B4-BE49-F238E27FC236}">
+                <a16:creationId xmlns:a16="http://schemas.microsoft.com/office/drawing/2014/main" id="{9DD005C1-8C51-42D6-9BEE-B9B83849743D}"/>
+              </a:ext>
+              <a:ext uri="{C183D7F6-B498-43B3-948B-1728B52AA6E4}">
+                <adec:decorative xmlns:adec="http://schemas.microsoft.com/office/drawing/2017/decorative" val="1"/>
+              </a:ext>
+            </a:extLst>
+          </p:cNvPr>
+          <p:cNvSpPr>
+            <a:spLocks noGrp="1" noRot="1" noChangeAspect="1" noMove="1" noResize="1" noEditPoints="1" noAdjustHandles="1" noChangeArrowheads="1" noChangeShapeType="1" noTextEdit="1"/>
+          </p:cNvSpPr>
+          <p:nvPr>
+            <p:extLst>
+              <p:ext uri="{386F3935-93C4-4BCD-93E2-E3B085C9AB24}">
+                <p16:designElem xmlns:p16="http://schemas.microsoft.com/office/powerpoint/2015/main" val="1"/>
+              </p:ext>
+            </p:extLst>
+          </p:nvPr>
+        </p:nvSpPr>
+        <p:spPr>
+          <a:xfrm>
+            <a:off x="126206" y="115193"/>
+            <a:ext cx="11939588" cy="6627614"/>
+          </a:xfrm>
+          <a:prstGeom prst="rect">
+            <a:avLst/>
+          </a:prstGeom>
+          <a:noFill/>
+          <a:ln w="12700">
+            <a:solidFill>
+              <a:schemeClr val="accent2"/>
+            </a:solidFill>
+          </a:ln>
+        </p:spPr>
+        <p:style>
+          <a:lnRef idx="2">
+            <a:schemeClr val="accent1">
+              <a:shade val="50000"/>
+            </a:schemeClr>
+          </a:lnRef>
+          <a:fillRef idx="1">
+            <a:schemeClr val="accent1"/>
+          </a:fillRef>
+          <a:effectRef idx="0">
+            <a:schemeClr val="accent1"/>
+          </a:effectRef>
+          <a:fontRef idx="minor">
+            <a:schemeClr val="lt1"/>
+          </a:fontRef>
+        </p:style>
+        <p:txBody>
+          <a:bodyPr rtlCol="0" anchor="ctr"/>
+          <a:lstStyle/>
+          <a:p>
+            <a:pPr marL="0" marR="0" lvl="0" indent="0" algn="ctr" defTabSz="914400" rtl="0" eaLnBrk="1" fontAlgn="auto" latinLnBrk="0" hangingPunct="1">
+              <a:lnSpc>
+                <a:spcPct val="100000"/>
+              </a:lnSpc>
+              <a:spcBef>
+                <a:spcPts val="0"/>
+              </a:spcBef>
+              <a:spcAft>
+                <a:spcPts val="0"/>
+              </a:spcAft>
+              <a:buClrTx/>
+              <a:buSzTx/>
+              <a:buFontTx/>
+              <a:buNone/>
+              <a:tabLst/>
+              <a:defRPr/>
+            </a:pPr>
+            <a:endParaRPr kumimoji="0" lang="en-US" sz="1800" b="0" i="0" u="none" strike="noStrike" kern="1200" cap="none" spc="0" normalizeH="0" baseline="0" noProof="0">
+              <a:ln>
+                <a:noFill/>
+              </a:ln>
+              <a:solidFill>
+                <a:prstClr val="white"/>
+              </a:solidFill>
+              <a:effectLst/>
+              <a:uLnTx/>
+              <a:uFillTx/>
+              <a:latin typeface="微軟正黑體"/>
+              <a:ea typeface="微軟正黑體"/>
+              <a:cs typeface="+mn-cs"/>
+            </a:endParaRPr>
+          </a:p>
+        </p:txBody>
+      </p:sp>
+    </p:spTree>
+    <p:extLst>
+      <p:ext uri="{BB962C8B-B14F-4D97-AF65-F5344CB8AC3E}">
+        <p14:creationId xmlns:p14="http://schemas.microsoft.com/office/powerpoint/2010/main" val="1346127065"/>
+      </p:ext>
+    </p:extLst>
+  </p:cSld>
+  <p:clrMapOvr>
+    <a:masterClrMapping/>
+  </p:clrMapOvr>
+  <mc:AlternateContent xmlns:mc="http://schemas.openxmlformats.org/markup-compatibility/2006">
+    <mc:Choice xmlns:p159="http://schemas.microsoft.com/office/powerpoint/2015/09/main" Requires="p159">
+      <p:transition xmlns:p14="http://schemas.microsoft.com/office/powerpoint/2010/main" spd="slow" p14:dur="2000">
+        <p159:morph option="byObject"/>
+      </p:transition>
+    </mc:Choice>
+    <mc:Fallback>
+      <p:transition spd="slow">
+        <p:fade/>
+      </p:transition>
+    </mc:Fallback>
+  </mc:AlternateContent>
+</p:sld>
+</file>
+
+<file path=ppt/slides/slide26.xml><?xml version="1.0" encoding="utf-8"?>
+<p:sld xmlns:a="http://schemas.openxmlformats.org/drawingml/2006/main" xmlns:r="http://schemas.openxmlformats.org/officeDocument/2006/relationships" xmlns:p="http://schemas.openxmlformats.org/presentationml/2006/main">
+  <p:cSld>
+    <p:bg>
+      <p:bgPr>
+        <a:solidFill>
+          <a:schemeClr val="bg1"/>
+        </a:solidFill>
+        <a:effectLst/>
+      </p:bgPr>
+    </p:bg>
+    <p:spTree>
+      <p:nvGrpSpPr>
+        <p:cNvPr id="1" name=""/>
+        <p:cNvGrpSpPr/>
+        <p:nvPr/>
+      </p:nvGrpSpPr>
+      <p:grpSpPr>
+        <a:xfrm>
+          <a:off x="0" y="0"/>
+          <a:ext cx="0" cy="0"/>
+          <a:chOff x="0" y="0"/>
+          <a:chExt cx="0" cy="0"/>
+        </a:xfrm>
+      </p:grpSpPr>
+      <p:sp>
+        <p:nvSpPr>
+          <p:cNvPr id="38" name="Rectangle 37">
+            <a:extLst>
+              <a:ext uri="{FF2B5EF4-FFF2-40B4-BE49-F238E27FC236}">
+                <a16:creationId xmlns:a16="http://schemas.microsoft.com/office/drawing/2014/main" id="{A7AE9375-4664-4DB2-922D-2782A6E439AC}"/>
+              </a:ext>
+              <a:ext uri="{C183D7F6-B498-43B3-948B-1728B52AA6E4}">
+                <adec:decorative xmlns:adec="http://schemas.microsoft.com/office/drawing/2017/decorative" val="1"/>
+              </a:ext>
+            </a:extLst>
+          </p:cNvPr>
+          <p:cNvSpPr>
+            <a:spLocks noGrp="1" noRot="1" noChangeAspect="1" noMove="1" noResize="1" noEditPoints="1" noAdjustHandles="1" noChangeArrowheads="1" noChangeShapeType="1" noTextEdit="1"/>
+          </p:cNvSpPr>
+          <p:nvPr>
+            <p:extLst>
+              <p:ext uri="{386F3935-93C4-4BCD-93E2-E3B085C9AB24}">
+                <p16:designElem xmlns:p16="http://schemas.microsoft.com/office/powerpoint/2015/main" val="1"/>
+              </p:ext>
+            </p:extLst>
+          </p:nvPr>
+        </p:nvSpPr>
+        <p:spPr>
+          <a:xfrm>
+            <a:off x="0" y="0"/>
+            <a:ext cx="12192000" cy="6858000"/>
+          </a:xfrm>
+          <a:prstGeom prst="rect">
+            <a:avLst/>
+          </a:prstGeom>
+          <a:solidFill>
+            <a:schemeClr val="tx1">
+              <a:lumMod val="95000"/>
+              <a:lumOff val="5000"/>
+            </a:schemeClr>
+          </a:solidFill>
+          <a:ln>
+            <a:noFill/>
+          </a:ln>
+        </p:spPr>
+        <p:style>
+          <a:lnRef idx="2">
+            <a:schemeClr val="accent1">
+              <a:shade val="50000"/>
+            </a:schemeClr>
+          </a:lnRef>
+          <a:fillRef idx="1">
+            <a:schemeClr val="accent1"/>
+          </a:fillRef>
+          <a:effectRef idx="0">
+            <a:schemeClr val="accent1"/>
+          </a:effectRef>
+          <a:fontRef idx="minor">
+            <a:schemeClr val="lt1"/>
+          </a:fontRef>
+        </p:style>
+        <p:txBody>
+          <a:bodyPr rtlCol="0" anchor="ctr"/>
+          <a:lstStyle/>
+          <a:p>
+            <a:pPr marL="0" marR="0" lvl="0" indent="0" algn="ctr" defTabSz="914400" rtl="0" eaLnBrk="1" fontAlgn="auto" latinLnBrk="0" hangingPunct="1">
+              <a:lnSpc>
+                <a:spcPct val="100000"/>
+              </a:lnSpc>
+              <a:spcBef>
+                <a:spcPts val="0"/>
+              </a:spcBef>
+              <a:spcAft>
+                <a:spcPts val="0"/>
+              </a:spcAft>
+              <a:buClrTx/>
+              <a:buSzTx/>
+              <a:buFontTx/>
+              <a:buNone/>
+              <a:tabLst/>
+              <a:defRPr/>
+            </a:pPr>
+            <a:endParaRPr kumimoji="0" lang="en-US" sz="1800" b="0" i="0" u="none" strike="noStrike" kern="1200" cap="none" spc="0" normalizeH="0" baseline="0" noProof="0">
+              <a:ln>
+                <a:noFill/>
+              </a:ln>
+              <a:solidFill>
+                <a:prstClr val="black"/>
+              </a:solidFill>
+              <a:effectLst/>
+              <a:uLnTx/>
+              <a:uFillTx/>
+              <a:latin typeface="微軟正黑體"/>
+              <a:ea typeface="微軟正黑體"/>
+              <a:cs typeface="+mn-cs"/>
+            </a:endParaRPr>
+          </a:p>
+        </p:txBody>
+      </p:sp>
+      <p:sp>
+        <p:nvSpPr>
+          <p:cNvPr id="2" name="標題 1">
+            <a:extLst>
+              <a:ext uri="{FF2B5EF4-FFF2-40B4-BE49-F238E27FC236}">
+                <a16:creationId xmlns:a16="http://schemas.microsoft.com/office/drawing/2014/main" id="{4185B2FE-C0DB-3425-291A-B785A4DA51C5}"/>
+              </a:ext>
+            </a:extLst>
+          </p:cNvPr>
+          <p:cNvSpPr>
+            <a:spLocks noGrp="1"/>
+          </p:cNvSpPr>
+          <p:nvPr>
+            <p:ph type="title"/>
+          </p:nvPr>
+        </p:nvSpPr>
+        <p:spPr>
+          <a:xfrm>
+            <a:off x="1392667" y="594294"/>
+            <a:ext cx="6112114" cy="1325563"/>
+          </a:xfrm>
+        </p:spPr>
+        <p:txBody>
+          <a:bodyPr anchor="b">
+            <a:normAutofit/>
+          </a:bodyPr>
+          <a:lstStyle/>
+          <a:p>
+            <a:r>
+              <a:rPr lang="zh-TW" altLang="en-US">
+                <a:solidFill>
+                  <a:schemeClr val="bg1"/>
+                </a:solidFill>
+                <a:latin typeface="微軟正黑體"/>
+                <a:ea typeface="微軟正黑體"/>
+              </a:rPr>
+              <a:t>BLSTM</a:t>
+            </a:r>
+            <a:endParaRPr lang="zh-TW" altLang="en-US" sz="3000">
+              <a:solidFill>
+                <a:schemeClr val="bg1"/>
+              </a:solidFill>
+              <a:latin typeface="微軟正黑體"/>
+              <a:ea typeface="微軟正黑體"/>
+            </a:endParaRPr>
+          </a:p>
+        </p:txBody>
+      </p:sp>
+      <p:cxnSp>
+        <p:nvCxnSpPr>
+          <p:cNvPr id="40" name="Straight Connector 39">
+            <a:extLst>
+              <a:ext uri="{FF2B5EF4-FFF2-40B4-BE49-F238E27FC236}">
+                <a16:creationId xmlns:a16="http://schemas.microsoft.com/office/drawing/2014/main" id="{EE504C98-6397-41C1-A8D8-2D9C4ED307E0}"/>
+              </a:ext>
+              <a:ext uri="{C183D7F6-B498-43B3-948B-1728B52AA6E4}">
+                <adec:decorative xmlns:adec="http://schemas.microsoft.com/office/drawing/2017/decorative" val="1"/>
+              </a:ext>
+            </a:extLst>
+          </p:cNvPr>
+          <p:cNvCxnSpPr>
+            <a:cxnSpLocks noGrp="1" noRot="1" noChangeAspect="1" noMove="1" noResize="1" noEditPoints="1" noAdjustHandles="1" noChangeArrowheads="1" noChangeShapeType="1"/>
+          </p:cNvCxnSpPr>
+          <p:nvPr>
+            <p:extLst>
+              <p:ext uri="{386F3935-93C4-4BCD-93E2-E3B085C9AB24}">
+                <p16:designElem xmlns:p16="http://schemas.microsoft.com/office/powerpoint/2015/main" val="1"/>
+              </p:ext>
+            </p:extLst>
+          </p:nvPr>
+        </p:nvCxnSpPr>
+        <p:spPr>
+          <a:xfrm flipH="1">
+            <a:off x="126210" y="2026340"/>
+            <a:ext cx="5220936" cy="0"/>
+          </a:xfrm>
+          <a:prstGeom prst="line">
+            <a:avLst/>
+          </a:prstGeom>
+          <a:ln w="12700">
+            <a:solidFill>
+              <a:schemeClr val="accent2"/>
+            </a:solidFill>
+          </a:ln>
+        </p:spPr>
+        <p:style>
+          <a:lnRef idx="1">
+            <a:schemeClr val="accent1"/>
+          </a:lnRef>
+          <a:fillRef idx="0">
+            <a:schemeClr val="accent1"/>
+          </a:fillRef>
+          <a:effectRef idx="0">
+            <a:schemeClr val="accent1"/>
+          </a:effectRef>
+          <a:fontRef idx="minor">
+            <a:schemeClr val="tx1"/>
+          </a:fontRef>
+        </p:style>
+      </p:cxnSp>
+      <p:sp>
+        <p:nvSpPr>
+          <p:cNvPr id="42" name="Rectangle 41">
+            <a:extLst>
+              <a:ext uri="{FF2B5EF4-FFF2-40B4-BE49-F238E27FC236}">
+                <a16:creationId xmlns:a16="http://schemas.microsoft.com/office/drawing/2014/main" id="{9DD005C1-8C51-42D6-9BEE-B9B83849743D}"/>
+              </a:ext>
+              <a:ext uri="{C183D7F6-B498-43B3-948B-1728B52AA6E4}">
+                <adec:decorative xmlns:adec="http://schemas.microsoft.com/office/drawing/2017/decorative" val="1"/>
+              </a:ext>
+            </a:extLst>
+          </p:cNvPr>
+          <p:cNvSpPr>
+            <a:spLocks noGrp="1" noRot="1" noChangeAspect="1" noMove="1" noResize="1" noEditPoints="1" noAdjustHandles="1" noChangeArrowheads="1" noChangeShapeType="1" noTextEdit="1"/>
+          </p:cNvSpPr>
+          <p:nvPr>
+            <p:extLst>
+              <p:ext uri="{386F3935-93C4-4BCD-93E2-E3B085C9AB24}">
+                <p16:designElem xmlns:p16="http://schemas.microsoft.com/office/powerpoint/2015/main" val="1"/>
+              </p:ext>
+            </p:extLst>
+          </p:nvPr>
+        </p:nvSpPr>
+        <p:spPr>
+          <a:xfrm>
+            <a:off x="126206" y="115193"/>
+            <a:ext cx="11939588" cy="6627614"/>
+          </a:xfrm>
+          <a:prstGeom prst="rect">
+            <a:avLst/>
+          </a:prstGeom>
+          <a:noFill/>
+          <a:ln w="12700">
+            <a:solidFill>
+              <a:schemeClr val="accent2"/>
+            </a:solidFill>
+          </a:ln>
+        </p:spPr>
+        <p:style>
+          <a:lnRef idx="2">
+            <a:schemeClr val="accent1">
+              <a:shade val="50000"/>
+            </a:schemeClr>
+          </a:lnRef>
+          <a:fillRef idx="1">
+            <a:schemeClr val="accent1"/>
+          </a:fillRef>
+          <a:effectRef idx="0">
+            <a:schemeClr val="accent1"/>
+          </a:effectRef>
+          <a:fontRef idx="minor">
+            <a:schemeClr val="lt1"/>
+          </a:fontRef>
+        </p:style>
+        <p:txBody>
+          <a:bodyPr rtlCol="0" anchor="ctr"/>
+          <a:lstStyle/>
+          <a:p>
+            <a:pPr marL="0" marR="0" lvl="0" indent="0" algn="ctr" defTabSz="914400" rtl="0" eaLnBrk="1" fontAlgn="auto" latinLnBrk="0" hangingPunct="1">
+              <a:lnSpc>
+                <a:spcPct val="100000"/>
+              </a:lnSpc>
+              <a:spcBef>
+                <a:spcPts val="0"/>
+              </a:spcBef>
+              <a:spcAft>
+                <a:spcPts val="0"/>
+              </a:spcAft>
+              <a:buClrTx/>
+              <a:buSzTx/>
+              <a:buFontTx/>
+              <a:buNone/>
+              <a:tabLst/>
+              <a:defRPr/>
+            </a:pPr>
+            <a:endParaRPr kumimoji="0" lang="en-US" sz="1800" b="0" i="0" u="none" strike="noStrike" kern="1200" cap="none" spc="0" normalizeH="0" baseline="0" noProof="0">
+              <a:ln>
+                <a:noFill/>
+              </a:ln>
+              <a:solidFill>
+                <a:prstClr val="white"/>
+              </a:solidFill>
+              <a:effectLst/>
+              <a:uLnTx/>
+              <a:uFillTx/>
+              <a:latin typeface="微軟正黑體"/>
+              <a:ea typeface="微軟正黑體"/>
+              <a:cs typeface="+mn-cs"/>
+            </a:endParaRPr>
+          </a:p>
+        </p:txBody>
+      </p:sp>
+      <p:sp>
+        <p:nvSpPr>
+          <p:cNvPr id="6" name="內容版面配置區 5">
+            <a:extLst>
+              <a:ext uri="{FF2B5EF4-FFF2-40B4-BE49-F238E27FC236}">
+                <a16:creationId xmlns:a16="http://schemas.microsoft.com/office/drawing/2014/main" id="{AD94F256-4FB2-8F40-242A-DDE997FFA21C}"/>
+              </a:ext>
+            </a:extLst>
+          </p:cNvPr>
+          <p:cNvSpPr>
+            <a:spLocks noGrp="1"/>
+          </p:cNvSpPr>
+          <p:nvPr>
+            <p:ph idx="1"/>
+          </p:nvPr>
+        </p:nvSpPr>
+        <p:spPr>
+          <a:xfrm>
+            <a:off x="590798" y="2261054"/>
+            <a:ext cx="10515600" cy="4351338"/>
+          </a:xfrm>
+        </p:spPr>
+        <p:txBody>
+          <a:bodyPr vert="horz" lIns="91440" tIns="45720" rIns="91440" bIns="45720" rtlCol="0" anchor="t">
+            <a:normAutofit/>
+          </a:bodyPr>
+          <a:lstStyle/>
+          <a:p>
+            <a:pPr marL="0" indent="0">
+              <a:buNone/>
+            </a:pPr>
+            <a:r>
+              <a:rPr lang="zh-TW" altLang="en-US">
+                <a:solidFill>
+                  <a:schemeClr val="bg1"/>
+                </a:solidFill>
+              </a:rPr>
+              <a:t>目前進度: </a:t>
+            </a:r>
+          </a:p>
+          <a:p>
+            <a:r>
+              <a:rPr lang="zh-TW" altLang="en-US">
+                <a:solidFill>
+                  <a:schemeClr val="bg1"/>
+                </a:solidFill>
+              </a:rPr>
+              <a:t>能夠接收hubert的hidden layers的輸出作為語音特徵輸入，</a:t>
+            </a:r>
+          </a:p>
+          <a:p>
+            <a:pPr marL="0" indent="0">
+              <a:buNone/>
+            </a:pPr>
+            <a:r>
+              <a:rPr lang="zh-TW" altLang="en-US">
+                <a:solidFill>
+                  <a:schemeClr val="bg1"/>
+                </a:solidFill>
+              </a:rPr>
+              <a:t>  並輸出評分</a:t>
+            </a:r>
+          </a:p>
+          <a:p>
+            <a:pPr marL="0" indent="0">
+              <a:buNone/>
+            </a:pPr>
+            <a:r>
+              <a:rPr lang="zh-TW" altLang="en-US">
+                <a:solidFill>
+                  <a:schemeClr val="bg1"/>
+                </a:solidFill>
+              </a:rPr>
+              <a:t>目前問題: </a:t>
+            </a:r>
+          </a:p>
+          <a:p>
+            <a:r>
+              <a:rPr lang="zh-TW" altLang="en-US">
+                <a:solidFill>
+                  <a:schemeClr val="bg1"/>
+                </a:solidFill>
+              </a:rPr>
+              <a:t>Embedding的方面不是很清楚其運作方式</a:t>
+            </a:r>
+          </a:p>
+          <a:p>
+            <a:r>
+              <a:rPr lang="zh-TW" altLang="en-US">
+                <a:solidFill>
+                  <a:schemeClr val="bg1"/>
+                </a:solidFill>
+              </a:rPr>
+              <a:t>評分模型對於音檔的輸入總是輸出一樣的分數，估計是訓練資料不足</a:t>
+            </a:r>
+          </a:p>
+          <a:p>
+            <a:pPr marL="0" indent="0">
+              <a:buNone/>
+            </a:pPr>
+            <a:r>
+              <a:rPr lang="zh-TW" altLang="en-US">
+                <a:solidFill>
+                  <a:schemeClr val="bg1"/>
+                </a:solidFill>
+              </a:rPr>
+              <a:t>研究參考: </a:t>
+            </a:r>
+            <a:endParaRPr lang="zh-TW">
+              <a:solidFill>
+                <a:schemeClr val="bg1"/>
+              </a:solidFill>
+            </a:endParaRPr>
+          </a:p>
+          <a:p>
+            <a:endParaRPr lang="zh-TW">
               <a:solidFill>
                 <a:schemeClr val="bg1"/>
               </a:solidFill>
@@ -12740,13 +13761,13 @@
   <p:clrMapOvr>
     <a:masterClrMapping/>
   </p:clrMapOvr>
-  <mc:AlternateContent xmlns:mc="http://schemas.openxmlformats.org/markup-compatibility/2006" xmlns:p159="http://schemas.microsoft.com/office/powerpoint/2015/09/main">
-    <mc:Choice Requires="p159">
+  <mc:AlternateContent xmlns:mc="http://schemas.openxmlformats.org/markup-compatibility/2006">
+    <mc:Choice xmlns:p159="http://schemas.microsoft.com/office/powerpoint/2015/09/main" Requires="p159">
       <p:transition xmlns:p14="http://schemas.microsoft.com/office/powerpoint/2010/main" spd="slow" p14:dur="2000">
         <p159:morph option="byObject"/>
       </p:transition>
     </mc:Choice>
-    <mc:Fallback xmlns="">
+    <mc:Fallback>
       <p:transition spd="slow">
         <p:fade/>
       </p:transition>
@@ -13869,13 +14890,13 @@
   <p:clrMapOvr>
     <a:masterClrMapping/>
   </p:clrMapOvr>
-  <mc:AlternateContent xmlns:mc="http://schemas.openxmlformats.org/markup-compatibility/2006" xmlns:p159="http://schemas.microsoft.com/office/powerpoint/2015/09/main">
-    <mc:Choice Requires="p159">
+  <mc:AlternateContent xmlns:mc="http://schemas.openxmlformats.org/markup-compatibility/2006">
+    <mc:Choice xmlns:p159="http://schemas.microsoft.com/office/powerpoint/2015/09/main" Requires="p159">
       <p:transition xmlns:p14="http://schemas.microsoft.com/office/powerpoint/2010/main" spd="slow" p14:dur="2000">
         <p159:morph option="byObject"/>
       </p:transition>
     </mc:Choice>
-    <mc:Fallback xmlns="">
+    <mc:Fallback>
       <p:transition spd="slow">
         <p:fade/>
       </p:transition>
@@ -14624,13 +15645,13 @@
   <p:clrMapOvr>
     <a:masterClrMapping/>
   </p:clrMapOvr>
-  <mc:AlternateContent xmlns:mc="http://schemas.openxmlformats.org/markup-compatibility/2006" xmlns:p159="http://schemas.microsoft.com/office/powerpoint/2015/09/main">
-    <mc:Choice Requires="p159">
+  <mc:AlternateContent xmlns:mc="http://schemas.openxmlformats.org/markup-compatibility/2006">
+    <mc:Choice xmlns:p159="http://schemas.microsoft.com/office/powerpoint/2015/09/main" Requires="p159">
       <p:transition xmlns:p14="http://schemas.microsoft.com/office/powerpoint/2010/main" spd="slow" p14:dur="2000">
         <p159:morph option="byObject"/>
       </p:transition>
     </mc:Choice>
-    <mc:Fallback xmlns="">
+    <mc:Fallback>
       <p:transition spd="slow">
         <p:fade/>
       </p:transition>
@@ -15173,13 +16194,13 @@
   <p:clrMapOvr>
     <a:masterClrMapping/>
   </p:clrMapOvr>
-  <mc:AlternateContent xmlns:mc="http://schemas.openxmlformats.org/markup-compatibility/2006" xmlns:p159="http://schemas.microsoft.com/office/powerpoint/2015/09/main">
-    <mc:Choice Requires="p159">
+  <mc:AlternateContent xmlns:mc="http://schemas.openxmlformats.org/markup-compatibility/2006">
+    <mc:Choice xmlns:p159="http://schemas.microsoft.com/office/powerpoint/2015/09/main" Requires="p159">
       <p:transition xmlns:p14="http://schemas.microsoft.com/office/powerpoint/2010/main" spd="slow" p14:dur="2000">
         <p159:morph option="byObject"/>
       </p:transition>
     </mc:Choice>
-    <mc:Fallback xmlns="">
+    <mc:Fallback>
       <p:transition spd="slow">
         <p:fade/>
       </p:transition>
@@ -15531,13 +16552,13 @@
   <p:clrMapOvr>
     <a:masterClrMapping/>
   </p:clrMapOvr>
-  <mc:AlternateContent xmlns:mc="http://schemas.openxmlformats.org/markup-compatibility/2006" xmlns:p159="http://schemas.microsoft.com/office/powerpoint/2015/09/main">
-    <mc:Choice Requires="p159">
+  <mc:AlternateContent xmlns:mc="http://schemas.openxmlformats.org/markup-compatibility/2006">
+    <mc:Choice xmlns:p159="http://schemas.microsoft.com/office/powerpoint/2015/09/main" Requires="p159">
       <p:transition xmlns:p14="http://schemas.microsoft.com/office/powerpoint/2010/main" spd="slow" p14:dur="2000">
         <p159:morph option="byObject"/>
       </p:transition>
     </mc:Choice>
-    <mc:Fallback xmlns="">
+    <mc:Fallback>
       <p:transition spd="slow">
         <p:fade/>
       </p:transition>
@@ -15974,13 +16995,13 @@
   <p:clrMapOvr>
     <a:masterClrMapping/>
   </p:clrMapOvr>
-  <mc:AlternateContent xmlns:mc="http://schemas.openxmlformats.org/markup-compatibility/2006" xmlns:p159="http://schemas.microsoft.com/office/powerpoint/2015/09/main">
-    <mc:Choice Requires="p159">
+  <mc:AlternateContent xmlns:mc="http://schemas.openxmlformats.org/markup-compatibility/2006">
+    <mc:Choice xmlns:p159="http://schemas.microsoft.com/office/powerpoint/2015/09/main" Requires="p159">
       <p:transition xmlns:p14="http://schemas.microsoft.com/office/powerpoint/2010/main" spd="slow" p14:dur="2000">
         <p159:morph option="byObject"/>
       </p:transition>
     </mc:Choice>
-    <mc:Fallback xmlns="">
+    <mc:Fallback>
       <p:transition spd="slow">
         <p:fade/>
       </p:transition>
@@ -16331,13 +17352,13 @@
   <p:clrMapOvr>
     <a:masterClrMapping/>
   </p:clrMapOvr>
-  <mc:AlternateContent xmlns:mc="http://schemas.openxmlformats.org/markup-compatibility/2006" xmlns:p159="http://schemas.microsoft.com/office/powerpoint/2015/09/main">
-    <mc:Choice Requires="p159">
+  <mc:AlternateContent xmlns:mc="http://schemas.openxmlformats.org/markup-compatibility/2006">
+    <mc:Choice xmlns:p159="http://schemas.microsoft.com/office/powerpoint/2015/09/main" Requires="p159">
       <p:transition xmlns:p14="http://schemas.microsoft.com/office/powerpoint/2010/main" spd="slow" p14:dur="2000">
         <p159:morph option="byObject"/>
       </p:transition>
     </mc:Choice>
-    <mc:Fallback xmlns="">
+    <mc:Fallback>
       <p:transition spd="slow">
         <p:fade/>
       </p:transition>
@@ -16795,13 +17816,13 @@
   <p:clrMapOvr>
     <a:masterClrMapping/>
   </p:clrMapOvr>
-  <mc:AlternateContent xmlns:mc="http://schemas.openxmlformats.org/markup-compatibility/2006" xmlns:p159="http://schemas.microsoft.com/office/powerpoint/2015/09/main">
-    <mc:Choice Requires="p159">
+  <mc:AlternateContent xmlns:mc="http://schemas.openxmlformats.org/markup-compatibility/2006">
+    <mc:Choice xmlns:p159="http://schemas.microsoft.com/office/powerpoint/2015/09/main" Requires="p159">
       <p:transition xmlns:p14="http://schemas.microsoft.com/office/powerpoint/2010/main" spd="slow" p14:dur="2000">
         <p159:morph option="byObject"/>
       </p:transition>
     </mc:Choice>
-    <mc:Fallback xmlns="">
+    <mc:Fallback>
       <p:transition spd="slow">
         <p:fade/>
       </p:transition>
